--- a/#1 JS Intro/GroupIntro - ES2015.pptx
+++ b/#1 JS Intro/GroupIntro - ES2015.pptx
@@ -1174,7 +1174,51 @@
           <a:bodyPr/>
           <a:lstStyle/>
           <a:p>
-            <a:endParaRPr lang="pl-PL" dirty="0"/>
+            <a:r>
+              <a:rPr lang="en-US" sz="1200" b="0" i="0" u="none" strike="noStrike" kern="1200" baseline="0" dirty="0" smtClean="0">
+                <a:solidFill>
+                  <a:schemeClr val="tx1"/>
+                </a:solidFill>
+                <a:latin typeface="+mn-lt"/>
+                <a:ea typeface="+mn-ea"/>
+                <a:cs typeface="+mn-cs"/>
+              </a:rPr>
+              <a:t>ES2015 is the most extensive update to the</a:t>
+            </a:r>
+            <a:r>
+              <a:rPr lang="pl-PL" sz="1200" b="0" i="0" u="none" strike="noStrike" kern="1200" baseline="0" dirty="0" smtClean="0">
+                <a:solidFill>
+                  <a:schemeClr val="tx1"/>
+                </a:solidFill>
+                <a:latin typeface="+mn-lt"/>
+                <a:ea typeface="+mn-ea"/>
+                <a:cs typeface="+mn-cs"/>
+              </a:rPr>
+              <a:t> J</a:t>
+            </a:r>
+            <a:r>
+              <a:rPr lang="en-US" sz="1200" b="0" i="0" u="none" strike="noStrike" kern="1200" baseline="0" dirty="0" err="1" smtClean="0">
+                <a:solidFill>
+                  <a:schemeClr val="tx1"/>
+                </a:solidFill>
+                <a:latin typeface="+mn-lt"/>
+                <a:ea typeface="+mn-ea"/>
+                <a:cs typeface="+mn-cs"/>
+              </a:rPr>
+              <a:t>avaScript</a:t>
+            </a:r>
+            <a:r>
+              <a:rPr lang="en-US" sz="1200" b="0" i="0" u="none" strike="noStrike" kern="1200" baseline="0" dirty="0" smtClean="0">
+                <a:solidFill>
+                  <a:schemeClr val="tx1"/>
+                </a:solidFill>
+                <a:latin typeface="+mn-lt"/>
+                <a:ea typeface="+mn-ea"/>
+                <a:cs typeface="+mn-cs"/>
+              </a:rPr>
+              <a:t> language since the publication of its first edition in 1997.</a:t>
+            </a:r>
+            <a:endParaRPr lang="en-US" dirty="0"/>
           </a:p>
         </p:txBody>
       </p:sp>
@@ -1196,7 +1240,7 @@
             <a:fld id="{482BE62A-086B-44B7-8C0D-9D910583B0B1}" type="slidenum">
               <a:rPr lang="en-US" smtClean="0"/>
               <a:pPr/>
-              <a:t>10</a:t>
+              <a:t>9</a:t>
             </a:fld>
             <a:endParaRPr lang="en-US" dirty="0"/>
           </a:p>
@@ -1205,7 +1249,7 @@
     </p:spTree>
     <p:extLst>
       <p:ext uri="{BB962C8B-B14F-4D97-AF65-F5344CB8AC3E}">
-        <p14:creationId xmlns:p14="http://schemas.microsoft.com/office/powerpoint/2010/main" val="2370636429"/>
+        <p14:creationId xmlns:p14="http://schemas.microsoft.com/office/powerpoint/2010/main" val="1489824126"/>
       </p:ext>
     </p:extLst>
   </p:cSld>
@@ -1242,6 +1286,123 @@
             <p:ph type="sldImg"/>
           </p:nvPr>
         </p:nvSpPr>
+        <p:spPr/>
+      </p:sp>
+      <p:sp>
+        <p:nvSpPr>
+          <p:cNvPr id="3" name="Notes Placeholder 2"/>
+          <p:cNvSpPr>
+            <a:spLocks noGrp="1"/>
+          </p:cNvSpPr>
+          <p:nvPr>
+            <p:ph type="body" idx="1"/>
+          </p:nvPr>
+        </p:nvSpPr>
+        <p:spPr/>
+        <p:txBody>
+          <a:bodyPr/>
+          <a:lstStyle/>
+          <a:p>
+            <a:r>
+              <a:rPr lang="en-US" sz="1200" b="0" i="1" u="none" strike="noStrike" kern="1200" baseline="0" dirty="0" smtClean="0">
+                <a:solidFill>
+                  <a:schemeClr val="tx1"/>
+                </a:solidFill>
+                <a:latin typeface="+mn-lt"/>
+                <a:ea typeface="+mn-ea"/>
+                <a:cs typeface="+mn-cs"/>
+              </a:rPr>
+              <a:t>let </a:t>
+            </a:r>
+            <a:r>
+              <a:rPr lang="en-US" sz="1200" b="0" i="0" u="none" strike="noStrike" kern="1200" baseline="0" dirty="0" smtClean="0">
+                <a:solidFill>
+                  <a:schemeClr val="tx1"/>
+                </a:solidFill>
+                <a:latin typeface="+mn-lt"/>
+                <a:ea typeface="+mn-ea"/>
+                <a:cs typeface="+mn-cs"/>
+              </a:rPr>
+              <a:t>variables are scoped to the nearest block and are NOT hoisted.</a:t>
+            </a:r>
+            <a:endParaRPr lang="pl-PL" sz="1200" b="0" i="0" u="none" strike="noStrike" kern="1200" baseline="0" dirty="0" smtClean="0">
+              <a:solidFill>
+                <a:schemeClr val="tx1"/>
+              </a:solidFill>
+              <a:latin typeface="+mn-lt"/>
+              <a:ea typeface="+mn-ea"/>
+              <a:cs typeface="+mn-cs"/>
+            </a:endParaRPr>
+          </a:p>
+          <a:p>
+            <a:endParaRPr lang="pl-PL" dirty="0"/>
+          </a:p>
+        </p:txBody>
+      </p:sp>
+      <p:sp>
+        <p:nvSpPr>
+          <p:cNvPr id="4" name="Slide Number Placeholder 3"/>
+          <p:cNvSpPr>
+            <a:spLocks noGrp="1"/>
+          </p:cNvSpPr>
+          <p:nvPr>
+            <p:ph type="sldNum" sz="quarter" idx="10"/>
+          </p:nvPr>
+        </p:nvSpPr>
+        <p:spPr/>
+        <p:txBody>
+          <a:bodyPr/>
+          <a:lstStyle/>
+          <a:p>
+            <a:fld id="{482BE62A-086B-44B7-8C0D-9D910583B0B1}" type="slidenum">
+              <a:rPr lang="en-US" smtClean="0"/>
+              <a:pPr/>
+              <a:t>10</a:t>
+            </a:fld>
+            <a:endParaRPr lang="en-US" dirty="0"/>
+          </a:p>
+        </p:txBody>
+      </p:sp>
+    </p:spTree>
+    <p:extLst>
+      <p:ext uri="{BB962C8B-B14F-4D97-AF65-F5344CB8AC3E}">
+        <p14:creationId xmlns:p14="http://schemas.microsoft.com/office/powerpoint/2010/main" val="2370636429"/>
+      </p:ext>
+    </p:extLst>
+  </p:cSld>
+  <p:clrMapOvr>
+    <a:masterClrMapping/>
+  </p:clrMapOvr>
+</p:notes>
+</file>
+
+<file path=ppt/notesSlides/notesSlide4.xml><?xml version="1.0" encoding="utf-8"?>
+<p:notes xmlns:a="http://schemas.openxmlformats.org/drawingml/2006/main" xmlns:r="http://schemas.openxmlformats.org/officeDocument/2006/relationships" xmlns:p="http://schemas.openxmlformats.org/presentationml/2006/main">
+  <p:cSld>
+    <p:spTree>
+      <p:nvGrpSpPr>
+        <p:cNvPr id="1" name=""/>
+        <p:cNvGrpSpPr/>
+        <p:nvPr/>
+      </p:nvGrpSpPr>
+      <p:grpSpPr>
+        <a:xfrm>
+          <a:off x="0" y="0"/>
+          <a:ext cx="0" cy="0"/>
+          <a:chOff x="0" y="0"/>
+          <a:chExt cx="0" cy="0"/>
+        </a:xfrm>
+      </p:grpSpPr>
+      <p:sp>
+        <p:nvSpPr>
+          <p:cNvPr id="2" name="Slide Image Placeholder 1"/>
+          <p:cNvSpPr>
+            <a:spLocks noGrp="1" noRot="1" noChangeAspect="1"/>
+          </p:cNvSpPr>
+          <p:nvPr>
+            <p:ph type="sldImg"/>
+          </p:nvPr>
+        </p:nvSpPr>
         <p:spPr>
           <a:xfrm>
             <a:off x="381000" y="685800"/>
@@ -1321,7 +1482,7 @@
 </p:notes>
 </file>
 
-<file path=ppt/notesSlides/notesSlide4.xml><?xml version="1.0" encoding="utf-8"?>
+<file path=ppt/notesSlides/notesSlide5.xml><?xml version="1.0" encoding="utf-8"?>
 <p:notes xmlns:a="http://schemas.openxmlformats.org/drawingml/2006/main" xmlns:r="http://schemas.openxmlformats.org/officeDocument/2006/relationships" xmlns:p="http://schemas.openxmlformats.org/presentationml/2006/main">
   <p:cSld>
     <p:spTree>
@@ -31499,10 +31660,22 @@
           <a:lstStyle/>
           <a:p>
             <a:r>
-              <a:rPr lang="en-US" dirty="0" smtClean="0"/>
-              <a:t>One Line Headline Arial 50 pt.</a:t>
-            </a:r>
-            <a:endParaRPr lang="en-US" dirty="0"/>
+              <a:rPr lang="pl-PL" i="1" dirty="0" err="1"/>
+              <a:t>l</a:t>
+            </a:r>
+            <a:r>
+              <a:rPr lang="pl-PL" i="1" dirty="0" err="1" smtClean="0"/>
+              <a:t>et</a:t>
+            </a:r>
+            <a:r>
+              <a:rPr lang="pl-PL" dirty="0" smtClean="0"/>
+              <a:t> and </a:t>
+            </a:r>
+            <a:r>
+              <a:rPr lang="pl-PL" i="1" dirty="0" err="1" smtClean="0"/>
+              <a:t>const</a:t>
+            </a:r>
+            <a:endParaRPr lang="en-US" i="1" dirty="0"/>
           </a:p>
         </p:txBody>
       </p:sp>
@@ -31517,7 +31690,7 @@
         <p:spPr>
           <a:xfrm>
             <a:off x="1698625" y="1844675"/>
-            <a:ext cx="8751980" cy="2084388"/>
+            <a:ext cx="8751980" cy="640617"/>
           </a:xfrm>
           <a:prstGeom prst="rect">
             <a:avLst/>
@@ -31679,30 +31852,38 @@
           </a:lstStyle>
           <a:p>
             <a:r>
+              <a:rPr lang="pl-PL" dirty="0" smtClean="0">
+                <a:solidFill>
+                  <a:schemeClr val="bg2"/>
+                </a:solidFill>
+              </a:rPr>
+              <a:t>Cure for </a:t>
+            </a:r>
+            <a:r>
               <a:rPr lang="en-US" dirty="0" smtClean="0">
                 <a:solidFill>
                   <a:schemeClr val="bg2"/>
                 </a:solidFill>
               </a:rPr>
-              <a:t>A direct thought or singular statement can go in this main, larger area. Use color to </a:t>
-            </a:r>
-            <a:r>
-              <a:rPr lang="en-US" dirty="0" smtClean="0">
-                <a:solidFill>
-                  <a:schemeClr val="accent5"/>
+              <a:t>sick</a:t>
+            </a:r>
+            <a:r>
+              <a:rPr lang="pl-PL" dirty="0" smtClean="0">
+                <a:solidFill>
+                  <a:schemeClr val="bg2"/>
                 </a:solidFill>
               </a:rPr>
-              <a:t>emphasize key words</a:t>
-            </a:r>
-            <a:r>
-              <a:rPr lang="en-US" dirty="0" smtClean="0">
+              <a:t> </a:t>
+            </a:r>
+            <a:r>
+              <a:rPr lang="pl-PL" i="1" dirty="0" err="1" smtClean="0">
                 <a:solidFill>
                   <a:schemeClr val="bg2"/>
                 </a:solidFill>
               </a:rPr>
-              <a:t>. Arial 36 pt.</a:t>
-            </a:r>
-            <a:endParaRPr lang="en-US" dirty="0">
+              <a:t>var</a:t>
+            </a:r>
+            <a:endParaRPr lang="en-US" i="1" dirty="0">
               <a:solidFill>
                 <a:schemeClr val="bg2"/>
               </a:solidFill>
@@ -31882,17 +32063,261 @@
             </a:lvl9pPr>
           </a:lstStyle>
           <a:p>
-            <a:r>
-              <a:rPr lang="en-US" sz="2700" dirty="0">
+            <a:endParaRPr lang="en-US" sz="2700" dirty="0">
+              <a:solidFill>
+                <a:schemeClr val="bg2"/>
+              </a:solidFill>
+            </a:endParaRPr>
+          </a:p>
+        </p:txBody>
+      </p:sp>
+      <p:sp>
+        <p:nvSpPr>
+          <p:cNvPr id="8" name="Content Placeholder 3"/>
+          <p:cNvSpPr txBox="1">
+            <a:spLocks/>
+          </p:cNvSpPr>
+          <p:nvPr/>
+        </p:nvSpPr>
+        <p:spPr>
+          <a:xfrm>
+            <a:off x="1698625" y="2665338"/>
+            <a:ext cx="8751980" cy="1426016"/>
+          </a:xfrm>
+          <a:prstGeom prst="rect">
+            <a:avLst/>
+          </a:prstGeom>
+        </p:spPr>
+        <p:txBody>
+          <a:bodyPr/>
+          <a:lstStyle>
+            <a:lvl1pPr marL="0" indent="0" algn="l" defTabSz="914400" rtl="0" eaLnBrk="1" latinLnBrk="0" hangingPunct="1">
+              <a:lnSpc>
+                <a:spcPct val="100000"/>
+              </a:lnSpc>
+              <a:spcBef>
+                <a:spcPts val="1200"/>
+              </a:spcBef>
+              <a:buFont typeface="Arial" pitchFamily="34" charset="0"/>
+              <a:buNone/>
+              <a:defRPr sz="3600" kern="1200">
+                <a:solidFill>
+                  <a:schemeClr val="bg1"/>
+                </a:solidFill>
+                <a:latin typeface="+mn-lt"/>
+                <a:ea typeface="+mn-ea"/>
+                <a:cs typeface="+mn-cs"/>
+              </a:defRPr>
+            </a:lvl1pPr>
+            <a:lvl2pPr marL="0" indent="0" algn="l" defTabSz="914400" rtl="0" eaLnBrk="1" latinLnBrk="0" hangingPunct="1">
+              <a:lnSpc>
+                <a:spcPct val="100000"/>
+              </a:lnSpc>
+              <a:spcBef>
+                <a:spcPts val="1000"/>
+              </a:spcBef>
+              <a:buFont typeface="Arial" pitchFamily="34" charset="0"/>
+              <a:buNone/>
+              <a:defRPr sz="2700" kern="1200">
+                <a:solidFill>
+                  <a:schemeClr val="bg1"/>
+                </a:solidFill>
+                <a:latin typeface="+mn-lt"/>
+                <a:ea typeface="+mn-ea"/>
+                <a:cs typeface="+mn-cs"/>
+              </a:defRPr>
+            </a:lvl2pPr>
+            <a:lvl3pPr marL="457200" indent="-228600" algn="l" defTabSz="914400" rtl="0" eaLnBrk="1" latinLnBrk="0" hangingPunct="1">
+              <a:lnSpc>
+                <a:spcPct val="100000"/>
+              </a:lnSpc>
+              <a:spcBef>
+                <a:spcPts val="500"/>
+              </a:spcBef>
+              <a:buFont typeface="Arial" pitchFamily="34" charset="0"/>
+              <a:buChar char="•"/>
+              <a:defRPr sz="2700" kern="1200">
+                <a:solidFill>
+                  <a:schemeClr val="tx2"/>
+                </a:solidFill>
+                <a:latin typeface="+mn-lt"/>
+                <a:ea typeface="+mn-ea"/>
+                <a:cs typeface="+mn-cs"/>
+              </a:defRPr>
+            </a:lvl3pPr>
+            <a:lvl4pPr marL="685800" indent="-228600" algn="l" defTabSz="914400" rtl="0" eaLnBrk="1" latinLnBrk="0" hangingPunct="1">
+              <a:lnSpc>
+                <a:spcPct val="100000"/>
+              </a:lnSpc>
+              <a:spcBef>
+                <a:spcPts val="500"/>
+              </a:spcBef>
+              <a:buFont typeface="Arial" pitchFamily="34" charset="0"/>
+              <a:buChar char="•"/>
+              <a:defRPr sz="2000" kern="1200">
+                <a:solidFill>
+                  <a:schemeClr val="tx2"/>
+                </a:solidFill>
+                <a:latin typeface="+mn-lt"/>
+                <a:ea typeface="+mn-ea"/>
+                <a:cs typeface="+mn-cs"/>
+              </a:defRPr>
+            </a:lvl4pPr>
+            <a:lvl5pPr marL="868680" indent="-182880" algn="l" defTabSz="914400" rtl="0" eaLnBrk="1" latinLnBrk="0" hangingPunct="1">
+              <a:lnSpc>
+                <a:spcPct val="105000"/>
+              </a:lnSpc>
+              <a:spcBef>
+                <a:spcPts val="800"/>
+              </a:spcBef>
+              <a:buFont typeface="Arial" pitchFamily="34" charset="0"/>
+              <a:buChar char="•"/>
+              <a:defRPr sz="1600" kern="1200">
+                <a:solidFill>
+                  <a:schemeClr val="tx2"/>
+                </a:solidFill>
+                <a:latin typeface="+mn-lt"/>
+                <a:ea typeface="+mn-ea"/>
+                <a:cs typeface="+mn-cs"/>
+              </a:defRPr>
+            </a:lvl5pPr>
+            <a:lvl6pPr marL="2514600" indent="-228600" algn="l" defTabSz="914400" rtl="0" eaLnBrk="1" latinLnBrk="0" hangingPunct="1">
+              <a:spcBef>
+                <a:spcPct val="20000"/>
+              </a:spcBef>
+              <a:buFont typeface="Arial" pitchFamily="34" charset="0"/>
+              <a:buChar char="•"/>
+              <a:defRPr sz="2000" kern="1200">
+                <a:solidFill>
+                  <a:schemeClr val="tx1"/>
+                </a:solidFill>
+                <a:latin typeface="+mn-lt"/>
+                <a:ea typeface="+mn-ea"/>
+                <a:cs typeface="+mn-cs"/>
+              </a:defRPr>
+            </a:lvl6pPr>
+            <a:lvl7pPr marL="2971800" indent="-228600" algn="l" defTabSz="914400" rtl="0" eaLnBrk="1" latinLnBrk="0" hangingPunct="1">
+              <a:spcBef>
+                <a:spcPct val="20000"/>
+              </a:spcBef>
+              <a:buFont typeface="Arial" pitchFamily="34" charset="0"/>
+              <a:buChar char="•"/>
+              <a:defRPr sz="2000" kern="1200">
+                <a:solidFill>
+                  <a:schemeClr val="tx1"/>
+                </a:solidFill>
+                <a:latin typeface="+mn-lt"/>
+                <a:ea typeface="+mn-ea"/>
+                <a:cs typeface="+mn-cs"/>
+              </a:defRPr>
+            </a:lvl7pPr>
+            <a:lvl8pPr marL="3429000" indent="-228600" algn="l" defTabSz="914400" rtl="0" eaLnBrk="1" latinLnBrk="0" hangingPunct="1">
+              <a:spcBef>
+                <a:spcPct val="20000"/>
+              </a:spcBef>
+              <a:buFont typeface="Arial" pitchFamily="34" charset="0"/>
+              <a:buChar char="•"/>
+              <a:defRPr sz="2000" kern="1200">
+                <a:solidFill>
+                  <a:schemeClr val="tx1"/>
+                </a:solidFill>
+                <a:latin typeface="+mn-lt"/>
+                <a:ea typeface="+mn-ea"/>
+                <a:cs typeface="+mn-cs"/>
+              </a:defRPr>
+            </a:lvl8pPr>
+            <a:lvl9pPr marL="3886200" indent="-228600" algn="l" defTabSz="914400" rtl="0" eaLnBrk="1" latinLnBrk="0" hangingPunct="1">
+              <a:spcBef>
+                <a:spcPct val="20000"/>
+              </a:spcBef>
+              <a:buFont typeface="Arial" pitchFamily="34" charset="0"/>
+              <a:buChar char="•"/>
+              <a:defRPr sz="2000" kern="1200">
+                <a:solidFill>
+                  <a:schemeClr val="tx1"/>
+                </a:solidFill>
+                <a:latin typeface="+mn-lt"/>
+                <a:ea typeface="+mn-ea"/>
+                <a:cs typeface="+mn-cs"/>
+              </a:defRPr>
+            </a:lvl9pPr>
+          </a:lstStyle>
+          <a:p>
+            <a:r>
+              <a:rPr lang="pl-PL" dirty="0" err="1" smtClean="0">
                 <a:solidFill>
                   <a:schemeClr val="bg2"/>
                 </a:solidFill>
               </a:rPr>
-              <a:t>You may add an additional thought to support the main one if you need to. But please keep your ideas brief. Arial 27 pt.</a:t>
-            </a:r>
-          </a:p>
-          <a:p>
-            <a:endParaRPr lang="en-US" sz="2700" dirty="0">
+              <a:t>Don’t</a:t>
+            </a:r>
+            <a:r>
+              <a:rPr lang="pl-PL" dirty="0" smtClean="0">
+                <a:solidFill>
+                  <a:schemeClr val="bg2"/>
+                </a:solidFill>
+              </a:rPr>
+              <a:t> </a:t>
+            </a:r>
+            <a:r>
+              <a:rPr lang="pl-PL" dirty="0" err="1" smtClean="0">
+                <a:solidFill>
+                  <a:schemeClr val="bg2"/>
+                </a:solidFill>
+              </a:rPr>
+              <a:t>use</a:t>
+            </a:r>
+            <a:r>
+              <a:rPr lang="pl-PL" dirty="0" smtClean="0">
+                <a:solidFill>
+                  <a:schemeClr val="bg2"/>
+                </a:solidFill>
+              </a:rPr>
+              <a:t> </a:t>
+            </a:r>
+            <a:r>
+              <a:rPr lang="pl-PL" i="1" dirty="0" err="1" smtClean="0">
+                <a:solidFill>
+                  <a:schemeClr val="bg2"/>
+                </a:solidFill>
+              </a:rPr>
+              <a:t>var</a:t>
+            </a:r>
+            <a:r>
+              <a:rPr lang="pl-PL" dirty="0" smtClean="0">
+                <a:solidFill>
+                  <a:schemeClr val="bg2"/>
+                </a:solidFill>
+              </a:rPr>
+              <a:t>!</a:t>
+            </a:r>
+          </a:p>
+          <a:p>
+            <a:r>
+              <a:rPr lang="pl-PL" dirty="0" err="1" smtClean="0">
+                <a:solidFill>
+                  <a:schemeClr val="bg2"/>
+                </a:solidFill>
+              </a:rPr>
+              <a:t>Prefer</a:t>
+            </a:r>
+            <a:r>
+              <a:rPr lang="pl-PL" dirty="0" smtClean="0">
+                <a:solidFill>
+                  <a:schemeClr val="bg2"/>
+                </a:solidFill>
+              </a:rPr>
+              <a:t> </a:t>
+            </a:r>
+            <a:r>
+              <a:rPr lang="pl-PL" i="1" dirty="0" err="1" smtClean="0">
+                <a:solidFill>
+                  <a:schemeClr val="bg2"/>
+                </a:solidFill>
+              </a:rPr>
+              <a:t>const</a:t>
+            </a:r>
+            <a:endParaRPr lang="en-US" i="1" dirty="0">
               <a:solidFill>
                 <a:schemeClr val="bg2"/>
               </a:solidFill>
@@ -31913,9 +32338,183 @@
   <p:timing>
     <p:tnLst>
       <p:par>
-        <p:cTn id="1" dur="indefinite" restart="never" nodeType="tmRoot"/>
+        <p:cTn id="1" dur="indefinite" restart="never" nodeType="tmRoot">
+          <p:childTnLst>
+            <p:seq concurrent="1" nextAc="seek">
+              <p:cTn id="2" dur="indefinite" nodeType="mainSeq">
+                <p:childTnLst>
+                  <p:par>
+                    <p:cTn id="3" fill="hold">
+                      <p:stCondLst>
+                        <p:cond delay="indefinite"/>
+                      </p:stCondLst>
+                      <p:childTnLst>
+                        <p:par>
+                          <p:cTn id="4" fill="hold">
+                            <p:stCondLst>
+                              <p:cond delay="0"/>
+                            </p:stCondLst>
+                            <p:childTnLst>
+                              <p:par>
+                                <p:cTn id="5" presetID="1" presetClass="entr" presetSubtype="0" fill="hold" grpId="0" nodeType="clickEffect">
+                                  <p:stCondLst>
+                                    <p:cond delay="0"/>
+                                  </p:stCondLst>
+                                  <p:childTnLst>
+                                    <p:set>
+                                      <p:cBhvr>
+                                        <p:cTn id="6" dur="1" fill="hold">
+                                          <p:stCondLst>
+                                            <p:cond delay="0"/>
+                                          </p:stCondLst>
+                                        </p:cTn>
+                                        <p:tgtEl>
+                                          <p:spTgt spid="8"/>
+                                        </p:tgtEl>
+                                        <p:attrNameLst>
+                                          <p:attrName>style.visibility</p:attrName>
+                                        </p:attrNameLst>
+                                      </p:cBhvr>
+                                      <p:to>
+                                        <p:strVal val="visible"/>
+                                      </p:to>
+                                    </p:set>
+                                  </p:childTnLst>
+                                </p:cTn>
+                              </p:par>
+                            </p:childTnLst>
+                          </p:cTn>
+                        </p:par>
+                      </p:childTnLst>
+                    </p:cTn>
+                  </p:par>
+                  <p:par>
+                    <p:cTn id="7" fill="hold">
+                      <p:stCondLst>
+                        <p:cond delay="indefinite"/>
+                      </p:stCondLst>
+                      <p:childTnLst>
+                        <p:par>
+                          <p:cTn id="8" fill="hold">
+                            <p:stCondLst>
+                              <p:cond delay="0"/>
+                            </p:stCondLst>
+                            <p:childTnLst>
+                              <p:par>
+                                <p:cTn id="9" presetID="2" presetClass="exit" presetSubtype="4" fill="hold" nodeType="clickEffect">
+                                  <p:stCondLst>
+                                    <p:cond delay="0"/>
+                                  </p:stCondLst>
+                                  <p:childTnLst>
+                                    <p:anim calcmode="lin" valueType="num">
+                                      <p:cBhvr additive="base">
+                                        <p:cTn id="10" dur="500"/>
+                                        <p:tgtEl>
+                                          <p:spTgt spid="6">
+                                            <p:txEl>
+                                              <p:pRg st="0" end="0"/>
+                                            </p:txEl>
+                                          </p:spTgt>
+                                        </p:tgtEl>
+                                        <p:attrNameLst>
+                                          <p:attrName>ppt_x</p:attrName>
+                                        </p:attrNameLst>
+                                      </p:cBhvr>
+                                      <p:tavLst>
+                                        <p:tav tm="0">
+                                          <p:val>
+                                            <p:strVal val="ppt_x"/>
+                                          </p:val>
+                                        </p:tav>
+                                        <p:tav tm="100000">
+                                          <p:val>
+                                            <p:strVal val="ppt_x"/>
+                                          </p:val>
+                                        </p:tav>
+                                      </p:tavLst>
+                                    </p:anim>
+                                    <p:anim calcmode="lin" valueType="num">
+                                      <p:cBhvr additive="base">
+                                        <p:cTn id="11" dur="500"/>
+                                        <p:tgtEl>
+                                          <p:spTgt spid="6">
+                                            <p:txEl>
+                                              <p:pRg st="0" end="0"/>
+                                            </p:txEl>
+                                          </p:spTgt>
+                                        </p:tgtEl>
+                                        <p:attrNameLst>
+                                          <p:attrName>ppt_y</p:attrName>
+                                        </p:attrNameLst>
+                                      </p:cBhvr>
+                                      <p:tavLst>
+                                        <p:tav tm="0">
+                                          <p:val>
+                                            <p:strVal val="ppt_y"/>
+                                          </p:val>
+                                        </p:tav>
+                                        <p:tav tm="100000">
+                                          <p:val>
+                                            <p:strVal val="1+ppt_h/2"/>
+                                          </p:val>
+                                        </p:tav>
+                                      </p:tavLst>
+                                    </p:anim>
+                                    <p:set>
+                                      <p:cBhvr>
+                                        <p:cTn id="12" dur="1" fill="hold">
+                                          <p:stCondLst>
+                                            <p:cond delay="499"/>
+                                          </p:stCondLst>
+                                        </p:cTn>
+                                        <p:tgtEl>
+                                          <p:spTgt spid="6">
+                                            <p:txEl>
+                                              <p:pRg st="0" end="0"/>
+                                            </p:txEl>
+                                          </p:spTgt>
+                                        </p:tgtEl>
+                                        <p:attrNameLst>
+                                          <p:attrName>style.visibility</p:attrName>
+                                        </p:attrNameLst>
+                                      </p:cBhvr>
+                                      <p:to>
+                                        <p:strVal val="hidden"/>
+                                      </p:to>
+                                    </p:set>
+                                  </p:childTnLst>
+                                </p:cTn>
+                              </p:par>
+                            </p:childTnLst>
+                          </p:cTn>
+                        </p:par>
+                      </p:childTnLst>
+                    </p:cTn>
+                  </p:par>
+                </p:childTnLst>
+              </p:cTn>
+              <p:prevCondLst>
+                <p:cond evt="onPrev" delay="0">
+                  <p:tgtEl>
+                    <p:sldTgt/>
+                  </p:tgtEl>
+                </p:cond>
+              </p:prevCondLst>
+              <p:nextCondLst>
+                <p:cond evt="onNext" delay="0">
+                  <p:tgtEl>
+                    <p:sldTgt/>
+                  </p:tgtEl>
+                </p:cond>
+              </p:nextCondLst>
+            </p:seq>
+          </p:childTnLst>
+        </p:cTn>
       </p:par>
     </p:tnLst>
+    <p:bldLst>
+      <p:bldP spid="8" grpId="0"/>
+    </p:bldLst>
   </p:timing>
 </p:sld>
 </file>
@@ -40847,7 +41446,7 @@
           <p:nvPr/>
         </p:nvPicPr>
         <p:blipFill>
-          <a:blip r:embed="rId2" cstate="email">
+          <a:blip r:embed="rId3" cstate="email">
             <a:extLst>
               <a:ext uri="{28A0092B-C50C-407E-A947-70E740481C1C}">
                 <a14:useLocalDpi xmlns:a14="http://schemas.microsoft.com/office/drawing/2010/main"/>
@@ -40883,7 +41482,7 @@
           <p:nvPr/>
         </p:nvPicPr>
         <p:blipFill>
-          <a:blip r:embed="rId2" cstate="email">
+          <a:blip r:embed="rId3" cstate="email">
             <a:extLst>
               <a:ext uri="{28A0092B-C50C-407E-A947-70E740481C1C}">
                 <a14:useLocalDpi xmlns:a14="http://schemas.microsoft.com/office/drawing/2010/main"/>
@@ -40919,7 +41518,7 @@
           <p:nvPr/>
         </p:nvPicPr>
         <p:blipFill>
-          <a:blip r:embed="rId2" cstate="email">
+          <a:blip r:embed="rId3" cstate="email">
             <a:extLst>
               <a:ext uri="{28A0092B-C50C-407E-A947-70E740481C1C}">
                 <a14:useLocalDpi xmlns:a14="http://schemas.microsoft.com/office/drawing/2010/main"/>
@@ -40955,7 +41554,7 @@
           <p:nvPr/>
         </p:nvPicPr>
         <p:blipFill>
-          <a:blip r:embed="rId2" cstate="email">
+          <a:blip r:embed="rId3" cstate="email">
             <a:extLst>
               <a:ext uri="{28A0092B-C50C-407E-A947-70E740481C1C}">
                 <a14:useLocalDpi xmlns:a14="http://schemas.microsoft.com/office/drawing/2010/main"/>
@@ -40991,7 +41590,7 @@
           <p:nvPr/>
         </p:nvPicPr>
         <p:blipFill>
-          <a:blip r:embed="rId2" cstate="email">
+          <a:blip r:embed="rId3" cstate="email">
             <a:extLst>
               <a:ext uri="{28A0092B-C50C-407E-A947-70E740481C1C}">
                 <a14:useLocalDpi xmlns:a14="http://schemas.microsoft.com/office/drawing/2010/main"/>

--- a/#1 JS Intro/GroupIntro - ES2015.pptx
+++ b/#1 JS Intro/GroupIntro - ES2015.pptx
@@ -5,10 +5,10 @@
     <p:sldMasterId id="2147483648" r:id="rId4"/>
   </p:sldMasterIdLst>
   <p:notesMasterIdLst>
-    <p:notesMasterId r:id="rId23"/>
+    <p:notesMasterId r:id="rId25"/>
   </p:notesMasterIdLst>
   <p:handoutMasterIdLst>
-    <p:handoutMasterId r:id="rId24"/>
+    <p:handoutMasterId r:id="rId26"/>
   </p:handoutMasterIdLst>
   <p:sldIdLst>
     <p:sldId id="379" r:id="rId5"/>
@@ -21,14 +21,16 @@
     <p:sldId id="387" r:id="rId12"/>
     <p:sldId id="384" r:id="rId13"/>
     <p:sldId id="331" r:id="rId14"/>
-    <p:sldId id="383" r:id="rId15"/>
-    <p:sldId id="291" r:id="rId16"/>
-    <p:sldId id="292" r:id="rId17"/>
-    <p:sldId id="361" r:id="rId18"/>
-    <p:sldId id="342" r:id="rId19"/>
-    <p:sldId id="364" r:id="rId20"/>
-    <p:sldId id="367" r:id="rId21"/>
-    <p:sldId id="372" r:id="rId22"/>
+    <p:sldId id="389" r:id="rId15"/>
+    <p:sldId id="390" r:id="rId16"/>
+    <p:sldId id="383" r:id="rId17"/>
+    <p:sldId id="291" r:id="rId18"/>
+    <p:sldId id="292" r:id="rId19"/>
+    <p:sldId id="361" r:id="rId20"/>
+    <p:sldId id="342" r:id="rId21"/>
+    <p:sldId id="364" r:id="rId22"/>
+    <p:sldId id="367" r:id="rId23"/>
+    <p:sldId id="372" r:id="rId24"/>
   </p:sldIdLst>
   <p:sldSz cx="12192000" cy="6858000"/>
   <p:notesSz cx="6858000" cy="9144000"/>
@@ -1403,12 +1405,7 @@
             <p:ph type="sldImg"/>
           </p:nvPr>
         </p:nvSpPr>
-        <p:spPr>
-          <a:xfrm>
-            <a:off x="381000" y="685800"/>
-            <a:ext cx="6096000" cy="3429000"/>
-          </a:xfrm>
-        </p:spPr>
+        <p:spPr/>
       </p:sp>
       <p:sp>
         <p:nvSpPr>
@@ -1422,26 +1419,21 @@
         </p:nvSpPr>
         <p:spPr/>
         <p:txBody>
-          <a:bodyPr>
-            <a:normAutofit/>
-          </a:bodyPr>
+          <a:bodyPr/>
           <a:lstStyle/>
           <a:p>
             <a:r>
-              <a:rPr lang="en-US" dirty="0"/>
-              <a:t>Slide contains 3 separate tables to type in a question in top row, and answer or explanation in second</a:t>
-            </a:r>
-            <a:r>
-              <a:rPr lang="en-US" baseline="0" dirty="0"/>
-              <a:t> row. Delete tables not needed.</a:t>
-            </a:r>
-          </a:p>
-          <a:p>
-            <a:r>
-              <a:rPr lang="en-US" baseline="0" dirty="0"/>
-              <a:t>Animation is set to Fade on with a click. First question automatically appears in slide show mode. Click for remaining questions to build.</a:t>
-            </a:r>
-            <a:endParaRPr lang="en-US" dirty="0"/>
+              <a:rPr lang="pl-PL" sz="1200" b="0" i="1" u="none" strike="noStrike" kern="1200" baseline="0" dirty="0" smtClean="0">
+                <a:solidFill>
+                  <a:schemeClr val="tx1"/>
+                </a:solidFill>
+                <a:latin typeface="+mn-lt"/>
+                <a:ea typeface="+mn-ea"/>
+                <a:cs typeface="+mn-cs"/>
+              </a:rPr>
+              <a:t>MD</a:t>
+            </a:r>
+            <a:endParaRPr lang="pl-PL" dirty="0"/>
           </a:p>
         </p:txBody>
       </p:sp>
@@ -1463,7 +1455,7 @@
             <a:fld id="{482BE62A-086B-44B7-8C0D-9D910583B0B1}" type="slidenum">
               <a:rPr lang="en-US" smtClean="0"/>
               <a:pPr/>
-              <a:t>12</a:t>
+              <a:t>11</a:t>
             </a:fld>
             <a:endParaRPr lang="en-US" dirty="0"/>
           </a:p>
@@ -1472,7 +1464,7 @@
     </p:spTree>
     <p:extLst>
       <p:ext uri="{BB962C8B-B14F-4D97-AF65-F5344CB8AC3E}">
-        <p14:creationId xmlns:p14="http://schemas.microsoft.com/office/powerpoint/2010/main" val="952043000"/>
+        <p14:creationId xmlns:p14="http://schemas.microsoft.com/office/powerpoint/2010/main" val="2043512080"/>
       </p:ext>
     </p:extLst>
   </p:cSld>
@@ -1509,6 +1501,94 @@
             <p:ph type="sldImg"/>
           </p:nvPr>
         </p:nvSpPr>
+        <p:spPr/>
+      </p:sp>
+      <p:sp>
+        <p:nvSpPr>
+          <p:cNvPr id="3" name="Notes Placeholder 2"/>
+          <p:cNvSpPr>
+            <a:spLocks noGrp="1"/>
+          </p:cNvSpPr>
+          <p:nvPr>
+            <p:ph type="body" idx="1"/>
+          </p:nvPr>
+        </p:nvSpPr>
+        <p:spPr/>
+        <p:txBody>
+          <a:bodyPr/>
+          <a:lstStyle/>
+          <a:p>
+            <a:pPr marL="0" indent="0">
+              <a:buNone/>
+            </a:pPr>
+            <a:endParaRPr lang="pl-PL" dirty="0"/>
+          </a:p>
+        </p:txBody>
+      </p:sp>
+      <p:sp>
+        <p:nvSpPr>
+          <p:cNvPr id="4" name="Slide Number Placeholder 3"/>
+          <p:cNvSpPr>
+            <a:spLocks noGrp="1"/>
+          </p:cNvSpPr>
+          <p:nvPr>
+            <p:ph type="sldNum" sz="quarter" idx="10"/>
+          </p:nvPr>
+        </p:nvSpPr>
+        <p:spPr/>
+        <p:txBody>
+          <a:bodyPr/>
+          <a:lstStyle/>
+          <a:p>
+            <a:fld id="{482BE62A-086B-44B7-8C0D-9D910583B0B1}" type="slidenum">
+              <a:rPr lang="en-US" smtClean="0"/>
+              <a:pPr/>
+              <a:t>12</a:t>
+            </a:fld>
+            <a:endParaRPr lang="en-US" dirty="0"/>
+          </a:p>
+        </p:txBody>
+      </p:sp>
+    </p:spTree>
+    <p:extLst>
+      <p:ext uri="{BB962C8B-B14F-4D97-AF65-F5344CB8AC3E}">
+        <p14:creationId xmlns:p14="http://schemas.microsoft.com/office/powerpoint/2010/main" val="534709690"/>
+      </p:ext>
+    </p:extLst>
+  </p:cSld>
+  <p:clrMapOvr>
+    <a:masterClrMapping/>
+  </p:clrMapOvr>
+</p:notes>
+</file>
+
+<file path=ppt/notesSlides/notesSlide6.xml><?xml version="1.0" encoding="utf-8"?>
+<p:notes xmlns:a="http://schemas.openxmlformats.org/drawingml/2006/main" xmlns:r="http://schemas.openxmlformats.org/officeDocument/2006/relationships" xmlns:p="http://schemas.openxmlformats.org/presentationml/2006/main">
+  <p:cSld>
+    <p:spTree>
+      <p:nvGrpSpPr>
+        <p:cNvPr id="1" name=""/>
+        <p:cNvGrpSpPr/>
+        <p:nvPr/>
+      </p:nvGrpSpPr>
+      <p:grpSpPr>
+        <a:xfrm>
+          <a:off x="0" y="0"/>
+          <a:ext cx="0" cy="0"/>
+          <a:chOff x="0" y="0"/>
+          <a:chExt cx="0" cy="0"/>
+        </a:xfrm>
+      </p:grpSpPr>
+      <p:sp>
+        <p:nvSpPr>
+          <p:cNvPr id="2" name="Slide Image Placeholder 1"/>
+          <p:cNvSpPr>
+            <a:spLocks noGrp="1" noRot="1" noChangeAspect="1"/>
+          </p:cNvSpPr>
+          <p:nvPr>
+            <p:ph type="sldImg"/>
+          </p:nvPr>
+        </p:nvSpPr>
         <p:spPr>
           <a:xfrm>
             <a:off x="381000" y="685800"/>
@@ -1535,7 +1615,7 @@
           <a:p>
             <a:r>
               <a:rPr lang="en-US" dirty="0"/>
-              <a:t>Slide contains 4 separate tables to type in a question in top row, and answer or explanation in second</a:t>
+              <a:t>Slide contains 3 separate tables to type in a question in top row, and answer or explanation in second</a:t>
             </a:r>
             <a:r>
               <a:rPr lang="en-US" baseline="0" dirty="0"/>
@@ -1569,7 +1649,113 @@
             <a:fld id="{482BE62A-086B-44B7-8C0D-9D910583B0B1}" type="slidenum">
               <a:rPr lang="en-US" smtClean="0"/>
               <a:pPr/>
-              <a:t>13</a:t>
+              <a:t>14</a:t>
+            </a:fld>
+            <a:endParaRPr lang="en-US" dirty="0"/>
+          </a:p>
+        </p:txBody>
+      </p:sp>
+    </p:spTree>
+    <p:extLst>
+      <p:ext uri="{BB962C8B-B14F-4D97-AF65-F5344CB8AC3E}">
+        <p14:creationId xmlns:p14="http://schemas.microsoft.com/office/powerpoint/2010/main" val="952043000"/>
+      </p:ext>
+    </p:extLst>
+  </p:cSld>
+  <p:clrMapOvr>
+    <a:masterClrMapping/>
+  </p:clrMapOvr>
+</p:notes>
+</file>
+
+<file path=ppt/notesSlides/notesSlide7.xml><?xml version="1.0" encoding="utf-8"?>
+<p:notes xmlns:a="http://schemas.openxmlformats.org/drawingml/2006/main" xmlns:r="http://schemas.openxmlformats.org/officeDocument/2006/relationships" xmlns:p="http://schemas.openxmlformats.org/presentationml/2006/main">
+  <p:cSld>
+    <p:spTree>
+      <p:nvGrpSpPr>
+        <p:cNvPr id="1" name=""/>
+        <p:cNvGrpSpPr/>
+        <p:nvPr/>
+      </p:nvGrpSpPr>
+      <p:grpSpPr>
+        <a:xfrm>
+          <a:off x="0" y="0"/>
+          <a:ext cx="0" cy="0"/>
+          <a:chOff x="0" y="0"/>
+          <a:chExt cx="0" cy="0"/>
+        </a:xfrm>
+      </p:grpSpPr>
+      <p:sp>
+        <p:nvSpPr>
+          <p:cNvPr id="2" name="Slide Image Placeholder 1"/>
+          <p:cNvSpPr>
+            <a:spLocks noGrp="1" noRot="1" noChangeAspect="1"/>
+          </p:cNvSpPr>
+          <p:nvPr>
+            <p:ph type="sldImg"/>
+          </p:nvPr>
+        </p:nvSpPr>
+        <p:spPr>
+          <a:xfrm>
+            <a:off x="381000" y="685800"/>
+            <a:ext cx="6096000" cy="3429000"/>
+          </a:xfrm>
+        </p:spPr>
+      </p:sp>
+      <p:sp>
+        <p:nvSpPr>
+          <p:cNvPr id="3" name="Notes Placeholder 2"/>
+          <p:cNvSpPr>
+            <a:spLocks noGrp="1"/>
+          </p:cNvSpPr>
+          <p:nvPr>
+            <p:ph type="body" idx="1"/>
+          </p:nvPr>
+        </p:nvSpPr>
+        <p:spPr/>
+        <p:txBody>
+          <a:bodyPr>
+            <a:normAutofit/>
+          </a:bodyPr>
+          <a:lstStyle/>
+          <a:p>
+            <a:r>
+              <a:rPr lang="en-US" dirty="0"/>
+              <a:t>Slide contains 4 separate tables to type in a question in top row, and answer or explanation in second</a:t>
+            </a:r>
+            <a:r>
+              <a:rPr lang="en-US" baseline="0" dirty="0"/>
+              <a:t> row. Delete tables not needed.</a:t>
+            </a:r>
+          </a:p>
+          <a:p>
+            <a:r>
+              <a:rPr lang="en-US" baseline="0" dirty="0"/>
+              <a:t>Animation is set to Fade on with a click. First question automatically appears in slide show mode. Click for remaining questions to build.</a:t>
+            </a:r>
+            <a:endParaRPr lang="en-US" dirty="0"/>
+          </a:p>
+        </p:txBody>
+      </p:sp>
+      <p:sp>
+        <p:nvSpPr>
+          <p:cNvPr id="4" name="Slide Number Placeholder 3"/>
+          <p:cNvSpPr>
+            <a:spLocks noGrp="1"/>
+          </p:cNvSpPr>
+          <p:nvPr>
+            <p:ph type="sldNum" sz="quarter" idx="10"/>
+          </p:nvPr>
+        </p:nvSpPr>
+        <p:spPr/>
+        <p:txBody>
+          <a:bodyPr/>
+          <a:lstStyle/>
+          <a:p>
+            <a:fld id="{482BE62A-086B-44B7-8C0D-9D910583B0B1}" type="slidenum">
+              <a:rPr lang="en-US" smtClean="0"/>
+              <a:pPr/>
+              <a:t>15</a:t>
             </a:fld>
             <a:endParaRPr lang="en-US" dirty="0"/>
           </a:p>
@@ -32538,6 +32724,844 @@
       </p:grpSpPr>
       <p:sp>
         <p:nvSpPr>
+          <p:cNvPr id="2" name="Slide Number Placeholder 1"/>
+          <p:cNvSpPr>
+            <a:spLocks noGrp="1"/>
+          </p:cNvSpPr>
+          <p:nvPr>
+            <p:ph type="sldNum" sz="quarter" idx="12"/>
+          </p:nvPr>
+        </p:nvSpPr>
+        <p:spPr/>
+        <p:txBody>
+          <a:bodyPr/>
+          <a:lstStyle/>
+          <a:p>
+            <a:fld id="{0D558541-60C9-42A2-8392-FF12533A6B7A}" type="slidenum">
+              <a:rPr lang="en-US" smtClean="0"/>
+              <a:pPr/>
+              <a:t>11</a:t>
+            </a:fld>
+            <a:endParaRPr lang="en-US" dirty="0"/>
+          </a:p>
+        </p:txBody>
+      </p:sp>
+      <p:sp>
+        <p:nvSpPr>
+          <p:cNvPr id="5" name="Title 2"/>
+          <p:cNvSpPr>
+            <a:spLocks noGrp="1"/>
+          </p:cNvSpPr>
+          <p:nvPr>
+            <p:ph type="title"/>
+          </p:nvPr>
+        </p:nvSpPr>
+        <p:spPr>
+          <a:xfrm>
+            <a:off x="1698091" y="457200"/>
+            <a:ext cx="8763336" cy="900113"/>
+          </a:xfrm>
+        </p:spPr>
+        <p:txBody>
+          <a:bodyPr/>
+          <a:lstStyle/>
+          <a:p>
+            <a:r>
+              <a:rPr lang="en-US" b="1" dirty="0"/>
+              <a:t>Functions</a:t>
+            </a:r>
+            <a:endParaRPr lang="en-US" i="1" dirty="0"/>
+          </a:p>
+        </p:txBody>
+      </p:sp>
+      <p:sp>
+        <p:nvSpPr>
+          <p:cNvPr id="7" name="Text Placeholder 4"/>
+          <p:cNvSpPr txBox="1">
+            <a:spLocks/>
+          </p:cNvSpPr>
+          <p:nvPr/>
+        </p:nvSpPr>
+        <p:spPr>
+          <a:xfrm>
+            <a:off x="1699200" y="4004812"/>
+            <a:ext cx="9356435" cy="1337366"/>
+          </a:xfrm>
+          <a:prstGeom prst="rect">
+            <a:avLst/>
+          </a:prstGeom>
+        </p:spPr>
+        <p:txBody>
+          <a:bodyPr/>
+          <a:lstStyle>
+            <a:lvl1pPr marL="0" indent="0" algn="l" defTabSz="914400" rtl="0" eaLnBrk="1" latinLnBrk="0" hangingPunct="1">
+              <a:lnSpc>
+                <a:spcPct val="100000"/>
+              </a:lnSpc>
+              <a:spcBef>
+                <a:spcPts val="1200"/>
+              </a:spcBef>
+              <a:buFont typeface="Arial" pitchFamily="34" charset="0"/>
+              <a:buNone/>
+              <a:defRPr sz="3600" kern="1200">
+                <a:solidFill>
+                  <a:schemeClr val="bg1"/>
+                </a:solidFill>
+                <a:latin typeface="+mn-lt"/>
+                <a:ea typeface="+mn-ea"/>
+                <a:cs typeface="+mn-cs"/>
+              </a:defRPr>
+            </a:lvl1pPr>
+            <a:lvl2pPr marL="0" indent="0" algn="l" defTabSz="914400" rtl="0" eaLnBrk="1" latinLnBrk="0" hangingPunct="1">
+              <a:lnSpc>
+                <a:spcPct val="100000"/>
+              </a:lnSpc>
+              <a:spcBef>
+                <a:spcPts val="1000"/>
+              </a:spcBef>
+              <a:buFont typeface="Arial" pitchFamily="34" charset="0"/>
+              <a:buNone/>
+              <a:defRPr sz="2700" kern="1200">
+                <a:solidFill>
+                  <a:schemeClr val="bg1"/>
+                </a:solidFill>
+                <a:latin typeface="+mn-lt"/>
+                <a:ea typeface="+mn-ea"/>
+                <a:cs typeface="+mn-cs"/>
+              </a:defRPr>
+            </a:lvl2pPr>
+            <a:lvl3pPr marL="457200" indent="-228600" algn="l" defTabSz="914400" rtl="0" eaLnBrk="1" latinLnBrk="0" hangingPunct="1">
+              <a:lnSpc>
+                <a:spcPct val="100000"/>
+              </a:lnSpc>
+              <a:spcBef>
+                <a:spcPts val="500"/>
+              </a:spcBef>
+              <a:buFont typeface="Arial" pitchFamily="34" charset="0"/>
+              <a:buChar char="•"/>
+              <a:defRPr sz="2700" kern="1200">
+                <a:solidFill>
+                  <a:schemeClr val="tx2"/>
+                </a:solidFill>
+                <a:latin typeface="+mn-lt"/>
+                <a:ea typeface="+mn-ea"/>
+                <a:cs typeface="+mn-cs"/>
+              </a:defRPr>
+            </a:lvl3pPr>
+            <a:lvl4pPr marL="685800" indent="-228600" algn="l" defTabSz="914400" rtl="0" eaLnBrk="1" latinLnBrk="0" hangingPunct="1">
+              <a:lnSpc>
+                <a:spcPct val="100000"/>
+              </a:lnSpc>
+              <a:spcBef>
+                <a:spcPts val="500"/>
+              </a:spcBef>
+              <a:buFont typeface="Arial" pitchFamily="34" charset="0"/>
+              <a:buChar char="•"/>
+              <a:defRPr sz="2000" kern="1200">
+                <a:solidFill>
+                  <a:schemeClr val="tx2"/>
+                </a:solidFill>
+                <a:latin typeface="+mn-lt"/>
+                <a:ea typeface="+mn-ea"/>
+                <a:cs typeface="+mn-cs"/>
+              </a:defRPr>
+            </a:lvl4pPr>
+            <a:lvl5pPr marL="868680" indent="-182880" algn="l" defTabSz="914400" rtl="0" eaLnBrk="1" latinLnBrk="0" hangingPunct="1">
+              <a:lnSpc>
+                <a:spcPct val="105000"/>
+              </a:lnSpc>
+              <a:spcBef>
+                <a:spcPts val="800"/>
+              </a:spcBef>
+              <a:buFont typeface="Arial" pitchFamily="34" charset="0"/>
+              <a:buChar char="•"/>
+              <a:defRPr sz="1600" kern="1200">
+                <a:solidFill>
+                  <a:schemeClr val="tx2"/>
+                </a:solidFill>
+                <a:latin typeface="+mn-lt"/>
+                <a:ea typeface="+mn-ea"/>
+                <a:cs typeface="+mn-cs"/>
+              </a:defRPr>
+            </a:lvl5pPr>
+            <a:lvl6pPr marL="2514600" indent="-228600" algn="l" defTabSz="914400" rtl="0" eaLnBrk="1" latinLnBrk="0" hangingPunct="1">
+              <a:spcBef>
+                <a:spcPct val="20000"/>
+              </a:spcBef>
+              <a:buFont typeface="Arial" pitchFamily="34" charset="0"/>
+              <a:buChar char="•"/>
+              <a:defRPr sz="2000" kern="1200">
+                <a:solidFill>
+                  <a:schemeClr val="tx1"/>
+                </a:solidFill>
+                <a:latin typeface="+mn-lt"/>
+                <a:ea typeface="+mn-ea"/>
+                <a:cs typeface="+mn-cs"/>
+              </a:defRPr>
+            </a:lvl6pPr>
+            <a:lvl7pPr marL="2971800" indent="-228600" algn="l" defTabSz="914400" rtl="0" eaLnBrk="1" latinLnBrk="0" hangingPunct="1">
+              <a:spcBef>
+                <a:spcPct val="20000"/>
+              </a:spcBef>
+              <a:buFont typeface="Arial" pitchFamily="34" charset="0"/>
+              <a:buChar char="•"/>
+              <a:defRPr sz="2000" kern="1200">
+                <a:solidFill>
+                  <a:schemeClr val="tx1"/>
+                </a:solidFill>
+                <a:latin typeface="+mn-lt"/>
+                <a:ea typeface="+mn-ea"/>
+                <a:cs typeface="+mn-cs"/>
+              </a:defRPr>
+            </a:lvl7pPr>
+            <a:lvl8pPr marL="3429000" indent="-228600" algn="l" defTabSz="914400" rtl="0" eaLnBrk="1" latinLnBrk="0" hangingPunct="1">
+              <a:spcBef>
+                <a:spcPct val="20000"/>
+              </a:spcBef>
+              <a:buFont typeface="Arial" pitchFamily="34" charset="0"/>
+              <a:buChar char="•"/>
+              <a:defRPr sz="2000" kern="1200">
+                <a:solidFill>
+                  <a:schemeClr val="tx1"/>
+                </a:solidFill>
+                <a:latin typeface="+mn-lt"/>
+                <a:ea typeface="+mn-ea"/>
+                <a:cs typeface="+mn-cs"/>
+              </a:defRPr>
+            </a:lvl8pPr>
+            <a:lvl9pPr marL="3886200" indent="-228600" algn="l" defTabSz="914400" rtl="0" eaLnBrk="1" latinLnBrk="0" hangingPunct="1">
+              <a:spcBef>
+                <a:spcPct val="20000"/>
+              </a:spcBef>
+              <a:buFont typeface="Arial" pitchFamily="34" charset="0"/>
+              <a:buChar char="•"/>
+              <a:defRPr sz="2000" kern="1200">
+                <a:solidFill>
+                  <a:schemeClr val="tx1"/>
+                </a:solidFill>
+                <a:latin typeface="+mn-lt"/>
+                <a:ea typeface="+mn-ea"/>
+                <a:cs typeface="+mn-cs"/>
+              </a:defRPr>
+            </a:lvl9pPr>
+          </a:lstStyle>
+          <a:p>
+            <a:endParaRPr lang="en-US" sz="2700" dirty="0">
+              <a:solidFill>
+                <a:schemeClr val="bg2"/>
+              </a:solidFill>
+            </a:endParaRPr>
+          </a:p>
+        </p:txBody>
+      </p:sp>
+    </p:spTree>
+    <p:extLst>
+      <p:ext uri="{BB962C8B-B14F-4D97-AF65-F5344CB8AC3E}">
+        <p14:creationId xmlns:p14="http://schemas.microsoft.com/office/powerpoint/2010/main" val="1107897260"/>
+      </p:ext>
+    </p:extLst>
+  </p:cSld>
+  <p:clrMapOvr>
+    <a:masterClrMapping/>
+  </p:clrMapOvr>
+  <p:timing>
+    <p:tnLst>
+      <p:par>
+        <p:cTn id="1" dur="indefinite" restart="never" nodeType="tmRoot"/>
+      </p:par>
+    </p:tnLst>
+  </p:timing>
+</p:sld>
+</file>
+
+<file path=ppt/slides/slide12.xml><?xml version="1.0" encoding="utf-8"?>
+<p:sld xmlns:a="http://schemas.openxmlformats.org/drawingml/2006/main" xmlns:r="http://schemas.openxmlformats.org/officeDocument/2006/relationships" xmlns:p="http://schemas.openxmlformats.org/presentationml/2006/main">
+  <p:cSld>
+    <p:spTree>
+      <p:nvGrpSpPr>
+        <p:cNvPr id="1" name=""/>
+        <p:cNvGrpSpPr/>
+        <p:nvPr/>
+      </p:nvGrpSpPr>
+      <p:grpSpPr>
+        <a:xfrm>
+          <a:off x="0" y="0"/>
+          <a:ext cx="0" cy="0"/>
+          <a:chOff x="0" y="0"/>
+          <a:chExt cx="0" cy="0"/>
+        </a:xfrm>
+      </p:grpSpPr>
+      <p:sp>
+        <p:nvSpPr>
+          <p:cNvPr id="2" name="Slide Number Placeholder 1"/>
+          <p:cNvSpPr>
+            <a:spLocks noGrp="1"/>
+          </p:cNvSpPr>
+          <p:nvPr>
+            <p:ph type="sldNum" sz="quarter" idx="12"/>
+          </p:nvPr>
+        </p:nvSpPr>
+        <p:spPr/>
+        <p:txBody>
+          <a:bodyPr/>
+          <a:lstStyle/>
+          <a:p>
+            <a:fld id="{0D558541-60C9-42A2-8392-FF12533A6B7A}" type="slidenum">
+              <a:rPr lang="en-US" smtClean="0"/>
+              <a:pPr/>
+              <a:t>12</a:t>
+            </a:fld>
+            <a:endParaRPr lang="en-US" dirty="0"/>
+          </a:p>
+        </p:txBody>
+      </p:sp>
+      <p:sp>
+        <p:nvSpPr>
+          <p:cNvPr id="5" name="Title 2"/>
+          <p:cNvSpPr>
+            <a:spLocks noGrp="1"/>
+          </p:cNvSpPr>
+          <p:nvPr>
+            <p:ph type="title"/>
+          </p:nvPr>
+        </p:nvSpPr>
+        <p:spPr>
+          <a:xfrm>
+            <a:off x="1698091" y="457200"/>
+            <a:ext cx="8763336" cy="900113"/>
+          </a:xfrm>
+        </p:spPr>
+        <p:txBody>
+          <a:bodyPr/>
+          <a:lstStyle/>
+          <a:p>
+            <a:r>
+              <a:rPr lang="pl-PL" b="1" dirty="0" smtClean="0"/>
+              <a:t>Objects</a:t>
+            </a:r>
+            <a:endParaRPr lang="en-US" i="1" dirty="0"/>
+          </a:p>
+        </p:txBody>
+      </p:sp>
+      <p:sp>
+        <p:nvSpPr>
+          <p:cNvPr id="7" name="Text Placeholder 4"/>
+          <p:cNvSpPr txBox="1">
+            <a:spLocks/>
+          </p:cNvSpPr>
+          <p:nvPr/>
+        </p:nvSpPr>
+        <p:spPr>
+          <a:xfrm>
+            <a:off x="1699200" y="4004812"/>
+            <a:ext cx="9356435" cy="1337366"/>
+          </a:xfrm>
+          <a:prstGeom prst="rect">
+            <a:avLst/>
+          </a:prstGeom>
+        </p:spPr>
+        <p:txBody>
+          <a:bodyPr/>
+          <a:lstStyle>
+            <a:lvl1pPr marL="0" indent="0" algn="l" defTabSz="914400" rtl="0" eaLnBrk="1" latinLnBrk="0" hangingPunct="1">
+              <a:lnSpc>
+                <a:spcPct val="100000"/>
+              </a:lnSpc>
+              <a:spcBef>
+                <a:spcPts val="1200"/>
+              </a:spcBef>
+              <a:buFont typeface="Arial" pitchFamily="34" charset="0"/>
+              <a:buNone/>
+              <a:defRPr sz="3600" kern="1200">
+                <a:solidFill>
+                  <a:schemeClr val="bg1"/>
+                </a:solidFill>
+                <a:latin typeface="+mn-lt"/>
+                <a:ea typeface="+mn-ea"/>
+                <a:cs typeface="+mn-cs"/>
+              </a:defRPr>
+            </a:lvl1pPr>
+            <a:lvl2pPr marL="0" indent="0" algn="l" defTabSz="914400" rtl="0" eaLnBrk="1" latinLnBrk="0" hangingPunct="1">
+              <a:lnSpc>
+                <a:spcPct val="100000"/>
+              </a:lnSpc>
+              <a:spcBef>
+                <a:spcPts val="1000"/>
+              </a:spcBef>
+              <a:buFont typeface="Arial" pitchFamily="34" charset="0"/>
+              <a:buNone/>
+              <a:defRPr sz="2700" kern="1200">
+                <a:solidFill>
+                  <a:schemeClr val="bg1"/>
+                </a:solidFill>
+                <a:latin typeface="+mn-lt"/>
+                <a:ea typeface="+mn-ea"/>
+                <a:cs typeface="+mn-cs"/>
+              </a:defRPr>
+            </a:lvl2pPr>
+            <a:lvl3pPr marL="457200" indent="-228600" algn="l" defTabSz="914400" rtl="0" eaLnBrk="1" latinLnBrk="0" hangingPunct="1">
+              <a:lnSpc>
+                <a:spcPct val="100000"/>
+              </a:lnSpc>
+              <a:spcBef>
+                <a:spcPts val="500"/>
+              </a:spcBef>
+              <a:buFont typeface="Arial" pitchFamily="34" charset="0"/>
+              <a:buChar char="•"/>
+              <a:defRPr sz="2700" kern="1200">
+                <a:solidFill>
+                  <a:schemeClr val="tx2"/>
+                </a:solidFill>
+                <a:latin typeface="+mn-lt"/>
+                <a:ea typeface="+mn-ea"/>
+                <a:cs typeface="+mn-cs"/>
+              </a:defRPr>
+            </a:lvl3pPr>
+            <a:lvl4pPr marL="685800" indent="-228600" algn="l" defTabSz="914400" rtl="0" eaLnBrk="1" latinLnBrk="0" hangingPunct="1">
+              <a:lnSpc>
+                <a:spcPct val="100000"/>
+              </a:lnSpc>
+              <a:spcBef>
+                <a:spcPts val="500"/>
+              </a:spcBef>
+              <a:buFont typeface="Arial" pitchFamily="34" charset="0"/>
+              <a:buChar char="•"/>
+              <a:defRPr sz="2000" kern="1200">
+                <a:solidFill>
+                  <a:schemeClr val="tx2"/>
+                </a:solidFill>
+                <a:latin typeface="+mn-lt"/>
+                <a:ea typeface="+mn-ea"/>
+                <a:cs typeface="+mn-cs"/>
+              </a:defRPr>
+            </a:lvl4pPr>
+            <a:lvl5pPr marL="868680" indent="-182880" algn="l" defTabSz="914400" rtl="0" eaLnBrk="1" latinLnBrk="0" hangingPunct="1">
+              <a:lnSpc>
+                <a:spcPct val="105000"/>
+              </a:lnSpc>
+              <a:spcBef>
+                <a:spcPts val="800"/>
+              </a:spcBef>
+              <a:buFont typeface="Arial" pitchFamily="34" charset="0"/>
+              <a:buChar char="•"/>
+              <a:defRPr sz="1600" kern="1200">
+                <a:solidFill>
+                  <a:schemeClr val="tx2"/>
+                </a:solidFill>
+                <a:latin typeface="+mn-lt"/>
+                <a:ea typeface="+mn-ea"/>
+                <a:cs typeface="+mn-cs"/>
+              </a:defRPr>
+            </a:lvl5pPr>
+            <a:lvl6pPr marL="2514600" indent="-228600" algn="l" defTabSz="914400" rtl="0" eaLnBrk="1" latinLnBrk="0" hangingPunct="1">
+              <a:spcBef>
+                <a:spcPct val="20000"/>
+              </a:spcBef>
+              <a:buFont typeface="Arial" pitchFamily="34" charset="0"/>
+              <a:buChar char="•"/>
+              <a:defRPr sz="2000" kern="1200">
+                <a:solidFill>
+                  <a:schemeClr val="tx1"/>
+                </a:solidFill>
+                <a:latin typeface="+mn-lt"/>
+                <a:ea typeface="+mn-ea"/>
+                <a:cs typeface="+mn-cs"/>
+              </a:defRPr>
+            </a:lvl6pPr>
+            <a:lvl7pPr marL="2971800" indent="-228600" algn="l" defTabSz="914400" rtl="0" eaLnBrk="1" latinLnBrk="0" hangingPunct="1">
+              <a:spcBef>
+                <a:spcPct val="20000"/>
+              </a:spcBef>
+              <a:buFont typeface="Arial" pitchFamily="34" charset="0"/>
+              <a:buChar char="•"/>
+              <a:defRPr sz="2000" kern="1200">
+                <a:solidFill>
+                  <a:schemeClr val="tx1"/>
+                </a:solidFill>
+                <a:latin typeface="+mn-lt"/>
+                <a:ea typeface="+mn-ea"/>
+                <a:cs typeface="+mn-cs"/>
+              </a:defRPr>
+            </a:lvl7pPr>
+            <a:lvl8pPr marL="3429000" indent="-228600" algn="l" defTabSz="914400" rtl="0" eaLnBrk="1" latinLnBrk="0" hangingPunct="1">
+              <a:spcBef>
+                <a:spcPct val="20000"/>
+              </a:spcBef>
+              <a:buFont typeface="Arial" pitchFamily="34" charset="0"/>
+              <a:buChar char="•"/>
+              <a:defRPr sz="2000" kern="1200">
+                <a:solidFill>
+                  <a:schemeClr val="tx1"/>
+                </a:solidFill>
+                <a:latin typeface="+mn-lt"/>
+                <a:ea typeface="+mn-ea"/>
+                <a:cs typeface="+mn-cs"/>
+              </a:defRPr>
+            </a:lvl8pPr>
+            <a:lvl9pPr marL="3886200" indent="-228600" algn="l" defTabSz="914400" rtl="0" eaLnBrk="1" latinLnBrk="0" hangingPunct="1">
+              <a:spcBef>
+                <a:spcPct val="20000"/>
+              </a:spcBef>
+              <a:buFont typeface="Arial" pitchFamily="34" charset="0"/>
+              <a:buChar char="•"/>
+              <a:defRPr sz="2000" kern="1200">
+                <a:solidFill>
+                  <a:schemeClr val="tx1"/>
+                </a:solidFill>
+                <a:latin typeface="+mn-lt"/>
+                <a:ea typeface="+mn-ea"/>
+                <a:cs typeface="+mn-cs"/>
+              </a:defRPr>
+            </a:lvl9pPr>
+          </a:lstStyle>
+          <a:p>
+            <a:endParaRPr lang="en-US" sz="2700" dirty="0">
+              <a:solidFill>
+                <a:schemeClr val="bg2"/>
+              </a:solidFill>
+            </a:endParaRPr>
+          </a:p>
+        </p:txBody>
+      </p:sp>
+      <p:sp>
+        <p:nvSpPr>
+          <p:cNvPr id="6" name="Text Placeholder 4"/>
+          <p:cNvSpPr txBox="1">
+            <a:spLocks/>
+          </p:cNvSpPr>
+          <p:nvPr/>
+        </p:nvSpPr>
+        <p:spPr>
+          <a:xfrm>
+            <a:off x="1007540" y="1525784"/>
+            <a:ext cx="6573966" cy="4089570"/>
+          </a:xfrm>
+          <a:prstGeom prst="rect">
+            <a:avLst/>
+          </a:prstGeom>
+        </p:spPr>
+        <p:txBody>
+          <a:bodyPr/>
+          <a:lstStyle>
+            <a:lvl1pPr marL="0" indent="0" algn="l" defTabSz="914400" rtl="0" eaLnBrk="1" latinLnBrk="0" hangingPunct="1">
+              <a:lnSpc>
+                <a:spcPct val="100000"/>
+              </a:lnSpc>
+              <a:spcBef>
+                <a:spcPts val="1200"/>
+              </a:spcBef>
+              <a:buFont typeface="Arial" pitchFamily="34" charset="0"/>
+              <a:buNone/>
+              <a:defRPr sz="3600" kern="1200">
+                <a:solidFill>
+                  <a:schemeClr val="bg1"/>
+                </a:solidFill>
+                <a:latin typeface="+mn-lt"/>
+                <a:ea typeface="+mn-ea"/>
+                <a:cs typeface="+mn-cs"/>
+              </a:defRPr>
+            </a:lvl1pPr>
+            <a:lvl2pPr marL="0" indent="0" algn="l" defTabSz="914400" rtl="0" eaLnBrk="1" latinLnBrk="0" hangingPunct="1">
+              <a:lnSpc>
+                <a:spcPct val="100000"/>
+              </a:lnSpc>
+              <a:spcBef>
+                <a:spcPts val="1000"/>
+              </a:spcBef>
+              <a:buFont typeface="Arial" pitchFamily="34" charset="0"/>
+              <a:buNone/>
+              <a:defRPr sz="2700" kern="1200">
+                <a:solidFill>
+                  <a:schemeClr val="bg1"/>
+                </a:solidFill>
+                <a:latin typeface="+mn-lt"/>
+                <a:ea typeface="+mn-ea"/>
+                <a:cs typeface="+mn-cs"/>
+              </a:defRPr>
+            </a:lvl2pPr>
+            <a:lvl3pPr marL="457200" indent="-228600" algn="l" defTabSz="914400" rtl="0" eaLnBrk="1" latinLnBrk="0" hangingPunct="1">
+              <a:lnSpc>
+                <a:spcPct val="100000"/>
+              </a:lnSpc>
+              <a:spcBef>
+                <a:spcPts val="500"/>
+              </a:spcBef>
+              <a:buFont typeface="Arial" pitchFamily="34" charset="0"/>
+              <a:buChar char="•"/>
+              <a:defRPr sz="2700" kern="1200">
+                <a:solidFill>
+                  <a:schemeClr val="tx2"/>
+                </a:solidFill>
+                <a:latin typeface="+mn-lt"/>
+                <a:ea typeface="+mn-ea"/>
+                <a:cs typeface="+mn-cs"/>
+              </a:defRPr>
+            </a:lvl3pPr>
+            <a:lvl4pPr marL="685800" indent="-228600" algn="l" defTabSz="914400" rtl="0" eaLnBrk="1" latinLnBrk="0" hangingPunct="1">
+              <a:lnSpc>
+                <a:spcPct val="100000"/>
+              </a:lnSpc>
+              <a:spcBef>
+                <a:spcPts val="500"/>
+              </a:spcBef>
+              <a:buFont typeface="Arial" pitchFamily="34" charset="0"/>
+              <a:buChar char="•"/>
+              <a:defRPr sz="2000" kern="1200">
+                <a:solidFill>
+                  <a:schemeClr val="tx2"/>
+                </a:solidFill>
+                <a:latin typeface="+mn-lt"/>
+                <a:ea typeface="+mn-ea"/>
+                <a:cs typeface="+mn-cs"/>
+              </a:defRPr>
+            </a:lvl4pPr>
+            <a:lvl5pPr marL="868680" indent="-182880" algn="l" defTabSz="914400" rtl="0" eaLnBrk="1" latinLnBrk="0" hangingPunct="1">
+              <a:lnSpc>
+                <a:spcPct val="105000"/>
+              </a:lnSpc>
+              <a:spcBef>
+                <a:spcPts val="800"/>
+              </a:spcBef>
+              <a:buFont typeface="Arial" pitchFamily="34" charset="0"/>
+              <a:buChar char="•"/>
+              <a:defRPr sz="1600" kern="1200">
+                <a:solidFill>
+                  <a:schemeClr val="tx2"/>
+                </a:solidFill>
+                <a:latin typeface="+mn-lt"/>
+                <a:ea typeface="+mn-ea"/>
+                <a:cs typeface="+mn-cs"/>
+              </a:defRPr>
+            </a:lvl5pPr>
+            <a:lvl6pPr marL="2514600" indent="-228600" algn="l" defTabSz="914400" rtl="0" eaLnBrk="1" latinLnBrk="0" hangingPunct="1">
+              <a:spcBef>
+                <a:spcPct val="20000"/>
+              </a:spcBef>
+              <a:buFont typeface="Arial" pitchFamily="34" charset="0"/>
+              <a:buChar char="•"/>
+              <a:defRPr sz="2000" kern="1200">
+                <a:solidFill>
+                  <a:schemeClr val="tx1"/>
+                </a:solidFill>
+                <a:latin typeface="+mn-lt"/>
+                <a:ea typeface="+mn-ea"/>
+                <a:cs typeface="+mn-cs"/>
+              </a:defRPr>
+            </a:lvl6pPr>
+            <a:lvl7pPr marL="2971800" indent="-228600" algn="l" defTabSz="914400" rtl="0" eaLnBrk="1" latinLnBrk="0" hangingPunct="1">
+              <a:spcBef>
+                <a:spcPct val="20000"/>
+              </a:spcBef>
+              <a:buFont typeface="Arial" pitchFamily="34" charset="0"/>
+              <a:buChar char="•"/>
+              <a:defRPr sz="2000" kern="1200">
+                <a:solidFill>
+                  <a:schemeClr val="tx1"/>
+                </a:solidFill>
+                <a:latin typeface="+mn-lt"/>
+                <a:ea typeface="+mn-ea"/>
+                <a:cs typeface="+mn-cs"/>
+              </a:defRPr>
+            </a:lvl7pPr>
+            <a:lvl8pPr marL="3429000" indent="-228600" algn="l" defTabSz="914400" rtl="0" eaLnBrk="1" latinLnBrk="0" hangingPunct="1">
+              <a:spcBef>
+                <a:spcPct val="20000"/>
+              </a:spcBef>
+              <a:buFont typeface="Arial" pitchFamily="34" charset="0"/>
+              <a:buChar char="•"/>
+              <a:defRPr sz="2000" kern="1200">
+                <a:solidFill>
+                  <a:schemeClr val="tx1"/>
+                </a:solidFill>
+                <a:latin typeface="+mn-lt"/>
+                <a:ea typeface="+mn-ea"/>
+                <a:cs typeface="+mn-cs"/>
+              </a:defRPr>
+            </a:lvl8pPr>
+            <a:lvl9pPr marL="3886200" indent="-228600" algn="l" defTabSz="914400" rtl="0" eaLnBrk="1" latinLnBrk="0" hangingPunct="1">
+              <a:spcBef>
+                <a:spcPct val="20000"/>
+              </a:spcBef>
+              <a:buFont typeface="Arial" pitchFamily="34" charset="0"/>
+              <a:buChar char="•"/>
+              <a:defRPr sz="2000" kern="1200">
+                <a:solidFill>
+                  <a:schemeClr val="tx1"/>
+                </a:solidFill>
+                <a:latin typeface="+mn-lt"/>
+                <a:ea typeface="+mn-ea"/>
+                <a:cs typeface="+mn-cs"/>
+              </a:defRPr>
+            </a:lvl9pPr>
+          </a:lstStyle>
+          <a:p>
+            <a:pPr marL="457200" indent="-457200">
+              <a:buFont typeface="Arial" panose="020B0604020202020204" pitchFamily="34" charset="0"/>
+              <a:buChar char="•"/>
+            </a:pPr>
+            <a:r>
+              <a:rPr lang="pl-PL" sz="2700" dirty="0" err="1" smtClean="0">
+                <a:solidFill>
+                  <a:schemeClr val="bg2"/>
+                </a:solidFill>
+              </a:rPr>
+              <a:t>Don’t</a:t>
+            </a:r>
+            <a:r>
+              <a:rPr lang="pl-PL" sz="2700" dirty="0" smtClean="0">
+                <a:solidFill>
+                  <a:schemeClr val="bg2"/>
+                </a:solidFill>
+              </a:rPr>
+              <a:t> </a:t>
+            </a:r>
+            <a:r>
+              <a:rPr lang="pl-PL" sz="2700" dirty="0" err="1" smtClean="0">
+                <a:solidFill>
+                  <a:schemeClr val="bg2"/>
+                </a:solidFill>
+              </a:rPr>
+              <a:t>repeat</a:t>
+            </a:r>
+            <a:r>
+              <a:rPr lang="pl-PL" sz="2700" dirty="0" smtClean="0">
+                <a:solidFill>
+                  <a:schemeClr val="bg2"/>
+                </a:solidFill>
+              </a:rPr>
+              <a:t> </a:t>
+            </a:r>
+            <a:r>
+              <a:rPr lang="pl-PL" sz="2700" dirty="0" err="1" smtClean="0">
+                <a:solidFill>
+                  <a:schemeClr val="bg2"/>
+                </a:solidFill>
+              </a:rPr>
+              <a:t>yourself</a:t>
+            </a:r>
+            <a:endParaRPr lang="pl-PL" sz="2700" dirty="0" smtClean="0">
+              <a:solidFill>
+                <a:schemeClr val="bg2"/>
+              </a:solidFill>
+            </a:endParaRPr>
+          </a:p>
+          <a:p>
+            <a:pPr marL="457200" indent="-457200">
+              <a:buFont typeface="Arial" panose="020B0604020202020204" pitchFamily="34" charset="0"/>
+              <a:buChar char="•"/>
+            </a:pPr>
+            <a:r>
+              <a:rPr lang="pl-PL" sz="2700" dirty="0" smtClean="0">
+                <a:solidFill>
+                  <a:schemeClr val="bg2"/>
+                </a:solidFill>
+              </a:rPr>
+              <a:t>Be </a:t>
+            </a:r>
+            <a:r>
+              <a:rPr lang="pl-PL" sz="2700" dirty="0" err="1" smtClean="0">
+                <a:solidFill>
+                  <a:schemeClr val="bg2"/>
+                </a:solidFill>
+              </a:rPr>
+              <a:t>destructive</a:t>
+            </a:r>
+            <a:endParaRPr lang="pl-PL" sz="2700" dirty="0" smtClean="0">
+              <a:solidFill>
+                <a:schemeClr val="bg2"/>
+              </a:solidFill>
+            </a:endParaRPr>
+          </a:p>
+          <a:p>
+            <a:pPr marL="457200" indent="-457200">
+              <a:buFont typeface="Arial" panose="020B0604020202020204" pitchFamily="34" charset="0"/>
+              <a:buChar char="•"/>
+            </a:pPr>
+            <a:r>
+              <a:rPr lang="pl-PL" sz="2700" dirty="0" smtClean="0">
+                <a:solidFill>
+                  <a:schemeClr val="bg2"/>
+                </a:solidFill>
+              </a:rPr>
+              <a:t>Be </a:t>
+            </a:r>
+            <a:r>
+              <a:rPr lang="pl-PL" sz="2700" smtClean="0">
+                <a:solidFill>
+                  <a:schemeClr val="bg2"/>
+                </a:solidFill>
+              </a:rPr>
+              <a:t>concise</a:t>
+            </a:r>
+            <a:endParaRPr lang="pl-PL" sz="2700" dirty="0" smtClean="0">
+              <a:solidFill>
+                <a:schemeClr val="bg2"/>
+              </a:solidFill>
+            </a:endParaRPr>
+          </a:p>
+          <a:p>
+            <a:pPr marL="457200" indent="-457200">
+              <a:buFont typeface="Arial" panose="020B0604020202020204" pitchFamily="34" charset="0"/>
+              <a:buChar char="•"/>
+            </a:pPr>
+            <a:endParaRPr lang="en-US" sz="2700" dirty="0">
+              <a:solidFill>
+                <a:schemeClr val="bg2"/>
+              </a:solidFill>
+            </a:endParaRPr>
+          </a:p>
+          <a:p>
+            <a:pPr marL="457200" indent="-457200">
+              <a:buFont typeface="Arial" panose="020B0604020202020204" pitchFamily="34" charset="0"/>
+              <a:buChar char="•"/>
+            </a:pPr>
+            <a:endParaRPr lang="en-US" sz="2700" dirty="0">
+              <a:solidFill>
+                <a:schemeClr val="bg2"/>
+              </a:solidFill>
+            </a:endParaRPr>
+          </a:p>
+        </p:txBody>
+      </p:sp>
+    </p:spTree>
+    <p:extLst>
+      <p:ext uri="{BB962C8B-B14F-4D97-AF65-F5344CB8AC3E}">
+        <p14:creationId xmlns:p14="http://schemas.microsoft.com/office/powerpoint/2010/main" val="3849425642"/>
+      </p:ext>
+    </p:extLst>
+  </p:cSld>
+  <p:clrMapOvr>
+    <a:masterClrMapping/>
+  </p:clrMapOvr>
+  <p:timing>
+    <p:tnLst>
+      <p:par>
+        <p:cTn id="1" dur="indefinite" restart="never" nodeType="tmRoot"/>
+      </p:par>
+    </p:tnLst>
+  </p:timing>
+</p:sld>
+</file>
+
+<file path=ppt/slides/slide13.xml><?xml version="1.0" encoding="utf-8"?>
+<p:sld xmlns:a="http://schemas.openxmlformats.org/drawingml/2006/main" xmlns:r="http://schemas.openxmlformats.org/officeDocument/2006/relationships" xmlns:p="http://schemas.openxmlformats.org/presentationml/2006/main">
+  <p:cSld>
+    <p:spTree>
+      <p:nvGrpSpPr>
+        <p:cNvPr id="1" name=""/>
+        <p:cNvGrpSpPr/>
+        <p:nvPr/>
+      </p:nvGrpSpPr>
+      <p:grpSpPr>
+        <a:xfrm>
+          <a:off x="0" y="0"/>
+          <a:ext cx="0" cy="0"/>
+          <a:chOff x="0" y="0"/>
+          <a:chExt cx="0" cy="0"/>
+        </a:xfrm>
+      </p:grpSpPr>
+      <p:sp>
+        <p:nvSpPr>
           <p:cNvPr id="5" name="Title 2"/>
           <p:cNvSpPr>
             <a:spLocks noGrp="1"/>
@@ -32882,7 +33906,7 @@
 </p:sld>
 </file>
 
-<file path=ppt/slides/slide12.xml><?xml version="1.0" encoding="utf-8"?>
+<file path=ppt/slides/slide14.xml><?xml version="1.0" encoding="utf-8"?>
 <p:sld xmlns:a="http://schemas.openxmlformats.org/drawingml/2006/main" xmlns:r="http://schemas.openxmlformats.org/officeDocument/2006/relationships" xmlns:p="http://schemas.openxmlformats.org/presentationml/2006/main">
   <p:cSld>
     <p:spTree>
@@ -32917,7 +33941,7 @@
             <a:fld id="{0D558541-60C9-42A2-8392-FF12533A6B7A}" type="slidenum">
               <a:rPr lang="en-US" smtClean="0"/>
               <a:pPr/>
-              <a:t>12</a:t>
+              <a:t>14</a:t>
             </a:fld>
             <a:endParaRPr lang="en-US" dirty="0"/>
           </a:p>
@@ -33563,7 +34587,7 @@
 </p:sld>
 </file>
 
-<file path=ppt/slides/slide13.xml><?xml version="1.0" encoding="utf-8"?>
+<file path=ppt/slides/slide15.xml><?xml version="1.0" encoding="utf-8"?>
 <p:sld xmlns:a="http://schemas.openxmlformats.org/drawingml/2006/main" xmlns:r="http://schemas.openxmlformats.org/officeDocument/2006/relationships" xmlns:p="http://schemas.openxmlformats.org/presentationml/2006/main">
   <p:cSld>
     <p:spTree>
@@ -33598,7 +34622,7 @@
             <a:fld id="{0D558541-60C9-42A2-8392-FF12533A6B7A}" type="slidenum">
               <a:rPr lang="en-US" smtClean="0"/>
               <a:pPr/>
-              <a:t>13</a:t>
+              <a:t>15</a:t>
             </a:fld>
             <a:endParaRPr lang="en-US" dirty="0"/>
           </a:p>
@@ -34428,7 +35452,7 @@
 </p:sld>
 </file>
 
-<file path=ppt/slides/slide14.xml><?xml version="1.0" encoding="utf-8"?>
+<file path=ppt/slides/slide16.xml><?xml version="1.0" encoding="utf-8"?>
 <p:sld xmlns:a="http://schemas.openxmlformats.org/drawingml/2006/main" xmlns:r="http://schemas.openxmlformats.org/officeDocument/2006/relationships" xmlns:p="http://schemas.openxmlformats.org/presentationml/2006/main">
   <p:cSld>
     <p:spTree>
@@ -34463,7 +35487,7 @@
             <a:fld id="{0D558541-60C9-42A2-8392-FF12533A6B7A}" type="slidenum">
               <a:rPr lang="en-US" smtClean="0"/>
               <a:pPr/>
-              <a:t>14</a:t>
+              <a:t>16</a:t>
             </a:fld>
             <a:endParaRPr lang="en-US" dirty="0"/>
           </a:p>
@@ -34578,7 +35602,7 @@
 </p:sld>
 </file>
 
-<file path=ppt/slides/slide15.xml><?xml version="1.0" encoding="utf-8"?>
+<file path=ppt/slides/slide17.xml><?xml version="1.0" encoding="utf-8"?>
 <p:sld xmlns:a="http://schemas.openxmlformats.org/drawingml/2006/main" xmlns:r="http://schemas.openxmlformats.org/officeDocument/2006/relationships" xmlns:p="http://schemas.openxmlformats.org/presentationml/2006/main">
   <p:cSld>
     <p:spTree>
@@ -34941,7 +35965,7 @@
 </p:sld>
 </file>
 
-<file path=ppt/slides/slide16.xml><?xml version="1.0" encoding="utf-8"?>
+<file path=ppt/slides/slide18.xml><?xml version="1.0" encoding="utf-8"?>
 <p:sld xmlns:a="http://schemas.openxmlformats.org/drawingml/2006/main" xmlns:r="http://schemas.openxmlformats.org/officeDocument/2006/relationships" xmlns:p="http://schemas.openxmlformats.org/presentationml/2006/main">
   <p:cSld>
     <p:spTree>
@@ -34976,7 +36000,7 @@
             <a:fld id="{0D558541-60C9-42A2-8392-FF12533A6B7A}" type="slidenum">
               <a:rPr lang="en-US" smtClean="0"/>
               <a:pPr/>
-              <a:t>16</a:t>
+              <a:t>18</a:t>
             </a:fld>
             <a:endParaRPr lang="en-US" dirty="0"/>
           </a:p>
@@ -35029,7 +36053,7 @@
 </p:sld>
 </file>
 
-<file path=ppt/slides/slide17.xml><?xml version="1.0" encoding="utf-8"?>
+<file path=ppt/slides/slide19.xml><?xml version="1.0" encoding="utf-8"?>
 <p:sld xmlns:a="http://schemas.openxmlformats.org/drawingml/2006/main" xmlns:r="http://schemas.openxmlformats.org/officeDocument/2006/relationships" xmlns:p="http://schemas.openxmlformats.org/presentationml/2006/main">
   <p:cSld>
     <p:spTree>
@@ -35123,7 +36147,7 @@
             <a:fld id="{0D558541-60C9-42A2-8392-FF12533A6B7A}" type="slidenum">
               <a:rPr lang="en-US" smtClean="0"/>
               <a:pPr/>
-              <a:t>17</a:t>
+              <a:t>19</a:t>
             </a:fld>
             <a:endParaRPr lang="en-US" dirty="0"/>
           </a:p>
@@ -35578,7 +36602,7 @@
 </p:sld>
 </file>
 
-<file path=ppt/slides/slide18.xml><?xml version="1.0" encoding="utf-8"?>
+<file path=ppt/slides/slide2.xml><?xml version="1.0" encoding="utf-8"?>
 <p:sld xmlns:a="http://schemas.openxmlformats.org/drawingml/2006/main" xmlns:r="http://schemas.openxmlformats.org/officeDocument/2006/relationships" xmlns:p="http://schemas.openxmlformats.org/presentationml/2006/main">
   <p:cSld>
     <p:spTree>
@@ -35613,7 +36637,340 @@
             <a:fld id="{0D558541-60C9-42A2-8392-FF12533A6B7A}" type="slidenum">
               <a:rPr lang="en-US" smtClean="0"/>
               <a:pPr/>
-              <a:t>18</a:t>
+              <a:t>2</a:t>
+            </a:fld>
+            <a:endParaRPr lang="en-US" dirty="0"/>
+          </a:p>
+        </p:txBody>
+      </p:sp>
+      <p:sp>
+        <p:nvSpPr>
+          <p:cNvPr id="5" name="Title 2"/>
+          <p:cNvSpPr>
+            <a:spLocks noGrp="1"/>
+          </p:cNvSpPr>
+          <p:nvPr>
+            <p:ph type="title"/>
+          </p:nvPr>
+        </p:nvSpPr>
+        <p:spPr>
+          <a:xfrm>
+            <a:off x="1698091" y="457200"/>
+            <a:ext cx="8763336" cy="900113"/>
+          </a:xfrm>
+        </p:spPr>
+        <p:txBody>
+          <a:bodyPr/>
+          <a:lstStyle/>
+          <a:p>
+            <a:r>
+              <a:rPr lang="pl-PL" dirty="0" smtClean="0"/>
+              <a:t>Infusion.js? YES!</a:t>
+            </a:r>
+            <a:endParaRPr lang="en-US" dirty="0"/>
+          </a:p>
+        </p:txBody>
+      </p:sp>
+      <p:sp>
+        <p:nvSpPr>
+          <p:cNvPr id="6" name="Content Placeholder 3"/>
+          <p:cNvSpPr txBox="1">
+            <a:spLocks/>
+          </p:cNvSpPr>
+          <p:nvPr/>
+        </p:nvSpPr>
+        <p:spPr>
+          <a:xfrm>
+            <a:off x="1698625" y="1844675"/>
+            <a:ext cx="8751980" cy="2084388"/>
+          </a:xfrm>
+          <a:prstGeom prst="rect">
+            <a:avLst/>
+          </a:prstGeom>
+        </p:spPr>
+        <p:txBody>
+          <a:bodyPr/>
+          <a:lstStyle>
+            <a:lvl1pPr marL="0" indent="0" algn="l" defTabSz="914400" rtl="0" eaLnBrk="1" latinLnBrk="0" hangingPunct="1">
+              <a:lnSpc>
+                <a:spcPct val="100000"/>
+              </a:lnSpc>
+              <a:spcBef>
+                <a:spcPts val="1200"/>
+              </a:spcBef>
+              <a:buFont typeface="Arial" pitchFamily="34" charset="0"/>
+              <a:buNone/>
+              <a:defRPr sz="3600" kern="1200">
+                <a:solidFill>
+                  <a:schemeClr val="bg1"/>
+                </a:solidFill>
+                <a:latin typeface="+mn-lt"/>
+                <a:ea typeface="+mn-ea"/>
+                <a:cs typeface="+mn-cs"/>
+              </a:defRPr>
+            </a:lvl1pPr>
+            <a:lvl2pPr marL="0" indent="0" algn="l" defTabSz="914400" rtl="0" eaLnBrk="1" latinLnBrk="0" hangingPunct="1">
+              <a:lnSpc>
+                <a:spcPct val="100000"/>
+              </a:lnSpc>
+              <a:spcBef>
+                <a:spcPts val="1000"/>
+              </a:spcBef>
+              <a:buFont typeface="Arial" pitchFamily="34" charset="0"/>
+              <a:buNone/>
+              <a:defRPr sz="2700" kern="1200">
+                <a:solidFill>
+                  <a:schemeClr val="bg1"/>
+                </a:solidFill>
+                <a:latin typeface="+mn-lt"/>
+                <a:ea typeface="+mn-ea"/>
+                <a:cs typeface="+mn-cs"/>
+              </a:defRPr>
+            </a:lvl2pPr>
+            <a:lvl3pPr marL="457200" indent="-228600" algn="l" defTabSz="914400" rtl="0" eaLnBrk="1" latinLnBrk="0" hangingPunct="1">
+              <a:lnSpc>
+                <a:spcPct val="100000"/>
+              </a:lnSpc>
+              <a:spcBef>
+                <a:spcPts val="500"/>
+              </a:spcBef>
+              <a:buFont typeface="Arial" pitchFamily="34" charset="0"/>
+              <a:buChar char="•"/>
+              <a:defRPr sz="2700" kern="1200">
+                <a:solidFill>
+                  <a:schemeClr val="tx2"/>
+                </a:solidFill>
+                <a:latin typeface="+mn-lt"/>
+                <a:ea typeface="+mn-ea"/>
+                <a:cs typeface="+mn-cs"/>
+              </a:defRPr>
+            </a:lvl3pPr>
+            <a:lvl4pPr marL="685800" indent="-228600" algn="l" defTabSz="914400" rtl="0" eaLnBrk="1" latinLnBrk="0" hangingPunct="1">
+              <a:lnSpc>
+                <a:spcPct val="100000"/>
+              </a:lnSpc>
+              <a:spcBef>
+                <a:spcPts val="500"/>
+              </a:spcBef>
+              <a:buFont typeface="Arial" pitchFamily="34" charset="0"/>
+              <a:buChar char="•"/>
+              <a:defRPr sz="2000" kern="1200">
+                <a:solidFill>
+                  <a:schemeClr val="tx2"/>
+                </a:solidFill>
+                <a:latin typeface="+mn-lt"/>
+                <a:ea typeface="+mn-ea"/>
+                <a:cs typeface="+mn-cs"/>
+              </a:defRPr>
+            </a:lvl4pPr>
+            <a:lvl5pPr marL="868680" indent="-182880" algn="l" defTabSz="914400" rtl="0" eaLnBrk="1" latinLnBrk="0" hangingPunct="1">
+              <a:lnSpc>
+                <a:spcPct val="105000"/>
+              </a:lnSpc>
+              <a:spcBef>
+                <a:spcPts val="800"/>
+              </a:spcBef>
+              <a:buFont typeface="Arial" pitchFamily="34" charset="0"/>
+              <a:buChar char="•"/>
+              <a:defRPr sz="1600" kern="1200">
+                <a:solidFill>
+                  <a:schemeClr val="tx2"/>
+                </a:solidFill>
+                <a:latin typeface="+mn-lt"/>
+                <a:ea typeface="+mn-ea"/>
+                <a:cs typeface="+mn-cs"/>
+              </a:defRPr>
+            </a:lvl5pPr>
+            <a:lvl6pPr marL="2514600" indent="-228600" algn="l" defTabSz="914400" rtl="0" eaLnBrk="1" latinLnBrk="0" hangingPunct="1">
+              <a:spcBef>
+                <a:spcPct val="20000"/>
+              </a:spcBef>
+              <a:buFont typeface="Arial" pitchFamily="34" charset="0"/>
+              <a:buChar char="•"/>
+              <a:defRPr sz="2000" kern="1200">
+                <a:solidFill>
+                  <a:schemeClr val="tx1"/>
+                </a:solidFill>
+                <a:latin typeface="+mn-lt"/>
+                <a:ea typeface="+mn-ea"/>
+                <a:cs typeface="+mn-cs"/>
+              </a:defRPr>
+            </a:lvl6pPr>
+            <a:lvl7pPr marL="2971800" indent="-228600" algn="l" defTabSz="914400" rtl="0" eaLnBrk="1" latinLnBrk="0" hangingPunct="1">
+              <a:spcBef>
+                <a:spcPct val="20000"/>
+              </a:spcBef>
+              <a:buFont typeface="Arial" pitchFamily="34" charset="0"/>
+              <a:buChar char="•"/>
+              <a:defRPr sz="2000" kern="1200">
+                <a:solidFill>
+                  <a:schemeClr val="tx1"/>
+                </a:solidFill>
+                <a:latin typeface="+mn-lt"/>
+                <a:ea typeface="+mn-ea"/>
+                <a:cs typeface="+mn-cs"/>
+              </a:defRPr>
+            </a:lvl7pPr>
+            <a:lvl8pPr marL="3429000" indent="-228600" algn="l" defTabSz="914400" rtl="0" eaLnBrk="1" latinLnBrk="0" hangingPunct="1">
+              <a:spcBef>
+                <a:spcPct val="20000"/>
+              </a:spcBef>
+              <a:buFont typeface="Arial" pitchFamily="34" charset="0"/>
+              <a:buChar char="•"/>
+              <a:defRPr sz="2000" kern="1200">
+                <a:solidFill>
+                  <a:schemeClr val="tx1"/>
+                </a:solidFill>
+                <a:latin typeface="+mn-lt"/>
+                <a:ea typeface="+mn-ea"/>
+                <a:cs typeface="+mn-cs"/>
+              </a:defRPr>
+            </a:lvl8pPr>
+            <a:lvl9pPr marL="3886200" indent="-228600" algn="l" defTabSz="914400" rtl="0" eaLnBrk="1" latinLnBrk="0" hangingPunct="1">
+              <a:spcBef>
+                <a:spcPct val="20000"/>
+              </a:spcBef>
+              <a:buFont typeface="Arial" pitchFamily="34" charset="0"/>
+              <a:buChar char="•"/>
+              <a:defRPr sz="2000" kern="1200">
+                <a:solidFill>
+                  <a:schemeClr val="tx1"/>
+                </a:solidFill>
+                <a:latin typeface="+mn-lt"/>
+                <a:ea typeface="+mn-ea"/>
+                <a:cs typeface="+mn-cs"/>
+              </a:defRPr>
+            </a:lvl9pPr>
+          </a:lstStyle>
+          <a:p>
+            <a:r>
+              <a:rPr lang="pl-PL" dirty="0" err="1" smtClean="0">
+                <a:solidFill>
+                  <a:schemeClr val="bg2"/>
+                </a:solidFill>
+              </a:rPr>
+              <a:t>Why</a:t>
+            </a:r>
+            <a:r>
+              <a:rPr lang="pl-PL" dirty="0" smtClean="0">
+                <a:solidFill>
+                  <a:schemeClr val="bg2"/>
+                </a:solidFill>
+              </a:rPr>
+              <a:t>? </a:t>
+            </a:r>
+            <a:r>
+              <a:rPr lang="pl-PL" dirty="0" err="1" smtClean="0">
+                <a:solidFill>
+                  <a:schemeClr val="bg2"/>
+                </a:solidFill>
+              </a:rPr>
+              <a:t>Who</a:t>
+            </a:r>
+            <a:r>
+              <a:rPr lang="pl-PL" dirty="0" smtClean="0">
+                <a:solidFill>
+                  <a:schemeClr val="bg2"/>
+                </a:solidFill>
+              </a:rPr>
+              <a:t>? </a:t>
+            </a:r>
+            <a:r>
+              <a:rPr lang="pl-PL" dirty="0" err="1" smtClean="0">
+                <a:solidFill>
+                  <a:schemeClr val="bg2"/>
+                </a:solidFill>
+              </a:rPr>
+              <a:t>When</a:t>
+            </a:r>
+            <a:r>
+              <a:rPr lang="pl-PL" dirty="0" smtClean="0">
+                <a:solidFill>
+                  <a:schemeClr val="bg2"/>
+                </a:solidFill>
+              </a:rPr>
+              <a:t>? </a:t>
+            </a:r>
+            <a:r>
+              <a:rPr lang="pl-PL" dirty="0" err="1" smtClean="0">
+                <a:solidFill>
+                  <a:schemeClr val="bg2"/>
+                </a:solidFill>
+              </a:rPr>
+              <a:t>What</a:t>
+            </a:r>
+            <a:r>
+              <a:rPr lang="pl-PL" dirty="0" smtClean="0">
+                <a:solidFill>
+                  <a:schemeClr val="bg2"/>
+                </a:solidFill>
+              </a:rPr>
+              <a:t>?</a:t>
+            </a:r>
+            <a:endParaRPr lang="en-US" dirty="0">
+              <a:solidFill>
+                <a:schemeClr val="bg2"/>
+              </a:solidFill>
+            </a:endParaRPr>
+          </a:p>
+        </p:txBody>
+      </p:sp>
+    </p:spTree>
+    <p:extLst>
+      <p:ext uri="{BB962C8B-B14F-4D97-AF65-F5344CB8AC3E}">
+        <p14:creationId xmlns:p14="http://schemas.microsoft.com/office/powerpoint/2010/main" val="2090757584"/>
+      </p:ext>
+    </p:extLst>
+  </p:cSld>
+  <p:clrMapOvr>
+    <a:masterClrMapping/>
+  </p:clrMapOvr>
+  <p:timing>
+    <p:tnLst>
+      <p:par>
+        <p:cTn id="1" dur="indefinite" restart="never" nodeType="tmRoot"/>
+      </p:par>
+    </p:tnLst>
+  </p:timing>
+</p:sld>
+</file>
+
+<file path=ppt/slides/slide20.xml><?xml version="1.0" encoding="utf-8"?>
+<p:sld xmlns:a="http://schemas.openxmlformats.org/drawingml/2006/main" xmlns:r="http://schemas.openxmlformats.org/officeDocument/2006/relationships" xmlns:p="http://schemas.openxmlformats.org/presentationml/2006/main">
+  <p:cSld>
+    <p:spTree>
+      <p:nvGrpSpPr>
+        <p:cNvPr id="1" name=""/>
+        <p:cNvGrpSpPr/>
+        <p:nvPr/>
+      </p:nvGrpSpPr>
+      <p:grpSpPr>
+        <a:xfrm>
+          <a:off x="0" y="0"/>
+          <a:ext cx="0" cy="0"/>
+          <a:chOff x="0" y="0"/>
+          <a:chExt cx="0" cy="0"/>
+        </a:xfrm>
+      </p:grpSpPr>
+      <p:sp>
+        <p:nvSpPr>
+          <p:cNvPr id="2" name="Slide Number Placeholder 1"/>
+          <p:cNvSpPr>
+            <a:spLocks noGrp="1"/>
+          </p:cNvSpPr>
+          <p:nvPr>
+            <p:ph type="sldNum" sz="quarter" idx="12"/>
+          </p:nvPr>
+        </p:nvSpPr>
+        <p:spPr/>
+        <p:txBody>
+          <a:bodyPr/>
+          <a:lstStyle/>
+          <a:p>
+            <a:fld id="{0D558541-60C9-42A2-8392-FF12533A6B7A}" type="slidenum">
+              <a:rPr lang="en-US" smtClean="0"/>
+              <a:pPr/>
+              <a:t>20</a:t>
             </a:fld>
             <a:endParaRPr lang="en-US" dirty="0"/>
           </a:p>
@@ -37591,339 +38948,6 @@
 </p:sld>
 </file>
 
-<file path=ppt/slides/slide2.xml><?xml version="1.0" encoding="utf-8"?>
-<p:sld xmlns:a="http://schemas.openxmlformats.org/drawingml/2006/main" xmlns:r="http://schemas.openxmlformats.org/officeDocument/2006/relationships" xmlns:p="http://schemas.openxmlformats.org/presentationml/2006/main">
-  <p:cSld>
-    <p:spTree>
-      <p:nvGrpSpPr>
-        <p:cNvPr id="1" name=""/>
-        <p:cNvGrpSpPr/>
-        <p:nvPr/>
-      </p:nvGrpSpPr>
-      <p:grpSpPr>
-        <a:xfrm>
-          <a:off x="0" y="0"/>
-          <a:ext cx="0" cy="0"/>
-          <a:chOff x="0" y="0"/>
-          <a:chExt cx="0" cy="0"/>
-        </a:xfrm>
-      </p:grpSpPr>
-      <p:sp>
-        <p:nvSpPr>
-          <p:cNvPr id="2" name="Slide Number Placeholder 1"/>
-          <p:cNvSpPr>
-            <a:spLocks noGrp="1"/>
-          </p:cNvSpPr>
-          <p:nvPr>
-            <p:ph type="sldNum" sz="quarter" idx="12"/>
-          </p:nvPr>
-        </p:nvSpPr>
-        <p:spPr/>
-        <p:txBody>
-          <a:bodyPr/>
-          <a:lstStyle/>
-          <a:p>
-            <a:fld id="{0D558541-60C9-42A2-8392-FF12533A6B7A}" type="slidenum">
-              <a:rPr lang="en-US" smtClean="0"/>
-              <a:pPr/>
-              <a:t>2</a:t>
-            </a:fld>
-            <a:endParaRPr lang="en-US" dirty="0"/>
-          </a:p>
-        </p:txBody>
-      </p:sp>
-      <p:sp>
-        <p:nvSpPr>
-          <p:cNvPr id="5" name="Title 2"/>
-          <p:cNvSpPr>
-            <a:spLocks noGrp="1"/>
-          </p:cNvSpPr>
-          <p:nvPr>
-            <p:ph type="title"/>
-          </p:nvPr>
-        </p:nvSpPr>
-        <p:spPr>
-          <a:xfrm>
-            <a:off x="1698091" y="457200"/>
-            <a:ext cx="8763336" cy="900113"/>
-          </a:xfrm>
-        </p:spPr>
-        <p:txBody>
-          <a:bodyPr/>
-          <a:lstStyle/>
-          <a:p>
-            <a:r>
-              <a:rPr lang="pl-PL" dirty="0" smtClean="0"/>
-              <a:t>Infusion.js? YES!</a:t>
-            </a:r>
-            <a:endParaRPr lang="en-US" dirty="0"/>
-          </a:p>
-        </p:txBody>
-      </p:sp>
-      <p:sp>
-        <p:nvSpPr>
-          <p:cNvPr id="6" name="Content Placeholder 3"/>
-          <p:cNvSpPr txBox="1">
-            <a:spLocks/>
-          </p:cNvSpPr>
-          <p:nvPr/>
-        </p:nvSpPr>
-        <p:spPr>
-          <a:xfrm>
-            <a:off x="1698625" y="1844675"/>
-            <a:ext cx="8751980" cy="2084388"/>
-          </a:xfrm>
-          <a:prstGeom prst="rect">
-            <a:avLst/>
-          </a:prstGeom>
-        </p:spPr>
-        <p:txBody>
-          <a:bodyPr/>
-          <a:lstStyle>
-            <a:lvl1pPr marL="0" indent="0" algn="l" defTabSz="914400" rtl="0" eaLnBrk="1" latinLnBrk="0" hangingPunct="1">
-              <a:lnSpc>
-                <a:spcPct val="100000"/>
-              </a:lnSpc>
-              <a:spcBef>
-                <a:spcPts val="1200"/>
-              </a:spcBef>
-              <a:buFont typeface="Arial" pitchFamily="34" charset="0"/>
-              <a:buNone/>
-              <a:defRPr sz="3600" kern="1200">
-                <a:solidFill>
-                  <a:schemeClr val="bg1"/>
-                </a:solidFill>
-                <a:latin typeface="+mn-lt"/>
-                <a:ea typeface="+mn-ea"/>
-                <a:cs typeface="+mn-cs"/>
-              </a:defRPr>
-            </a:lvl1pPr>
-            <a:lvl2pPr marL="0" indent="0" algn="l" defTabSz="914400" rtl="0" eaLnBrk="1" latinLnBrk="0" hangingPunct="1">
-              <a:lnSpc>
-                <a:spcPct val="100000"/>
-              </a:lnSpc>
-              <a:spcBef>
-                <a:spcPts val="1000"/>
-              </a:spcBef>
-              <a:buFont typeface="Arial" pitchFamily="34" charset="0"/>
-              <a:buNone/>
-              <a:defRPr sz="2700" kern="1200">
-                <a:solidFill>
-                  <a:schemeClr val="bg1"/>
-                </a:solidFill>
-                <a:latin typeface="+mn-lt"/>
-                <a:ea typeface="+mn-ea"/>
-                <a:cs typeface="+mn-cs"/>
-              </a:defRPr>
-            </a:lvl2pPr>
-            <a:lvl3pPr marL="457200" indent="-228600" algn="l" defTabSz="914400" rtl="0" eaLnBrk="1" latinLnBrk="0" hangingPunct="1">
-              <a:lnSpc>
-                <a:spcPct val="100000"/>
-              </a:lnSpc>
-              <a:spcBef>
-                <a:spcPts val="500"/>
-              </a:spcBef>
-              <a:buFont typeface="Arial" pitchFamily="34" charset="0"/>
-              <a:buChar char="•"/>
-              <a:defRPr sz="2700" kern="1200">
-                <a:solidFill>
-                  <a:schemeClr val="tx2"/>
-                </a:solidFill>
-                <a:latin typeface="+mn-lt"/>
-                <a:ea typeface="+mn-ea"/>
-                <a:cs typeface="+mn-cs"/>
-              </a:defRPr>
-            </a:lvl3pPr>
-            <a:lvl4pPr marL="685800" indent="-228600" algn="l" defTabSz="914400" rtl="0" eaLnBrk="1" latinLnBrk="0" hangingPunct="1">
-              <a:lnSpc>
-                <a:spcPct val="100000"/>
-              </a:lnSpc>
-              <a:spcBef>
-                <a:spcPts val="500"/>
-              </a:spcBef>
-              <a:buFont typeface="Arial" pitchFamily="34" charset="0"/>
-              <a:buChar char="•"/>
-              <a:defRPr sz="2000" kern="1200">
-                <a:solidFill>
-                  <a:schemeClr val="tx2"/>
-                </a:solidFill>
-                <a:latin typeface="+mn-lt"/>
-                <a:ea typeface="+mn-ea"/>
-                <a:cs typeface="+mn-cs"/>
-              </a:defRPr>
-            </a:lvl4pPr>
-            <a:lvl5pPr marL="868680" indent="-182880" algn="l" defTabSz="914400" rtl="0" eaLnBrk="1" latinLnBrk="0" hangingPunct="1">
-              <a:lnSpc>
-                <a:spcPct val="105000"/>
-              </a:lnSpc>
-              <a:spcBef>
-                <a:spcPts val="800"/>
-              </a:spcBef>
-              <a:buFont typeface="Arial" pitchFamily="34" charset="0"/>
-              <a:buChar char="•"/>
-              <a:defRPr sz="1600" kern="1200">
-                <a:solidFill>
-                  <a:schemeClr val="tx2"/>
-                </a:solidFill>
-                <a:latin typeface="+mn-lt"/>
-                <a:ea typeface="+mn-ea"/>
-                <a:cs typeface="+mn-cs"/>
-              </a:defRPr>
-            </a:lvl5pPr>
-            <a:lvl6pPr marL="2514600" indent="-228600" algn="l" defTabSz="914400" rtl="0" eaLnBrk="1" latinLnBrk="0" hangingPunct="1">
-              <a:spcBef>
-                <a:spcPct val="20000"/>
-              </a:spcBef>
-              <a:buFont typeface="Arial" pitchFamily="34" charset="0"/>
-              <a:buChar char="•"/>
-              <a:defRPr sz="2000" kern="1200">
-                <a:solidFill>
-                  <a:schemeClr val="tx1"/>
-                </a:solidFill>
-                <a:latin typeface="+mn-lt"/>
-                <a:ea typeface="+mn-ea"/>
-                <a:cs typeface="+mn-cs"/>
-              </a:defRPr>
-            </a:lvl6pPr>
-            <a:lvl7pPr marL="2971800" indent="-228600" algn="l" defTabSz="914400" rtl="0" eaLnBrk="1" latinLnBrk="0" hangingPunct="1">
-              <a:spcBef>
-                <a:spcPct val="20000"/>
-              </a:spcBef>
-              <a:buFont typeface="Arial" pitchFamily="34" charset="0"/>
-              <a:buChar char="•"/>
-              <a:defRPr sz="2000" kern="1200">
-                <a:solidFill>
-                  <a:schemeClr val="tx1"/>
-                </a:solidFill>
-                <a:latin typeface="+mn-lt"/>
-                <a:ea typeface="+mn-ea"/>
-                <a:cs typeface="+mn-cs"/>
-              </a:defRPr>
-            </a:lvl7pPr>
-            <a:lvl8pPr marL="3429000" indent="-228600" algn="l" defTabSz="914400" rtl="0" eaLnBrk="1" latinLnBrk="0" hangingPunct="1">
-              <a:spcBef>
-                <a:spcPct val="20000"/>
-              </a:spcBef>
-              <a:buFont typeface="Arial" pitchFamily="34" charset="0"/>
-              <a:buChar char="•"/>
-              <a:defRPr sz="2000" kern="1200">
-                <a:solidFill>
-                  <a:schemeClr val="tx1"/>
-                </a:solidFill>
-                <a:latin typeface="+mn-lt"/>
-                <a:ea typeface="+mn-ea"/>
-                <a:cs typeface="+mn-cs"/>
-              </a:defRPr>
-            </a:lvl8pPr>
-            <a:lvl9pPr marL="3886200" indent="-228600" algn="l" defTabSz="914400" rtl="0" eaLnBrk="1" latinLnBrk="0" hangingPunct="1">
-              <a:spcBef>
-                <a:spcPct val="20000"/>
-              </a:spcBef>
-              <a:buFont typeface="Arial" pitchFamily="34" charset="0"/>
-              <a:buChar char="•"/>
-              <a:defRPr sz="2000" kern="1200">
-                <a:solidFill>
-                  <a:schemeClr val="tx1"/>
-                </a:solidFill>
-                <a:latin typeface="+mn-lt"/>
-                <a:ea typeface="+mn-ea"/>
-                <a:cs typeface="+mn-cs"/>
-              </a:defRPr>
-            </a:lvl9pPr>
-          </a:lstStyle>
-          <a:p>
-            <a:r>
-              <a:rPr lang="pl-PL" dirty="0" err="1" smtClean="0">
-                <a:solidFill>
-                  <a:schemeClr val="bg2"/>
-                </a:solidFill>
-              </a:rPr>
-              <a:t>Why</a:t>
-            </a:r>
-            <a:r>
-              <a:rPr lang="pl-PL" dirty="0" smtClean="0">
-                <a:solidFill>
-                  <a:schemeClr val="bg2"/>
-                </a:solidFill>
-              </a:rPr>
-              <a:t>? </a:t>
-            </a:r>
-            <a:r>
-              <a:rPr lang="pl-PL" dirty="0" err="1" smtClean="0">
-                <a:solidFill>
-                  <a:schemeClr val="bg2"/>
-                </a:solidFill>
-              </a:rPr>
-              <a:t>Who</a:t>
-            </a:r>
-            <a:r>
-              <a:rPr lang="pl-PL" dirty="0" smtClean="0">
-                <a:solidFill>
-                  <a:schemeClr val="bg2"/>
-                </a:solidFill>
-              </a:rPr>
-              <a:t>? </a:t>
-            </a:r>
-            <a:r>
-              <a:rPr lang="pl-PL" dirty="0" err="1" smtClean="0">
-                <a:solidFill>
-                  <a:schemeClr val="bg2"/>
-                </a:solidFill>
-              </a:rPr>
-              <a:t>When</a:t>
-            </a:r>
-            <a:r>
-              <a:rPr lang="pl-PL" dirty="0" smtClean="0">
-                <a:solidFill>
-                  <a:schemeClr val="bg2"/>
-                </a:solidFill>
-              </a:rPr>
-              <a:t>? </a:t>
-            </a:r>
-            <a:r>
-              <a:rPr lang="pl-PL" dirty="0" err="1" smtClean="0">
-                <a:solidFill>
-                  <a:schemeClr val="bg2"/>
-                </a:solidFill>
-              </a:rPr>
-              <a:t>What</a:t>
-            </a:r>
-            <a:r>
-              <a:rPr lang="pl-PL" dirty="0" smtClean="0">
-                <a:solidFill>
-                  <a:schemeClr val="bg2"/>
-                </a:solidFill>
-              </a:rPr>
-              <a:t>?</a:t>
-            </a:r>
-            <a:endParaRPr lang="en-US" dirty="0">
-              <a:solidFill>
-                <a:schemeClr val="bg2"/>
-              </a:solidFill>
-            </a:endParaRPr>
-          </a:p>
-        </p:txBody>
-      </p:sp>
-    </p:spTree>
-    <p:extLst>
-      <p:ext uri="{BB962C8B-B14F-4D97-AF65-F5344CB8AC3E}">
-        <p14:creationId xmlns:p14="http://schemas.microsoft.com/office/powerpoint/2010/main" val="2090757584"/>
-      </p:ext>
-    </p:extLst>
-  </p:cSld>
-  <p:clrMapOvr>
-    <a:masterClrMapping/>
-  </p:clrMapOvr>
-  <p:timing>
-    <p:tnLst>
-      <p:par>
-        <p:cTn id="1" dur="indefinite" restart="never" nodeType="tmRoot"/>
-      </p:par>
-    </p:tnLst>
-  </p:timing>
-</p:sld>
-</file>
-
 <file path=ppt/slides/slide3.xml><?xml version="1.0" encoding="utf-8"?>
 <p:sld xmlns:a="http://schemas.openxmlformats.org/drawingml/2006/main" xmlns:r="http://schemas.openxmlformats.org/officeDocument/2006/relationships" xmlns:p="http://schemas.openxmlformats.org/presentationml/2006/main">
   <p:cSld>
@@ -41299,22 +42323,22 @@
           <a:lstStyle/>
           <a:p>
             <a:r>
-              <a:rPr lang="pl-PL" dirty="0" err="1" smtClean="0"/>
+              <a:rPr lang="pl-PL" b="1" dirty="0" err="1" smtClean="0"/>
               <a:t>Ecma</a:t>
             </a:r>
             <a:r>
-              <a:rPr lang="pl-PL" dirty="0" smtClean="0"/>
+              <a:rPr lang="pl-PL" b="1" dirty="0" smtClean="0"/>
               <a:t> </a:t>
             </a:r>
             <a:r>
-              <a:rPr lang="pl-PL" dirty="0" err="1" smtClean="0"/>
+              <a:rPr lang="pl-PL" b="1" dirty="0" err="1" smtClean="0"/>
               <a:t>Script</a:t>
             </a:r>
             <a:r>
-              <a:rPr lang="pl-PL" dirty="0" smtClean="0"/>
+              <a:rPr lang="pl-PL" b="1" dirty="0" smtClean="0"/>
               <a:t> 2015</a:t>
             </a:r>
-            <a:endParaRPr lang="en-US" dirty="0"/>
+            <a:endParaRPr lang="en-US" b="1" dirty="0"/>
           </a:p>
         </p:txBody>
       </p:sp>

--- a/#1 JS Intro/GroupIntro - ES2015.pptx
+++ b/#1 JS Intro/GroupIntro - ES2015.pptx
@@ -5,10 +5,10 @@
     <p:sldMasterId id="2147483648" r:id="rId4"/>
   </p:sldMasterIdLst>
   <p:notesMasterIdLst>
-    <p:notesMasterId r:id="rId25"/>
+    <p:notesMasterId r:id="rId27"/>
   </p:notesMasterIdLst>
   <p:handoutMasterIdLst>
-    <p:handoutMasterId r:id="rId26"/>
+    <p:handoutMasterId r:id="rId28"/>
   </p:handoutMasterIdLst>
   <p:sldIdLst>
     <p:sldId id="379" r:id="rId5"/>
@@ -23,14 +23,16 @@
     <p:sldId id="331" r:id="rId14"/>
     <p:sldId id="389" r:id="rId15"/>
     <p:sldId id="390" r:id="rId16"/>
-    <p:sldId id="383" r:id="rId17"/>
-    <p:sldId id="291" r:id="rId18"/>
-    <p:sldId id="292" r:id="rId19"/>
-    <p:sldId id="361" r:id="rId20"/>
-    <p:sldId id="342" r:id="rId21"/>
-    <p:sldId id="364" r:id="rId22"/>
-    <p:sldId id="367" r:id="rId23"/>
-    <p:sldId id="372" r:id="rId24"/>
+    <p:sldId id="391" r:id="rId17"/>
+    <p:sldId id="392" r:id="rId18"/>
+    <p:sldId id="383" r:id="rId19"/>
+    <p:sldId id="291" r:id="rId20"/>
+    <p:sldId id="292" r:id="rId21"/>
+    <p:sldId id="361" r:id="rId22"/>
+    <p:sldId id="342" r:id="rId23"/>
+    <p:sldId id="364" r:id="rId24"/>
+    <p:sldId id="367" r:id="rId25"/>
+    <p:sldId id="372" r:id="rId26"/>
   </p:sldIdLst>
   <p:sldSz cx="12192000" cy="6858000"/>
   <p:notesSz cx="6858000" cy="9144000"/>
@@ -1589,12 +1591,7 @@
             <p:ph type="sldImg"/>
           </p:nvPr>
         </p:nvSpPr>
-        <p:spPr>
-          <a:xfrm>
-            <a:off x="381000" y="685800"/>
-            <a:ext cx="6096000" cy="3429000"/>
-          </a:xfrm>
-        </p:spPr>
+        <p:spPr/>
       </p:sp>
       <p:sp>
         <p:nvSpPr>
@@ -1608,26 +1605,13 @@
         </p:nvSpPr>
         <p:spPr/>
         <p:txBody>
-          <a:bodyPr>
-            <a:normAutofit/>
-          </a:bodyPr>
+          <a:bodyPr/>
           <a:lstStyle/>
           <a:p>
-            <a:r>
-              <a:rPr lang="en-US" dirty="0"/>
-              <a:t>Slide contains 3 separate tables to type in a question in top row, and answer or explanation in second</a:t>
-            </a:r>
-            <a:r>
-              <a:rPr lang="en-US" baseline="0" dirty="0"/>
-              <a:t> row. Delete tables not needed.</a:t>
-            </a:r>
-          </a:p>
-          <a:p>
-            <a:r>
-              <a:rPr lang="en-US" baseline="0" dirty="0"/>
-              <a:t>Animation is set to Fade on with a click. First question automatically appears in slide show mode. Click for remaining questions to build.</a:t>
-            </a:r>
-            <a:endParaRPr lang="en-US" dirty="0"/>
+            <a:pPr marL="0" indent="0">
+              <a:buNone/>
+            </a:pPr>
+            <a:endParaRPr lang="pl-PL" dirty="0"/>
           </a:p>
         </p:txBody>
       </p:sp>
@@ -1649,7 +1633,7 @@
             <a:fld id="{482BE62A-086B-44B7-8C0D-9D910583B0B1}" type="slidenum">
               <a:rPr lang="en-US" smtClean="0"/>
               <a:pPr/>
-              <a:t>14</a:t>
+              <a:t>13</a:t>
             </a:fld>
             <a:endParaRPr lang="en-US" dirty="0"/>
           </a:p>
@@ -1658,7 +1642,7 @@
     </p:spTree>
     <p:extLst>
       <p:ext uri="{BB962C8B-B14F-4D97-AF65-F5344CB8AC3E}">
-        <p14:creationId xmlns:p14="http://schemas.microsoft.com/office/powerpoint/2010/main" val="952043000"/>
+        <p14:creationId xmlns:p14="http://schemas.microsoft.com/office/powerpoint/2010/main" val="469664209"/>
       </p:ext>
     </p:extLst>
   </p:cSld>
@@ -1669,6 +1653,102 @@
 </file>
 
 <file path=ppt/notesSlides/notesSlide7.xml><?xml version="1.0" encoding="utf-8"?>
+<p:notes xmlns:a="http://schemas.openxmlformats.org/drawingml/2006/main" xmlns:r="http://schemas.openxmlformats.org/officeDocument/2006/relationships" xmlns:p="http://schemas.openxmlformats.org/presentationml/2006/main">
+  <p:cSld>
+    <p:spTree>
+      <p:nvGrpSpPr>
+        <p:cNvPr id="1" name=""/>
+        <p:cNvGrpSpPr/>
+        <p:nvPr/>
+      </p:nvGrpSpPr>
+      <p:grpSpPr>
+        <a:xfrm>
+          <a:off x="0" y="0"/>
+          <a:ext cx="0" cy="0"/>
+          <a:chOff x="0" y="0"/>
+          <a:chExt cx="0" cy="0"/>
+        </a:xfrm>
+      </p:grpSpPr>
+      <p:sp>
+        <p:nvSpPr>
+          <p:cNvPr id="2" name="Slide Image Placeholder 1"/>
+          <p:cNvSpPr>
+            <a:spLocks noGrp="1" noRot="1" noChangeAspect="1"/>
+          </p:cNvSpPr>
+          <p:nvPr>
+            <p:ph type="sldImg"/>
+          </p:nvPr>
+        </p:nvSpPr>
+        <p:spPr/>
+      </p:sp>
+      <p:sp>
+        <p:nvSpPr>
+          <p:cNvPr id="3" name="Notes Placeholder 2"/>
+          <p:cNvSpPr>
+            <a:spLocks noGrp="1"/>
+          </p:cNvSpPr>
+          <p:nvPr>
+            <p:ph type="body" idx="1"/>
+          </p:nvPr>
+        </p:nvSpPr>
+        <p:spPr/>
+        <p:txBody>
+          <a:bodyPr/>
+          <a:lstStyle/>
+          <a:p>
+            <a:r>
+              <a:rPr lang="pl-PL" sz="1200" b="0" i="1" u="none" strike="noStrike" kern="1200" baseline="0" dirty="0" smtClean="0">
+                <a:solidFill>
+                  <a:schemeClr val="tx1"/>
+                </a:solidFill>
+                <a:latin typeface="+mn-lt"/>
+                <a:ea typeface="+mn-ea"/>
+                <a:cs typeface="+mn-cs"/>
+              </a:rPr>
+              <a:t>MD</a:t>
+            </a:r>
+            <a:endParaRPr lang="pl-PL" dirty="0"/>
+          </a:p>
+        </p:txBody>
+      </p:sp>
+      <p:sp>
+        <p:nvSpPr>
+          <p:cNvPr id="4" name="Slide Number Placeholder 3"/>
+          <p:cNvSpPr>
+            <a:spLocks noGrp="1"/>
+          </p:cNvSpPr>
+          <p:nvPr>
+            <p:ph type="sldNum" sz="quarter" idx="10"/>
+          </p:nvPr>
+        </p:nvSpPr>
+        <p:spPr/>
+        <p:txBody>
+          <a:bodyPr/>
+          <a:lstStyle/>
+          <a:p>
+            <a:fld id="{482BE62A-086B-44B7-8C0D-9D910583B0B1}" type="slidenum">
+              <a:rPr lang="en-US" smtClean="0"/>
+              <a:pPr/>
+              <a:t>14</a:t>
+            </a:fld>
+            <a:endParaRPr lang="en-US" dirty="0"/>
+          </a:p>
+        </p:txBody>
+      </p:sp>
+    </p:spTree>
+    <p:extLst>
+      <p:ext uri="{BB962C8B-B14F-4D97-AF65-F5344CB8AC3E}">
+        <p14:creationId xmlns:p14="http://schemas.microsoft.com/office/powerpoint/2010/main" val="598756009"/>
+      </p:ext>
+    </p:extLst>
+  </p:cSld>
+  <p:clrMapOvr>
+    <a:masterClrMapping/>
+  </p:clrMapOvr>
+</p:notes>
+</file>
+
+<file path=ppt/notesSlides/notesSlide8.xml><?xml version="1.0" encoding="utf-8"?>
 <p:notes xmlns:a="http://schemas.openxmlformats.org/drawingml/2006/main" xmlns:r="http://schemas.openxmlformats.org/officeDocument/2006/relationships" xmlns:p="http://schemas.openxmlformats.org/presentationml/2006/main">
   <p:cSld>
     <p:spTree>
@@ -1721,7 +1801,7 @@
           <a:p>
             <a:r>
               <a:rPr lang="en-US" dirty="0"/>
-              <a:t>Slide contains 4 separate tables to type in a question in top row, and answer or explanation in second</a:t>
+              <a:t>Slide contains 3 separate tables to type in a question in top row, and answer or explanation in second</a:t>
             </a:r>
             <a:r>
               <a:rPr lang="en-US" baseline="0" dirty="0"/>
@@ -1755,7 +1835,113 @@
             <a:fld id="{482BE62A-086B-44B7-8C0D-9D910583B0B1}" type="slidenum">
               <a:rPr lang="en-US" smtClean="0"/>
               <a:pPr/>
-              <a:t>15</a:t>
+              <a:t>16</a:t>
+            </a:fld>
+            <a:endParaRPr lang="en-US" dirty="0"/>
+          </a:p>
+        </p:txBody>
+      </p:sp>
+    </p:spTree>
+    <p:extLst>
+      <p:ext uri="{BB962C8B-B14F-4D97-AF65-F5344CB8AC3E}">
+        <p14:creationId xmlns:p14="http://schemas.microsoft.com/office/powerpoint/2010/main" val="952043000"/>
+      </p:ext>
+    </p:extLst>
+  </p:cSld>
+  <p:clrMapOvr>
+    <a:masterClrMapping/>
+  </p:clrMapOvr>
+</p:notes>
+</file>
+
+<file path=ppt/notesSlides/notesSlide9.xml><?xml version="1.0" encoding="utf-8"?>
+<p:notes xmlns:a="http://schemas.openxmlformats.org/drawingml/2006/main" xmlns:r="http://schemas.openxmlformats.org/officeDocument/2006/relationships" xmlns:p="http://schemas.openxmlformats.org/presentationml/2006/main">
+  <p:cSld>
+    <p:spTree>
+      <p:nvGrpSpPr>
+        <p:cNvPr id="1" name=""/>
+        <p:cNvGrpSpPr/>
+        <p:nvPr/>
+      </p:nvGrpSpPr>
+      <p:grpSpPr>
+        <a:xfrm>
+          <a:off x="0" y="0"/>
+          <a:ext cx="0" cy="0"/>
+          <a:chOff x="0" y="0"/>
+          <a:chExt cx="0" cy="0"/>
+        </a:xfrm>
+      </p:grpSpPr>
+      <p:sp>
+        <p:nvSpPr>
+          <p:cNvPr id="2" name="Slide Image Placeholder 1"/>
+          <p:cNvSpPr>
+            <a:spLocks noGrp="1" noRot="1" noChangeAspect="1"/>
+          </p:cNvSpPr>
+          <p:nvPr>
+            <p:ph type="sldImg"/>
+          </p:nvPr>
+        </p:nvSpPr>
+        <p:spPr>
+          <a:xfrm>
+            <a:off x="381000" y="685800"/>
+            <a:ext cx="6096000" cy="3429000"/>
+          </a:xfrm>
+        </p:spPr>
+      </p:sp>
+      <p:sp>
+        <p:nvSpPr>
+          <p:cNvPr id="3" name="Notes Placeholder 2"/>
+          <p:cNvSpPr>
+            <a:spLocks noGrp="1"/>
+          </p:cNvSpPr>
+          <p:nvPr>
+            <p:ph type="body" idx="1"/>
+          </p:nvPr>
+        </p:nvSpPr>
+        <p:spPr/>
+        <p:txBody>
+          <a:bodyPr>
+            <a:normAutofit/>
+          </a:bodyPr>
+          <a:lstStyle/>
+          <a:p>
+            <a:r>
+              <a:rPr lang="en-US" dirty="0"/>
+              <a:t>Slide contains 4 separate tables to type in a question in top row, and answer or explanation in second</a:t>
+            </a:r>
+            <a:r>
+              <a:rPr lang="en-US" baseline="0" dirty="0"/>
+              <a:t> row. Delete tables not needed.</a:t>
+            </a:r>
+          </a:p>
+          <a:p>
+            <a:r>
+              <a:rPr lang="en-US" baseline="0" dirty="0"/>
+              <a:t>Animation is set to Fade on with a click. First question automatically appears in slide show mode. Click for remaining questions to build.</a:t>
+            </a:r>
+            <a:endParaRPr lang="en-US" dirty="0"/>
+          </a:p>
+        </p:txBody>
+      </p:sp>
+      <p:sp>
+        <p:nvSpPr>
+          <p:cNvPr id="4" name="Slide Number Placeholder 3"/>
+          <p:cNvSpPr>
+            <a:spLocks noGrp="1"/>
+          </p:cNvSpPr>
+          <p:nvPr>
+            <p:ph type="sldNum" sz="quarter" idx="10"/>
+          </p:nvPr>
+        </p:nvSpPr>
+        <p:spPr/>
+        <p:txBody>
+          <a:bodyPr/>
+          <a:lstStyle/>
+          <a:p>
+            <a:fld id="{482BE62A-086B-44B7-8C0D-9D910583B0B1}" type="slidenum">
+              <a:rPr lang="en-US" smtClean="0"/>
+              <a:pPr/>
+              <a:t>17</a:t>
             </a:fld>
             <a:endParaRPr lang="en-US" dirty="0"/>
           </a:p>
@@ -31846,22 +32032,22 @@
           <a:lstStyle/>
           <a:p>
             <a:r>
-              <a:rPr lang="pl-PL" i="1" dirty="0" err="1"/>
+              <a:rPr lang="pl-PL" b="1" i="1" dirty="0" err="1"/>
               <a:t>l</a:t>
             </a:r>
             <a:r>
-              <a:rPr lang="pl-PL" i="1" dirty="0" err="1" smtClean="0"/>
+              <a:rPr lang="pl-PL" b="1" i="1" dirty="0" err="1" smtClean="0"/>
               <a:t>et</a:t>
             </a:r>
             <a:r>
-              <a:rPr lang="pl-PL" dirty="0" smtClean="0"/>
+              <a:rPr lang="pl-PL" b="1" dirty="0" smtClean="0"/>
               <a:t> and </a:t>
             </a:r>
             <a:r>
-              <a:rPr lang="pl-PL" i="1" dirty="0" err="1" smtClean="0"/>
+              <a:rPr lang="pl-PL" b="1" i="1" dirty="0" err="1" smtClean="0"/>
               <a:t>const</a:t>
             </a:r>
-            <a:endParaRPr lang="en-US" i="1" dirty="0"/>
+            <a:endParaRPr lang="en-US" b="1" i="1" dirty="0"/>
           </a:p>
         </p:txBody>
       </p:sp>
@@ -33486,7 +33672,7 @@
               <a:t>Be </a:t>
             </a:r>
             <a:r>
-              <a:rPr lang="pl-PL" sz="2700" smtClean="0">
+              <a:rPr lang="pl-PL" sz="2700" dirty="0" err="1" smtClean="0">
                 <a:solidFill>
                   <a:schemeClr val="bg2"/>
                 </a:solidFill>
@@ -33544,6 +33730,1356 @@
 </file>
 
 <file path=ppt/slides/slide13.xml><?xml version="1.0" encoding="utf-8"?>
+<p:sld xmlns:a="http://schemas.openxmlformats.org/drawingml/2006/main" xmlns:r="http://schemas.openxmlformats.org/officeDocument/2006/relationships" xmlns:p="http://schemas.openxmlformats.org/presentationml/2006/main">
+  <p:cSld>
+    <p:spTree>
+      <p:nvGrpSpPr>
+        <p:cNvPr id="1" name=""/>
+        <p:cNvGrpSpPr/>
+        <p:nvPr/>
+      </p:nvGrpSpPr>
+      <p:grpSpPr>
+        <a:xfrm>
+          <a:off x="0" y="0"/>
+          <a:ext cx="0" cy="0"/>
+          <a:chOff x="0" y="0"/>
+          <a:chExt cx="0" cy="0"/>
+        </a:xfrm>
+      </p:grpSpPr>
+      <p:sp>
+        <p:nvSpPr>
+          <p:cNvPr id="2" name="Slide Number Placeholder 1"/>
+          <p:cNvSpPr>
+            <a:spLocks noGrp="1"/>
+          </p:cNvSpPr>
+          <p:nvPr>
+            <p:ph type="sldNum" sz="quarter" idx="12"/>
+          </p:nvPr>
+        </p:nvSpPr>
+        <p:spPr/>
+        <p:txBody>
+          <a:bodyPr/>
+          <a:lstStyle/>
+          <a:p>
+            <a:fld id="{0D558541-60C9-42A2-8392-FF12533A6B7A}" type="slidenum">
+              <a:rPr lang="en-US" smtClean="0"/>
+              <a:pPr/>
+              <a:t>13</a:t>
+            </a:fld>
+            <a:endParaRPr lang="en-US" dirty="0"/>
+          </a:p>
+        </p:txBody>
+      </p:sp>
+      <p:sp>
+        <p:nvSpPr>
+          <p:cNvPr id="5" name="Title 2"/>
+          <p:cNvSpPr>
+            <a:spLocks noGrp="1"/>
+          </p:cNvSpPr>
+          <p:nvPr>
+            <p:ph type="title"/>
+          </p:nvPr>
+        </p:nvSpPr>
+        <p:spPr>
+          <a:xfrm>
+            <a:off x="1698091" y="457200"/>
+            <a:ext cx="8763336" cy="900113"/>
+          </a:xfrm>
+        </p:spPr>
+        <p:txBody>
+          <a:bodyPr/>
+          <a:lstStyle/>
+          <a:p>
+            <a:r>
+              <a:rPr lang="pl-PL" b="1" dirty="0" err="1" smtClean="0"/>
+              <a:t>Object.assign</a:t>
+            </a:r>
+            <a:endParaRPr lang="en-US" i="1" dirty="0"/>
+          </a:p>
+        </p:txBody>
+      </p:sp>
+      <p:sp>
+        <p:nvSpPr>
+          <p:cNvPr id="7" name="Text Placeholder 4"/>
+          <p:cNvSpPr txBox="1">
+            <a:spLocks/>
+          </p:cNvSpPr>
+          <p:nvPr/>
+        </p:nvSpPr>
+        <p:spPr>
+          <a:xfrm>
+            <a:off x="1699200" y="4004812"/>
+            <a:ext cx="9356435" cy="1337366"/>
+          </a:xfrm>
+          <a:prstGeom prst="rect">
+            <a:avLst/>
+          </a:prstGeom>
+        </p:spPr>
+        <p:txBody>
+          <a:bodyPr/>
+          <a:lstStyle>
+            <a:lvl1pPr marL="0" indent="0" algn="l" defTabSz="914400" rtl="0" eaLnBrk="1" latinLnBrk="0" hangingPunct="1">
+              <a:lnSpc>
+                <a:spcPct val="100000"/>
+              </a:lnSpc>
+              <a:spcBef>
+                <a:spcPts val="1200"/>
+              </a:spcBef>
+              <a:buFont typeface="Arial" pitchFamily="34" charset="0"/>
+              <a:buNone/>
+              <a:defRPr sz="3600" kern="1200">
+                <a:solidFill>
+                  <a:schemeClr val="bg1"/>
+                </a:solidFill>
+                <a:latin typeface="+mn-lt"/>
+                <a:ea typeface="+mn-ea"/>
+                <a:cs typeface="+mn-cs"/>
+              </a:defRPr>
+            </a:lvl1pPr>
+            <a:lvl2pPr marL="0" indent="0" algn="l" defTabSz="914400" rtl="0" eaLnBrk="1" latinLnBrk="0" hangingPunct="1">
+              <a:lnSpc>
+                <a:spcPct val="100000"/>
+              </a:lnSpc>
+              <a:spcBef>
+                <a:spcPts val="1000"/>
+              </a:spcBef>
+              <a:buFont typeface="Arial" pitchFamily="34" charset="0"/>
+              <a:buNone/>
+              <a:defRPr sz="2700" kern="1200">
+                <a:solidFill>
+                  <a:schemeClr val="bg1"/>
+                </a:solidFill>
+                <a:latin typeface="+mn-lt"/>
+                <a:ea typeface="+mn-ea"/>
+                <a:cs typeface="+mn-cs"/>
+              </a:defRPr>
+            </a:lvl2pPr>
+            <a:lvl3pPr marL="457200" indent="-228600" algn="l" defTabSz="914400" rtl="0" eaLnBrk="1" latinLnBrk="0" hangingPunct="1">
+              <a:lnSpc>
+                <a:spcPct val="100000"/>
+              </a:lnSpc>
+              <a:spcBef>
+                <a:spcPts val="500"/>
+              </a:spcBef>
+              <a:buFont typeface="Arial" pitchFamily="34" charset="0"/>
+              <a:buChar char="•"/>
+              <a:defRPr sz="2700" kern="1200">
+                <a:solidFill>
+                  <a:schemeClr val="tx2"/>
+                </a:solidFill>
+                <a:latin typeface="+mn-lt"/>
+                <a:ea typeface="+mn-ea"/>
+                <a:cs typeface="+mn-cs"/>
+              </a:defRPr>
+            </a:lvl3pPr>
+            <a:lvl4pPr marL="685800" indent="-228600" algn="l" defTabSz="914400" rtl="0" eaLnBrk="1" latinLnBrk="0" hangingPunct="1">
+              <a:lnSpc>
+                <a:spcPct val="100000"/>
+              </a:lnSpc>
+              <a:spcBef>
+                <a:spcPts val="500"/>
+              </a:spcBef>
+              <a:buFont typeface="Arial" pitchFamily="34" charset="0"/>
+              <a:buChar char="•"/>
+              <a:defRPr sz="2000" kern="1200">
+                <a:solidFill>
+                  <a:schemeClr val="tx2"/>
+                </a:solidFill>
+                <a:latin typeface="+mn-lt"/>
+                <a:ea typeface="+mn-ea"/>
+                <a:cs typeface="+mn-cs"/>
+              </a:defRPr>
+            </a:lvl4pPr>
+            <a:lvl5pPr marL="868680" indent="-182880" algn="l" defTabSz="914400" rtl="0" eaLnBrk="1" latinLnBrk="0" hangingPunct="1">
+              <a:lnSpc>
+                <a:spcPct val="105000"/>
+              </a:lnSpc>
+              <a:spcBef>
+                <a:spcPts val="800"/>
+              </a:spcBef>
+              <a:buFont typeface="Arial" pitchFamily="34" charset="0"/>
+              <a:buChar char="•"/>
+              <a:defRPr sz="1600" kern="1200">
+                <a:solidFill>
+                  <a:schemeClr val="tx2"/>
+                </a:solidFill>
+                <a:latin typeface="+mn-lt"/>
+                <a:ea typeface="+mn-ea"/>
+                <a:cs typeface="+mn-cs"/>
+              </a:defRPr>
+            </a:lvl5pPr>
+            <a:lvl6pPr marL="2514600" indent="-228600" algn="l" defTabSz="914400" rtl="0" eaLnBrk="1" latinLnBrk="0" hangingPunct="1">
+              <a:spcBef>
+                <a:spcPct val="20000"/>
+              </a:spcBef>
+              <a:buFont typeface="Arial" pitchFamily="34" charset="0"/>
+              <a:buChar char="•"/>
+              <a:defRPr sz="2000" kern="1200">
+                <a:solidFill>
+                  <a:schemeClr val="tx1"/>
+                </a:solidFill>
+                <a:latin typeface="+mn-lt"/>
+                <a:ea typeface="+mn-ea"/>
+                <a:cs typeface="+mn-cs"/>
+              </a:defRPr>
+            </a:lvl6pPr>
+            <a:lvl7pPr marL="2971800" indent="-228600" algn="l" defTabSz="914400" rtl="0" eaLnBrk="1" latinLnBrk="0" hangingPunct="1">
+              <a:spcBef>
+                <a:spcPct val="20000"/>
+              </a:spcBef>
+              <a:buFont typeface="Arial" pitchFamily="34" charset="0"/>
+              <a:buChar char="•"/>
+              <a:defRPr sz="2000" kern="1200">
+                <a:solidFill>
+                  <a:schemeClr val="tx1"/>
+                </a:solidFill>
+                <a:latin typeface="+mn-lt"/>
+                <a:ea typeface="+mn-ea"/>
+                <a:cs typeface="+mn-cs"/>
+              </a:defRPr>
+            </a:lvl7pPr>
+            <a:lvl8pPr marL="3429000" indent="-228600" algn="l" defTabSz="914400" rtl="0" eaLnBrk="1" latinLnBrk="0" hangingPunct="1">
+              <a:spcBef>
+                <a:spcPct val="20000"/>
+              </a:spcBef>
+              <a:buFont typeface="Arial" pitchFamily="34" charset="0"/>
+              <a:buChar char="•"/>
+              <a:defRPr sz="2000" kern="1200">
+                <a:solidFill>
+                  <a:schemeClr val="tx1"/>
+                </a:solidFill>
+                <a:latin typeface="+mn-lt"/>
+                <a:ea typeface="+mn-ea"/>
+                <a:cs typeface="+mn-cs"/>
+              </a:defRPr>
+            </a:lvl8pPr>
+            <a:lvl9pPr marL="3886200" indent="-228600" algn="l" defTabSz="914400" rtl="0" eaLnBrk="1" latinLnBrk="0" hangingPunct="1">
+              <a:spcBef>
+                <a:spcPct val="20000"/>
+              </a:spcBef>
+              <a:buFont typeface="Arial" pitchFamily="34" charset="0"/>
+              <a:buChar char="•"/>
+              <a:defRPr sz="2000" kern="1200">
+                <a:solidFill>
+                  <a:schemeClr val="tx1"/>
+                </a:solidFill>
+                <a:latin typeface="+mn-lt"/>
+                <a:ea typeface="+mn-ea"/>
+                <a:cs typeface="+mn-cs"/>
+              </a:defRPr>
+            </a:lvl9pPr>
+          </a:lstStyle>
+          <a:p>
+            <a:endParaRPr lang="en-US" sz="2700" dirty="0">
+              <a:solidFill>
+                <a:schemeClr val="bg2"/>
+              </a:solidFill>
+            </a:endParaRPr>
+          </a:p>
+        </p:txBody>
+      </p:sp>
+      <p:sp>
+        <p:nvSpPr>
+          <p:cNvPr id="6" name="Text Placeholder 4"/>
+          <p:cNvSpPr txBox="1">
+            <a:spLocks/>
+          </p:cNvSpPr>
+          <p:nvPr/>
+        </p:nvSpPr>
+        <p:spPr>
+          <a:xfrm>
+            <a:off x="1007539" y="1525784"/>
+            <a:ext cx="10048095" cy="4089570"/>
+          </a:xfrm>
+          <a:prstGeom prst="rect">
+            <a:avLst/>
+          </a:prstGeom>
+        </p:spPr>
+        <p:txBody>
+          <a:bodyPr/>
+          <a:lstStyle>
+            <a:lvl1pPr marL="0" indent="0" algn="l" defTabSz="914400" rtl="0" eaLnBrk="1" latinLnBrk="0" hangingPunct="1">
+              <a:lnSpc>
+                <a:spcPct val="100000"/>
+              </a:lnSpc>
+              <a:spcBef>
+                <a:spcPts val="1200"/>
+              </a:spcBef>
+              <a:buFont typeface="Arial" pitchFamily="34" charset="0"/>
+              <a:buNone/>
+              <a:defRPr sz="3600" kern="1200">
+                <a:solidFill>
+                  <a:schemeClr val="bg1"/>
+                </a:solidFill>
+                <a:latin typeface="+mn-lt"/>
+                <a:ea typeface="+mn-ea"/>
+                <a:cs typeface="+mn-cs"/>
+              </a:defRPr>
+            </a:lvl1pPr>
+            <a:lvl2pPr marL="0" indent="0" algn="l" defTabSz="914400" rtl="0" eaLnBrk="1" latinLnBrk="0" hangingPunct="1">
+              <a:lnSpc>
+                <a:spcPct val="100000"/>
+              </a:lnSpc>
+              <a:spcBef>
+                <a:spcPts val="1000"/>
+              </a:spcBef>
+              <a:buFont typeface="Arial" pitchFamily="34" charset="0"/>
+              <a:buNone/>
+              <a:defRPr sz="2700" kern="1200">
+                <a:solidFill>
+                  <a:schemeClr val="bg1"/>
+                </a:solidFill>
+                <a:latin typeface="+mn-lt"/>
+                <a:ea typeface="+mn-ea"/>
+                <a:cs typeface="+mn-cs"/>
+              </a:defRPr>
+            </a:lvl2pPr>
+            <a:lvl3pPr marL="457200" indent="-228600" algn="l" defTabSz="914400" rtl="0" eaLnBrk="1" latinLnBrk="0" hangingPunct="1">
+              <a:lnSpc>
+                <a:spcPct val="100000"/>
+              </a:lnSpc>
+              <a:spcBef>
+                <a:spcPts val="500"/>
+              </a:spcBef>
+              <a:buFont typeface="Arial" pitchFamily="34" charset="0"/>
+              <a:buChar char="•"/>
+              <a:defRPr sz="2700" kern="1200">
+                <a:solidFill>
+                  <a:schemeClr val="tx2"/>
+                </a:solidFill>
+                <a:latin typeface="+mn-lt"/>
+                <a:ea typeface="+mn-ea"/>
+                <a:cs typeface="+mn-cs"/>
+              </a:defRPr>
+            </a:lvl3pPr>
+            <a:lvl4pPr marL="685800" indent="-228600" algn="l" defTabSz="914400" rtl="0" eaLnBrk="1" latinLnBrk="0" hangingPunct="1">
+              <a:lnSpc>
+                <a:spcPct val="100000"/>
+              </a:lnSpc>
+              <a:spcBef>
+                <a:spcPts val="500"/>
+              </a:spcBef>
+              <a:buFont typeface="Arial" pitchFamily="34" charset="0"/>
+              <a:buChar char="•"/>
+              <a:defRPr sz="2000" kern="1200">
+                <a:solidFill>
+                  <a:schemeClr val="tx2"/>
+                </a:solidFill>
+                <a:latin typeface="+mn-lt"/>
+                <a:ea typeface="+mn-ea"/>
+                <a:cs typeface="+mn-cs"/>
+              </a:defRPr>
+            </a:lvl4pPr>
+            <a:lvl5pPr marL="868680" indent="-182880" algn="l" defTabSz="914400" rtl="0" eaLnBrk="1" latinLnBrk="0" hangingPunct="1">
+              <a:lnSpc>
+                <a:spcPct val="105000"/>
+              </a:lnSpc>
+              <a:spcBef>
+                <a:spcPts val="800"/>
+              </a:spcBef>
+              <a:buFont typeface="Arial" pitchFamily="34" charset="0"/>
+              <a:buChar char="•"/>
+              <a:defRPr sz="1600" kern="1200">
+                <a:solidFill>
+                  <a:schemeClr val="tx2"/>
+                </a:solidFill>
+                <a:latin typeface="+mn-lt"/>
+                <a:ea typeface="+mn-ea"/>
+                <a:cs typeface="+mn-cs"/>
+              </a:defRPr>
+            </a:lvl5pPr>
+            <a:lvl6pPr marL="2514600" indent="-228600" algn="l" defTabSz="914400" rtl="0" eaLnBrk="1" latinLnBrk="0" hangingPunct="1">
+              <a:spcBef>
+                <a:spcPct val="20000"/>
+              </a:spcBef>
+              <a:buFont typeface="Arial" pitchFamily="34" charset="0"/>
+              <a:buChar char="•"/>
+              <a:defRPr sz="2000" kern="1200">
+                <a:solidFill>
+                  <a:schemeClr val="tx1"/>
+                </a:solidFill>
+                <a:latin typeface="+mn-lt"/>
+                <a:ea typeface="+mn-ea"/>
+                <a:cs typeface="+mn-cs"/>
+              </a:defRPr>
+            </a:lvl6pPr>
+            <a:lvl7pPr marL="2971800" indent="-228600" algn="l" defTabSz="914400" rtl="0" eaLnBrk="1" latinLnBrk="0" hangingPunct="1">
+              <a:spcBef>
+                <a:spcPct val="20000"/>
+              </a:spcBef>
+              <a:buFont typeface="Arial" pitchFamily="34" charset="0"/>
+              <a:buChar char="•"/>
+              <a:defRPr sz="2000" kern="1200">
+                <a:solidFill>
+                  <a:schemeClr val="tx1"/>
+                </a:solidFill>
+                <a:latin typeface="+mn-lt"/>
+                <a:ea typeface="+mn-ea"/>
+                <a:cs typeface="+mn-cs"/>
+              </a:defRPr>
+            </a:lvl7pPr>
+            <a:lvl8pPr marL="3429000" indent="-228600" algn="l" defTabSz="914400" rtl="0" eaLnBrk="1" latinLnBrk="0" hangingPunct="1">
+              <a:spcBef>
+                <a:spcPct val="20000"/>
+              </a:spcBef>
+              <a:buFont typeface="Arial" pitchFamily="34" charset="0"/>
+              <a:buChar char="•"/>
+              <a:defRPr sz="2000" kern="1200">
+                <a:solidFill>
+                  <a:schemeClr val="tx1"/>
+                </a:solidFill>
+                <a:latin typeface="+mn-lt"/>
+                <a:ea typeface="+mn-ea"/>
+                <a:cs typeface="+mn-cs"/>
+              </a:defRPr>
+            </a:lvl8pPr>
+            <a:lvl9pPr marL="3886200" indent="-228600" algn="l" defTabSz="914400" rtl="0" eaLnBrk="1" latinLnBrk="0" hangingPunct="1">
+              <a:spcBef>
+                <a:spcPct val="20000"/>
+              </a:spcBef>
+              <a:buFont typeface="Arial" pitchFamily="34" charset="0"/>
+              <a:buChar char="•"/>
+              <a:defRPr sz="2000" kern="1200">
+                <a:solidFill>
+                  <a:schemeClr val="tx1"/>
+                </a:solidFill>
+                <a:latin typeface="+mn-lt"/>
+                <a:ea typeface="+mn-ea"/>
+                <a:cs typeface="+mn-cs"/>
+              </a:defRPr>
+            </a:lvl9pPr>
+          </a:lstStyle>
+          <a:p>
+            <a:pPr marL="457200" indent="-457200">
+              <a:buFont typeface="Arial" panose="020B0604020202020204" pitchFamily="34" charset="0"/>
+              <a:buChar char="•"/>
+            </a:pPr>
+            <a:r>
+              <a:rPr lang="en-US" sz="2700" dirty="0">
+                <a:solidFill>
+                  <a:schemeClr val="bg2"/>
+                </a:solidFill>
+              </a:rPr>
+              <a:t>The </a:t>
+            </a:r>
+            <a:r>
+              <a:rPr lang="en-US" sz="2700" dirty="0" err="1">
+                <a:solidFill>
+                  <a:schemeClr val="bg2"/>
+                </a:solidFill>
+              </a:rPr>
+              <a:t>Object.assign</a:t>
+            </a:r>
+            <a:r>
+              <a:rPr lang="en-US" sz="2700" dirty="0">
+                <a:solidFill>
+                  <a:schemeClr val="bg2"/>
+                </a:solidFill>
+              </a:rPr>
+              <a:t> method copies properties from one or more source objects to a target </a:t>
+            </a:r>
+            <a:r>
+              <a:rPr lang="en-US" sz="2700" dirty="0" smtClean="0">
+                <a:solidFill>
+                  <a:schemeClr val="bg2"/>
+                </a:solidFill>
+              </a:rPr>
+              <a:t>object</a:t>
+            </a:r>
+            <a:r>
+              <a:rPr lang="pl-PL" sz="2700" dirty="0" smtClean="0">
+                <a:solidFill>
+                  <a:schemeClr val="bg2"/>
+                </a:solidFill>
+              </a:rPr>
+              <a:t> </a:t>
+            </a:r>
+            <a:r>
+              <a:rPr lang="en-US" sz="2700" dirty="0" smtClean="0">
+                <a:solidFill>
+                  <a:schemeClr val="bg2"/>
+                </a:solidFill>
+              </a:rPr>
+              <a:t>specified </a:t>
+            </a:r>
+            <a:r>
+              <a:rPr lang="en-US" sz="2700" dirty="0">
+                <a:solidFill>
+                  <a:schemeClr val="bg2"/>
+                </a:solidFill>
+              </a:rPr>
+              <a:t>as the very first </a:t>
+            </a:r>
+            <a:r>
+              <a:rPr lang="en-US" sz="2700" dirty="0" smtClean="0">
+                <a:solidFill>
+                  <a:schemeClr val="bg2"/>
+                </a:solidFill>
+              </a:rPr>
+              <a:t>argument</a:t>
+            </a:r>
+            <a:endParaRPr lang="en-US" sz="2700" dirty="0">
+              <a:solidFill>
+                <a:schemeClr val="bg2"/>
+              </a:solidFill>
+            </a:endParaRPr>
+          </a:p>
+          <a:p>
+            <a:pPr marL="457200" indent="-457200">
+              <a:buFont typeface="Arial" panose="020B0604020202020204" pitchFamily="34" charset="0"/>
+              <a:buChar char="•"/>
+            </a:pPr>
+            <a:endParaRPr lang="pl-PL" sz="2700" dirty="0" smtClean="0">
+              <a:solidFill>
+                <a:schemeClr val="bg2"/>
+              </a:solidFill>
+            </a:endParaRPr>
+          </a:p>
+          <a:p>
+            <a:endParaRPr lang="pl-PL" sz="2700" dirty="0" smtClean="0">
+              <a:solidFill>
+                <a:schemeClr val="bg2"/>
+              </a:solidFill>
+            </a:endParaRPr>
+          </a:p>
+          <a:p>
+            <a:pPr marL="457200" indent="-457200">
+              <a:buFont typeface="Arial" panose="020B0604020202020204" pitchFamily="34" charset="0"/>
+              <a:buChar char="•"/>
+            </a:pPr>
+            <a:r>
+              <a:rPr lang="pl-PL" sz="2700" dirty="0" err="1" smtClean="0">
+                <a:solidFill>
+                  <a:schemeClr val="bg2"/>
+                </a:solidFill>
+              </a:rPr>
+              <a:t>Object.assign</a:t>
+            </a:r>
+            <a:r>
+              <a:rPr lang="pl-PL" sz="2700" dirty="0" smtClean="0">
+                <a:solidFill>
+                  <a:schemeClr val="bg2"/>
+                </a:solidFill>
+              </a:rPr>
+              <a:t>({}, </a:t>
+            </a:r>
+            <a:r>
+              <a:rPr lang="pl-PL" sz="2700" dirty="0" err="1" smtClean="0">
+                <a:solidFill>
+                  <a:schemeClr val="bg2"/>
+                </a:solidFill>
+              </a:rPr>
+              <a:t>defaults</a:t>
+            </a:r>
+            <a:r>
+              <a:rPr lang="pl-PL" sz="2700" dirty="0" smtClean="0">
+                <a:solidFill>
+                  <a:schemeClr val="bg2"/>
+                </a:solidFill>
+              </a:rPr>
+              <a:t>, options1, options2, options3)</a:t>
+            </a:r>
+            <a:endParaRPr lang="pl-PL" sz="2700" dirty="0">
+              <a:solidFill>
+                <a:schemeClr val="bg2"/>
+              </a:solidFill>
+            </a:endParaRPr>
+          </a:p>
+        </p:txBody>
+      </p:sp>
+      <p:sp>
+        <p:nvSpPr>
+          <p:cNvPr id="13" name="Curved Down Arrow 12"/>
+          <p:cNvSpPr/>
+          <p:nvPr/>
+        </p:nvSpPr>
+        <p:spPr>
+          <a:xfrm flipH="1">
+            <a:off x="3845169" y="3731636"/>
+            <a:ext cx="1216152" cy="365760"/>
+          </a:xfrm>
+          <a:prstGeom prst="curvedDownArrow">
+            <a:avLst/>
+          </a:prstGeom>
+          <a:solidFill>
+            <a:schemeClr val="accent3"/>
+          </a:solidFill>
+          <a:ln>
+            <a:noFill/>
+            <a:prstDash val="dash"/>
+          </a:ln>
+        </p:spPr>
+        <p:txBody>
+          <a:bodyPr wrap="square" lIns="0" rtlCol="0" anchor="ctr">
+            <a:noAutofit/>
+          </a:bodyPr>
+          <a:lstStyle/>
+          <a:p>
+            <a:pPr algn="ctr"/>
+            <a:endParaRPr lang="en-US" dirty="0" err="1" smtClean="0"/>
+          </a:p>
+        </p:txBody>
+      </p:sp>
+      <p:sp>
+        <p:nvSpPr>
+          <p:cNvPr id="14" name="Curved Down Arrow 13"/>
+          <p:cNvSpPr/>
+          <p:nvPr/>
+        </p:nvSpPr>
+        <p:spPr>
+          <a:xfrm flipH="1">
+            <a:off x="3780755" y="3509479"/>
+            <a:ext cx="2250831" cy="641604"/>
+          </a:xfrm>
+          <a:prstGeom prst="curvedDownArrow">
+            <a:avLst/>
+          </a:prstGeom>
+          <a:solidFill>
+            <a:schemeClr val="accent3"/>
+          </a:solidFill>
+          <a:ln>
+            <a:noFill/>
+            <a:prstDash val="dash"/>
+          </a:ln>
+        </p:spPr>
+        <p:txBody>
+          <a:bodyPr wrap="square" lIns="0" rtlCol="0" anchor="ctr">
+            <a:noAutofit/>
+          </a:bodyPr>
+          <a:lstStyle/>
+          <a:p>
+            <a:pPr algn="ctr"/>
+            <a:endParaRPr lang="en-US" dirty="0" err="1" smtClean="0"/>
+          </a:p>
+        </p:txBody>
+      </p:sp>
+      <p:sp>
+        <p:nvSpPr>
+          <p:cNvPr id="15" name="Curved Down Arrow 14"/>
+          <p:cNvSpPr/>
+          <p:nvPr/>
+        </p:nvSpPr>
+        <p:spPr>
+          <a:xfrm flipH="1">
+            <a:off x="3780753" y="3423138"/>
+            <a:ext cx="4038538" cy="727945"/>
+          </a:xfrm>
+          <a:prstGeom prst="curvedDownArrow">
+            <a:avLst/>
+          </a:prstGeom>
+          <a:solidFill>
+            <a:schemeClr val="accent3"/>
+          </a:solidFill>
+          <a:ln>
+            <a:noFill/>
+            <a:prstDash val="dash"/>
+          </a:ln>
+        </p:spPr>
+        <p:txBody>
+          <a:bodyPr wrap="square" lIns="0" rtlCol="0" anchor="ctr">
+            <a:noAutofit/>
+          </a:bodyPr>
+          <a:lstStyle/>
+          <a:p>
+            <a:pPr algn="ctr"/>
+            <a:endParaRPr lang="en-US" dirty="0" err="1" smtClean="0"/>
+          </a:p>
+        </p:txBody>
+      </p:sp>
+      <p:sp>
+        <p:nvSpPr>
+          <p:cNvPr id="16" name="Curved Down Arrow 15"/>
+          <p:cNvSpPr/>
+          <p:nvPr/>
+        </p:nvSpPr>
+        <p:spPr>
+          <a:xfrm flipH="1">
+            <a:off x="3780752" y="3317631"/>
+            <a:ext cx="5410140" cy="833452"/>
+          </a:xfrm>
+          <a:prstGeom prst="curvedDownArrow">
+            <a:avLst/>
+          </a:prstGeom>
+          <a:solidFill>
+            <a:schemeClr val="accent3"/>
+          </a:solidFill>
+          <a:ln>
+            <a:noFill/>
+            <a:prstDash val="dash"/>
+          </a:ln>
+        </p:spPr>
+        <p:txBody>
+          <a:bodyPr wrap="square" lIns="0" rtlCol="0" anchor="ctr">
+            <a:noAutofit/>
+          </a:bodyPr>
+          <a:lstStyle/>
+          <a:p>
+            <a:pPr algn="ctr"/>
+            <a:endParaRPr lang="en-US" dirty="0" err="1" smtClean="0"/>
+          </a:p>
+        </p:txBody>
+      </p:sp>
+    </p:spTree>
+    <p:extLst>
+      <p:ext uri="{BB962C8B-B14F-4D97-AF65-F5344CB8AC3E}">
+        <p14:creationId xmlns:p14="http://schemas.microsoft.com/office/powerpoint/2010/main" val="95486792"/>
+      </p:ext>
+    </p:extLst>
+  </p:cSld>
+  <p:clrMapOvr>
+    <a:masterClrMapping/>
+  </p:clrMapOvr>
+  <p:timing>
+    <p:tnLst>
+      <p:par>
+        <p:cTn id="1" dur="indefinite" restart="never" nodeType="tmRoot">
+          <p:childTnLst>
+            <p:seq concurrent="1" nextAc="seek">
+              <p:cTn id="2" dur="indefinite" nodeType="mainSeq">
+                <p:childTnLst>
+                  <p:par>
+                    <p:cTn id="3" fill="hold">
+                      <p:stCondLst>
+                        <p:cond delay="indefinite"/>
+                      </p:stCondLst>
+                      <p:childTnLst>
+                        <p:par>
+                          <p:cTn id="4" fill="hold">
+                            <p:stCondLst>
+                              <p:cond delay="0"/>
+                            </p:stCondLst>
+                            <p:childTnLst>
+                              <p:par>
+                                <p:cTn id="5" presetID="1" presetClass="entr" presetSubtype="0" fill="hold" grpId="0" nodeType="clickEffect">
+                                  <p:stCondLst>
+                                    <p:cond delay="0"/>
+                                  </p:stCondLst>
+                                  <p:childTnLst>
+                                    <p:set>
+                                      <p:cBhvr>
+                                        <p:cTn id="6" dur="1" fill="hold">
+                                          <p:stCondLst>
+                                            <p:cond delay="0"/>
+                                          </p:stCondLst>
+                                        </p:cTn>
+                                        <p:tgtEl>
+                                          <p:spTgt spid="13"/>
+                                        </p:tgtEl>
+                                        <p:attrNameLst>
+                                          <p:attrName>style.visibility</p:attrName>
+                                        </p:attrNameLst>
+                                      </p:cBhvr>
+                                      <p:to>
+                                        <p:strVal val="visible"/>
+                                      </p:to>
+                                    </p:set>
+                                  </p:childTnLst>
+                                </p:cTn>
+                              </p:par>
+                            </p:childTnLst>
+                          </p:cTn>
+                        </p:par>
+                      </p:childTnLst>
+                    </p:cTn>
+                  </p:par>
+                  <p:par>
+                    <p:cTn id="7" fill="hold">
+                      <p:stCondLst>
+                        <p:cond delay="indefinite"/>
+                      </p:stCondLst>
+                      <p:childTnLst>
+                        <p:par>
+                          <p:cTn id="8" fill="hold">
+                            <p:stCondLst>
+                              <p:cond delay="0"/>
+                            </p:stCondLst>
+                            <p:childTnLst>
+                              <p:par>
+                                <p:cTn id="9" presetID="10" presetClass="exit" presetSubtype="0" fill="hold" grpId="1" nodeType="clickEffect">
+                                  <p:stCondLst>
+                                    <p:cond delay="0"/>
+                                  </p:stCondLst>
+                                  <p:childTnLst>
+                                    <p:animEffect transition="out" filter="fade">
+                                      <p:cBhvr>
+                                        <p:cTn id="10" dur="500"/>
+                                        <p:tgtEl>
+                                          <p:spTgt spid="13"/>
+                                        </p:tgtEl>
+                                      </p:cBhvr>
+                                    </p:animEffect>
+                                    <p:set>
+                                      <p:cBhvr>
+                                        <p:cTn id="11" dur="1" fill="hold">
+                                          <p:stCondLst>
+                                            <p:cond delay="499"/>
+                                          </p:stCondLst>
+                                        </p:cTn>
+                                        <p:tgtEl>
+                                          <p:spTgt spid="13"/>
+                                        </p:tgtEl>
+                                        <p:attrNameLst>
+                                          <p:attrName>style.visibility</p:attrName>
+                                        </p:attrNameLst>
+                                      </p:cBhvr>
+                                      <p:to>
+                                        <p:strVal val="hidden"/>
+                                      </p:to>
+                                    </p:set>
+                                  </p:childTnLst>
+                                </p:cTn>
+                              </p:par>
+                            </p:childTnLst>
+                          </p:cTn>
+                        </p:par>
+                      </p:childTnLst>
+                    </p:cTn>
+                  </p:par>
+                  <p:par>
+                    <p:cTn id="12" fill="hold">
+                      <p:stCondLst>
+                        <p:cond delay="indefinite"/>
+                      </p:stCondLst>
+                      <p:childTnLst>
+                        <p:par>
+                          <p:cTn id="13" fill="hold">
+                            <p:stCondLst>
+                              <p:cond delay="0"/>
+                            </p:stCondLst>
+                            <p:childTnLst>
+                              <p:par>
+                                <p:cTn id="14" presetID="1" presetClass="entr" presetSubtype="0" fill="hold" grpId="0" nodeType="clickEffect">
+                                  <p:stCondLst>
+                                    <p:cond delay="0"/>
+                                  </p:stCondLst>
+                                  <p:childTnLst>
+                                    <p:set>
+                                      <p:cBhvr>
+                                        <p:cTn id="15" dur="1" fill="hold">
+                                          <p:stCondLst>
+                                            <p:cond delay="0"/>
+                                          </p:stCondLst>
+                                        </p:cTn>
+                                        <p:tgtEl>
+                                          <p:spTgt spid="14"/>
+                                        </p:tgtEl>
+                                        <p:attrNameLst>
+                                          <p:attrName>style.visibility</p:attrName>
+                                        </p:attrNameLst>
+                                      </p:cBhvr>
+                                      <p:to>
+                                        <p:strVal val="visible"/>
+                                      </p:to>
+                                    </p:set>
+                                  </p:childTnLst>
+                                </p:cTn>
+                              </p:par>
+                            </p:childTnLst>
+                          </p:cTn>
+                        </p:par>
+                      </p:childTnLst>
+                    </p:cTn>
+                  </p:par>
+                  <p:par>
+                    <p:cTn id="16" fill="hold">
+                      <p:stCondLst>
+                        <p:cond delay="indefinite"/>
+                      </p:stCondLst>
+                      <p:childTnLst>
+                        <p:par>
+                          <p:cTn id="17" fill="hold">
+                            <p:stCondLst>
+                              <p:cond delay="0"/>
+                            </p:stCondLst>
+                            <p:childTnLst>
+                              <p:par>
+                                <p:cTn id="18" presetID="10" presetClass="exit" presetSubtype="0" fill="hold" grpId="1" nodeType="clickEffect">
+                                  <p:stCondLst>
+                                    <p:cond delay="0"/>
+                                  </p:stCondLst>
+                                  <p:childTnLst>
+                                    <p:animEffect transition="out" filter="fade">
+                                      <p:cBhvr>
+                                        <p:cTn id="19" dur="500"/>
+                                        <p:tgtEl>
+                                          <p:spTgt spid="14"/>
+                                        </p:tgtEl>
+                                      </p:cBhvr>
+                                    </p:animEffect>
+                                    <p:set>
+                                      <p:cBhvr>
+                                        <p:cTn id="20" dur="1" fill="hold">
+                                          <p:stCondLst>
+                                            <p:cond delay="499"/>
+                                          </p:stCondLst>
+                                        </p:cTn>
+                                        <p:tgtEl>
+                                          <p:spTgt spid="14"/>
+                                        </p:tgtEl>
+                                        <p:attrNameLst>
+                                          <p:attrName>style.visibility</p:attrName>
+                                        </p:attrNameLst>
+                                      </p:cBhvr>
+                                      <p:to>
+                                        <p:strVal val="hidden"/>
+                                      </p:to>
+                                    </p:set>
+                                  </p:childTnLst>
+                                </p:cTn>
+                              </p:par>
+                            </p:childTnLst>
+                          </p:cTn>
+                        </p:par>
+                      </p:childTnLst>
+                    </p:cTn>
+                  </p:par>
+                  <p:par>
+                    <p:cTn id="21" fill="hold">
+                      <p:stCondLst>
+                        <p:cond delay="indefinite"/>
+                      </p:stCondLst>
+                      <p:childTnLst>
+                        <p:par>
+                          <p:cTn id="22" fill="hold">
+                            <p:stCondLst>
+                              <p:cond delay="0"/>
+                            </p:stCondLst>
+                            <p:childTnLst>
+                              <p:par>
+                                <p:cTn id="23" presetID="1" presetClass="entr" presetSubtype="0" fill="hold" grpId="0" nodeType="clickEffect">
+                                  <p:stCondLst>
+                                    <p:cond delay="0"/>
+                                  </p:stCondLst>
+                                  <p:childTnLst>
+                                    <p:set>
+                                      <p:cBhvr>
+                                        <p:cTn id="24" dur="1" fill="hold">
+                                          <p:stCondLst>
+                                            <p:cond delay="0"/>
+                                          </p:stCondLst>
+                                        </p:cTn>
+                                        <p:tgtEl>
+                                          <p:spTgt spid="15"/>
+                                        </p:tgtEl>
+                                        <p:attrNameLst>
+                                          <p:attrName>style.visibility</p:attrName>
+                                        </p:attrNameLst>
+                                      </p:cBhvr>
+                                      <p:to>
+                                        <p:strVal val="visible"/>
+                                      </p:to>
+                                    </p:set>
+                                  </p:childTnLst>
+                                </p:cTn>
+                              </p:par>
+                            </p:childTnLst>
+                          </p:cTn>
+                        </p:par>
+                      </p:childTnLst>
+                    </p:cTn>
+                  </p:par>
+                  <p:par>
+                    <p:cTn id="25" fill="hold">
+                      <p:stCondLst>
+                        <p:cond delay="indefinite"/>
+                      </p:stCondLst>
+                      <p:childTnLst>
+                        <p:par>
+                          <p:cTn id="26" fill="hold">
+                            <p:stCondLst>
+                              <p:cond delay="0"/>
+                            </p:stCondLst>
+                            <p:childTnLst>
+                              <p:par>
+                                <p:cTn id="27" presetID="10" presetClass="exit" presetSubtype="0" fill="hold" grpId="1" nodeType="clickEffect">
+                                  <p:stCondLst>
+                                    <p:cond delay="0"/>
+                                  </p:stCondLst>
+                                  <p:childTnLst>
+                                    <p:animEffect transition="out" filter="fade">
+                                      <p:cBhvr>
+                                        <p:cTn id="28" dur="500"/>
+                                        <p:tgtEl>
+                                          <p:spTgt spid="15"/>
+                                        </p:tgtEl>
+                                      </p:cBhvr>
+                                    </p:animEffect>
+                                    <p:set>
+                                      <p:cBhvr>
+                                        <p:cTn id="29" dur="1" fill="hold">
+                                          <p:stCondLst>
+                                            <p:cond delay="499"/>
+                                          </p:stCondLst>
+                                        </p:cTn>
+                                        <p:tgtEl>
+                                          <p:spTgt spid="15"/>
+                                        </p:tgtEl>
+                                        <p:attrNameLst>
+                                          <p:attrName>style.visibility</p:attrName>
+                                        </p:attrNameLst>
+                                      </p:cBhvr>
+                                      <p:to>
+                                        <p:strVal val="hidden"/>
+                                      </p:to>
+                                    </p:set>
+                                  </p:childTnLst>
+                                </p:cTn>
+                              </p:par>
+                            </p:childTnLst>
+                          </p:cTn>
+                        </p:par>
+                      </p:childTnLst>
+                    </p:cTn>
+                  </p:par>
+                  <p:par>
+                    <p:cTn id="30" fill="hold">
+                      <p:stCondLst>
+                        <p:cond delay="indefinite"/>
+                      </p:stCondLst>
+                      <p:childTnLst>
+                        <p:par>
+                          <p:cTn id="31" fill="hold">
+                            <p:stCondLst>
+                              <p:cond delay="0"/>
+                            </p:stCondLst>
+                            <p:childTnLst>
+                              <p:par>
+                                <p:cTn id="32" presetID="1" presetClass="entr" presetSubtype="0" fill="hold" grpId="0" nodeType="clickEffect">
+                                  <p:stCondLst>
+                                    <p:cond delay="0"/>
+                                  </p:stCondLst>
+                                  <p:childTnLst>
+                                    <p:set>
+                                      <p:cBhvr>
+                                        <p:cTn id="33" dur="1" fill="hold">
+                                          <p:stCondLst>
+                                            <p:cond delay="0"/>
+                                          </p:stCondLst>
+                                        </p:cTn>
+                                        <p:tgtEl>
+                                          <p:spTgt spid="16"/>
+                                        </p:tgtEl>
+                                        <p:attrNameLst>
+                                          <p:attrName>style.visibility</p:attrName>
+                                        </p:attrNameLst>
+                                      </p:cBhvr>
+                                      <p:to>
+                                        <p:strVal val="visible"/>
+                                      </p:to>
+                                    </p:set>
+                                  </p:childTnLst>
+                                </p:cTn>
+                              </p:par>
+                            </p:childTnLst>
+                          </p:cTn>
+                        </p:par>
+                      </p:childTnLst>
+                    </p:cTn>
+                  </p:par>
+                </p:childTnLst>
+              </p:cTn>
+              <p:prevCondLst>
+                <p:cond evt="onPrev" delay="0">
+                  <p:tgtEl>
+                    <p:sldTgt/>
+                  </p:tgtEl>
+                </p:cond>
+              </p:prevCondLst>
+              <p:nextCondLst>
+                <p:cond evt="onNext" delay="0">
+                  <p:tgtEl>
+                    <p:sldTgt/>
+                  </p:tgtEl>
+                </p:cond>
+              </p:nextCondLst>
+            </p:seq>
+          </p:childTnLst>
+        </p:cTn>
+      </p:par>
+    </p:tnLst>
+    <p:bldLst>
+      <p:bldP spid="13" grpId="0" animBg="1"/>
+      <p:bldP spid="13" grpId="1" animBg="1"/>
+      <p:bldP spid="14" grpId="0" animBg="1"/>
+      <p:bldP spid="14" grpId="1" animBg="1"/>
+      <p:bldP spid="15" grpId="0" animBg="1"/>
+      <p:bldP spid="15" grpId="1" animBg="1"/>
+      <p:bldP spid="16" grpId="0" animBg="1"/>
+    </p:bldLst>
+  </p:timing>
+</p:sld>
+</file>
+
+<file path=ppt/slides/slide14.xml><?xml version="1.0" encoding="utf-8"?>
+<p:sld xmlns:a="http://schemas.openxmlformats.org/drawingml/2006/main" xmlns:r="http://schemas.openxmlformats.org/officeDocument/2006/relationships" xmlns:p="http://schemas.openxmlformats.org/presentationml/2006/main">
+  <p:cSld>
+    <p:spTree>
+      <p:nvGrpSpPr>
+        <p:cNvPr id="1" name=""/>
+        <p:cNvGrpSpPr/>
+        <p:nvPr/>
+      </p:nvGrpSpPr>
+      <p:grpSpPr>
+        <a:xfrm>
+          <a:off x="0" y="0"/>
+          <a:ext cx="0" cy="0"/>
+          <a:chOff x="0" y="0"/>
+          <a:chExt cx="0" cy="0"/>
+        </a:xfrm>
+      </p:grpSpPr>
+      <p:sp>
+        <p:nvSpPr>
+          <p:cNvPr id="2" name="Slide Number Placeholder 1"/>
+          <p:cNvSpPr>
+            <a:spLocks noGrp="1"/>
+          </p:cNvSpPr>
+          <p:nvPr>
+            <p:ph type="sldNum" sz="quarter" idx="12"/>
+          </p:nvPr>
+        </p:nvSpPr>
+        <p:spPr/>
+        <p:txBody>
+          <a:bodyPr/>
+          <a:lstStyle/>
+          <a:p>
+            <a:fld id="{0D558541-60C9-42A2-8392-FF12533A6B7A}" type="slidenum">
+              <a:rPr lang="en-US" smtClean="0"/>
+              <a:pPr/>
+              <a:t>14</a:t>
+            </a:fld>
+            <a:endParaRPr lang="en-US" dirty="0"/>
+          </a:p>
+        </p:txBody>
+      </p:sp>
+      <p:sp>
+        <p:nvSpPr>
+          <p:cNvPr id="5" name="Title 2"/>
+          <p:cNvSpPr>
+            <a:spLocks noGrp="1"/>
+          </p:cNvSpPr>
+          <p:nvPr>
+            <p:ph type="title"/>
+          </p:nvPr>
+        </p:nvSpPr>
+        <p:spPr>
+          <a:xfrm>
+            <a:off x="1698091" y="457200"/>
+            <a:ext cx="8763336" cy="900113"/>
+          </a:xfrm>
+        </p:spPr>
+        <p:txBody>
+          <a:bodyPr/>
+          <a:lstStyle/>
+          <a:p>
+            <a:r>
+              <a:rPr lang="en-US" b="1" dirty="0"/>
+              <a:t>Functions</a:t>
+            </a:r>
+            <a:endParaRPr lang="en-US" i="1" dirty="0"/>
+          </a:p>
+        </p:txBody>
+      </p:sp>
+      <p:sp>
+        <p:nvSpPr>
+          <p:cNvPr id="7" name="Text Placeholder 4"/>
+          <p:cNvSpPr txBox="1">
+            <a:spLocks/>
+          </p:cNvSpPr>
+          <p:nvPr/>
+        </p:nvSpPr>
+        <p:spPr>
+          <a:xfrm>
+            <a:off x="1699200" y="4004812"/>
+            <a:ext cx="9356435" cy="1337366"/>
+          </a:xfrm>
+          <a:prstGeom prst="rect">
+            <a:avLst/>
+          </a:prstGeom>
+        </p:spPr>
+        <p:txBody>
+          <a:bodyPr/>
+          <a:lstStyle>
+            <a:lvl1pPr marL="0" indent="0" algn="l" defTabSz="914400" rtl="0" eaLnBrk="1" latinLnBrk="0" hangingPunct="1">
+              <a:lnSpc>
+                <a:spcPct val="100000"/>
+              </a:lnSpc>
+              <a:spcBef>
+                <a:spcPts val="1200"/>
+              </a:spcBef>
+              <a:buFont typeface="Arial" pitchFamily="34" charset="0"/>
+              <a:buNone/>
+              <a:defRPr sz="3600" kern="1200">
+                <a:solidFill>
+                  <a:schemeClr val="bg1"/>
+                </a:solidFill>
+                <a:latin typeface="+mn-lt"/>
+                <a:ea typeface="+mn-ea"/>
+                <a:cs typeface="+mn-cs"/>
+              </a:defRPr>
+            </a:lvl1pPr>
+            <a:lvl2pPr marL="0" indent="0" algn="l" defTabSz="914400" rtl="0" eaLnBrk="1" latinLnBrk="0" hangingPunct="1">
+              <a:lnSpc>
+                <a:spcPct val="100000"/>
+              </a:lnSpc>
+              <a:spcBef>
+                <a:spcPts val="1000"/>
+              </a:spcBef>
+              <a:buFont typeface="Arial" pitchFamily="34" charset="0"/>
+              <a:buNone/>
+              <a:defRPr sz="2700" kern="1200">
+                <a:solidFill>
+                  <a:schemeClr val="bg1"/>
+                </a:solidFill>
+                <a:latin typeface="+mn-lt"/>
+                <a:ea typeface="+mn-ea"/>
+                <a:cs typeface="+mn-cs"/>
+              </a:defRPr>
+            </a:lvl2pPr>
+            <a:lvl3pPr marL="457200" indent="-228600" algn="l" defTabSz="914400" rtl="0" eaLnBrk="1" latinLnBrk="0" hangingPunct="1">
+              <a:lnSpc>
+                <a:spcPct val="100000"/>
+              </a:lnSpc>
+              <a:spcBef>
+                <a:spcPts val="500"/>
+              </a:spcBef>
+              <a:buFont typeface="Arial" pitchFamily="34" charset="0"/>
+              <a:buChar char="•"/>
+              <a:defRPr sz="2700" kern="1200">
+                <a:solidFill>
+                  <a:schemeClr val="tx2"/>
+                </a:solidFill>
+                <a:latin typeface="+mn-lt"/>
+                <a:ea typeface="+mn-ea"/>
+                <a:cs typeface="+mn-cs"/>
+              </a:defRPr>
+            </a:lvl3pPr>
+            <a:lvl4pPr marL="685800" indent="-228600" algn="l" defTabSz="914400" rtl="0" eaLnBrk="1" latinLnBrk="0" hangingPunct="1">
+              <a:lnSpc>
+                <a:spcPct val="100000"/>
+              </a:lnSpc>
+              <a:spcBef>
+                <a:spcPts val="500"/>
+              </a:spcBef>
+              <a:buFont typeface="Arial" pitchFamily="34" charset="0"/>
+              <a:buChar char="•"/>
+              <a:defRPr sz="2000" kern="1200">
+                <a:solidFill>
+                  <a:schemeClr val="tx2"/>
+                </a:solidFill>
+                <a:latin typeface="+mn-lt"/>
+                <a:ea typeface="+mn-ea"/>
+                <a:cs typeface="+mn-cs"/>
+              </a:defRPr>
+            </a:lvl4pPr>
+            <a:lvl5pPr marL="868680" indent="-182880" algn="l" defTabSz="914400" rtl="0" eaLnBrk="1" latinLnBrk="0" hangingPunct="1">
+              <a:lnSpc>
+                <a:spcPct val="105000"/>
+              </a:lnSpc>
+              <a:spcBef>
+                <a:spcPts val="800"/>
+              </a:spcBef>
+              <a:buFont typeface="Arial" pitchFamily="34" charset="0"/>
+              <a:buChar char="•"/>
+              <a:defRPr sz="1600" kern="1200">
+                <a:solidFill>
+                  <a:schemeClr val="tx2"/>
+                </a:solidFill>
+                <a:latin typeface="+mn-lt"/>
+                <a:ea typeface="+mn-ea"/>
+                <a:cs typeface="+mn-cs"/>
+              </a:defRPr>
+            </a:lvl5pPr>
+            <a:lvl6pPr marL="2514600" indent="-228600" algn="l" defTabSz="914400" rtl="0" eaLnBrk="1" latinLnBrk="0" hangingPunct="1">
+              <a:spcBef>
+                <a:spcPct val="20000"/>
+              </a:spcBef>
+              <a:buFont typeface="Arial" pitchFamily="34" charset="0"/>
+              <a:buChar char="•"/>
+              <a:defRPr sz="2000" kern="1200">
+                <a:solidFill>
+                  <a:schemeClr val="tx1"/>
+                </a:solidFill>
+                <a:latin typeface="+mn-lt"/>
+                <a:ea typeface="+mn-ea"/>
+                <a:cs typeface="+mn-cs"/>
+              </a:defRPr>
+            </a:lvl6pPr>
+            <a:lvl7pPr marL="2971800" indent="-228600" algn="l" defTabSz="914400" rtl="0" eaLnBrk="1" latinLnBrk="0" hangingPunct="1">
+              <a:spcBef>
+                <a:spcPct val="20000"/>
+              </a:spcBef>
+              <a:buFont typeface="Arial" pitchFamily="34" charset="0"/>
+              <a:buChar char="•"/>
+              <a:defRPr sz="2000" kern="1200">
+                <a:solidFill>
+                  <a:schemeClr val="tx1"/>
+                </a:solidFill>
+                <a:latin typeface="+mn-lt"/>
+                <a:ea typeface="+mn-ea"/>
+                <a:cs typeface="+mn-cs"/>
+              </a:defRPr>
+            </a:lvl7pPr>
+            <a:lvl8pPr marL="3429000" indent="-228600" algn="l" defTabSz="914400" rtl="0" eaLnBrk="1" latinLnBrk="0" hangingPunct="1">
+              <a:spcBef>
+                <a:spcPct val="20000"/>
+              </a:spcBef>
+              <a:buFont typeface="Arial" pitchFamily="34" charset="0"/>
+              <a:buChar char="•"/>
+              <a:defRPr sz="2000" kern="1200">
+                <a:solidFill>
+                  <a:schemeClr val="tx1"/>
+                </a:solidFill>
+                <a:latin typeface="+mn-lt"/>
+                <a:ea typeface="+mn-ea"/>
+                <a:cs typeface="+mn-cs"/>
+              </a:defRPr>
+            </a:lvl8pPr>
+            <a:lvl9pPr marL="3886200" indent="-228600" algn="l" defTabSz="914400" rtl="0" eaLnBrk="1" latinLnBrk="0" hangingPunct="1">
+              <a:spcBef>
+                <a:spcPct val="20000"/>
+              </a:spcBef>
+              <a:buFont typeface="Arial" pitchFamily="34" charset="0"/>
+              <a:buChar char="•"/>
+              <a:defRPr sz="2000" kern="1200">
+                <a:solidFill>
+                  <a:schemeClr val="tx1"/>
+                </a:solidFill>
+                <a:latin typeface="+mn-lt"/>
+                <a:ea typeface="+mn-ea"/>
+                <a:cs typeface="+mn-cs"/>
+              </a:defRPr>
+            </a:lvl9pPr>
+          </a:lstStyle>
+          <a:p>
+            <a:endParaRPr lang="en-US" sz="2700" dirty="0">
+              <a:solidFill>
+                <a:schemeClr val="bg2"/>
+              </a:solidFill>
+            </a:endParaRPr>
+          </a:p>
+        </p:txBody>
+      </p:sp>
+    </p:spTree>
+    <p:extLst>
+      <p:ext uri="{BB962C8B-B14F-4D97-AF65-F5344CB8AC3E}">
+        <p14:creationId xmlns:p14="http://schemas.microsoft.com/office/powerpoint/2010/main" val="3786615114"/>
+      </p:ext>
+    </p:extLst>
+  </p:cSld>
+  <p:clrMapOvr>
+    <a:masterClrMapping/>
+  </p:clrMapOvr>
+  <p:timing>
+    <p:tnLst>
+      <p:par>
+        <p:cTn id="1" dur="indefinite" restart="never" nodeType="tmRoot"/>
+      </p:par>
+    </p:tnLst>
+  </p:timing>
+</p:sld>
+</file>
+
+<file path=ppt/slides/slide15.xml><?xml version="1.0" encoding="utf-8"?>
 <p:sld xmlns:a="http://schemas.openxmlformats.org/drawingml/2006/main" xmlns:r="http://schemas.openxmlformats.org/officeDocument/2006/relationships" xmlns:p="http://schemas.openxmlformats.org/presentationml/2006/main">
   <p:cSld>
     <p:spTree>
@@ -33906,7 +35442,7 @@
 </p:sld>
 </file>
 
-<file path=ppt/slides/slide14.xml><?xml version="1.0" encoding="utf-8"?>
+<file path=ppt/slides/slide16.xml><?xml version="1.0" encoding="utf-8"?>
 <p:sld xmlns:a="http://schemas.openxmlformats.org/drawingml/2006/main" xmlns:r="http://schemas.openxmlformats.org/officeDocument/2006/relationships" xmlns:p="http://schemas.openxmlformats.org/presentationml/2006/main">
   <p:cSld>
     <p:spTree>
@@ -33941,7 +35477,7 @@
             <a:fld id="{0D558541-60C9-42A2-8392-FF12533A6B7A}" type="slidenum">
               <a:rPr lang="en-US" smtClean="0"/>
               <a:pPr/>
-              <a:t>14</a:t>
+              <a:t>16</a:t>
             </a:fld>
             <a:endParaRPr lang="en-US" dirty="0"/>
           </a:p>
@@ -34587,7 +36123,7 @@
 </p:sld>
 </file>
 
-<file path=ppt/slides/slide15.xml><?xml version="1.0" encoding="utf-8"?>
+<file path=ppt/slides/slide17.xml><?xml version="1.0" encoding="utf-8"?>
 <p:sld xmlns:a="http://schemas.openxmlformats.org/drawingml/2006/main" xmlns:r="http://schemas.openxmlformats.org/officeDocument/2006/relationships" xmlns:p="http://schemas.openxmlformats.org/presentationml/2006/main">
   <p:cSld>
     <p:spTree>
@@ -34622,7 +36158,7 @@
             <a:fld id="{0D558541-60C9-42A2-8392-FF12533A6B7A}" type="slidenum">
               <a:rPr lang="en-US" smtClean="0"/>
               <a:pPr/>
-              <a:t>15</a:t>
+              <a:t>17</a:t>
             </a:fld>
             <a:endParaRPr lang="en-US" dirty="0"/>
           </a:p>
@@ -35452,7 +36988,7 @@
 </p:sld>
 </file>
 
-<file path=ppt/slides/slide16.xml><?xml version="1.0" encoding="utf-8"?>
+<file path=ppt/slides/slide18.xml><?xml version="1.0" encoding="utf-8"?>
 <p:sld xmlns:a="http://schemas.openxmlformats.org/drawingml/2006/main" xmlns:r="http://schemas.openxmlformats.org/officeDocument/2006/relationships" xmlns:p="http://schemas.openxmlformats.org/presentationml/2006/main">
   <p:cSld>
     <p:spTree>
@@ -35487,7 +37023,7 @@
             <a:fld id="{0D558541-60C9-42A2-8392-FF12533A6B7A}" type="slidenum">
               <a:rPr lang="en-US" smtClean="0"/>
               <a:pPr/>
-              <a:t>16</a:t>
+              <a:t>18</a:t>
             </a:fld>
             <a:endParaRPr lang="en-US" dirty="0"/>
           </a:p>
@@ -35602,7 +37138,7 @@
 </p:sld>
 </file>
 
-<file path=ppt/slides/slide17.xml><?xml version="1.0" encoding="utf-8"?>
+<file path=ppt/slides/slide19.xml><?xml version="1.0" encoding="utf-8"?>
 <p:sld xmlns:a="http://schemas.openxmlformats.org/drawingml/2006/main" xmlns:r="http://schemas.openxmlformats.org/officeDocument/2006/relationships" xmlns:p="http://schemas.openxmlformats.org/presentationml/2006/main">
   <p:cSld>
     <p:spTree>
@@ -35965,7 +37501,340 @@
 </p:sld>
 </file>
 
-<file path=ppt/slides/slide18.xml><?xml version="1.0" encoding="utf-8"?>
+<file path=ppt/slides/slide2.xml><?xml version="1.0" encoding="utf-8"?>
+<p:sld xmlns:a="http://schemas.openxmlformats.org/drawingml/2006/main" xmlns:r="http://schemas.openxmlformats.org/officeDocument/2006/relationships" xmlns:p="http://schemas.openxmlformats.org/presentationml/2006/main">
+  <p:cSld>
+    <p:spTree>
+      <p:nvGrpSpPr>
+        <p:cNvPr id="1" name=""/>
+        <p:cNvGrpSpPr/>
+        <p:nvPr/>
+      </p:nvGrpSpPr>
+      <p:grpSpPr>
+        <a:xfrm>
+          <a:off x="0" y="0"/>
+          <a:ext cx="0" cy="0"/>
+          <a:chOff x="0" y="0"/>
+          <a:chExt cx="0" cy="0"/>
+        </a:xfrm>
+      </p:grpSpPr>
+      <p:sp>
+        <p:nvSpPr>
+          <p:cNvPr id="2" name="Slide Number Placeholder 1"/>
+          <p:cNvSpPr>
+            <a:spLocks noGrp="1"/>
+          </p:cNvSpPr>
+          <p:nvPr>
+            <p:ph type="sldNum" sz="quarter" idx="12"/>
+          </p:nvPr>
+        </p:nvSpPr>
+        <p:spPr/>
+        <p:txBody>
+          <a:bodyPr/>
+          <a:lstStyle/>
+          <a:p>
+            <a:fld id="{0D558541-60C9-42A2-8392-FF12533A6B7A}" type="slidenum">
+              <a:rPr lang="en-US" smtClean="0"/>
+              <a:pPr/>
+              <a:t>2</a:t>
+            </a:fld>
+            <a:endParaRPr lang="en-US" dirty="0"/>
+          </a:p>
+        </p:txBody>
+      </p:sp>
+      <p:sp>
+        <p:nvSpPr>
+          <p:cNvPr id="5" name="Title 2"/>
+          <p:cNvSpPr>
+            <a:spLocks noGrp="1"/>
+          </p:cNvSpPr>
+          <p:nvPr>
+            <p:ph type="title"/>
+          </p:nvPr>
+        </p:nvSpPr>
+        <p:spPr>
+          <a:xfrm>
+            <a:off x="1698091" y="457200"/>
+            <a:ext cx="8763336" cy="900113"/>
+          </a:xfrm>
+        </p:spPr>
+        <p:txBody>
+          <a:bodyPr/>
+          <a:lstStyle/>
+          <a:p>
+            <a:r>
+              <a:rPr lang="pl-PL" dirty="0" smtClean="0"/>
+              <a:t>Infusion.js? YES!</a:t>
+            </a:r>
+            <a:endParaRPr lang="en-US" dirty="0"/>
+          </a:p>
+        </p:txBody>
+      </p:sp>
+      <p:sp>
+        <p:nvSpPr>
+          <p:cNvPr id="6" name="Content Placeholder 3"/>
+          <p:cNvSpPr txBox="1">
+            <a:spLocks/>
+          </p:cNvSpPr>
+          <p:nvPr/>
+        </p:nvSpPr>
+        <p:spPr>
+          <a:xfrm>
+            <a:off x="1698625" y="1844675"/>
+            <a:ext cx="8751980" cy="2084388"/>
+          </a:xfrm>
+          <a:prstGeom prst="rect">
+            <a:avLst/>
+          </a:prstGeom>
+        </p:spPr>
+        <p:txBody>
+          <a:bodyPr/>
+          <a:lstStyle>
+            <a:lvl1pPr marL="0" indent="0" algn="l" defTabSz="914400" rtl="0" eaLnBrk="1" latinLnBrk="0" hangingPunct="1">
+              <a:lnSpc>
+                <a:spcPct val="100000"/>
+              </a:lnSpc>
+              <a:spcBef>
+                <a:spcPts val="1200"/>
+              </a:spcBef>
+              <a:buFont typeface="Arial" pitchFamily="34" charset="0"/>
+              <a:buNone/>
+              <a:defRPr sz="3600" kern="1200">
+                <a:solidFill>
+                  <a:schemeClr val="bg1"/>
+                </a:solidFill>
+                <a:latin typeface="+mn-lt"/>
+                <a:ea typeface="+mn-ea"/>
+                <a:cs typeface="+mn-cs"/>
+              </a:defRPr>
+            </a:lvl1pPr>
+            <a:lvl2pPr marL="0" indent="0" algn="l" defTabSz="914400" rtl="0" eaLnBrk="1" latinLnBrk="0" hangingPunct="1">
+              <a:lnSpc>
+                <a:spcPct val="100000"/>
+              </a:lnSpc>
+              <a:spcBef>
+                <a:spcPts val="1000"/>
+              </a:spcBef>
+              <a:buFont typeface="Arial" pitchFamily="34" charset="0"/>
+              <a:buNone/>
+              <a:defRPr sz="2700" kern="1200">
+                <a:solidFill>
+                  <a:schemeClr val="bg1"/>
+                </a:solidFill>
+                <a:latin typeface="+mn-lt"/>
+                <a:ea typeface="+mn-ea"/>
+                <a:cs typeface="+mn-cs"/>
+              </a:defRPr>
+            </a:lvl2pPr>
+            <a:lvl3pPr marL="457200" indent="-228600" algn="l" defTabSz="914400" rtl="0" eaLnBrk="1" latinLnBrk="0" hangingPunct="1">
+              <a:lnSpc>
+                <a:spcPct val="100000"/>
+              </a:lnSpc>
+              <a:spcBef>
+                <a:spcPts val="500"/>
+              </a:spcBef>
+              <a:buFont typeface="Arial" pitchFamily="34" charset="0"/>
+              <a:buChar char="•"/>
+              <a:defRPr sz="2700" kern="1200">
+                <a:solidFill>
+                  <a:schemeClr val="tx2"/>
+                </a:solidFill>
+                <a:latin typeface="+mn-lt"/>
+                <a:ea typeface="+mn-ea"/>
+                <a:cs typeface="+mn-cs"/>
+              </a:defRPr>
+            </a:lvl3pPr>
+            <a:lvl4pPr marL="685800" indent="-228600" algn="l" defTabSz="914400" rtl="0" eaLnBrk="1" latinLnBrk="0" hangingPunct="1">
+              <a:lnSpc>
+                <a:spcPct val="100000"/>
+              </a:lnSpc>
+              <a:spcBef>
+                <a:spcPts val="500"/>
+              </a:spcBef>
+              <a:buFont typeface="Arial" pitchFamily="34" charset="0"/>
+              <a:buChar char="•"/>
+              <a:defRPr sz="2000" kern="1200">
+                <a:solidFill>
+                  <a:schemeClr val="tx2"/>
+                </a:solidFill>
+                <a:latin typeface="+mn-lt"/>
+                <a:ea typeface="+mn-ea"/>
+                <a:cs typeface="+mn-cs"/>
+              </a:defRPr>
+            </a:lvl4pPr>
+            <a:lvl5pPr marL="868680" indent="-182880" algn="l" defTabSz="914400" rtl="0" eaLnBrk="1" latinLnBrk="0" hangingPunct="1">
+              <a:lnSpc>
+                <a:spcPct val="105000"/>
+              </a:lnSpc>
+              <a:spcBef>
+                <a:spcPts val="800"/>
+              </a:spcBef>
+              <a:buFont typeface="Arial" pitchFamily="34" charset="0"/>
+              <a:buChar char="•"/>
+              <a:defRPr sz="1600" kern="1200">
+                <a:solidFill>
+                  <a:schemeClr val="tx2"/>
+                </a:solidFill>
+                <a:latin typeface="+mn-lt"/>
+                <a:ea typeface="+mn-ea"/>
+                <a:cs typeface="+mn-cs"/>
+              </a:defRPr>
+            </a:lvl5pPr>
+            <a:lvl6pPr marL="2514600" indent="-228600" algn="l" defTabSz="914400" rtl="0" eaLnBrk="1" latinLnBrk="0" hangingPunct="1">
+              <a:spcBef>
+                <a:spcPct val="20000"/>
+              </a:spcBef>
+              <a:buFont typeface="Arial" pitchFamily="34" charset="0"/>
+              <a:buChar char="•"/>
+              <a:defRPr sz="2000" kern="1200">
+                <a:solidFill>
+                  <a:schemeClr val="tx1"/>
+                </a:solidFill>
+                <a:latin typeface="+mn-lt"/>
+                <a:ea typeface="+mn-ea"/>
+                <a:cs typeface="+mn-cs"/>
+              </a:defRPr>
+            </a:lvl6pPr>
+            <a:lvl7pPr marL="2971800" indent="-228600" algn="l" defTabSz="914400" rtl="0" eaLnBrk="1" latinLnBrk="0" hangingPunct="1">
+              <a:spcBef>
+                <a:spcPct val="20000"/>
+              </a:spcBef>
+              <a:buFont typeface="Arial" pitchFamily="34" charset="0"/>
+              <a:buChar char="•"/>
+              <a:defRPr sz="2000" kern="1200">
+                <a:solidFill>
+                  <a:schemeClr val="tx1"/>
+                </a:solidFill>
+                <a:latin typeface="+mn-lt"/>
+                <a:ea typeface="+mn-ea"/>
+                <a:cs typeface="+mn-cs"/>
+              </a:defRPr>
+            </a:lvl7pPr>
+            <a:lvl8pPr marL="3429000" indent="-228600" algn="l" defTabSz="914400" rtl="0" eaLnBrk="1" latinLnBrk="0" hangingPunct="1">
+              <a:spcBef>
+                <a:spcPct val="20000"/>
+              </a:spcBef>
+              <a:buFont typeface="Arial" pitchFamily="34" charset="0"/>
+              <a:buChar char="•"/>
+              <a:defRPr sz="2000" kern="1200">
+                <a:solidFill>
+                  <a:schemeClr val="tx1"/>
+                </a:solidFill>
+                <a:latin typeface="+mn-lt"/>
+                <a:ea typeface="+mn-ea"/>
+                <a:cs typeface="+mn-cs"/>
+              </a:defRPr>
+            </a:lvl8pPr>
+            <a:lvl9pPr marL="3886200" indent="-228600" algn="l" defTabSz="914400" rtl="0" eaLnBrk="1" latinLnBrk="0" hangingPunct="1">
+              <a:spcBef>
+                <a:spcPct val="20000"/>
+              </a:spcBef>
+              <a:buFont typeface="Arial" pitchFamily="34" charset="0"/>
+              <a:buChar char="•"/>
+              <a:defRPr sz="2000" kern="1200">
+                <a:solidFill>
+                  <a:schemeClr val="tx1"/>
+                </a:solidFill>
+                <a:latin typeface="+mn-lt"/>
+                <a:ea typeface="+mn-ea"/>
+                <a:cs typeface="+mn-cs"/>
+              </a:defRPr>
+            </a:lvl9pPr>
+          </a:lstStyle>
+          <a:p>
+            <a:r>
+              <a:rPr lang="pl-PL" dirty="0" err="1" smtClean="0">
+                <a:solidFill>
+                  <a:schemeClr val="bg2"/>
+                </a:solidFill>
+              </a:rPr>
+              <a:t>Why</a:t>
+            </a:r>
+            <a:r>
+              <a:rPr lang="pl-PL" dirty="0" smtClean="0">
+                <a:solidFill>
+                  <a:schemeClr val="bg2"/>
+                </a:solidFill>
+              </a:rPr>
+              <a:t>? </a:t>
+            </a:r>
+            <a:r>
+              <a:rPr lang="pl-PL" dirty="0" err="1" smtClean="0">
+                <a:solidFill>
+                  <a:schemeClr val="bg2"/>
+                </a:solidFill>
+              </a:rPr>
+              <a:t>Who</a:t>
+            </a:r>
+            <a:r>
+              <a:rPr lang="pl-PL" dirty="0" smtClean="0">
+                <a:solidFill>
+                  <a:schemeClr val="bg2"/>
+                </a:solidFill>
+              </a:rPr>
+              <a:t>? </a:t>
+            </a:r>
+            <a:r>
+              <a:rPr lang="pl-PL" dirty="0" err="1" smtClean="0">
+                <a:solidFill>
+                  <a:schemeClr val="bg2"/>
+                </a:solidFill>
+              </a:rPr>
+              <a:t>When</a:t>
+            </a:r>
+            <a:r>
+              <a:rPr lang="pl-PL" dirty="0" smtClean="0">
+                <a:solidFill>
+                  <a:schemeClr val="bg2"/>
+                </a:solidFill>
+              </a:rPr>
+              <a:t>? </a:t>
+            </a:r>
+            <a:r>
+              <a:rPr lang="pl-PL" dirty="0" err="1" smtClean="0">
+                <a:solidFill>
+                  <a:schemeClr val="bg2"/>
+                </a:solidFill>
+              </a:rPr>
+              <a:t>What</a:t>
+            </a:r>
+            <a:r>
+              <a:rPr lang="pl-PL" dirty="0" smtClean="0">
+                <a:solidFill>
+                  <a:schemeClr val="bg2"/>
+                </a:solidFill>
+              </a:rPr>
+              <a:t>?</a:t>
+            </a:r>
+            <a:endParaRPr lang="en-US" dirty="0">
+              <a:solidFill>
+                <a:schemeClr val="bg2"/>
+              </a:solidFill>
+            </a:endParaRPr>
+          </a:p>
+        </p:txBody>
+      </p:sp>
+    </p:spTree>
+    <p:extLst>
+      <p:ext uri="{BB962C8B-B14F-4D97-AF65-F5344CB8AC3E}">
+        <p14:creationId xmlns:p14="http://schemas.microsoft.com/office/powerpoint/2010/main" val="2090757584"/>
+      </p:ext>
+    </p:extLst>
+  </p:cSld>
+  <p:clrMapOvr>
+    <a:masterClrMapping/>
+  </p:clrMapOvr>
+  <p:timing>
+    <p:tnLst>
+      <p:par>
+        <p:cTn id="1" dur="indefinite" restart="never" nodeType="tmRoot"/>
+      </p:par>
+    </p:tnLst>
+  </p:timing>
+</p:sld>
+</file>
+
+<file path=ppt/slides/slide20.xml><?xml version="1.0" encoding="utf-8"?>
 <p:sld xmlns:a="http://schemas.openxmlformats.org/drawingml/2006/main" xmlns:r="http://schemas.openxmlformats.org/officeDocument/2006/relationships" xmlns:p="http://schemas.openxmlformats.org/presentationml/2006/main">
   <p:cSld>
     <p:spTree>
@@ -36000,7 +37869,7 @@
             <a:fld id="{0D558541-60C9-42A2-8392-FF12533A6B7A}" type="slidenum">
               <a:rPr lang="en-US" smtClean="0"/>
               <a:pPr/>
-              <a:t>18</a:t>
+              <a:t>20</a:t>
             </a:fld>
             <a:endParaRPr lang="en-US" dirty="0"/>
           </a:p>
@@ -36053,7 +37922,7 @@
 </p:sld>
 </file>
 
-<file path=ppt/slides/slide19.xml><?xml version="1.0" encoding="utf-8"?>
+<file path=ppt/slides/slide21.xml><?xml version="1.0" encoding="utf-8"?>
 <p:sld xmlns:a="http://schemas.openxmlformats.org/drawingml/2006/main" xmlns:r="http://schemas.openxmlformats.org/officeDocument/2006/relationships" xmlns:p="http://schemas.openxmlformats.org/presentationml/2006/main">
   <p:cSld>
     <p:spTree>
@@ -36147,7 +38016,7 @@
             <a:fld id="{0D558541-60C9-42A2-8392-FF12533A6B7A}" type="slidenum">
               <a:rPr lang="en-US" smtClean="0"/>
               <a:pPr/>
-              <a:t>19</a:t>
+              <a:t>21</a:t>
             </a:fld>
             <a:endParaRPr lang="en-US" dirty="0"/>
           </a:p>
@@ -36602,7 +38471,7 @@
 </p:sld>
 </file>
 
-<file path=ppt/slides/slide2.xml><?xml version="1.0" encoding="utf-8"?>
+<file path=ppt/slides/slide22.xml><?xml version="1.0" encoding="utf-8"?>
 <p:sld xmlns:a="http://schemas.openxmlformats.org/drawingml/2006/main" xmlns:r="http://schemas.openxmlformats.org/officeDocument/2006/relationships" xmlns:p="http://schemas.openxmlformats.org/presentationml/2006/main">
   <p:cSld>
     <p:spTree>
@@ -36637,340 +38506,7 @@
             <a:fld id="{0D558541-60C9-42A2-8392-FF12533A6B7A}" type="slidenum">
               <a:rPr lang="en-US" smtClean="0"/>
               <a:pPr/>
-              <a:t>2</a:t>
-            </a:fld>
-            <a:endParaRPr lang="en-US" dirty="0"/>
-          </a:p>
-        </p:txBody>
-      </p:sp>
-      <p:sp>
-        <p:nvSpPr>
-          <p:cNvPr id="5" name="Title 2"/>
-          <p:cNvSpPr>
-            <a:spLocks noGrp="1"/>
-          </p:cNvSpPr>
-          <p:nvPr>
-            <p:ph type="title"/>
-          </p:nvPr>
-        </p:nvSpPr>
-        <p:spPr>
-          <a:xfrm>
-            <a:off x="1698091" y="457200"/>
-            <a:ext cx="8763336" cy="900113"/>
-          </a:xfrm>
-        </p:spPr>
-        <p:txBody>
-          <a:bodyPr/>
-          <a:lstStyle/>
-          <a:p>
-            <a:r>
-              <a:rPr lang="pl-PL" dirty="0" smtClean="0"/>
-              <a:t>Infusion.js? YES!</a:t>
-            </a:r>
-            <a:endParaRPr lang="en-US" dirty="0"/>
-          </a:p>
-        </p:txBody>
-      </p:sp>
-      <p:sp>
-        <p:nvSpPr>
-          <p:cNvPr id="6" name="Content Placeholder 3"/>
-          <p:cNvSpPr txBox="1">
-            <a:spLocks/>
-          </p:cNvSpPr>
-          <p:nvPr/>
-        </p:nvSpPr>
-        <p:spPr>
-          <a:xfrm>
-            <a:off x="1698625" y="1844675"/>
-            <a:ext cx="8751980" cy="2084388"/>
-          </a:xfrm>
-          <a:prstGeom prst="rect">
-            <a:avLst/>
-          </a:prstGeom>
-        </p:spPr>
-        <p:txBody>
-          <a:bodyPr/>
-          <a:lstStyle>
-            <a:lvl1pPr marL="0" indent="0" algn="l" defTabSz="914400" rtl="0" eaLnBrk="1" latinLnBrk="0" hangingPunct="1">
-              <a:lnSpc>
-                <a:spcPct val="100000"/>
-              </a:lnSpc>
-              <a:spcBef>
-                <a:spcPts val="1200"/>
-              </a:spcBef>
-              <a:buFont typeface="Arial" pitchFamily="34" charset="0"/>
-              <a:buNone/>
-              <a:defRPr sz="3600" kern="1200">
-                <a:solidFill>
-                  <a:schemeClr val="bg1"/>
-                </a:solidFill>
-                <a:latin typeface="+mn-lt"/>
-                <a:ea typeface="+mn-ea"/>
-                <a:cs typeface="+mn-cs"/>
-              </a:defRPr>
-            </a:lvl1pPr>
-            <a:lvl2pPr marL="0" indent="0" algn="l" defTabSz="914400" rtl="0" eaLnBrk="1" latinLnBrk="0" hangingPunct="1">
-              <a:lnSpc>
-                <a:spcPct val="100000"/>
-              </a:lnSpc>
-              <a:spcBef>
-                <a:spcPts val="1000"/>
-              </a:spcBef>
-              <a:buFont typeface="Arial" pitchFamily="34" charset="0"/>
-              <a:buNone/>
-              <a:defRPr sz="2700" kern="1200">
-                <a:solidFill>
-                  <a:schemeClr val="bg1"/>
-                </a:solidFill>
-                <a:latin typeface="+mn-lt"/>
-                <a:ea typeface="+mn-ea"/>
-                <a:cs typeface="+mn-cs"/>
-              </a:defRPr>
-            </a:lvl2pPr>
-            <a:lvl3pPr marL="457200" indent="-228600" algn="l" defTabSz="914400" rtl="0" eaLnBrk="1" latinLnBrk="0" hangingPunct="1">
-              <a:lnSpc>
-                <a:spcPct val="100000"/>
-              </a:lnSpc>
-              <a:spcBef>
-                <a:spcPts val="500"/>
-              </a:spcBef>
-              <a:buFont typeface="Arial" pitchFamily="34" charset="0"/>
-              <a:buChar char="•"/>
-              <a:defRPr sz="2700" kern="1200">
-                <a:solidFill>
-                  <a:schemeClr val="tx2"/>
-                </a:solidFill>
-                <a:latin typeface="+mn-lt"/>
-                <a:ea typeface="+mn-ea"/>
-                <a:cs typeface="+mn-cs"/>
-              </a:defRPr>
-            </a:lvl3pPr>
-            <a:lvl4pPr marL="685800" indent="-228600" algn="l" defTabSz="914400" rtl="0" eaLnBrk="1" latinLnBrk="0" hangingPunct="1">
-              <a:lnSpc>
-                <a:spcPct val="100000"/>
-              </a:lnSpc>
-              <a:spcBef>
-                <a:spcPts val="500"/>
-              </a:spcBef>
-              <a:buFont typeface="Arial" pitchFamily="34" charset="0"/>
-              <a:buChar char="•"/>
-              <a:defRPr sz="2000" kern="1200">
-                <a:solidFill>
-                  <a:schemeClr val="tx2"/>
-                </a:solidFill>
-                <a:latin typeface="+mn-lt"/>
-                <a:ea typeface="+mn-ea"/>
-                <a:cs typeface="+mn-cs"/>
-              </a:defRPr>
-            </a:lvl4pPr>
-            <a:lvl5pPr marL="868680" indent="-182880" algn="l" defTabSz="914400" rtl="0" eaLnBrk="1" latinLnBrk="0" hangingPunct="1">
-              <a:lnSpc>
-                <a:spcPct val="105000"/>
-              </a:lnSpc>
-              <a:spcBef>
-                <a:spcPts val="800"/>
-              </a:spcBef>
-              <a:buFont typeface="Arial" pitchFamily="34" charset="0"/>
-              <a:buChar char="•"/>
-              <a:defRPr sz="1600" kern="1200">
-                <a:solidFill>
-                  <a:schemeClr val="tx2"/>
-                </a:solidFill>
-                <a:latin typeface="+mn-lt"/>
-                <a:ea typeface="+mn-ea"/>
-                <a:cs typeface="+mn-cs"/>
-              </a:defRPr>
-            </a:lvl5pPr>
-            <a:lvl6pPr marL="2514600" indent="-228600" algn="l" defTabSz="914400" rtl="0" eaLnBrk="1" latinLnBrk="0" hangingPunct="1">
-              <a:spcBef>
-                <a:spcPct val="20000"/>
-              </a:spcBef>
-              <a:buFont typeface="Arial" pitchFamily="34" charset="0"/>
-              <a:buChar char="•"/>
-              <a:defRPr sz="2000" kern="1200">
-                <a:solidFill>
-                  <a:schemeClr val="tx1"/>
-                </a:solidFill>
-                <a:latin typeface="+mn-lt"/>
-                <a:ea typeface="+mn-ea"/>
-                <a:cs typeface="+mn-cs"/>
-              </a:defRPr>
-            </a:lvl6pPr>
-            <a:lvl7pPr marL="2971800" indent="-228600" algn="l" defTabSz="914400" rtl="0" eaLnBrk="1" latinLnBrk="0" hangingPunct="1">
-              <a:spcBef>
-                <a:spcPct val="20000"/>
-              </a:spcBef>
-              <a:buFont typeface="Arial" pitchFamily="34" charset="0"/>
-              <a:buChar char="•"/>
-              <a:defRPr sz="2000" kern="1200">
-                <a:solidFill>
-                  <a:schemeClr val="tx1"/>
-                </a:solidFill>
-                <a:latin typeface="+mn-lt"/>
-                <a:ea typeface="+mn-ea"/>
-                <a:cs typeface="+mn-cs"/>
-              </a:defRPr>
-            </a:lvl7pPr>
-            <a:lvl8pPr marL="3429000" indent="-228600" algn="l" defTabSz="914400" rtl="0" eaLnBrk="1" latinLnBrk="0" hangingPunct="1">
-              <a:spcBef>
-                <a:spcPct val="20000"/>
-              </a:spcBef>
-              <a:buFont typeface="Arial" pitchFamily="34" charset="0"/>
-              <a:buChar char="•"/>
-              <a:defRPr sz="2000" kern="1200">
-                <a:solidFill>
-                  <a:schemeClr val="tx1"/>
-                </a:solidFill>
-                <a:latin typeface="+mn-lt"/>
-                <a:ea typeface="+mn-ea"/>
-                <a:cs typeface="+mn-cs"/>
-              </a:defRPr>
-            </a:lvl8pPr>
-            <a:lvl9pPr marL="3886200" indent="-228600" algn="l" defTabSz="914400" rtl="0" eaLnBrk="1" latinLnBrk="0" hangingPunct="1">
-              <a:spcBef>
-                <a:spcPct val="20000"/>
-              </a:spcBef>
-              <a:buFont typeface="Arial" pitchFamily="34" charset="0"/>
-              <a:buChar char="•"/>
-              <a:defRPr sz="2000" kern="1200">
-                <a:solidFill>
-                  <a:schemeClr val="tx1"/>
-                </a:solidFill>
-                <a:latin typeface="+mn-lt"/>
-                <a:ea typeface="+mn-ea"/>
-                <a:cs typeface="+mn-cs"/>
-              </a:defRPr>
-            </a:lvl9pPr>
-          </a:lstStyle>
-          <a:p>
-            <a:r>
-              <a:rPr lang="pl-PL" dirty="0" err="1" smtClean="0">
-                <a:solidFill>
-                  <a:schemeClr val="bg2"/>
-                </a:solidFill>
-              </a:rPr>
-              <a:t>Why</a:t>
-            </a:r>
-            <a:r>
-              <a:rPr lang="pl-PL" dirty="0" smtClean="0">
-                <a:solidFill>
-                  <a:schemeClr val="bg2"/>
-                </a:solidFill>
-              </a:rPr>
-              <a:t>? </a:t>
-            </a:r>
-            <a:r>
-              <a:rPr lang="pl-PL" dirty="0" err="1" smtClean="0">
-                <a:solidFill>
-                  <a:schemeClr val="bg2"/>
-                </a:solidFill>
-              </a:rPr>
-              <a:t>Who</a:t>
-            </a:r>
-            <a:r>
-              <a:rPr lang="pl-PL" dirty="0" smtClean="0">
-                <a:solidFill>
-                  <a:schemeClr val="bg2"/>
-                </a:solidFill>
-              </a:rPr>
-              <a:t>? </a:t>
-            </a:r>
-            <a:r>
-              <a:rPr lang="pl-PL" dirty="0" err="1" smtClean="0">
-                <a:solidFill>
-                  <a:schemeClr val="bg2"/>
-                </a:solidFill>
-              </a:rPr>
-              <a:t>When</a:t>
-            </a:r>
-            <a:r>
-              <a:rPr lang="pl-PL" dirty="0" smtClean="0">
-                <a:solidFill>
-                  <a:schemeClr val="bg2"/>
-                </a:solidFill>
-              </a:rPr>
-              <a:t>? </a:t>
-            </a:r>
-            <a:r>
-              <a:rPr lang="pl-PL" dirty="0" err="1" smtClean="0">
-                <a:solidFill>
-                  <a:schemeClr val="bg2"/>
-                </a:solidFill>
-              </a:rPr>
-              <a:t>What</a:t>
-            </a:r>
-            <a:r>
-              <a:rPr lang="pl-PL" dirty="0" smtClean="0">
-                <a:solidFill>
-                  <a:schemeClr val="bg2"/>
-                </a:solidFill>
-              </a:rPr>
-              <a:t>?</a:t>
-            </a:r>
-            <a:endParaRPr lang="en-US" dirty="0">
-              <a:solidFill>
-                <a:schemeClr val="bg2"/>
-              </a:solidFill>
-            </a:endParaRPr>
-          </a:p>
-        </p:txBody>
-      </p:sp>
-    </p:spTree>
-    <p:extLst>
-      <p:ext uri="{BB962C8B-B14F-4D97-AF65-F5344CB8AC3E}">
-        <p14:creationId xmlns:p14="http://schemas.microsoft.com/office/powerpoint/2010/main" val="2090757584"/>
-      </p:ext>
-    </p:extLst>
-  </p:cSld>
-  <p:clrMapOvr>
-    <a:masterClrMapping/>
-  </p:clrMapOvr>
-  <p:timing>
-    <p:tnLst>
-      <p:par>
-        <p:cTn id="1" dur="indefinite" restart="never" nodeType="tmRoot"/>
-      </p:par>
-    </p:tnLst>
-  </p:timing>
-</p:sld>
-</file>
-
-<file path=ppt/slides/slide20.xml><?xml version="1.0" encoding="utf-8"?>
-<p:sld xmlns:a="http://schemas.openxmlformats.org/drawingml/2006/main" xmlns:r="http://schemas.openxmlformats.org/officeDocument/2006/relationships" xmlns:p="http://schemas.openxmlformats.org/presentationml/2006/main">
-  <p:cSld>
-    <p:spTree>
-      <p:nvGrpSpPr>
-        <p:cNvPr id="1" name=""/>
-        <p:cNvGrpSpPr/>
-        <p:nvPr/>
-      </p:nvGrpSpPr>
-      <p:grpSpPr>
-        <a:xfrm>
-          <a:off x="0" y="0"/>
-          <a:ext cx="0" cy="0"/>
-          <a:chOff x="0" y="0"/>
-          <a:chExt cx="0" cy="0"/>
-        </a:xfrm>
-      </p:grpSpPr>
-      <p:sp>
-        <p:nvSpPr>
-          <p:cNvPr id="2" name="Slide Number Placeholder 1"/>
-          <p:cNvSpPr>
-            <a:spLocks noGrp="1"/>
-          </p:cNvSpPr>
-          <p:nvPr>
-            <p:ph type="sldNum" sz="quarter" idx="12"/>
-          </p:nvPr>
-        </p:nvSpPr>
-        <p:spPr/>
-        <p:txBody>
-          <a:bodyPr/>
-          <a:lstStyle/>
-          <a:p>
-            <a:fld id="{0D558541-60C9-42A2-8392-FF12533A6B7A}" type="slidenum">
-              <a:rPr lang="en-US" smtClean="0"/>
-              <a:pPr/>
-              <a:t>20</a:t>
+              <a:t>22</a:t>
             </a:fld>
             <a:endParaRPr lang="en-US" dirty="0"/>
           </a:p>

--- a/#1 JS Intro/GroupIntro - ES2015.pptx
+++ b/#1 JS Intro/GroupIntro - ES2015.pptx
@@ -5,10 +5,10 @@
     <p:sldMasterId id="2147483648" r:id="rId4"/>
   </p:sldMasterIdLst>
   <p:notesMasterIdLst>
-    <p:notesMasterId r:id="rId27"/>
+    <p:notesMasterId r:id="rId24"/>
   </p:notesMasterIdLst>
   <p:handoutMasterIdLst>
-    <p:handoutMasterId r:id="rId28"/>
+    <p:handoutMasterId r:id="rId25"/>
   </p:handoutMasterIdLst>
   <p:sldIdLst>
     <p:sldId id="379" r:id="rId5"/>
@@ -25,14 +25,11 @@
     <p:sldId id="390" r:id="rId16"/>
     <p:sldId id="391" r:id="rId17"/>
     <p:sldId id="392" r:id="rId18"/>
-    <p:sldId id="383" r:id="rId19"/>
-    <p:sldId id="291" r:id="rId20"/>
-    <p:sldId id="292" r:id="rId21"/>
-    <p:sldId id="361" r:id="rId22"/>
-    <p:sldId id="342" r:id="rId23"/>
-    <p:sldId id="364" r:id="rId24"/>
-    <p:sldId id="367" r:id="rId25"/>
-    <p:sldId id="372" r:id="rId26"/>
+    <p:sldId id="393" r:id="rId19"/>
+    <p:sldId id="395" r:id="rId20"/>
+    <p:sldId id="394" r:id="rId21"/>
+    <p:sldId id="383" r:id="rId22"/>
+    <p:sldId id="364" r:id="rId23"/>
   </p:sldIdLst>
   <p:sldSz cx="12192000" cy="6858000"/>
   <p:notesSz cx="6858000" cy="9144000"/>
@@ -1134,6 +1131,102 @@
 </p:notes>
 </file>
 
+<file path=ppt/notesSlides/notesSlide10.xml><?xml version="1.0" encoding="utf-8"?>
+<p:notes xmlns:a="http://schemas.openxmlformats.org/drawingml/2006/main" xmlns:r="http://schemas.openxmlformats.org/officeDocument/2006/relationships" xmlns:p="http://schemas.openxmlformats.org/presentationml/2006/main">
+  <p:cSld>
+    <p:spTree>
+      <p:nvGrpSpPr>
+        <p:cNvPr id="1" name=""/>
+        <p:cNvGrpSpPr/>
+        <p:nvPr/>
+      </p:nvGrpSpPr>
+      <p:grpSpPr>
+        <a:xfrm>
+          <a:off x="0" y="0"/>
+          <a:ext cx="0" cy="0"/>
+          <a:chOff x="0" y="0"/>
+          <a:chExt cx="0" cy="0"/>
+        </a:xfrm>
+      </p:grpSpPr>
+      <p:sp>
+        <p:nvSpPr>
+          <p:cNvPr id="2" name="Slide Image Placeholder 1"/>
+          <p:cNvSpPr>
+            <a:spLocks noGrp="1" noRot="1" noChangeAspect="1"/>
+          </p:cNvSpPr>
+          <p:nvPr>
+            <p:ph type="sldImg"/>
+          </p:nvPr>
+        </p:nvSpPr>
+        <p:spPr/>
+      </p:sp>
+      <p:sp>
+        <p:nvSpPr>
+          <p:cNvPr id="3" name="Notes Placeholder 2"/>
+          <p:cNvSpPr>
+            <a:spLocks noGrp="1"/>
+          </p:cNvSpPr>
+          <p:nvPr>
+            <p:ph type="body" idx="1"/>
+          </p:nvPr>
+        </p:nvSpPr>
+        <p:spPr/>
+        <p:txBody>
+          <a:bodyPr/>
+          <a:lstStyle/>
+          <a:p>
+            <a:r>
+              <a:rPr lang="pl-PL" sz="1200" b="0" i="1" u="none" strike="noStrike" kern="1200" baseline="0" dirty="0" smtClean="0">
+                <a:solidFill>
+                  <a:schemeClr val="tx1"/>
+                </a:solidFill>
+                <a:latin typeface="+mn-lt"/>
+                <a:ea typeface="+mn-ea"/>
+                <a:cs typeface="+mn-cs"/>
+              </a:rPr>
+              <a:t>MD</a:t>
+            </a:r>
+            <a:endParaRPr lang="pl-PL" dirty="0"/>
+          </a:p>
+        </p:txBody>
+      </p:sp>
+      <p:sp>
+        <p:nvSpPr>
+          <p:cNvPr id="4" name="Slide Number Placeholder 3"/>
+          <p:cNvSpPr>
+            <a:spLocks noGrp="1"/>
+          </p:cNvSpPr>
+          <p:nvPr>
+            <p:ph type="sldNum" sz="quarter" idx="10"/>
+          </p:nvPr>
+        </p:nvSpPr>
+        <p:spPr/>
+        <p:txBody>
+          <a:bodyPr/>
+          <a:lstStyle/>
+          <a:p>
+            <a:fld id="{482BE62A-086B-44B7-8C0D-9D910583B0B1}" type="slidenum">
+              <a:rPr lang="en-US" smtClean="0"/>
+              <a:pPr/>
+              <a:t>17</a:t>
+            </a:fld>
+            <a:endParaRPr lang="en-US" dirty="0"/>
+          </a:p>
+        </p:txBody>
+      </p:sp>
+    </p:spTree>
+    <p:extLst>
+      <p:ext uri="{BB962C8B-B14F-4D97-AF65-F5344CB8AC3E}">
+        <p14:creationId xmlns:p14="http://schemas.microsoft.com/office/powerpoint/2010/main" val="2703295481"/>
+      </p:ext>
+    </p:extLst>
+  </p:cSld>
+  <p:clrMapOvr>
+    <a:masterClrMapping/>
+  </p:clrMapOvr>
+</p:notes>
+</file>
+
 <file path=ppt/notesSlides/notesSlide2.xml><?xml version="1.0" encoding="utf-8"?>
 <p:notes xmlns:a="http://schemas.openxmlformats.org/drawingml/2006/main" xmlns:r="http://schemas.openxmlformats.org/officeDocument/2006/relationships" xmlns:p="http://schemas.openxmlformats.org/presentationml/2006/main">
   <p:cSld>
@@ -1775,12 +1868,7 @@
             <p:ph type="sldImg"/>
           </p:nvPr>
         </p:nvSpPr>
-        <p:spPr>
-          <a:xfrm>
-            <a:off x="381000" y="685800"/>
-            <a:ext cx="6096000" cy="3429000"/>
-          </a:xfrm>
-        </p:spPr>
+        <p:spPr/>
       </p:sp>
       <p:sp>
         <p:nvSpPr>
@@ -1794,26 +1882,43 @@
         </p:nvSpPr>
         <p:spPr/>
         <p:txBody>
-          <a:bodyPr>
-            <a:normAutofit/>
-          </a:bodyPr>
+          <a:bodyPr/>
           <a:lstStyle/>
           <a:p>
             <a:r>
-              <a:rPr lang="en-US" dirty="0"/>
-              <a:t>Slide contains 3 separate tables to type in a question in top row, and answer or explanation in second</a:t>
-            </a:r>
-            <a:r>
-              <a:rPr lang="en-US" baseline="0" dirty="0"/>
-              <a:t> row. Delete tables not needed.</a:t>
-            </a:r>
-          </a:p>
-          <a:p>
-            <a:r>
-              <a:rPr lang="en-US" baseline="0" dirty="0"/>
-              <a:t>Animation is set to Fade on with a click. First question automatically appears in slide show mode. Click for remaining questions to build.</a:t>
-            </a:r>
-            <a:endParaRPr lang="en-US" dirty="0"/>
+              <a:rPr lang="en-US" sz="1200" b="0" i="0" u="none" strike="noStrike" kern="1200" baseline="0" dirty="0" smtClean="0">
+                <a:solidFill>
+                  <a:schemeClr val="tx1"/>
+                </a:solidFill>
+                <a:latin typeface="+mn-lt"/>
+                <a:ea typeface="+mn-ea"/>
+                <a:cs typeface="+mn-cs"/>
+              </a:rPr>
+              <a:t>The class syntax is not introducing a new object model to JavaScript. It’s just syntactical sugar</a:t>
+            </a:r>
+            <a:r>
+              <a:rPr lang="pl-PL" sz="1200" b="0" i="0" u="none" strike="noStrike" kern="1200" baseline="0" dirty="0" smtClean="0">
+                <a:solidFill>
+                  <a:schemeClr val="tx1"/>
+                </a:solidFill>
+                <a:latin typeface="+mn-lt"/>
+                <a:ea typeface="+mn-ea"/>
+                <a:cs typeface="+mn-cs"/>
+              </a:rPr>
+              <a:t> </a:t>
+            </a:r>
+            <a:r>
+              <a:rPr lang="en-US" sz="1200" b="0" i="0" u="none" strike="noStrike" kern="1200" baseline="0" dirty="0" smtClean="0">
+                <a:solidFill>
+                  <a:schemeClr val="tx1"/>
+                </a:solidFill>
+                <a:latin typeface="+mn-lt"/>
+                <a:ea typeface="+mn-ea"/>
+                <a:cs typeface="+mn-cs"/>
+              </a:rPr>
+              <a:t>over the existing prototype-based inheritance.</a:t>
+            </a:r>
+            <a:endParaRPr lang="pl-PL" dirty="0"/>
           </a:p>
         </p:txBody>
       </p:sp>
@@ -1835,7 +1940,7 @@
             <a:fld id="{482BE62A-086B-44B7-8C0D-9D910583B0B1}" type="slidenum">
               <a:rPr lang="en-US" smtClean="0"/>
               <a:pPr/>
-              <a:t>16</a:t>
+              <a:t>15</a:t>
             </a:fld>
             <a:endParaRPr lang="en-US" dirty="0"/>
           </a:p>
@@ -1844,7 +1949,7 @@
     </p:spTree>
     <p:extLst>
       <p:ext uri="{BB962C8B-B14F-4D97-AF65-F5344CB8AC3E}">
-        <p14:creationId xmlns:p14="http://schemas.microsoft.com/office/powerpoint/2010/main" val="952043000"/>
+        <p14:creationId xmlns:p14="http://schemas.microsoft.com/office/powerpoint/2010/main" val="1428266477"/>
       </p:ext>
     </p:extLst>
   </p:cSld>
@@ -1881,12 +1986,7 @@
             <p:ph type="sldImg"/>
           </p:nvPr>
         </p:nvSpPr>
-        <p:spPr>
-          <a:xfrm>
-            <a:off x="381000" y="685800"/>
-            <a:ext cx="6096000" cy="3429000"/>
-          </a:xfrm>
-        </p:spPr>
+        <p:spPr/>
       </p:sp>
       <p:sp>
         <p:nvSpPr>
@@ -1900,26 +2000,43 @@
         </p:nvSpPr>
         <p:spPr/>
         <p:txBody>
-          <a:bodyPr>
-            <a:normAutofit/>
-          </a:bodyPr>
+          <a:bodyPr/>
           <a:lstStyle/>
           <a:p>
             <a:r>
-              <a:rPr lang="en-US" dirty="0"/>
-              <a:t>Slide contains 4 separate tables to type in a question in top row, and answer or explanation in second</a:t>
-            </a:r>
-            <a:r>
-              <a:rPr lang="en-US" baseline="0" dirty="0"/>
-              <a:t> row. Delete tables not needed.</a:t>
-            </a:r>
-          </a:p>
-          <a:p>
-            <a:r>
-              <a:rPr lang="en-US" baseline="0" dirty="0"/>
-              <a:t>Animation is set to Fade on with a click. First question automatically appears in slide show mode. Click for remaining questions to build.</a:t>
-            </a:r>
-            <a:endParaRPr lang="en-US" dirty="0"/>
+              <a:rPr lang="en-US" sz="1200" b="0" i="0" u="none" strike="noStrike" kern="1200" baseline="0" dirty="0" smtClean="0">
+                <a:solidFill>
+                  <a:schemeClr val="tx1"/>
+                </a:solidFill>
+                <a:latin typeface="+mn-lt"/>
+                <a:ea typeface="+mn-ea"/>
+                <a:cs typeface="+mn-cs"/>
+              </a:rPr>
+              <a:t>The class syntax is not introducing a new object model to JavaScript. It’s just syntactical sugar</a:t>
+            </a:r>
+            <a:r>
+              <a:rPr lang="pl-PL" sz="1200" b="0" i="0" u="none" strike="noStrike" kern="1200" baseline="0" dirty="0" smtClean="0">
+                <a:solidFill>
+                  <a:schemeClr val="tx1"/>
+                </a:solidFill>
+                <a:latin typeface="+mn-lt"/>
+                <a:ea typeface="+mn-ea"/>
+                <a:cs typeface="+mn-cs"/>
+              </a:rPr>
+              <a:t> </a:t>
+            </a:r>
+            <a:r>
+              <a:rPr lang="en-US" sz="1200" b="0" i="0" u="none" strike="noStrike" kern="1200" baseline="0" dirty="0" smtClean="0">
+                <a:solidFill>
+                  <a:schemeClr val="tx1"/>
+                </a:solidFill>
+                <a:latin typeface="+mn-lt"/>
+                <a:ea typeface="+mn-ea"/>
+                <a:cs typeface="+mn-cs"/>
+              </a:rPr>
+              <a:t>over the existing prototype-based inheritance.</a:t>
+            </a:r>
+            <a:endParaRPr lang="pl-PL" dirty="0"/>
           </a:p>
         </p:txBody>
       </p:sp>
@@ -1941,7 +2058,7 @@
             <a:fld id="{482BE62A-086B-44B7-8C0D-9D910583B0B1}" type="slidenum">
               <a:rPr lang="en-US" smtClean="0"/>
               <a:pPr/>
-              <a:t>17</a:t>
+              <a:t>16</a:t>
             </a:fld>
             <a:endParaRPr lang="en-US" dirty="0"/>
           </a:p>
@@ -1950,7 +2067,7 @@
     </p:spTree>
     <p:extLst>
       <p:ext uri="{BB962C8B-B14F-4D97-AF65-F5344CB8AC3E}">
-        <p14:creationId xmlns:p14="http://schemas.microsoft.com/office/powerpoint/2010/main" val="2794106042"/>
+        <p14:creationId xmlns:p14="http://schemas.microsoft.com/office/powerpoint/2010/main" val="1909782735"/>
       </p:ext>
     </p:extLst>
   </p:cSld>
@@ -33132,6 +33249,312 @@
             </a:lvl9pPr>
           </a:lstStyle>
           <a:p>
+            <a:endParaRPr lang="en-US" sz="2700" dirty="0">
+              <a:solidFill>
+                <a:schemeClr val="bg2"/>
+              </a:solidFill>
+            </a:endParaRPr>
+          </a:p>
+        </p:txBody>
+      </p:sp>
+      <p:sp>
+        <p:nvSpPr>
+          <p:cNvPr id="9" name="Text Placeholder 4"/>
+          <p:cNvSpPr txBox="1">
+            <a:spLocks/>
+          </p:cNvSpPr>
+          <p:nvPr/>
+        </p:nvSpPr>
+        <p:spPr>
+          <a:xfrm>
+            <a:off x="1007540" y="1525784"/>
+            <a:ext cx="6573966" cy="4089570"/>
+          </a:xfrm>
+          <a:prstGeom prst="rect">
+            <a:avLst/>
+          </a:prstGeom>
+        </p:spPr>
+        <p:txBody>
+          <a:bodyPr/>
+          <a:lstStyle>
+            <a:lvl1pPr marL="0" indent="0" algn="l" defTabSz="914400" rtl="0" eaLnBrk="1" latinLnBrk="0" hangingPunct="1">
+              <a:lnSpc>
+                <a:spcPct val="100000"/>
+              </a:lnSpc>
+              <a:spcBef>
+                <a:spcPts val="1200"/>
+              </a:spcBef>
+              <a:buFont typeface="Arial" pitchFamily="34" charset="0"/>
+              <a:buNone/>
+              <a:defRPr sz="3600" kern="1200">
+                <a:solidFill>
+                  <a:schemeClr val="bg1"/>
+                </a:solidFill>
+                <a:latin typeface="+mn-lt"/>
+                <a:ea typeface="+mn-ea"/>
+                <a:cs typeface="+mn-cs"/>
+              </a:defRPr>
+            </a:lvl1pPr>
+            <a:lvl2pPr marL="0" indent="0" algn="l" defTabSz="914400" rtl="0" eaLnBrk="1" latinLnBrk="0" hangingPunct="1">
+              <a:lnSpc>
+                <a:spcPct val="100000"/>
+              </a:lnSpc>
+              <a:spcBef>
+                <a:spcPts val="1000"/>
+              </a:spcBef>
+              <a:buFont typeface="Arial" pitchFamily="34" charset="0"/>
+              <a:buNone/>
+              <a:defRPr sz="2700" kern="1200">
+                <a:solidFill>
+                  <a:schemeClr val="bg1"/>
+                </a:solidFill>
+                <a:latin typeface="+mn-lt"/>
+                <a:ea typeface="+mn-ea"/>
+                <a:cs typeface="+mn-cs"/>
+              </a:defRPr>
+            </a:lvl2pPr>
+            <a:lvl3pPr marL="457200" indent="-228600" algn="l" defTabSz="914400" rtl="0" eaLnBrk="1" latinLnBrk="0" hangingPunct="1">
+              <a:lnSpc>
+                <a:spcPct val="100000"/>
+              </a:lnSpc>
+              <a:spcBef>
+                <a:spcPts val="500"/>
+              </a:spcBef>
+              <a:buFont typeface="Arial" pitchFamily="34" charset="0"/>
+              <a:buChar char="•"/>
+              <a:defRPr sz="2700" kern="1200">
+                <a:solidFill>
+                  <a:schemeClr val="tx2"/>
+                </a:solidFill>
+                <a:latin typeface="+mn-lt"/>
+                <a:ea typeface="+mn-ea"/>
+                <a:cs typeface="+mn-cs"/>
+              </a:defRPr>
+            </a:lvl3pPr>
+            <a:lvl4pPr marL="685800" indent="-228600" algn="l" defTabSz="914400" rtl="0" eaLnBrk="1" latinLnBrk="0" hangingPunct="1">
+              <a:lnSpc>
+                <a:spcPct val="100000"/>
+              </a:lnSpc>
+              <a:spcBef>
+                <a:spcPts val="500"/>
+              </a:spcBef>
+              <a:buFont typeface="Arial" pitchFamily="34" charset="0"/>
+              <a:buChar char="•"/>
+              <a:defRPr sz="2000" kern="1200">
+                <a:solidFill>
+                  <a:schemeClr val="tx2"/>
+                </a:solidFill>
+                <a:latin typeface="+mn-lt"/>
+                <a:ea typeface="+mn-ea"/>
+                <a:cs typeface="+mn-cs"/>
+              </a:defRPr>
+            </a:lvl4pPr>
+            <a:lvl5pPr marL="868680" indent="-182880" algn="l" defTabSz="914400" rtl="0" eaLnBrk="1" latinLnBrk="0" hangingPunct="1">
+              <a:lnSpc>
+                <a:spcPct val="105000"/>
+              </a:lnSpc>
+              <a:spcBef>
+                <a:spcPts val="800"/>
+              </a:spcBef>
+              <a:buFont typeface="Arial" pitchFamily="34" charset="0"/>
+              <a:buChar char="•"/>
+              <a:defRPr sz="1600" kern="1200">
+                <a:solidFill>
+                  <a:schemeClr val="tx2"/>
+                </a:solidFill>
+                <a:latin typeface="+mn-lt"/>
+                <a:ea typeface="+mn-ea"/>
+                <a:cs typeface="+mn-cs"/>
+              </a:defRPr>
+            </a:lvl5pPr>
+            <a:lvl6pPr marL="2514600" indent="-228600" algn="l" defTabSz="914400" rtl="0" eaLnBrk="1" latinLnBrk="0" hangingPunct="1">
+              <a:spcBef>
+                <a:spcPct val="20000"/>
+              </a:spcBef>
+              <a:buFont typeface="Arial" pitchFamily="34" charset="0"/>
+              <a:buChar char="•"/>
+              <a:defRPr sz="2000" kern="1200">
+                <a:solidFill>
+                  <a:schemeClr val="tx1"/>
+                </a:solidFill>
+                <a:latin typeface="+mn-lt"/>
+                <a:ea typeface="+mn-ea"/>
+                <a:cs typeface="+mn-cs"/>
+              </a:defRPr>
+            </a:lvl6pPr>
+            <a:lvl7pPr marL="2971800" indent="-228600" algn="l" defTabSz="914400" rtl="0" eaLnBrk="1" latinLnBrk="0" hangingPunct="1">
+              <a:spcBef>
+                <a:spcPct val="20000"/>
+              </a:spcBef>
+              <a:buFont typeface="Arial" pitchFamily="34" charset="0"/>
+              <a:buChar char="•"/>
+              <a:defRPr sz="2000" kern="1200">
+                <a:solidFill>
+                  <a:schemeClr val="tx1"/>
+                </a:solidFill>
+                <a:latin typeface="+mn-lt"/>
+                <a:ea typeface="+mn-ea"/>
+                <a:cs typeface="+mn-cs"/>
+              </a:defRPr>
+            </a:lvl7pPr>
+            <a:lvl8pPr marL="3429000" indent="-228600" algn="l" defTabSz="914400" rtl="0" eaLnBrk="1" latinLnBrk="0" hangingPunct="1">
+              <a:spcBef>
+                <a:spcPct val="20000"/>
+              </a:spcBef>
+              <a:buFont typeface="Arial" pitchFamily="34" charset="0"/>
+              <a:buChar char="•"/>
+              <a:defRPr sz="2000" kern="1200">
+                <a:solidFill>
+                  <a:schemeClr val="tx1"/>
+                </a:solidFill>
+                <a:latin typeface="+mn-lt"/>
+                <a:ea typeface="+mn-ea"/>
+                <a:cs typeface="+mn-cs"/>
+              </a:defRPr>
+            </a:lvl8pPr>
+            <a:lvl9pPr marL="3886200" indent="-228600" algn="l" defTabSz="914400" rtl="0" eaLnBrk="1" latinLnBrk="0" hangingPunct="1">
+              <a:spcBef>
+                <a:spcPct val="20000"/>
+              </a:spcBef>
+              <a:buFont typeface="Arial" pitchFamily="34" charset="0"/>
+              <a:buChar char="•"/>
+              <a:defRPr sz="2000" kern="1200">
+                <a:solidFill>
+                  <a:schemeClr val="tx1"/>
+                </a:solidFill>
+                <a:latin typeface="+mn-lt"/>
+                <a:ea typeface="+mn-ea"/>
+                <a:cs typeface="+mn-cs"/>
+              </a:defRPr>
+            </a:lvl9pPr>
+          </a:lstStyle>
+          <a:p>
+            <a:pPr marL="457200" indent="-457200">
+              <a:buFont typeface="Arial" panose="020B0604020202020204" pitchFamily="34" charset="0"/>
+              <a:buChar char="•"/>
+            </a:pPr>
+            <a:r>
+              <a:rPr lang="pl-PL" sz="2700" dirty="0" err="1" smtClean="0">
+                <a:solidFill>
+                  <a:schemeClr val="bg2"/>
+                </a:solidFill>
+              </a:rPr>
+              <a:t>Default</a:t>
+            </a:r>
+            <a:r>
+              <a:rPr lang="pl-PL" sz="2700" dirty="0" smtClean="0">
+                <a:solidFill>
+                  <a:schemeClr val="bg2"/>
+                </a:solidFill>
+              </a:rPr>
+              <a:t> </a:t>
+            </a:r>
+            <a:r>
+              <a:rPr lang="pl-PL" sz="2700" dirty="0" err="1" smtClean="0">
+                <a:solidFill>
+                  <a:schemeClr val="bg2"/>
+                </a:solidFill>
+              </a:rPr>
+              <a:t>parameter</a:t>
+            </a:r>
+            <a:r>
+              <a:rPr lang="pl-PL" sz="2700" dirty="0" smtClean="0">
+                <a:solidFill>
+                  <a:schemeClr val="bg2"/>
+                </a:solidFill>
+              </a:rPr>
+              <a:t> </a:t>
+            </a:r>
+            <a:r>
+              <a:rPr lang="pl-PL" sz="2700" dirty="0" err="1" smtClean="0">
+                <a:solidFill>
+                  <a:schemeClr val="bg2"/>
+                </a:solidFill>
+              </a:rPr>
+              <a:t>value</a:t>
+            </a:r>
+            <a:endParaRPr lang="pl-PL" sz="2700" dirty="0" smtClean="0">
+              <a:solidFill>
+                <a:schemeClr val="bg2"/>
+              </a:solidFill>
+            </a:endParaRPr>
+          </a:p>
+          <a:p>
+            <a:pPr marL="457200" indent="-457200">
+              <a:buFont typeface="Arial" panose="020B0604020202020204" pitchFamily="34" charset="0"/>
+              <a:buChar char="•"/>
+            </a:pPr>
+            <a:r>
+              <a:rPr lang="pl-PL" sz="2700" dirty="0" smtClean="0">
+                <a:solidFill>
+                  <a:schemeClr val="bg2"/>
+                </a:solidFill>
+              </a:rPr>
+              <a:t>Rest</a:t>
+            </a:r>
+          </a:p>
+          <a:p>
+            <a:pPr marL="457200" indent="-457200">
+              <a:buFont typeface="Arial" panose="020B0604020202020204" pitchFamily="34" charset="0"/>
+              <a:buChar char="•"/>
+            </a:pPr>
+            <a:r>
+              <a:rPr lang="pl-PL" sz="2700" dirty="0" err="1" smtClean="0">
+                <a:solidFill>
+                  <a:schemeClr val="bg2"/>
+                </a:solidFill>
+              </a:rPr>
+              <a:t>Spread</a:t>
+            </a:r>
+            <a:endParaRPr lang="pl-PL" sz="2700" dirty="0" smtClean="0">
+              <a:solidFill>
+                <a:schemeClr val="bg2"/>
+              </a:solidFill>
+            </a:endParaRPr>
+          </a:p>
+          <a:p>
+            <a:pPr marL="457200" indent="-457200">
+              <a:buFont typeface="Arial" panose="020B0604020202020204" pitchFamily="34" charset="0"/>
+              <a:buChar char="•"/>
+            </a:pPr>
+            <a:r>
+              <a:rPr lang="pl-PL" sz="2700" dirty="0" smtClean="0">
+                <a:solidFill>
+                  <a:schemeClr val="bg2"/>
+                </a:solidFill>
+              </a:rPr>
+              <a:t>Arrow </a:t>
+            </a:r>
+            <a:r>
+              <a:rPr lang="pl-PL" sz="2700" dirty="0" err="1" smtClean="0">
+                <a:solidFill>
+                  <a:schemeClr val="bg2"/>
+                </a:solidFill>
+              </a:rPr>
+              <a:t>functions</a:t>
+            </a:r>
+            <a:endParaRPr lang="pl-PL" sz="2700" dirty="0" smtClean="0">
+              <a:solidFill>
+                <a:schemeClr val="bg2"/>
+              </a:solidFill>
+            </a:endParaRPr>
+          </a:p>
+          <a:p>
+            <a:pPr marL="457200" indent="-457200">
+              <a:buFont typeface="Arial" panose="020B0604020202020204" pitchFamily="34" charset="0"/>
+              <a:buChar char="•"/>
+            </a:pPr>
+            <a:endParaRPr lang="en-US" sz="2700" dirty="0">
+              <a:solidFill>
+                <a:schemeClr val="bg2"/>
+              </a:solidFill>
+            </a:endParaRPr>
+          </a:p>
+          <a:p>
+            <a:pPr marL="457200" indent="-457200">
+              <a:buFont typeface="Arial" panose="020B0604020202020204" pitchFamily="34" charset="0"/>
+              <a:buChar char="•"/>
+            </a:pPr>
             <a:endParaRPr lang="en-US" sz="2700" dirty="0">
               <a:solidFill>
                 <a:schemeClr val="bg2"/>
@@ -34872,8 +35295,8 @@
           <a:lstStyle/>
           <a:p>
             <a:r>
-              <a:rPr lang="en-US" b="1" dirty="0"/>
-              <a:t>Functions</a:t>
+              <a:rPr lang="pl-PL" b="1" dirty="0" err="1" smtClean="0"/>
+              <a:t>Collections</a:t>
             </a:r>
             <a:endParaRPr lang="en-US" i="1" dirty="0"/>
           </a:p>
@@ -35059,6 +35482,293 @@
           </a:p>
         </p:txBody>
       </p:sp>
+      <p:sp>
+        <p:nvSpPr>
+          <p:cNvPr id="6" name="Text Placeholder 4"/>
+          <p:cNvSpPr txBox="1">
+            <a:spLocks/>
+          </p:cNvSpPr>
+          <p:nvPr/>
+        </p:nvSpPr>
+        <p:spPr>
+          <a:xfrm>
+            <a:off x="1007540" y="1525784"/>
+            <a:ext cx="6573966" cy="4089570"/>
+          </a:xfrm>
+          <a:prstGeom prst="rect">
+            <a:avLst/>
+          </a:prstGeom>
+        </p:spPr>
+        <p:txBody>
+          <a:bodyPr/>
+          <a:lstStyle>
+            <a:lvl1pPr marL="0" indent="0" algn="l" defTabSz="914400" rtl="0" eaLnBrk="1" latinLnBrk="0" hangingPunct="1">
+              <a:lnSpc>
+                <a:spcPct val="100000"/>
+              </a:lnSpc>
+              <a:spcBef>
+                <a:spcPts val="1200"/>
+              </a:spcBef>
+              <a:buFont typeface="Arial" pitchFamily="34" charset="0"/>
+              <a:buNone/>
+              <a:defRPr sz="3600" kern="1200">
+                <a:solidFill>
+                  <a:schemeClr val="bg1"/>
+                </a:solidFill>
+                <a:latin typeface="+mn-lt"/>
+                <a:ea typeface="+mn-ea"/>
+                <a:cs typeface="+mn-cs"/>
+              </a:defRPr>
+            </a:lvl1pPr>
+            <a:lvl2pPr marL="0" indent="0" algn="l" defTabSz="914400" rtl="0" eaLnBrk="1" latinLnBrk="0" hangingPunct="1">
+              <a:lnSpc>
+                <a:spcPct val="100000"/>
+              </a:lnSpc>
+              <a:spcBef>
+                <a:spcPts val="1000"/>
+              </a:spcBef>
+              <a:buFont typeface="Arial" pitchFamily="34" charset="0"/>
+              <a:buNone/>
+              <a:defRPr sz="2700" kern="1200">
+                <a:solidFill>
+                  <a:schemeClr val="bg1"/>
+                </a:solidFill>
+                <a:latin typeface="+mn-lt"/>
+                <a:ea typeface="+mn-ea"/>
+                <a:cs typeface="+mn-cs"/>
+              </a:defRPr>
+            </a:lvl2pPr>
+            <a:lvl3pPr marL="457200" indent="-228600" algn="l" defTabSz="914400" rtl="0" eaLnBrk="1" latinLnBrk="0" hangingPunct="1">
+              <a:lnSpc>
+                <a:spcPct val="100000"/>
+              </a:lnSpc>
+              <a:spcBef>
+                <a:spcPts val="500"/>
+              </a:spcBef>
+              <a:buFont typeface="Arial" pitchFamily="34" charset="0"/>
+              <a:buChar char="•"/>
+              <a:defRPr sz="2700" kern="1200">
+                <a:solidFill>
+                  <a:schemeClr val="tx2"/>
+                </a:solidFill>
+                <a:latin typeface="+mn-lt"/>
+                <a:ea typeface="+mn-ea"/>
+                <a:cs typeface="+mn-cs"/>
+              </a:defRPr>
+            </a:lvl3pPr>
+            <a:lvl4pPr marL="685800" indent="-228600" algn="l" defTabSz="914400" rtl="0" eaLnBrk="1" latinLnBrk="0" hangingPunct="1">
+              <a:lnSpc>
+                <a:spcPct val="100000"/>
+              </a:lnSpc>
+              <a:spcBef>
+                <a:spcPts val="500"/>
+              </a:spcBef>
+              <a:buFont typeface="Arial" pitchFamily="34" charset="0"/>
+              <a:buChar char="•"/>
+              <a:defRPr sz="2000" kern="1200">
+                <a:solidFill>
+                  <a:schemeClr val="tx2"/>
+                </a:solidFill>
+                <a:latin typeface="+mn-lt"/>
+                <a:ea typeface="+mn-ea"/>
+                <a:cs typeface="+mn-cs"/>
+              </a:defRPr>
+            </a:lvl4pPr>
+            <a:lvl5pPr marL="868680" indent="-182880" algn="l" defTabSz="914400" rtl="0" eaLnBrk="1" latinLnBrk="0" hangingPunct="1">
+              <a:lnSpc>
+                <a:spcPct val="105000"/>
+              </a:lnSpc>
+              <a:spcBef>
+                <a:spcPts val="800"/>
+              </a:spcBef>
+              <a:buFont typeface="Arial" pitchFamily="34" charset="0"/>
+              <a:buChar char="•"/>
+              <a:defRPr sz="1600" kern="1200">
+                <a:solidFill>
+                  <a:schemeClr val="tx2"/>
+                </a:solidFill>
+                <a:latin typeface="+mn-lt"/>
+                <a:ea typeface="+mn-ea"/>
+                <a:cs typeface="+mn-cs"/>
+              </a:defRPr>
+            </a:lvl5pPr>
+            <a:lvl6pPr marL="2514600" indent="-228600" algn="l" defTabSz="914400" rtl="0" eaLnBrk="1" latinLnBrk="0" hangingPunct="1">
+              <a:spcBef>
+                <a:spcPct val="20000"/>
+              </a:spcBef>
+              <a:buFont typeface="Arial" pitchFamily="34" charset="0"/>
+              <a:buChar char="•"/>
+              <a:defRPr sz="2000" kern="1200">
+                <a:solidFill>
+                  <a:schemeClr val="tx1"/>
+                </a:solidFill>
+                <a:latin typeface="+mn-lt"/>
+                <a:ea typeface="+mn-ea"/>
+                <a:cs typeface="+mn-cs"/>
+              </a:defRPr>
+            </a:lvl6pPr>
+            <a:lvl7pPr marL="2971800" indent="-228600" algn="l" defTabSz="914400" rtl="0" eaLnBrk="1" latinLnBrk="0" hangingPunct="1">
+              <a:spcBef>
+                <a:spcPct val="20000"/>
+              </a:spcBef>
+              <a:buFont typeface="Arial" pitchFamily="34" charset="0"/>
+              <a:buChar char="•"/>
+              <a:defRPr sz="2000" kern="1200">
+                <a:solidFill>
+                  <a:schemeClr val="tx1"/>
+                </a:solidFill>
+                <a:latin typeface="+mn-lt"/>
+                <a:ea typeface="+mn-ea"/>
+                <a:cs typeface="+mn-cs"/>
+              </a:defRPr>
+            </a:lvl7pPr>
+            <a:lvl8pPr marL="3429000" indent="-228600" algn="l" defTabSz="914400" rtl="0" eaLnBrk="1" latinLnBrk="0" hangingPunct="1">
+              <a:spcBef>
+                <a:spcPct val="20000"/>
+              </a:spcBef>
+              <a:buFont typeface="Arial" pitchFamily="34" charset="0"/>
+              <a:buChar char="•"/>
+              <a:defRPr sz="2000" kern="1200">
+                <a:solidFill>
+                  <a:schemeClr val="tx1"/>
+                </a:solidFill>
+                <a:latin typeface="+mn-lt"/>
+                <a:ea typeface="+mn-ea"/>
+                <a:cs typeface="+mn-cs"/>
+              </a:defRPr>
+            </a:lvl8pPr>
+            <a:lvl9pPr marL="3886200" indent="-228600" algn="l" defTabSz="914400" rtl="0" eaLnBrk="1" latinLnBrk="0" hangingPunct="1">
+              <a:spcBef>
+                <a:spcPct val="20000"/>
+              </a:spcBef>
+              <a:buFont typeface="Arial" pitchFamily="34" charset="0"/>
+              <a:buChar char="•"/>
+              <a:defRPr sz="2000" kern="1200">
+                <a:solidFill>
+                  <a:schemeClr val="tx1"/>
+                </a:solidFill>
+                <a:latin typeface="+mn-lt"/>
+                <a:ea typeface="+mn-ea"/>
+                <a:cs typeface="+mn-cs"/>
+              </a:defRPr>
+            </a:lvl9pPr>
+          </a:lstStyle>
+          <a:p>
+            <a:pPr marL="457200" indent="-457200">
+              <a:buFont typeface="Arial" panose="020B0604020202020204" pitchFamily="34" charset="0"/>
+              <a:buChar char="•"/>
+            </a:pPr>
+            <a:r>
+              <a:rPr lang="pl-PL" sz="2700" dirty="0" err="1" smtClean="0">
+                <a:solidFill>
+                  <a:schemeClr val="bg2"/>
+                </a:solidFill>
+              </a:rPr>
+              <a:t>Array</a:t>
+            </a:r>
+            <a:r>
+              <a:rPr lang="pl-PL" sz="2700" dirty="0" smtClean="0">
+                <a:solidFill>
+                  <a:schemeClr val="bg2"/>
+                </a:solidFill>
+              </a:rPr>
+              <a:t> – </a:t>
+            </a:r>
+            <a:r>
+              <a:rPr lang="pl-PL" sz="2700" dirty="0" err="1" smtClean="0">
+                <a:solidFill>
+                  <a:schemeClr val="bg2"/>
+                </a:solidFill>
+              </a:rPr>
+              <a:t>what</a:t>
+            </a:r>
+            <a:r>
+              <a:rPr lang="pl-PL" sz="2700" dirty="0" smtClean="0">
+                <a:solidFill>
+                  <a:schemeClr val="bg2"/>
+                </a:solidFill>
+              </a:rPr>
+              <a:t> </a:t>
+            </a:r>
+            <a:r>
+              <a:rPr lang="pl-PL" sz="2700" dirty="0" err="1" smtClean="0">
+                <a:solidFill>
+                  <a:schemeClr val="bg2"/>
+                </a:solidFill>
+              </a:rPr>
+              <a:t>new</a:t>
+            </a:r>
+            <a:r>
+              <a:rPr lang="pl-PL" sz="2700" dirty="0" smtClean="0">
+                <a:solidFill>
+                  <a:schemeClr val="bg2"/>
+                </a:solidFill>
+              </a:rPr>
+              <a:t>?</a:t>
+            </a:r>
+          </a:p>
+          <a:p>
+            <a:pPr marL="457200" indent="-457200">
+              <a:buFont typeface="Arial" panose="020B0604020202020204" pitchFamily="34" charset="0"/>
+              <a:buChar char="•"/>
+            </a:pPr>
+            <a:r>
+              <a:rPr lang="pl-PL" sz="2700" dirty="0" err="1" smtClean="0">
+                <a:solidFill>
+                  <a:schemeClr val="bg2"/>
+                </a:solidFill>
+              </a:rPr>
+              <a:t>Maps</a:t>
+            </a:r>
+            <a:endParaRPr lang="pl-PL" sz="2700" dirty="0" smtClean="0">
+              <a:solidFill>
+                <a:schemeClr val="bg2"/>
+              </a:solidFill>
+            </a:endParaRPr>
+          </a:p>
+          <a:p>
+            <a:pPr marL="457200" indent="-457200">
+              <a:buFont typeface="Arial" panose="020B0604020202020204" pitchFamily="34" charset="0"/>
+              <a:buChar char="•"/>
+            </a:pPr>
+            <a:r>
+              <a:rPr lang="pl-PL" sz="2700" dirty="0" err="1" smtClean="0">
+                <a:solidFill>
+                  <a:schemeClr val="bg2"/>
+                </a:solidFill>
+              </a:rPr>
+              <a:t>Sets</a:t>
+            </a:r>
+            <a:endParaRPr lang="pl-PL" sz="2700" dirty="0" smtClean="0">
+              <a:solidFill>
+                <a:schemeClr val="bg2"/>
+              </a:solidFill>
+            </a:endParaRPr>
+          </a:p>
+          <a:p>
+            <a:pPr marL="457200" indent="-457200">
+              <a:buFont typeface="Arial" panose="020B0604020202020204" pitchFamily="34" charset="0"/>
+              <a:buChar char="•"/>
+            </a:pPr>
+            <a:endParaRPr lang="en-US" sz="2700" dirty="0">
+              <a:solidFill>
+                <a:schemeClr val="bg2"/>
+              </a:solidFill>
+            </a:endParaRPr>
+          </a:p>
+          <a:p>
+            <a:pPr marL="457200" indent="-457200">
+              <a:buFont typeface="Arial" panose="020B0604020202020204" pitchFamily="34" charset="0"/>
+              <a:buChar char="•"/>
+            </a:pPr>
+            <a:endParaRPr lang="en-US" sz="2700" dirty="0">
+              <a:solidFill>
+                <a:schemeClr val="bg2"/>
+              </a:solidFill>
+            </a:endParaRPr>
+          </a:p>
+        </p:txBody>
+      </p:sp>
     </p:spTree>
     <p:extLst>
       <p:ext uri="{BB962C8B-B14F-4D97-AF65-F5344CB8AC3E}">
@@ -35080,6 +35790,1420 @@
 </file>
 
 <file path=ppt/slides/slide15.xml><?xml version="1.0" encoding="utf-8"?>
+<p:sld xmlns:a="http://schemas.openxmlformats.org/drawingml/2006/main" xmlns:r="http://schemas.openxmlformats.org/officeDocument/2006/relationships" xmlns:p="http://schemas.openxmlformats.org/presentationml/2006/main">
+  <p:cSld>
+    <p:spTree>
+      <p:nvGrpSpPr>
+        <p:cNvPr id="1" name=""/>
+        <p:cNvGrpSpPr/>
+        <p:nvPr/>
+      </p:nvGrpSpPr>
+      <p:grpSpPr>
+        <a:xfrm>
+          <a:off x="0" y="0"/>
+          <a:ext cx="0" cy="0"/>
+          <a:chOff x="0" y="0"/>
+          <a:chExt cx="0" cy="0"/>
+        </a:xfrm>
+      </p:grpSpPr>
+      <p:sp>
+        <p:nvSpPr>
+          <p:cNvPr id="2" name="Slide Number Placeholder 1"/>
+          <p:cNvSpPr>
+            <a:spLocks noGrp="1"/>
+          </p:cNvSpPr>
+          <p:nvPr>
+            <p:ph type="sldNum" sz="quarter" idx="12"/>
+          </p:nvPr>
+        </p:nvSpPr>
+        <p:spPr/>
+        <p:txBody>
+          <a:bodyPr/>
+          <a:lstStyle/>
+          <a:p>
+            <a:fld id="{0D558541-60C9-42A2-8392-FF12533A6B7A}" type="slidenum">
+              <a:rPr lang="en-US" smtClean="0"/>
+              <a:pPr/>
+              <a:t>15</a:t>
+            </a:fld>
+            <a:endParaRPr lang="en-US" dirty="0"/>
+          </a:p>
+        </p:txBody>
+      </p:sp>
+      <p:sp>
+        <p:nvSpPr>
+          <p:cNvPr id="5" name="Title 2"/>
+          <p:cNvSpPr>
+            <a:spLocks noGrp="1"/>
+          </p:cNvSpPr>
+          <p:nvPr>
+            <p:ph type="title"/>
+          </p:nvPr>
+        </p:nvSpPr>
+        <p:spPr>
+          <a:xfrm>
+            <a:off x="1698091" y="457200"/>
+            <a:ext cx="8763336" cy="900113"/>
+          </a:xfrm>
+        </p:spPr>
+        <p:txBody>
+          <a:bodyPr/>
+          <a:lstStyle/>
+          <a:p>
+            <a:r>
+              <a:rPr lang="pl-PL" b="1" dirty="0" err="1" smtClean="0"/>
+              <a:t>Classes</a:t>
+            </a:r>
+            <a:endParaRPr lang="en-US" i="1" dirty="0"/>
+          </a:p>
+        </p:txBody>
+      </p:sp>
+      <p:sp>
+        <p:nvSpPr>
+          <p:cNvPr id="7" name="Text Placeholder 4"/>
+          <p:cNvSpPr txBox="1">
+            <a:spLocks/>
+          </p:cNvSpPr>
+          <p:nvPr/>
+        </p:nvSpPr>
+        <p:spPr>
+          <a:xfrm>
+            <a:off x="1699200" y="4004812"/>
+            <a:ext cx="9356435" cy="1337366"/>
+          </a:xfrm>
+          <a:prstGeom prst="rect">
+            <a:avLst/>
+          </a:prstGeom>
+        </p:spPr>
+        <p:txBody>
+          <a:bodyPr/>
+          <a:lstStyle>
+            <a:lvl1pPr marL="0" indent="0" algn="l" defTabSz="914400" rtl="0" eaLnBrk="1" latinLnBrk="0" hangingPunct="1">
+              <a:lnSpc>
+                <a:spcPct val="100000"/>
+              </a:lnSpc>
+              <a:spcBef>
+                <a:spcPts val="1200"/>
+              </a:spcBef>
+              <a:buFont typeface="Arial" pitchFamily="34" charset="0"/>
+              <a:buNone/>
+              <a:defRPr sz="3600" kern="1200">
+                <a:solidFill>
+                  <a:schemeClr val="bg1"/>
+                </a:solidFill>
+                <a:latin typeface="+mn-lt"/>
+                <a:ea typeface="+mn-ea"/>
+                <a:cs typeface="+mn-cs"/>
+              </a:defRPr>
+            </a:lvl1pPr>
+            <a:lvl2pPr marL="0" indent="0" algn="l" defTabSz="914400" rtl="0" eaLnBrk="1" latinLnBrk="0" hangingPunct="1">
+              <a:lnSpc>
+                <a:spcPct val="100000"/>
+              </a:lnSpc>
+              <a:spcBef>
+                <a:spcPts val="1000"/>
+              </a:spcBef>
+              <a:buFont typeface="Arial" pitchFamily="34" charset="0"/>
+              <a:buNone/>
+              <a:defRPr sz="2700" kern="1200">
+                <a:solidFill>
+                  <a:schemeClr val="bg1"/>
+                </a:solidFill>
+                <a:latin typeface="+mn-lt"/>
+                <a:ea typeface="+mn-ea"/>
+                <a:cs typeface="+mn-cs"/>
+              </a:defRPr>
+            </a:lvl2pPr>
+            <a:lvl3pPr marL="457200" indent="-228600" algn="l" defTabSz="914400" rtl="0" eaLnBrk="1" latinLnBrk="0" hangingPunct="1">
+              <a:lnSpc>
+                <a:spcPct val="100000"/>
+              </a:lnSpc>
+              <a:spcBef>
+                <a:spcPts val="500"/>
+              </a:spcBef>
+              <a:buFont typeface="Arial" pitchFamily="34" charset="0"/>
+              <a:buChar char="•"/>
+              <a:defRPr sz="2700" kern="1200">
+                <a:solidFill>
+                  <a:schemeClr val="tx2"/>
+                </a:solidFill>
+                <a:latin typeface="+mn-lt"/>
+                <a:ea typeface="+mn-ea"/>
+                <a:cs typeface="+mn-cs"/>
+              </a:defRPr>
+            </a:lvl3pPr>
+            <a:lvl4pPr marL="685800" indent="-228600" algn="l" defTabSz="914400" rtl="0" eaLnBrk="1" latinLnBrk="0" hangingPunct="1">
+              <a:lnSpc>
+                <a:spcPct val="100000"/>
+              </a:lnSpc>
+              <a:spcBef>
+                <a:spcPts val="500"/>
+              </a:spcBef>
+              <a:buFont typeface="Arial" pitchFamily="34" charset="0"/>
+              <a:buChar char="•"/>
+              <a:defRPr sz="2000" kern="1200">
+                <a:solidFill>
+                  <a:schemeClr val="tx2"/>
+                </a:solidFill>
+                <a:latin typeface="+mn-lt"/>
+                <a:ea typeface="+mn-ea"/>
+                <a:cs typeface="+mn-cs"/>
+              </a:defRPr>
+            </a:lvl4pPr>
+            <a:lvl5pPr marL="868680" indent="-182880" algn="l" defTabSz="914400" rtl="0" eaLnBrk="1" latinLnBrk="0" hangingPunct="1">
+              <a:lnSpc>
+                <a:spcPct val="105000"/>
+              </a:lnSpc>
+              <a:spcBef>
+                <a:spcPts val="800"/>
+              </a:spcBef>
+              <a:buFont typeface="Arial" pitchFamily="34" charset="0"/>
+              <a:buChar char="•"/>
+              <a:defRPr sz="1600" kern="1200">
+                <a:solidFill>
+                  <a:schemeClr val="tx2"/>
+                </a:solidFill>
+                <a:latin typeface="+mn-lt"/>
+                <a:ea typeface="+mn-ea"/>
+                <a:cs typeface="+mn-cs"/>
+              </a:defRPr>
+            </a:lvl5pPr>
+            <a:lvl6pPr marL="2514600" indent="-228600" algn="l" defTabSz="914400" rtl="0" eaLnBrk="1" latinLnBrk="0" hangingPunct="1">
+              <a:spcBef>
+                <a:spcPct val="20000"/>
+              </a:spcBef>
+              <a:buFont typeface="Arial" pitchFamily="34" charset="0"/>
+              <a:buChar char="•"/>
+              <a:defRPr sz="2000" kern="1200">
+                <a:solidFill>
+                  <a:schemeClr val="tx1"/>
+                </a:solidFill>
+                <a:latin typeface="+mn-lt"/>
+                <a:ea typeface="+mn-ea"/>
+                <a:cs typeface="+mn-cs"/>
+              </a:defRPr>
+            </a:lvl6pPr>
+            <a:lvl7pPr marL="2971800" indent="-228600" algn="l" defTabSz="914400" rtl="0" eaLnBrk="1" latinLnBrk="0" hangingPunct="1">
+              <a:spcBef>
+                <a:spcPct val="20000"/>
+              </a:spcBef>
+              <a:buFont typeface="Arial" pitchFamily="34" charset="0"/>
+              <a:buChar char="•"/>
+              <a:defRPr sz="2000" kern="1200">
+                <a:solidFill>
+                  <a:schemeClr val="tx1"/>
+                </a:solidFill>
+                <a:latin typeface="+mn-lt"/>
+                <a:ea typeface="+mn-ea"/>
+                <a:cs typeface="+mn-cs"/>
+              </a:defRPr>
+            </a:lvl7pPr>
+            <a:lvl8pPr marL="3429000" indent="-228600" algn="l" defTabSz="914400" rtl="0" eaLnBrk="1" latinLnBrk="0" hangingPunct="1">
+              <a:spcBef>
+                <a:spcPct val="20000"/>
+              </a:spcBef>
+              <a:buFont typeface="Arial" pitchFamily="34" charset="0"/>
+              <a:buChar char="•"/>
+              <a:defRPr sz="2000" kern="1200">
+                <a:solidFill>
+                  <a:schemeClr val="tx1"/>
+                </a:solidFill>
+                <a:latin typeface="+mn-lt"/>
+                <a:ea typeface="+mn-ea"/>
+                <a:cs typeface="+mn-cs"/>
+              </a:defRPr>
+            </a:lvl8pPr>
+            <a:lvl9pPr marL="3886200" indent="-228600" algn="l" defTabSz="914400" rtl="0" eaLnBrk="1" latinLnBrk="0" hangingPunct="1">
+              <a:spcBef>
+                <a:spcPct val="20000"/>
+              </a:spcBef>
+              <a:buFont typeface="Arial" pitchFamily="34" charset="0"/>
+              <a:buChar char="•"/>
+              <a:defRPr sz="2000" kern="1200">
+                <a:solidFill>
+                  <a:schemeClr val="tx1"/>
+                </a:solidFill>
+                <a:latin typeface="+mn-lt"/>
+                <a:ea typeface="+mn-ea"/>
+                <a:cs typeface="+mn-cs"/>
+              </a:defRPr>
+            </a:lvl9pPr>
+          </a:lstStyle>
+          <a:p>
+            <a:endParaRPr lang="en-US" sz="2700" dirty="0">
+              <a:solidFill>
+                <a:schemeClr val="bg2"/>
+              </a:solidFill>
+            </a:endParaRPr>
+          </a:p>
+        </p:txBody>
+      </p:sp>
+      <p:sp>
+        <p:nvSpPr>
+          <p:cNvPr id="6" name="Text Placeholder 4"/>
+          <p:cNvSpPr txBox="1">
+            <a:spLocks/>
+          </p:cNvSpPr>
+          <p:nvPr/>
+        </p:nvSpPr>
+        <p:spPr>
+          <a:xfrm>
+            <a:off x="1007540" y="1525784"/>
+            <a:ext cx="7878552" cy="4089570"/>
+          </a:xfrm>
+          <a:prstGeom prst="rect">
+            <a:avLst/>
+          </a:prstGeom>
+        </p:spPr>
+        <p:txBody>
+          <a:bodyPr/>
+          <a:lstStyle>
+            <a:lvl1pPr marL="0" indent="0" algn="l" defTabSz="914400" rtl="0" eaLnBrk="1" latinLnBrk="0" hangingPunct="1">
+              <a:lnSpc>
+                <a:spcPct val="100000"/>
+              </a:lnSpc>
+              <a:spcBef>
+                <a:spcPts val="1200"/>
+              </a:spcBef>
+              <a:buFont typeface="Arial" pitchFamily="34" charset="0"/>
+              <a:buNone/>
+              <a:defRPr sz="3600" kern="1200">
+                <a:solidFill>
+                  <a:schemeClr val="bg1"/>
+                </a:solidFill>
+                <a:latin typeface="+mn-lt"/>
+                <a:ea typeface="+mn-ea"/>
+                <a:cs typeface="+mn-cs"/>
+              </a:defRPr>
+            </a:lvl1pPr>
+            <a:lvl2pPr marL="0" indent="0" algn="l" defTabSz="914400" rtl="0" eaLnBrk="1" latinLnBrk="0" hangingPunct="1">
+              <a:lnSpc>
+                <a:spcPct val="100000"/>
+              </a:lnSpc>
+              <a:spcBef>
+                <a:spcPts val="1000"/>
+              </a:spcBef>
+              <a:buFont typeface="Arial" pitchFamily="34" charset="0"/>
+              <a:buNone/>
+              <a:defRPr sz="2700" kern="1200">
+                <a:solidFill>
+                  <a:schemeClr val="bg1"/>
+                </a:solidFill>
+                <a:latin typeface="+mn-lt"/>
+                <a:ea typeface="+mn-ea"/>
+                <a:cs typeface="+mn-cs"/>
+              </a:defRPr>
+            </a:lvl2pPr>
+            <a:lvl3pPr marL="457200" indent="-228600" algn="l" defTabSz="914400" rtl="0" eaLnBrk="1" latinLnBrk="0" hangingPunct="1">
+              <a:lnSpc>
+                <a:spcPct val="100000"/>
+              </a:lnSpc>
+              <a:spcBef>
+                <a:spcPts val="500"/>
+              </a:spcBef>
+              <a:buFont typeface="Arial" pitchFamily="34" charset="0"/>
+              <a:buChar char="•"/>
+              <a:defRPr sz="2700" kern="1200">
+                <a:solidFill>
+                  <a:schemeClr val="tx2"/>
+                </a:solidFill>
+                <a:latin typeface="+mn-lt"/>
+                <a:ea typeface="+mn-ea"/>
+                <a:cs typeface="+mn-cs"/>
+              </a:defRPr>
+            </a:lvl3pPr>
+            <a:lvl4pPr marL="685800" indent="-228600" algn="l" defTabSz="914400" rtl="0" eaLnBrk="1" latinLnBrk="0" hangingPunct="1">
+              <a:lnSpc>
+                <a:spcPct val="100000"/>
+              </a:lnSpc>
+              <a:spcBef>
+                <a:spcPts val="500"/>
+              </a:spcBef>
+              <a:buFont typeface="Arial" pitchFamily="34" charset="0"/>
+              <a:buChar char="•"/>
+              <a:defRPr sz="2000" kern="1200">
+                <a:solidFill>
+                  <a:schemeClr val="tx2"/>
+                </a:solidFill>
+                <a:latin typeface="+mn-lt"/>
+                <a:ea typeface="+mn-ea"/>
+                <a:cs typeface="+mn-cs"/>
+              </a:defRPr>
+            </a:lvl4pPr>
+            <a:lvl5pPr marL="868680" indent="-182880" algn="l" defTabSz="914400" rtl="0" eaLnBrk="1" latinLnBrk="0" hangingPunct="1">
+              <a:lnSpc>
+                <a:spcPct val="105000"/>
+              </a:lnSpc>
+              <a:spcBef>
+                <a:spcPts val="800"/>
+              </a:spcBef>
+              <a:buFont typeface="Arial" pitchFamily="34" charset="0"/>
+              <a:buChar char="•"/>
+              <a:defRPr sz="1600" kern="1200">
+                <a:solidFill>
+                  <a:schemeClr val="tx2"/>
+                </a:solidFill>
+                <a:latin typeface="+mn-lt"/>
+                <a:ea typeface="+mn-ea"/>
+                <a:cs typeface="+mn-cs"/>
+              </a:defRPr>
+            </a:lvl5pPr>
+            <a:lvl6pPr marL="2514600" indent="-228600" algn="l" defTabSz="914400" rtl="0" eaLnBrk="1" latinLnBrk="0" hangingPunct="1">
+              <a:spcBef>
+                <a:spcPct val="20000"/>
+              </a:spcBef>
+              <a:buFont typeface="Arial" pitchFamily="34" charset="0"/>
+              <a:buChar char="•"/>
+              <a:defRPr sz="2000" kern="1200">
+                <a:solidFill>
+                  <a:schemeClr val="tx1"/>
+                </a:solidFill>
+                <a:latin typeface="+mn-lt"/>
+                <a:ea typeface="+mn-ea"/>
+                <a:cs typeface="+mn-cs"/>
+              </a:defRPr>
+            </a:lvl6pPr>
+            <a:lvl7pPr marL="2971800" indent="-228600" algn="l" defTabSz="914400" rtl="0" eaLnBrk="1" latinLnBrk="0" hangingPunct="1">
+              <a:spcBef>
+                <a:spcPct val="20000"/>
+              </a:spcBef>
+              <a:buFont typeface="Arial" pitchFamily="34" charset="0"/>
+              <a:buChar char="•"/>
+              <a:defRPr sz="2000" kern="1200">
+                <a:solidFill>
+                  <a:schemeClr val="tx1"/>
+                </a:solidFill>
+                <a:latin typeface="+mn-lt"/>
+                <a:ea typeface="+mn-ea"/>
+                <a:cs typeface="+mn-cs"/>
+              </a:defRPr>
+            </a:lvl7pPr>
+            <a:lvl8pPr marL="3429000" indent="-228600" algn="l" defTabSz="914400" rtl="0" eaLnBrk="1" latinLnBrk="0" hangingPunct="1">
+              <a:spcBef>
+                <a:spcPct val="20000"/>
+              </a:spcBef>
+              <a:buFont typeface="Arial" pitchFamily="34" charset="0"/>
+              <a:buChar char="•"/>
+              <a:defRPr sz="2000" kern="1200">
+                <a:solidFill>
+                  <a:schemeClr val="tx1"/>
+                </a:solidFill>
+                <a:latin typeface="+mn-lt"/>
+                <a:ea typeface="+mn-ea"/>
+                <a:cs typeface="+mn-cs"/>
+              </a:defRPr>
+            </a:lvl8pPr>
+            <a:lvl9pPr marL="3886200" indent="-228600" algn="l" defTabSz="914400" rtl="0" eaLnBrk="1" latinLnBrk="0" hangingPunct="1">
+              <a:spcBef>
+                <a:spcPct val="20000"/>
+              </a:spcBef>
+              <a:buFont typeface="Arial" pitchFamily="34" charset="0"/>
+              <a:buChar char="•"/>
+              <a:defRPr sz="2000" kern="1200">
+                <a:solidFill>
+                  <a:schemeClr val="tx1"/>
+                </a:solidFill>
+                <a:latin typeface="+mn-lt"/>
+                <a:ea typeface="+mn-ea"/>
+                <a:cs typeface="+mn-cs"/>
+              </a:defRPr>
+            </a:lvl9pPr>
+          </a:lstStyle>
+          <a:p>
+            <a:pPr marL="457200" indent="-457200">
+              <a:buFont typeface="Arial" panose="020B0604020202020204" pitchFamily="34" charset="0"/>
+              <a:buChar char="•"/>
+            </a:pPr>
+            <a:r>
+              <a:rPr lang="pl-PL" sz="2700" dirty="0" err="1" smtClean="0">
+                <a:solidFill>
+                  <a:schemeClr val="bg2"/>
+                </a:solidFill>
+              </a:rPr>
+              <a:t>Syntatic</a:t>
+            </a:r>
+            <a:r>
+              <a:rPr lang="pl-PL" sz="2700" dirty="0" smtClean="0">
+                <a:solidFill>
+                  <a:schemeClr val="bg2"/>
+                </a:solidFill>
+              </a:rPr>
+              <a:t> </a:t>
+            </a:r>
+            <a:r>
+              <a:rPr lang="pl-PL" sz="2700" dirty="0" err="1" smtClean="0">
+                <a:solidFill>
+                  <a:schemeClr val="bg2"/>
+                </a:solidFill>
+              </a:rPr>
+              <a:t>sugar</a:t>
+            </a:r>
+            <a:r>
+              <a:rPr lang="pl-PL" sz="2700" dirty="0">
+                <a:solidFill>
+                  <a:schemeClr val="bg2"/>
+                </a:solidFill>
+              </a:rPr>
+              <a:t> for </a:t>
+            </a:r>
+            <a:r>
+              <a:rPr lang="pl-PL" sz="2700" dirty="0" err="1">
+                <a:solidFill>
+                  <a:schemeClr val="bg2"/>
+                </a:solidFill>
+              </a:rPr>
+              <a:t>constructor</a:t>
+            </a:r>
+            <a:r>
+              <a:rPr lang="pl-PL" sz="2700" dirty="0">
+                <a:solidFill>
+                  <a:schemeClr val="bg2"/>
+                </a:solidFill>
+              </a:rPr>
+              <a:t> </a:t>
+            </a:r>
+            <a:r>
+              <a:rPr lang="pl-PL" sz="2700" dirty="0" err="1" smtClean="0">
+                <a:solidFill>
+                  <a:schemeClr val="bg2"/>
+                </a:solidFill>
+              </a:rPr>
+              <a:t>function</a:t>
+            </a:r>
+            <a:endParaRPr lang="pl-PL" sz="2700" dirty="0" smtClean="0">
+              <a:solidFill>
+                <a:schemeClr val="bg2"/>
+              </a:solidFill>
+            </a:endParaRPr>
+          </a:p>
+          <a:p>
+            <a:pPr marL="457200" indent="-457200">
+              <a:buFont typeface="Arial" panose="020B0604020202020204" pitchFamily="34" charset="0"/>
+              <a:buChar char="•"/>
+            </a:pPr>
+            <a:r>
+              <a:rPr lang="pl-PL" sz="2700" dirty="0" smtClean="0">
+                <a:solidFill>
+                  <a:schemeClr val="bg2"/>
+                </a:solidFill>
+              </a:rPr>
+              <a:t>But </a:t>
+            </a:r>
+            <a:r>
+              <a:rPr lang="en-US" sz="2700" dirty="0" smtClean="0">
+                <a:solidFill>
+                  <a:schemeClr val="bg2"/>
+                </a:solidFill>
+              </a:rPr>
+              <a:t>still</a:t>
+            </a:r>
+            <a:r>
+              <a:rPr lang="pl-PL" sz="2700" dirty="0" smtClean="0">
+                <a:solidFill>
+                  <a:schemeClr val="bg2"/>
+                </a:solidFill>
+              </a:rPr>
+              <a:t> </a:t>
+            </a:r>
+            <a:r>
+              <a:rPr lang="pl-PL" sz="2700" dirty="0" err="1" smtClean="0">
+                <a:solidFill>
+                  <a:schemeClr val="bg2"/>
+                </a:solidFill>
+              </a:rPr>
+              <a:t>sweet</a:t>
+            </a:r>
+            <a:endParaRPr lang="pl-PL" sz="2700" dirty="0" smtClean="0">
+              <a:solidFill>
+                <a:schemeClr val="bg2"/>
+              </a:solidFill>
+            </a:endParaRPr>
+          </a:p>
+          <a:p>
+            <a:pPr marL="457200" indent="-457200">
+              <a:buFont typeface="Arial" panose="020B0604020202020204" pitchFamily="34" charset="0"/>
+              <a:buChar char="•"/>
+            </a:pPr>
+            <a:endParaRPr lang="en-US" sz="2700" dirty="0">
+              <a:solidFill>
+                <a:schemeClr val="bg2"/>
+              </a:solidFill>
+            </a:endParaRPr>
+          </a:p>
+          <a:p>
+            <a:pPr marL="457200" indent="-457200">
+              <a:buFont typeface="Arial" panose="020B0604020202020204" pitchFamily="34" charset="0"/>
+              <a:buChar char="•"/>
+            </a:pPr>
+            <a:endParaRPr lang="en-US" sz="2700" dirty="0">
+              <a:solidFill>
+                <a:schemeClr val="bg2"/>
+              </a:solidFill>
+            </a:endParaRPr>
+          </a:p>
+        </p:txBody>
+      </p:sp>
+    </p:spTree>
+    <p:extLst>
+      <p:ext uri="{BB962C8B-B14F-4D97-AF65-F5344CB8AC3E}">
+        <p14:creationId xmlns:p14="http://schemas.microsoft.com/office/powerpoint/2010/main" val="2692939879"/>
+      </p:ext>
+    </p:extLst>
+  </p:cSld>
+  <p:clrMapOvr>
+    <a:masterClrMapping/>
+  </p:clrMapOvr>
+  <p:timing>
+    <p:tnLst>
+      <p:par>
+        <p:cTn id="1" dur="indefinite" restart="never" nodeType="tmRoot"/>
+      </p:par>
+    </p:tnLst>
+  </p:timing>
+</p:sld>
+</file>
+
+<file path=ppt/slides/slide16.xml><?xml version="1.0" encoding="utf-8"?>
+<p:sld xmlns:a="http://schemas.openxmlformats.org/drawingml/2006/main" xmlns:r="http://schemas.openxmlformats.org/officeDocument/2006/relationships" xmlns:p="http://schemas.openxmlformats.org/presentationml/2006/main">
+  <p:cSld>
+    <p:spTree>
+      <p:nvGrpSpPr>
+        <p:cNvPr id="1" name=""/>
+        <p:cNvGrpSpPr/>
+        <p:nvPr/>
+      </p:nvGrpSpPr>
+      <p:grpSpPr>
+        <a:xfrm>
+          <a:off x="0" y="0"/>
+          <a:ext cx="0" cy="0"/>
+          <a:chOff x="0" y="0"/>
+          <a:chExt cx="0" cy="0"/>
+        </a:xfrm>
+      </p:grpSpPr>
+      <p:sp>
+        <p:nvSpPr>
+          <p:cNvPr id="2" name="Slide Number Placeholder 1"/>
+          <p:cNvSpPr>
+            <a:spLocks noGrp="1"/>
+          </p:cNvSpPr>
+          <p:nvPr>
+            <p:ph type="sldNum" sz="quarter" idx="12"/>
+          </p:nvPr>
+        </p:nvSpPr>
+        <p:spPr/>
+        <p:txBody>
+          <a:bodyPr/>
+          <a:lstStyle/>
+          <a:p>
+            <a:fld id="{0D558541-60C9-42A2-8392-FF12533A6B7A}" type="slidenum">
+              <a:rPr lang="en-US" smtClean="0"/>
+              <a:pPr/>
+              <a:t>16</a:t>
+            </a:fld>
+            <a:endParaRPr lang="en-US" dirty="0"/>
+          </a:p>
+        </p:txBody>
+      </p:sp>
+      <p:sp>
+        <p:nvSpPr>
+          <p:cNvPr id="5" name="Title 2"/>
+          <p:cNvSpPr>
+            <a:spLocks noGrp="1"/>
+          </p:cNvSpPr>
+          <p:nvPr>
+            <p:ph type="title"/>
+          </p:nvPr>
+        </p:nvSpPr>
+        <p:spPr>
+          <a:xfrm>
+            <a:off x="1698091" y="457200"/>
+            <a:ext cx="8763336" cy="900113"/>
+          </a:xfrm>
+        </p:spPr>
+        <p:txBody>
+          <a:bodyPr/>
+          <a:lstStyle/>
+          <a:p>
+            <a:r>
+              <a:rPr lang="pl-PL" b="1" dirty="0" err="1" smtClean="0"/>
+              <a:t>Modules</a:t>
+            </a:r>
+            <a:endParaRPr lang="en-US" i="1" dirty="0"/>
+          </a:p>
+        </p:txBody>
+      </p:sp>
+      <p:sp>
+        <p:nvSpPr>
+          <p:cNvPr id="7" name="Text Placeholder 4"/>
+          <p:cNvSpPr txBox="1">
+            <a:spLocks/>
+          </p:cNvSpPr>
+          <p:nvPr/>
+        </p:nvSpPr>
+        <p:spPr>
+          <a:xfrm>
+            <a:off x="1699200" y="4004812"/>
+            <a:ext cx="9356435" cy="1337366"/>
+          </a:xfrm>
+          <a:prstGeom prst="rect">
+            <a:avLst/>
+          </a:prstGeom>
+        </p:spPr>
+        <p:txBody>
+          <a:bodyPr/>
+          <a:lstStyle>
+            <a:lvl1pPr marL="0" indent="0" algn="l" defTabSz="914400" rtl="0" eaLnBrk="1" latinLnBrk="0" hangingPunct="1">
+              <a:lnSpc>
+                <a:spcPct val="100000"/>
+              </a:lnSpc>
+              <a:spcBef>
+                <a:spcPts val="1200"/>
+              </a:spcBef>
+              <a:buFont typeface="Arial" pitchFamily="34" charset="0"/>
+              <a:buNone/>
+              <a:defRPr sz="3600" kern="1200">
+                <a:solidFill>
+                  <a:schemeClr val="bg1"/>
+                </a:solidFill>
+                <a:latin typeface="+mn-lt"/>
+                <a:ea typeface="+mn-ea"/>
+                <a:cs typeface="+mn-cs"/>
+              </a:defRPr>
+            </a:lvl1pPr>
+            <a:lvl2pPr marL="0" indent="0" algn="l" defTabSz="914400" rtl="0" eaLnBrk="1" latinLnBrk="0" hangingPunct="1">
+              <a:lnSpc>
+                <a:spcPct val="100000"/>
+              </a:lnSpc>
+              <a:spcBef>
+                <a:spcPts val="1000"/>
+              </a:spcBef>
+              <a:buFont typeface="Arial" pitchFamily="34" charset="0"/>
+              <a:buNone/>
+              <a:defRPr sz="2700" kern="1200">
+                <a:solidFill>
+                  <a:schemeClr val="bg1"/>
+                </a:solidFill>
+                <a:latin typeface="+mn-lt"/>
+                <a:ea typeface="+mn-ea"/>
+                <a:cs typeface="+mn-cs"/>
+              </a:defRPr>
+            </a:lvl2pPr>
+            <a:lvl3pPr marL="457200" indent="-228600" algn="l" defTabSz="914400" rtl="0" eaLnBrk="1" latinLnBrk="0" hangingPunct="1">
+              <a:lnSpc>
+                <a:spcPct val="100000"/>
+              </a:lnSpc>
+              <a:spcBef>
+                <a:spcPts val="500"/>
+              </a:spcBef>
+              <a:buFont typeface="Arial" pitchFamily="34" charset="0"/>
+              <a:buChar char="•"/>
+              <a:defRPr sz="2700" kern="1200">
+                <a:solidFill>
+                  <a:schemeClr val="tx2"/>
+                </a:solidFill>
+                <a:latin typeface="+mn-lt"/>
+                <a:ea typeface="+mn-ea"/>
+                <a:cs typeface="+mn-cs"/>
+              </a:defRPr>
+            </a:lvl3pPr>
+            <a:lvl4pPr marL="685800" indent="-228600" algn="l" defTabSz="914400" rtl="0" eaLnBrk="1" latinLnBrk="0" hangingPunct="1">
+              <a:lnSpc>
+                <a:spcPct val="100000"/>
+              </a:lnSpc>
+              <a:spcBef>
+                <a:spcPts val="500"/>
+              </a:spcBef>
+              <a:buFont typeface="Arial" pitchFamily="34" charset="0"/>
+              <a:buChar char="•"/>
+              <a:defRPr sz="2000" kern="1200">
+                <a:solidFill>
+                  <a:schemeClr val="tx2"/>
+                </a:solidFill>
+                <a:latin typeface="+mn-lt"/>
+                <a:ea typeface="+mn-ea"/>
+                <a:cs typeface="+mn-cs"/>
+              </a:defRPr>
+            </a:lvl4pPr>
+            <a:lvl5pPr marL="868680" indent="-182880" algn="l" defTabSz="914400" rtl="0" eaLnBrk="1" latinLnBrk="0" hangingPunct="1">
+              <a:lnSpc>
+                <a:spcPct val="105000"/>
+              </a:lnSpc>
+              <a:spcBef>
+                <a:spcPts val="800"/>
+              </a:spcBef>
+              <a:buFont typeface="Arial" pitchFamily="34" charset="0"/>
+              <a:buChar char="•"/>
+              <a:defRPr sz="1600" kern="1200">
+                <a:solidFill>
+                  <a:schemeClr val="tx2"/>
+                </a:solidFill>
+                <a:latin typeface="+mn-lt"/>
+                <a:ea typeface="+mn-ea"/>
+                <a:cs typeface="+mn-cs"/>
+              </a:defRPr>
+            </a:lvl5pPr>
+            <a:lvl6pPr marL="2514600" indent="-228600" algn="l" defTabSz="914400" rtl="0" eaLnBrk="1" latinLnBrk="0" hangingPunct="1">
+              <a:spcBef>
+                <a:spcPct val="20000"/>
+              </a:spcBef>
+              <a:buFont typeface="Arial" pitchFamily="34" charset="0"/>
+              <a:buChar char="•"/>
+              <a:defRPr sz="2000" kern="1200">
+                <a:solidFill>
+                  <a:schemeClr val="tx1"/>
+                </a:solidFill>
+                <a:latin typeface="+mn-lt"/>
+                <a:ea typeface="+mn-ea"/>
+                <a:cs typeface="+mn-cs"/>
+              </a:defRPr>
+            </a:lvl6pPr>
+            <a:lvl7pPr marL="2971800" indent="-228600" algn="l" defTabSz="914400" rtl="0" eaLnBrk="1" latinLnBrk="0" hangingPunct="1">
+              <a:spcBef>
+                <a:spcPct val="20000"/>
+              </a:spcBef>
+              <a:buFont typeface="Arial" pitchFamily="34" charset="0"/>
+              <a:buChar char="•"/>
+              <a:defRPr sz="2000" kern="1200">
+                <a:solidFill>
+                  <a:schemeClr val="tx1"/>
+                </a:solidFill>
+                <a:latin typeface="+mn-lt"/>
+                <a:ea typeface="+mn-ea"/>
+                <a:cs typeface="+mn-cs"/>
+              </a:defRPr>
+            </a:lvl7pPr>
+            <a:lvl8pPr marL="3429000" indent="-228600" algn="l" defTabSz="914400" rtl="0" eaLnBrk="1" latinLnBrk="0" hangingPunct="1">
+              <a:spcBef>
+                <a:spcPct val="20000"/>
+              </a:spcBef>
+              <a:buFont typeface="Arial" pitchFamily="34" charset="0"/>
+              <a:buChar char="•"/>
+              <a:defRPr sz="2000" kern="1200">
+                <a:solidFill>
+                  <a:schemeClr val="tx1"/>
+                </a:solidFill>
+                <a:latin typeface="+mn-lt"/>
+                <a:ea typeface="+mn-ea"/>
+                <a:cs typeface="+mn-cs"/>
+              </a:defRPr>
+            </a:lvl8pPr>
+            <a:lvl9pPr marL="3886200" indent="-228600" algn="l" defTabSz="914400" rtl="0" eaLnBrk="1" latinLnBrk="0" hangingPunct="1">
+              <a:spcBef>
+                <a:spcPct val="20000"/>
+              </a:spcBef>
+              <a:buFont typeface="Arial" pitchFamily="34" charset="0"/>
+              <a:buChar char="•"/>
+              <a:defRPr sz="2000" kern="1200">
+                <a:solidFill>
+                  <a:schemeClr val="tx1"/>
+                </a:solidFill>
+                <a:latin typeface="+mn-lt"/>
+                <a:ea typeface="+mn-ea"/>
+                <a:cs typeface="+mn-cs"/>
+              </a:defRPr>
+            </a:lvl9pPr>
+          </a:lstStyle>
+          <a:p>
+            <a:endParaRPr lang="en-US" sz="2700" dirty="0">
+              <a:solidFill>
+                <a:schemeClr val="bg2"/>
+              </a:solidFill>
+            </a:endParaRPr>
+          </a:p>
+        </p:txBody>
+      </p:sp>
+      <p:sp>
+        <p:nvSpPr>
+          <p:cNvPr id="6" name="Text Placeholder 4"/>
+          <p:cNvSpPr txBox="1">
+            <a:spLocks/>
+          </p:cNvSpPr>
+          <p:nvPr/>
+        </p:nvSpPr>
+        <p:spPr>
+          <a:xfrm>
+            <a:off x="1007540" y="1525784"/>
+            <a:ext cx="7878552" cy="4089570"/>
+          </a:xfrm>
+          <a:prstGeom prst="rect">
+            <a:avLst/>
+          </a:prstGeom>
+        </p:spPr>
+        <p:txBody>
+          <a:bodyPr/>
+          <a:lstStyle>
+            <a:lvl1pPr marL="0" indent="0" algn="l" defTabSz="914400" rtl="0" eaLnBrk="1" latinLnBrk="0" hangingPunct="1">
+              <a:lnSpc>
+                <a:spcPct val="100000"/>
+              </a:lnSpc>
+              <a:spcBef>
+                <a:spcPts val="1200"/>
+              </a:spcBef>
+              <a:buFont typeface="Arial" pitchFamily="34" charset="0"/>
+              <a:buNone/>
+              <a:defRPr sz="3600" kern="1200">
+                <a:solidFill>
+                  <a:schemeClr val="bg1"/>
+                </a:solidFill>
+                <a:latin typeface="+mn-lt"/>
+                <a:ea typeface="+mn-ea"/>
+                <a:cs typeface="+mn-cs"/>
+              </a:defRPr>
+            </a:lvl1pPr>
+            <a:lvl2pPr marL="0" indent="0" algn="l" defTabSz="914400" rtl="0" eaLnBrk="1" latinLnBrk="0" hangingPunct="1">
+              <a:lnSpc>
+                <a:spcPct val="100000"/>
+              </a:lnSpc>
+              <a:spcBef>
+                <a:spcPts val="1000"/>
+              </a:spcBef>
+              <a:buFont typeface="Arial" pitchFamily="34" charset="0"/>
+              <a:buNone/>
+              <a:defRPr sz="2700" kern="1200">
+                <a:solidFill>
+                  <a:schemeClr val="bg1"/>
+                </a:solidFill>
+                <a:latin typeface="+mn-lt"/>
+                <a:ea typeface="+mn-ea"/>
+                <a:cs typeface="+mn-cs"/>
+              </a:defRPr>
+            </a:lvl2pPr>
+            <a:lvl3pPr marL="457200" indent="-228600" algn="l" defTabSz="914400" rtl="0" eaLnBrk="1" latinLnBrk="0" hangingPunct="1">
+              <a:lnSpc>
+                <a:spcPct val="100000"/>
+              </a:lnSpc>
+              <a:spcBef>
+                <a:spcPts val="500"/>
+              </a:spcBef>
+              <a:buFont typeface="Arial" pitchFamily="34" charset="0"/>
+              <a:buChar char="•"/>
+              <a:defRPr sz="2700" kern="1200">
+                <a:solidFill>
+                  <a:schemeClr val="tx2"/>
+                </a:solidFill>
+                <a:latin typeface="+mn-lt"/>
+                <a:ea typeface="+mn-ea"/>
+                <a:cs typeface="+mn-cs"/>
+              </a:defRPr>
+            </a:lvl3pPr>
+            <a:lvl4pPr marL="685800" indent="-228600" algn="l" defTabSz="914400" rtl="0" eaLnBrk="1" latinLnBrk="0" hangingPunct="1">
+              <a:lnSpc>
+                <a:spcPct val="100000"/>
+              </a:lnSpc>
+              <a:spcBef>
+                <a:spcPts val="500"/>
+              </a:spcBef>
+              <a:buFont typeface="Arial" pitchFamily="34" charset="0"/>
+              <a:buChar char="•"/>
+              <a:defRPr sz="2000" kern="1200">
+                <a:solidFill>
+                  <a:schemeClr val="tx2"/>
+                </a:solidFill>
+                <a:latin typeface="+mn-lt"/>
+                <a:ea typeface="+mn-ea"/>
+                <a:cs typeface="+mn-cs"/>
+              </a:defRPr>
+            </a:lvl4pPr>
+            <a:lvl5pPr marL="868680" indent="-182880" algn="l" defTabSz="914400" rtl="0" eaLnBrk="1" latinLnBrk="0" hangingPunct="1">
+              <a:lnSpc>
+                <a:spcPct val="105000"/>
+              </a:lnSpc>
+              <a:spcBef>
+                <a:spcPts val="800"/>
+              </a:spcBef>
+              <a:buFont typeface="Arial" pitchFamily="34" charset="0"/>
+              <a:buChar char="•"/>
+              <a:defRPr sz="1600" kern="1200">
+                <a:solidFill>
+                  <a:schemeClr val="tx2"/>
+                </a:solidFill>
+                <a:latin typeface="+mn-lt"/>
+                <a:ea typeface="+mn-ea"/>
+                <a:cs typeface="+mn-cs"/>
+              </a:defRPr>
+            </a:lvl5pPr>
+            <a:lvl6pPr marL="2514600" indent="-228600" algn="l" defTabSz="914400" rtl="0" eaLnBrk="1" latinLnBrk="0" hangingPunct="1">
+              <a:spcBef>
+                <a:spcPct val="20000"/>
+              </a:spcBef>
+              <a:buFont typeface="Arial" pitchFamily="34" charset="0"/>
+              <a:buChar char="•"/>
+              <a:defRPr sz="2000" kern="1200">
+                <a:solidFill>
+                  <a:schemeClr val="tx1"/>
+                </a:solidFill>
+                <a:latin typeface="+mn-lt"/>
+                <a:ea typeface="+mn-ea"/>
+                <a:cs typeface="+mn-cs"/>
+              </a:defRPr>
+            </a:lvl6pPr>
+            <a:lvl7pPr marL="2971800" indent="-228600" algn="l" defTabSz="914400" rtl="0" eaLnBrk="1" latinLnBrk="0" hangingPunct="1">
+              <a:spcBef>
+                <a:spcPct val="20000"/>
+              </a:spcBef>
+              <a:buFont typeface="Arial" pitchFamily="34" charset="0"/>
+              <a:buChar char="•"/>
+              <a:defRPr sz="2000" kern="1200">
+                <a:solidFill>
+                  <a:schemeClr val="tx1"/>
+                </a:solidFill>
+                <a:latin typeface="+mn-lt"/>
+                <a:ea typeface="+mn-ea"/>
+                <a:cs typeface="+mn-cs"/>
+              </a:defRPr>
+            </a:lvl7pPr>
+            <a:lvl8pPr marL="3429000" indent="-228600" algn="l" defTabSz="914400" rtl="0" eaLnBrk="1" latinLnBrk="0" hangingPunct="1">
+              <a:spcBef>
+                <a:spcPct val="20000"/>
+              </a:spcBef>
+              <a:buFont typeface="Arial" pitchFamily="34" charset="0"/>
+              <a:buChar char="•"/>
+              <a:defRPr sz="2000" kern="1200">
+                <a:solidFill>
+                  <a:schemeClr val="tx1"/>
+                </a:solidFill>
+                <a:latin typeface="+mn-lt"/>
+                <a:ea typeface="+mn-ea"/>
+                <a:cs typeface="+mn-cs"/>
+              </a:defRPr>
+            </a:lvl8pPr>
+            <a:lvl9pPr marL="3886200" indent="-228600" algn="l" defTabSz="914400" rtl="0" eaLnBrk="1" latinLnBrk="0" hangingPunct="1">
+              <a:spcBef>
+                <a:spcPct val="20000"/>
+              </a:spcBef>
+              <a:buFont typeface="Arial" pitchFamily="34" charset="0"/>
+              <a:buChar char="•"/>
+              <a:defRPr sz="2000" kern="1200">
+                <a:solidFill>
+                  <a:schemeClr val="tx1"/>
+                </a:solidFill>
+                <a:latin typeface="+mn-lt"/>
+                <a:ea typeface="+mn-ea"/>
+                <a:cs typeface="+mn-cs"/>
+              </a:defRPr>
+            </a:lvl9pPr>
+          </a:lstStyle>
+          <a:p>
+            <a:pPr marL="457200" indent="-457200">
+              <a:buFont typeface="Arial" panose="020B0604020202020204" pitchFamily="34" charset="0"/>
+              <a:buChar char="•"/>
+            </a:pPr>
+            <a:r>
+              <a:rPr lang="pl-PL" sz="2700" dirty="0" err="1" smtClean="0">
+                <a:solidFill>
+                  <a:schemeClr val="bg2"/>
+                </a:solidFill>
+              </a:rPr>
+              <a:t>Avoid</a:t>
+            </a:r>
+            <a:r>
+              <a:rPr lang="pl-PL" sz="2700" dirty="0" smtClean="0">
+                <a:solidFill>
+                  <a:schemeClr val="bg2"/>
+                </a:solidFill>
+              </a:rPr>
+              <a:t> </a:t>
+            </a:r>
+            <a:r>
+              <a:rPr lang="pl-PL" sz="2700" dirty="0" err="1" smtClean="0">
+                <a:solidFill>
+                  <a:schemeClr val="bg2"/>
+                </a:solidFill>
+              </a:rPr>
+              <a:t>polluting</a:t>
+            </a:r>
+            <a:r>
+              <a:rPr lang="pl-PL" sz="2700" dirty="0" smtClean="0">
+                <a:solidFill>
+                  <a:schemeClr val="bg2"/>
+                </a:solidFill>
+              </a:rPr>
+              <a:t> </a:t>
+            </a:r>
+            <a:r>
+              <a:rPr lang="pl-PL" sz="2700" dirty="0" err="1" smtClean="0">
+                <a:solidFill>
+                  <a:schemeClr val="bg2"/>
+                </a:solidFill>
+              </a:rPr>
+              <a:t>global</a:t>
+            </a:r>
+            <a:r>
+              <a:rPr lang="pl-PL" sz="2700" dirty="0" smtClean="0">
+                <a:solidFill>
+                  <a:schemeClr val="bg2"/>
+                </a:solidFill>
+              </a:rPr>
+              <a:t> </a:t>
+            </a:r>
+            <a:r>
+              <a:rPr lang="pl-PL" sz="2700" dirty="0" err="1" smtClean="0">
+                <a:solidFill>
+                  <a:schemeClr val="bg2"/>
+                </a:solidFill>
+              </a:rPr>
+              <a:t>namespaces</a:t>
+            </a:r>
+            <a:endParaRPr lang="pl-PL" sz="2700" dirty="0" smtClean="0">
+              <a:solidFill>
+                <a:schemeClr val="bg2"/>
+              </a:solidFill>
+            </a:endParaRPr>
+          </a:p>
+          <a:p>
+            <a:pPr marL="457200" indent="-457200">
+              <a:buFont typeface="Arial" panose="020B0604020202020204" pitchFamily="34" charset="0"/>
+              <a:buChar char="•"/>
+            </a:pPr>
+            <a:r>
+              <a:rPr lang="pl-PL" sz="2700" dirty="0" err="1" smtClean="0">
+                <a:solidFill>
+                  <a:schemeClr val="bg2"/>
+                </a:solidFill>
+              </a:rPr>
+              <a:t>Very</a:t>
+            </a:r>
+            <a:r>
+              <a:rPr lang="pl-PL" sz="2700" dirty="0" smtClean="0">
+                <a:solidFill>
+                  <a:schemeClr val="bg2"/>
+                </a:solidFill>
+              </a:rPr>
+              <a:t> </a:t>
+            </a:r>
+            <a:r>
+              <a:rPr lang="pl-PL" sz="2700" dirty="0" err="1" smtClean="0">
+                <a:solidFill>
+                  <a:schemeClr val="bg2"/>
+                </a:solidFill>
+              </a:rPr>
+              <a:t>important</a:t>
+            </a:r>
+            <a:r>
+              <a:rPr lang="pl-PL" sz="2700" dirty="0" smtClean="0">
+                <a:solidFill>
+                  <a:schemeClr val="bg2"/>
+                </a:solidFill>
+              </a:rPr>
+              <a:t> for React</a:t>
+            </a:r>
+            <a:endParaRPr lang="en-US" sz="2700" dirty="0">
+              <a:solidFill>
+                <a:schemeClr val="bg2"/>
+              </a:solidFill>
+            </a:endParaRPr>
+          </a:p>
+          <a:p>
+            <a:pPr marL="457200" indent="-457200">
+              <a:buFont typeface="Arial" panose="020B0604020202020204" pitchFamily="34" charset="0"/>
+              <a:buChar char="•"/>
+            </a:pPr>
+            <a:endParaRPr lang="en-US" sz="2700" dirty="0">
+              <a:solidFill>
+                <a:schemeClr val="bg2"/>
+              </a:solidFill>
+            </a:endParaRPr>
+          </a:p>
+        </p:txBody>
+      </p:sp>
+    </p:spTree>
+    <p:extLst>
+      <p:ext uri="{BB962C8B-B14F-4D97-AF65-F5344CB8AC3E}">
+        <p14:creationId xmlns:p14="http://schemas.microsoft.com/office/powerpoint/2010/main" val="2792220995"/>
+      </p:ext>
+    </p:extLst>
+  </p:cSld>
+  <p:clrMapOvr>
+    <a:masterClrMapping/>
+  </p:clrMapOvr>
+  <p:timing>
+    <p:tnLst>
+      <p:par>
+        <p:cTn id="1" dur="indefinite" restart="never" nodeType="tmRoot"/>
+      </p:par>
+    </p:tnLst>
+  </p:timing>
+</p:sld>
+</file>
+
+<file path=ppt/slides/slide17.xml><?xml version="1.0" encoding="utf-8"?>
+<p:sld xmlns:a="http://schemas.openxmlformats.org/drawingml/2006/main" xmlns:r="http://schemas.openxmlformats.org/officeDocument/2006/relationships" xmlns:p="http://schemas.openxmlformats.org/presentationml/2006/main">
+  <p:cSld>
+    <p:spTree>
+      <p:nvGrpSpPr>
+        <p:cNvPr id="1" name=""/>
+        <p:cNvGrpSpPr/>
+        <p:nvPr/>
+      </p:nvGrpSpPr>
+      <p:grpSpPr>
+        <a:xfrm>
+          <a:off x="0" y="0"/>
+          <a:ext cx="0" cy="0"/>
+          <a:chOff x="0" y="0"/>
+          <a:chExt cx="0" cy="0"/>
+        </a:xfrm>
+      </p:grpSpPr>
+      <p:sp>
+        <p:nvSpPr>
+          <p:cNvPr id="2" name="Slide Number Placeholder 1"/>
+          <p:cNvSpPr>
+            <a:spLocks noGrp="1"/>
+          </p:cNvSpPr>
+          <p:nvPr>
+            <p:ph type="sldNum" sz="quarter" idx="12"/>
+          </p:nvPr>
+        </p:nvSpPr>
+        <p:spPr/>
+        <p:txBody>
+          <a:bodyPr/>
+          <a:lstStyle/>
+          <a:p>
+            <a:fld id="{0D558541-60C9-42A2-8392-FF12533A6B7A}" type="slidenum">
+              <a:rPr lang="en-US" smtClean="0"/>
+              <a:pPr/>
+              <a:t>17</a:t>
+            </a:fld>
+            <a:endParaRPr lang="en-US" dirty="0"/>
+          </a:p>
+        </p:txBody>
+      </p:sp>
+      <p:sp>
+        <p:nvSpPr>
+          <p:cNvPr id="5" name="Title 2"/>
+          <p:cNvSpPr>
+            <a:spLocks noGrp="1"/>
+          </p:cNvSpPr>
+          <p:nvPr>
+            <p:ph type="title"/>
+          </p:nvPr>
+        </p:nvSpPr>
+        <p:spPr>
+          <a:xfrm>
+            <a:off x="1698091" y="457200"/>
+            <a:ext cx="8763336" cy="900113"/>
+          </a:xfrm>
+        </p:spPr>
+        <p:txBody>
+          <a:bodyPr/>
+          <a:lstStyle/>
+          <a:p>
+            <a:r>
+              <a:rPr lang="en-US" b="1" dirty="0" smtClean="0"/>
+              <a:t>Promises</a:t>
+            </a:r>
+            <a:r>
+              <a:rPr lang="pl-PL" b="1" dirty="0" smtClean="0"/>
+              <a:t> and </a:t>
+            </a:r>
+            <a:r>
+              <a:rPr lang="en-US" b="1" dirty="0" err="1" smtClean="0"/>
+              <a:t>async</a:t>
+            </a:r>
+            <a:endParaRPr lang="en-US" i="1" dirty="0"/>
+          </a:p>
+        </p:txBody>
+      </p:sp>
+      <p:sp>
+        <p:nvSpPr>
+          <p:cNvPr id="7" name="Text Placeholder 4"/>
+          <p:cNvSpPr txBox="1">
+            <a:spLocks/>
+          </p:cNvSpPr>
+          <p:nvPr/>
+        </p:nvSpPr>
+        <p:spPr>
+          <a:xfrm>
+            <a:off x="1699200" y="4004812"/>
+            <a:ext cx="9356435" cy="1337366"/>
+          </a:xfrm>
+          <a:prstGeom prst="rect">
+            <a:avLst/>
+          </a:prstGeom>
+        </p:spPr>
+        <p:txBody>
+          <a:bodyPr/>
+          <a:lstStyle>
+            <a:lvl1pPr marL="0" indent="0" algn="l" defTabSz="914400" rtl="0" eaLnBrk="1" latinLnBrk="0" hangingPunct="1">
+              <a:lnSpc>
+                <a:spcPct val="100000"/>
+              </a:lnSpc>
+              <a:spcBef>
+                <a:spcPts val="1200"/>
+              </a:spcBef>
+              <a:buFont typeface="Arial" pitchFamily="34" charset="0"/>
+              <a:buNone/>
+              <a:defRPr sz="3600" kern="1200">
+                <a:solidFill>
+                  <a:schemeClr val="bg1"/>
+                </a:solidFill>
+                <a:latin typeface="+mn-lt"/>
+                <a:ea typeface="+mn-ea"/>
+                <a:cs typeface="+mn-cs"/>
+              </a:defRPr>
+            </a:lvl1pPr>
+            <a:lvl2pPr marL="0" indent="0" algn="l" defTabSz="914400" rtl="0" eaLnBrk="1" latinLnBrk="0" hangingPunct="1">
+              <a:lnSpc>
+                <a:spcPct val="100000"/>
+              </a:lnSpc>
+              <a:spcBef>
+                <a:spcPts val="1000"/>
+              </a:spcBef>
+              <a:buFont typeface="Arial" pitchFamily="34" charset="0"/>
+              <a:buNone/>
+              <a:defRPr sz="2700" kern="1200">
+                <a:solidFill>
+                  <a:schemeClr val="bg1"/>
+                </a:solidFill>
+                <a:latin typeface="+mn-lt"/>
+                <a:ea typeface="+mn-ea"/>
+                <a:cs typeface="+mn-cs"/>
+              </a:defRPr>
+            </a:lvl2pPr>
+            <a:lvl3pPr marL="457200" indent="-228600" algn="l" defTabSz="914400" rtl="0" eaLnBrk="1" latinLnBrk="0" hangingPunct="1">
+              <a:lnSpc>
+                <a:spcPct val="100000"/>
+              </a:lnSpc>
+              <a:spcBef>
+                <a:spcPts val="500"/>
+              </a:spcBef>
+              <a:buFont typeface="Arial" pitchFamily="34" charset="0"/>
+              <a:buChar char="•"/>
+              <a:defRPr sz="2700" kern="1200">
+                <a:solidFill>
+                  <a:schemeClr val="tx2"/>
+                </a:solidFill>
+                <a:latin typeface="+mn-lt"/>
+                <a:ea typeface="+mn-ea"/>
+                <a:cs typeface="+mn-cs"/>
+              </a:defRPr>
+            </a:lvl3pPr>
+            <a:lvl4pPr marL="685800" indent="-228600" algn="l" defTabSz="914400" rtl="0" eaLnBrk="1" latinLnBrk="0" hangingPunct="1">
+              <a:lnSpc>
+                <a:spcPct val="100000"/>
+              </a:lnSpc>
+              <a:spcBef>
+                <a:spcPts val="500"/>
+              </a:spcBef>
+              <a:buFont typeface="Arial" pitchFamily="34" charset="0"/>
+              <a:buChar char="•"/>
+              <a:defRPr sz="2000" kern="1200">
+                <a:solidFill>
+                  <a:schemeClr val="tx2"/>
+                </a:solidFill>
+                <a:latin typeface="+mn-lt"/>
+                <a:ea typeface="+mn-ea"/>
+                <a:cs typeface="+mn-cs"/>
+              </a:defRPr>
+            </a:lvl4pPr>
+            <a:lvl5pPr marL="868680" indent="-182880" algn="l" defTabSz="914400" rtl="0" eaLnBrk="1" latinLnBrk="0" hangingPunct="1">
+              <a:lnSpc>
+                <a:spcPct val="105000"/>
+              </a:lnSpc>
+              <a:spcBef>
+                <a:spcPts val="800"/>
+              </a:spcBef>
+              <a:buFont typeface="Arial" pitchFamily="34" charset="0"/>
+              <a:buChar char="•"/>
+              <a:defRPr sz="1600" kern="1200">
+                <a:solidFill>
+                  <a:schemeClr val="tx2"/>
+                </a:solidFill>
+                <a:latin typeface="+mn-lt"/>
+                <a:ea typeface="+mn-ea"/>
+                <a:cs typeface="+mn-cs"/>
+              </a:defRPr>
+            </a:lvl5pPr>
+            <a:lvl6pPr marL="2514600" indent="-228600" algn="l" defTabSz="914400" rtl="0" eaLnBrk="1" latinLnBrk="0" hangingPunct="1">
+              <a:spcBef>
+                <a:spcPct val="20000"/>
+              </a:spcBef>
+              <a:buFont typeface="Arial" pitchFamily="34" charset="0"/>
+              <a:buChar char="•"/>
+              <a:defRPr sz="2000" kern="1200">
+                <a:solidFill>
+                  <a:schemeClr val="tx1"/>
+                </a:solidFill>
+                <a:latin typeface="+mn-lt"/>
+                <a:ea typeface="+mn-ea"/>
+                <a:cs typeface="+mn-cs"/>
+              </a:defRPr>
+            </a:lvl6pPr>
+            <a:lvl7pPr marL="2971800" indent="-228600" algn="l" defTabSz="914400" rtl="0" eaLnBrk="1" latinLnBrk="0" hangingPunct="1">
+              <a:spcBef>
+                <a:spcPct val="20000"/>
+              </a:spcBef>
+              <a:buFont typeface="Arial" pitchFamily="34" charset="0"/>
+              <a:buChar char="•"/>
+              <a:defRPr sz="2000" kern="1200">
+                <a:solidFill>
+                  <a:schemeClr val="tx1"/>
+                </a:solidFill>
+                <a:latin typeface="+mn-lt"/>
+                <a:ea typeface="+mn-ea"/>
+                <a:cs typeface="+mn-cs"/>
+              </a:defRPr>
+            </a:lvl7pPr>
+            <a:lvl8pPr marL="3429000" indent="-228600" algn="l" defTabSz="914400" rtl="0" eaLnBrk="1" latinLnBrk="0" hangingPunct="1">
+              <a:spcBef>
+                <a:spcPct val="20000"/>
+              </a:spcBef>
+              <a:buFont typeface="Arial" pitchFamily="34" charset="0"/>
+              <a:buChar char="•"/>
+              <a:defRPr sz="2000" kern="1200">
+                <a:solidFill>
+                  <a:schemeClr val="tx1"/>
+                </a:solidFill>
+                <a:latin typeface="+mn-lt"/>
+                <a:ea typeface="+mn-ea"/>
+                <a:cs typeface="+mn-cs"/>
+              </a:defRPr>
+            </a:lvl8pPr>
+            <a:lvl9pPr marL="3886200" indent="-228600" algn="l" defTabSz="914400" rtl="0" eaLnBrk="1" latinLnBrk="0" hangingPunct="1">
+              <a:spcBef>
+                <a:spcPct val="20000"/>
+              </a:spcBef>
+              <a:buFont typeface="Arial" pitchFamily="34" charset="0"/>
+              <a:buChar char="•"/>
+              <a:defRPr sz="2000" kern="1200">
+                <a:solidFill>
+                  <a:schemeClr val="tx1"/>
+                </a:solidFill>
+                <a:latin typeface="+mn-lt"/>
+                <a:ea typeface="+mn-ea"/>
+                <a:cs typeface="+mn-cs"/>
+              </a:defRPr>
+            </a:lvl9pPr>
+          </a:lstStyle>
+          <a:p>
+            <a:endParaRPr lang="en-US" sz="2700" dirty="0">
+              <a:solidFill>
+                <a:schemeClr val="bg2"/>
+              </a:solidFill>
+            </a:endParaRPr>
+          </a:p>
+        </p:txBody>
+      </p:sp>
+    </p:spTree>
+    <p:extLst>
+      <p:ext uri="{BB962C8B-B14F-4D97-AF65-F5344CB8AC3E}">
+        <p14:creationId xmlns:p14="http://schemas.microsoft.com/office/powerpoint/2010/main" val="1057206579"/>
+      </p:ext>
+    </p:extLst>
+  </p:cSld>
+  <p:clrMapOvr>
+    <a:masterClrMapping/>
+  </p:clrMapOvr>
+  <p:timing>
+    <p:tnLst>
+      <p:par>
+        <p:cTn id="1" dur="indefinite" restart="never" nodeType="tmRoot"/>
+      </p:par>
+    </p:tnLst>
+  </p:timing>
+</p:sld>
+</file>
+
+<file path=ppt/slides/slide18.xml><?xml version="1.0" encoding="utf-8"?>
 <p:sld xmlns:a="http://schemas.openxmlformats.org/drawingml/2006/main" xmlns:r="http://schemas.openxmlformats.org/officeDocument/2006/relationships" xmlns:p="http://schemas.openxmlformats.org/presentationml/2006/main">
   <p:cSld>
     <p:spTree>
@@ -35442,1553 +37566,7 @@
 </p:sld>
 </file>
 
-<file path=ppt/slides/slide16.xml><?xml version="1.0" encoding="utf-8"?>
-<p:sld xmlns:a="http://schemas.openxmlformats.org/drawingml/2006/main" xmlns:r="http://schemas.openxmlformats.org/officeDocument/2006/relationships" xmlns:p="http://schemas.openxmlformats.org/presentationml/2006/main">
-  <p:cSld>
-    <p:spTree>
-      <p:nvGrpSpPr>
-        <p:cNvPr id="1" name=""/>
-        <p:cNvGrpSpPr/>
-        <p:nvPr/>
-      </p:nvGrpSpPr>
-      <p:grpSpPr>
-        <a:xfrm>
-          <a:off x="0" y="0"/>
-          <a:ext cx="0" cy="0"/>
-          <a:chOff x="0" y="0"/>
-          <a:chExt cx="0" cy="0"/>
-        </a:xfrm>
-      </p:grpSpPr>
-      <p:sp>
-        <p:nvSpPr>
-          <p:cNvPr id="7" name="Slide Number Placeholder 6"/>
-          <p:cNvSpPr>
-            <a:spLocks noGrp="1"/>
-          </p:cNvSpPr>
-          <p:nvPr>
-            <p:ph type="sldNum" sz="quarter" idx="12"/>
-          </p:nvPr>
-        </p:nvSpPr>
-        <p:spPr/>
-        <p:txBody>
-          <a:bodyPr/>
-          <a:lstStyle/>
-          <a:p>
-            <a:fld id="{0D558541-60C9-42A2-8392-FF12533A6B7A}" type="slidenum">
-              <a:rPr lang="en-US" smtClean="0"/>
-              <a:pPr/>
-              <a:t>16</a:t>
-            </a:fld>
-            <a:endParaRPr lang="en-US" dirty="0"/>
-          </a:p>
-        </p:txBody>
-      </p:sp>
-      <p:sp>
-        <p:nvSpPr>
-          <p:cNvPr id="2" name="Title 1"/>
-          <p:cNvSpPr>
-            <a:spLocks noGrp="1"/>
-          </p:cNvSpPr>
-          <p:nvPr>
-            <p:ph type="title"/>
-          </p:nvPr>
-        </p:nvSpPr>
-        <p:spPr>
-          <a:xfrm>
-            <a:off x="1698090" y="457200"/>
-            <a:ext cx="10322727" cy="900113"/>
-          </a:xfrm>
-        </p:spPr>
-        <p:txBody>
-          <a:bodyPr/>
-          <a:lstStyle/>
-          <a:p>
-            <a:r>
-              <a:rPr lang="en-US" dirty="0"/>
-              <a:t>Slide Title 1-Line Arial 50 pt.</a:t>
-            </a:r>
-            <a:endParaRPr lang="en-US" dirty="0">
-              <a:solidFill>
-                <a:schemeClr val="bg1"/>
-              </a:solidFill>
-            </a:endParaRPr>
-          </a:p>
-        </p:txBody>
-      </p:sp>
-      <p:graphicFrame>
-        <p:nvGraphicFramePr>
-          <p:cNvPr id="11" name="Content Placeholder 4"/>
-          <p:cNvGraphicFramePr>
-            <a:graphicFrameLocks/>
-          </p:cNvGraphicFramePr>
-          <p:nvPr>
-            <p:extLst>
-              <p:ext uri="{D42A27DB-BD31-4B8C-83A1-F6EECF244321}">
-                <p14:modId xmlns:p14="http://schemas.microsoft.com/office/powerpoint/2010/main" val="776949387"/>
-              </p:ext>
-            </p:extLst>
-          </p:nvPr>
-        </p:nvGraphicFramePr>
-        <p:xfrm>
-          <a:off x="1698091" y="1844675"/>
-          <a:ext cx="8512709" cy="1097280"/>
-        </p:xfrm>
-        <a:graphic>
-          <a:graphicData uri="http://schemas.openxmlformats.org/drawingml/2006/table">
-            <a:tbl>
-              <a:tblPr>
-                <a:tableStyleId>{5940675A-B579-460E-94D1-54222C63F5DA}</a:tableStyleId>
-              </a:tblPr>
-              <a:tblGrid>
-                <a:gridCol w="8512709">
-                  <a:extLst>
-                    <a:ext uri="{9D8B030D-6E8A-4147-A177-3AD203B41FA5}">
-                      <a16:colId xmlns:a16="http://schemas.microsoft.com/office/drawing/2014/main" xmlns="" val="20000"/>
-                    </a:ext>
-                  </a:extLst>
-                </a:gridCol>
-              </a:tblGrid>
-              <a:tr h="531583">
-                <a:tc>
-                  <a:txBody>
-                    <a:bodyPr/>
-                    <a:lstStyle/>
-                    <a:p>
-                      <a:r>
-                        <a:rPr lang="en-US" sz="3600" dirty="0"/>
-                        <a:t>Question 1 Lorem Ipsum Sit Amet? </a:t>
-                      </a:r>
-                    </a:p>
-                  </a:txBody>
-                  <a:tcPr marL="0" marR="0" marT="0" marB="0">
-                    <a:lnL w="12700" cmpd="sng">
-                      <a:noFill/>
-                    </a:lnL>
-                    <a:lnR w="12700" cmpd="sng">
-                      <a:noFill/>
-                    </a:lnR>
-                    <a:lnT w="12700" cmpd="sng">
-                      <a:noFill/>
-                    </a:lnT>
-                    <a:lnB w="12700" cmpd="sng">
-                      <a:noFill/>
-                    </a:lnB>
-                    <a:lnTlToBr w="12700" cmpd="sng">
-                      <a:noFill/>
-                      <a:prstDash val="solid"/>
-                    </a:lnTlToBr>
-                    <a:lnBlToTr w="12700" cmpd="sng">
-                      <a:noFill/>
-                      <a:prstDash val="solid"/>
-                    </a:lnBlToTr>
-                  </a:tcPr>
-                </a:tc>
-                <a:extLst>
-                  <a:ext uri="{0D108BD9-81ED-4DB2-BD59-A6C34878D82A}">
-                    <a16:rowId xmlns:a16="http://schemas.microsoft.com/office/drawing/2014/main" xmlns="" val="10000"/>
-                  </a:ext>
-                </a:extLst>
-              </a:tr>
-              <a:tr h="370840">
-                <a:tc>
-                  <a:txBody>
-                    <a:bodyPr/>
-                    <a:lstStyle/>
-                    <a:p>
-                      <a:r>
-                        <a:rPr lang="en-US" dirty="0">
-                          <a:solidFill>
-                            <a:schemeClr val="bg1"/>
-                          </a:solidFill>
-                        </a:rPr>
-                        <a:t>Sed aliquam, nunc eget euismod</a:t>
-                      </a:r>
-                      <a:r>
-                        <a:rPr lang="en-US" baseline="0" dirty="0">
-                          <a:solidFill>
-                            <a:schemeClr val="bg1"/>
-                          </a:solidFill>
-                        </a:rPr>
-                        <a:t> ullamcor per, lectus nunc ullamcorper orci, Maecenas vitae nulla consequat libero cursus venenatis.</a:t>
-                      </a:r>
-                      <a:endParaRPr lang="en-US" dirty="0">
-                        <a:solidFill>
-                          <a:schemeClr val="bg1"/>
-                        </a:solidFill>
-                      </a:endParaRPr>
-                    </a:p>
-                  </a:txBody>
-                  <a:tcPr marL="0" marR="0" marT="0" marB="0">
-                    <a:lnL w="12700" cmpd="sng">
-                      <a:noFill/>
-                    </a:lnL>
-                    <a:lnR w="12700" cmpd="sng">
-                      <a:noFill/>
-                    </a:lnR>
-                    <a:lnT w="12700" cmpd="sng">
-                      <a:noFill/>
-                    </a:lnT>
-                    <a:lnB w="12700" cmpd="sng">
-                      <a:noFill/>
-                    </a:lnB>
-                    <a:lnTlToBr w="12700" cmpd="sng">
-                      <a:noFill/>
-                      <a:prstDash val="solid"/>
-                    </a:lnTlToBr>
-                    <a:lnBlToTr w="12700" cmpd="sng">
-                      <a:noFill/>
-                      <a:prstDash val="solid"/>
-                    </a:lnBlToTr>
-                  </a:tcPr>
-                </a:tc>
-                <a:extLst>
-                  <a:ext uri="{0D108BD9-81ED-4DB2-BD59-A6C34878D82A}">
-                    <a16:rowId xmlns:a16="http://schemas.microsoft.com/office/drawing/2014/main" xmlns="" val="10001"/>
-                  </a:ext>
-                </a:extLst>
-              </a:tr>
-            </a:tbl>
-          </a:graphicData>
-        </a:graphic>
-      </p:graphicFrame>
-      <p:graphicFrame>
-        <p:nvGraphicFramePr>
-          <p:cNvPr id="12" name="Content Placeholder 4"/>
-          <p:cNvGraphicFramePr>
-            <a:graphicFrameLocks/>
-          </p:cNvGraphicFramePr>
-          <p:nvPr>
-            <p:extLst>
-              <p:ext uri="{D42A27DB-BD31-4B8C-83A1-F6EECF244321}">
-                <p14:modId xmlns:p14="http://schemas.microsoft.com/office/powerpoint/2010/main" val="919381113"/>
-              </p:ext>
-            </p:extLst>
-          </p:nvPr>
-        </p:nvGraphicFramePr>
-        <p:xfrm>
-          <a:off x="1698091" y="3257777"/>
-          <a:ext cx="8512709" cy="1097280"/>
-        </p:xfrm>
-        <a:graphic>
-          <a:graphicData uri="http://schemas.openxmlformats.org/drawingml/2006/table">
-            <a:tbl>
-              <a:tblPr>
-                <a:tableStyleId>{5940675A-B579-460E-94D1-54222C63F5DA}</a:tableStyleId>
-              </a:tblPr>
-              <a:tblGrid>
-                <a:gridCol w="8512709">
-                  <a:extLst>
-                    <a:ext uri="{9D8B030D-6E8A-4147-A177-3AD203B41FA5}">
-                      <a16:colId xmlns:a16="http://schemas.microsoft.com/office/drawing/2014/main" xmlns="" val="20000"/>
-                    </a:ext>
-                  </a:extLst>
-                </a:gridCol>
-              </a:tblGrid>
-              <a:tr h="531583">
-                <a:tc>
-                  <a:txBody>
-                    <a:bodyPr/>
-                    <a:lstStyle/>
-                    <a:p>
-                      <a:r>
-                        <a:rPr lang="en-US" sz="3600" dirty="0"/>
-                        <a:t>Question 2 Lorem Ipsum Sit Amet?</a:t>
-                      </a:r>
-                    </a:p>
-                  </a:txBody>
-                  <a:tcPr marL="0" marR="0" marT="0" marB="0">
-                    <a:lnL w="12700" cmpd="sng">
-                      <a:noFill/>
-                    </a:lnL>
-                    <a:lnR w="12700" cmpd="sng">
-                      <a:noFill/>
-                    </a:lnR>
-                    <a:lnT w="12700" cmpd="sng">
-                      <a:noFill/>
-                    </a:lnT>
-                    <a:lnB w="12700" cmpd="sng">
-                      <a:noFill/>
-                    </a:lnB>
-                    <a:lnTlToBr w="12700" cmpd="sng">
-                      <a:noFill/>
-                      <a:prstDash val="solid"/>
-                    </a:lnTlToBr>
-                    <a:lnBlToTr w="12700" cmpd="sng">
-                      <a:noFill/>
-                      <a:prstDash val="solid"/>
-                    </a:lnBlToTr>
-                  </a:tcPr>
-                </a:tc>
-                <a:extLst>
-                  <a:ext uri="{0D108BD9-81ED-4DB2-BD59-A6C34878D82A}">
-                    <a16:rowId xmlns:a16="http://schemas.microsoft.com/office/drawing/2014/main" xmlns="" val="10000"/>
-                  </a:ext>
-                </a:extLst>
-              </a:tr>
-              <a:tr h="370840">
-                <a:tc>
-                  <a:txBody>
-                    <a:bodyPr/>
-                    <a:lstStyle/>
-                    <a:p>
-                      <a:r>
-                        <a:rPr lang="en-US" dirty="0">
-                          <a:solidFill>
-                            <a:schemeClr val="bg1"/>
-                          </a:solidFill>
-                        </a:rPr>
-                        <a:t>Sed aliquam, nunc eget euismod</a:t>
-                      </a:r>
-                      <a:r>
-                        <a:rPr lang="en-US" baseline="0" dirty="0">
-                          <a:solidFill>
-                            <a:schemeClr val="bg1"/>
-                          </a:solidFill>
-                        </a:rPr>
-                        <a:t> ullamcor per, lectus nunc ullamcorper orci, Maecenas vitae nulla consequat libero cursus venenatis.</a:t>
-                      </a:r>
-                      <a:endParaRPr lang="en-US" dirty="0">
-                        <a:solidFill>
-                          <a:schemeClr val="bg1"/>
-                        </a:solidFill>
-                      </a:endParaRPr>
-                    </a:p>
-                  </a:txBody>
-                  <a:tcPr marL="0" marR="0" marT="0" marB="0">
-                    <a:lnL w="12700" cmpd="sng">
-                      <a:noFill/>
-                    </a:lnL>
-                    <a:lnR w="12700" cmpd="sng">
-                      <a:noFill/>
-                    </a:lnR>
-                    <a:lnT w="12700" cmpd="sng">
-                      <a:noFill/>
-                    </a:lnT>
-                    <a:lnB w="12700" cmpd="sng">
-                      <a:noFill/>
-                    </a:lnB>
-                    <a:lnTlToBr w="12700" cmpd="sng">
-                      <a:noFill/>
-                      <a:prstDash val="solid"/>
-                    </a:lnTlToBr>
-                    <a:lnBlToTr w="12700" cmpd="sng">
-                      <a:noFill/>
-                      <a:prstDash val="solid"/>
-                    </a:lnBlToTr>
-                  </a:tcPr>
-                </a:tc>
-                <a:extLst>
-                  <a:ext uri="{0D108BD9-81ED-4DB2-BD59-A6C34878D82A}">
-                    <a16:rowId xmlns:a16="http://schemas.microsoft.com/office/drawing/2014/main" xmlns="" val="10001"/>
-                  </a:ext>
-                </a:extLst>
-              </a:tr>
-            </a:tbl>
-          </a:graphicData>
-        </a:graphic>
-      </p:graphicFrame>
-      <p:graphicFrame>
-        <p:nvGraphicFramePr>
-          <p:cNvPr id="13" name="Content Placeholder 4"/>
-          <p:cNvGraphicFramePr>
-            <a:graphicFrameLocks/>
-          </p:cNvGraphicFramePr>
-          <p:nvPr>
-            <p:extLst>
-              <p:ext uri="{D42A27DB-BD31-4B8C-83A1-F6EECF244321}">
-                <p14:modId xmlns:p14="http://schemas.microsoft.com/office/powerpoint/2010/main" val="893526026"/>
-              </p:ext>
-            </p:extLst>
-          </p:nvPr>
-        </p:nvGraphicFramePr>
-        <p:xfrm>
-          <a:off x="1698091" y="4670880"/>
-          <a:ext cx="8512709" cy="1097280"/>
-        </p:xfrm>
-        <a:graphic>
-          <a:graphicData uri="http://schemas.openxmlformats.org/drawingml/2006/table">
-            <a:tbl>
-              <a:tblPr>
-                <a:tableStyleId>{5940675A-B579-460E-94D1-54222C63F5DA}</a:tableStyleId>
-              </a:tblPr>
-              <a:tblGrid>
-                <a:gridCol w="8512709">
-                  <a:extLst>
-                    <a:ext uri="{9D8B030D-6E8A-4147-A177-3AD203B41FA5}">
-                      <a16:colId xmlns:a16="http://schemas.microsoft.com/office/drawing/2014/main" xmlns="" val="20000"/>
-                    </a:ext>
-                  </a:extLst>
-                </a:gridCol>
-              </a:tblGrid>
-              <a:tr h="531583">
-                <a:tc>
-                  <a:txBody>
-                    <a:bodyPr/>
-                    <a:lstStyle/>
-                    <a:p>
-                      <a:r>
-                        <a:rPr lang="en-US" sz="3600" dirty="0"/>
-                        <a:t>Question 3 Lorem Ipsum Sit Amet?</a:t>
-                      </a:r>
-                    </a:p>
-                  </a:txBody>
-                  <a:tcPr marL="0" marR="0" marT="0" marB="0">
-                    <a:lnL w="12700" cmpd="sng">
-                      <a:noFill/>
-                    </a:lnL>
-                    <a:lnR w="12700" cmpd="sng">
-                      <a:noFill/>
-                    </a:lnR>
-                    <a:lnT w="12700" cmpd="sng">
-                      <a:noFill/>
-                    </a:lnT>
-                    <a:lnB w="12700" cmpd="sng">
-                      <a:noFill/>
-                    </a:lnB>
-                    <a:lnTlToBr w="12700" cmpd="sng">
-                      <a:noFill/>
-                      <a:prstDash val="solid"/>
-                    </a:lnTlToBr>
-                    <a:lnBlToTr w="12700" cmpd="sng">
-                      <a:noFill/>
-                      <a:prstDash val="solid"/>
-                    </a:lnBlToTr>
-                  </a:tcPr>
-                </a:tc>
-                <a:extLst>
-                  <a:ext uri="{0D108BD9-81ED-4DB2-BD59-A6C34878D82A}">
-                    <a16:rowId xmlns:a16="http://schemas.microsoft.com/office/drawing/2014/main" xmlns="" val="10000"/>
-                  </a:ext>
-                </a:extLst>
-              </a:tr>
-              <a:tr h="370840">
-                <a:tc>
-                  <a:txBody>
-                    <a:bodyPr/>
-                    <a:lstStyle/>
-                    <a:p>
-                      <a:r>
-                        <a:rPr lang="en-US" dirty="0">
-                          <a:solidFill>
-                            <a:schemeClr val="bg1"/>
-                          </a:solidFill>
-                        </a:rPr>
-                        <a:t>Sed aliquam, nunc eget euismod</a:t>
-                      </a:r>
-                      <a:r>
-                        <a:rPr lang="en-US" baseline="0" dirty="0">
-                          <a:solidFill>
-                            <a:schemeClr val="bg1"/>
-                          </a:solidFill>
-                        </a:rPr>
-                        <a:t> ullamcor per, lectus nunc ullamcorper orci, Maecenas vitae nulla consequat libero cursus venenatis.</a:t>
-                      </a:r>
-                      <a:endParaRPr lang="en-US" dirty="0">
-                        <a:solidFill>
-                          <a:schemeClr val="bg1"/>
-                        </a:solidFill>
-                      </a:endParaRPr>
-                    </a:p>
-                  </a:txBody>
-                  <a:tcPr marL="0" marR="0" marT="0" marB="0">
-                    <a:lnL w="12700" cmpd="sng">
-                      <a:noFill/>
-                    </a:lnL>
-                    <a:lnR w="12700" cmpd="sng">
-                      <a:noFill/>
-                    </a:lnR>
-                    <a:lnT w="12700" cmpd="sng">
-                      <a:noFill/>
-                    </a:lnT>
-                    <a:lnB w="12700" cmpd="sng">
-                      <a:noFill/>
-                    </a:lnB>
-                    <a:lnTlToBr w="12700" cmpd="sng">
-                      <a:noFill/>
-                      <a:prstDash val="solid"/>
-                    </a:lnTlToBr>
-                    <a:lnBlToTr w="12700" cmpd="sng">
-                      <a:noFill/>
-                      <a:prstDash val="solid"/>
-                    </a:lnBlToTr>
-                  </a:tcPr>
-                </a:tc>
-                <a:extLst>
-                  <a:ext uri="{0D108BD9-81ED-4DB2-BD59-A6C34878D82A}">
-                    <a16:rowId xmlns:a16="http://schemas.microsoft.com/office/drawing/2014/main" xmlns="" val="10001"/>
-                  </a:ext>
-                </a:extLst>
-              </a:tr>
-            </a:tbl>
-          </a:graphicData>
-        </a:graphic>
-      </p:graphicFrame>
-    </p:spTree>
-  </p:cSld>
-  <p:clrMapOvr>
-    <a:masterClrMapping/>
-  </p:clrMapOvr>
-  <p:timing>
-    <p:tnLst>
-      <p:par>
-        <p:cTn id="1" dur="indefinite" restart="never" nodeType="tmRoot">
-          <p:childTnLst>
-            <p:seq concurrent="1" nextAc="seek">
-              <p:cTn id="2" dur="indefinite" nodeType="mainSeq">
-                <p:childTnLst>
-                  <p:par>
-                    <p:cTn id="3" fill="hold">
-                      <p:stCondLst>
-                        <p:cond delay="indefinite"/>
-                        <p:cond evt="onBegin" delay="0">
-                          <p:tn val="2"/>
-                        </p:cond>
-                      </p:stCondLst>
-                      <p:childTnLst>
-                        <p:par>
-                          <p:cTn id="4" fill="hold">
-                            <p:stCondLst>
-                              <p:cond delay="0"/>
-                            </p:stCondLst>
-                            <p:childTnLst>
-                              <p:par>
-                                <p:cTn id="5" presetID="10" presetClass="entr" presetSubtype="0" fill="hold" nodeType="afterEffect">
-                                  <p:stCondLst>
-                                    <p:cond delay="0"/>
-                                  </p:stCondLst>
-                                  <p:childTnLst>
-                                    <p:set>
-                                      <p:cBhvr>
-                                        <p:cTn id="6" dur="1" fill="hold">
-                                          <p:stCondLst>
-                                            <p:cond delay="0"/>
-                                          </p:stCondLst>
-                                        </p:cTn>
-                                        <p:tgtEl>
-                                          <p:spTgt spid="11"/>
-                                        </p:tgtEl>
-                                        <p:attrNameLst>
-                                          <p:attrName>style.visibility</p:attrName>
-                                        </p:attrNameLst>
-                                      </p:cBhvr>
-                                      <p:to>
-                                        <p:strVal val="visible"/>
-                                      </p:to>
-                                    </p:set>
-                                    <p:animEffect transition="in" filter="fade">
-                                      <p:cBhvr>
-                                        <p:cTn id="7" dur="500"/>
-                                        <p:tgtEl>
-                                          <p:spTgt spid="11"/>
-                                        </p:tgtEl>
-                                      </p:cBhvr>
-                                    </p:animEffect>
-                                  </p:childTnLst>
-                                </p:cTn>
-                              </p:par>
-                            </p:childTnLst>
-                          </p:cTn>
-                        </p:par>
-                      </p:childTnLst>
-                    </p:cTn>
-                  </p:par>
-                  <p:par>
-                    <p:cTn id="8" fill="hold">
-                      <p:stCondLst>
-                        <p:cond delay="indefinite"/>
-                      </p:stCondLst>
-                      <p:childTnLst>
-                        <p:par>
-                          <p:cTn id="9" fill="hold">
-                            <p:stCondLst>
-                              <p:cond delay="0"/>
-                            </p:stCondLst>
-                            <p:childTnLst>
-                              <p:par>
-                                <p:cTn id="10" presetID="10" presetClass="entr" presetSubtype="0" fill="hold" nodeType="clickEffect">
-                                  <p:stCondLst>
-                                    <p:cond delay="0"/>
-                                  </p:stCondLst>
-                                  <p:childTnLst>
-                                    <p:set>
-                                      <p:cBhvr>
-                                        <p:cTn id="11" dur="1" fill="hold">
-                                          <p:stCondLst>
-                                            <p:cond delay="0"/>
-                                          </p:stCondLst>
-                                        </p:cTn>
-                                        <p:tgtEl>
-                                          <p:spTgt spid="12"/>
-                                        </p:tgtEl>
-                                        <p:attrNameLst>
-                                          <p:attrName>style.visibility</p:attrName>
-                                        </p:attrNameLst>
-                                      </p:cBhvr>
-                                      <p:to>
-                                        <p:strVal val="visible"/>
-                                      </p:to>
-                                    </p:set>
-                                    <p:animEffect transition="in" filter="fade">
-                                      <p:cBhvr>
-                                        <p:cTn id="12" dur="500"/>
-                                        <p:tgtEl>
-                                          <p:spTgt spid="12"/>
-                                        </p:tgtEl>
-                                      </p:cBhvr>
-                                    </p:animEffect>
-                                  </p:childTnLst>
-                                </p:cTn>
-                              </p:par>
-                            </p:childTnLst>
-                          </p:cTn>
-                        </p:par>
-                      </p:childTnLst>
-                    </p:cTn>
-                  </p:par>
-                  <p:par>
-                    <p:cTn id="13" fill="hold">
-                      <p:stCondLst>
-                        <p:cond delay="indefinite"/>
-                      </p:stCondLst>
-                      <p:childTnLst>
-                        <p:par>
-                          <p:cTn id="14" fill="hold">
-                            <p:stCondLst>
-                              <p:cond delay="0"/>
-                            </p:stCondLst>
-                            <p:childTnLst>
-                              <p:par>
-                                <p:cTn id="15" presetID="10" presetClass="entr" presetSubtype="0" fill="hold" nodeType="clickEffect">
-                                  <p:stCondLst>
-                                    <p:cond delay="0"/>
-                                  </p:stCondLst>
-                                  <p:childTnLst>
-                                    <p:set>
-                                      <p:cBhvr>
-                                        <p:cTn id="16" dur="1" fill="hold">
-                                          <p:stCondLst>
-                                            <p:cond delay="0"/>
-                                          </p:stCondLst>
-                                        </p:cTn>
-                                        <p:tgtEl>
-                                          <p:spTgt spid="13"/>
-                                        </p:tgtEl>
-                                        <p:attrNameLst>
-                                          <p:attrName>style.visibility</p:attrName>
-                                        </p:attrNameLst>
-                                      </p:cBhvr>
-                                      <p:to>
-                                        <p:strVal val="visible"/>
-                                      </p:to>
-                                    </p:set>
-                                    <p:animEffect transition="in" filter="fade">
-                                      <p:cBhvr>
-                                        <p:cTn id="17" dur="500"/>
-                                        <p:tgtEl>
-                                          <p:spTgt spid="13"/>
-                                        </p:tgtEl>
-                                      </p:cBhvr>
-                                    </p:animEffect>
-                                  </p:childTnLst>
-                                </p:cTn>
-                              </p:par>
-                            </p:childTnLst>
-                          </p:cTn>
-                        </p:par>
-                      </p:childTnLst>
-                    </p:cTn>
-                  </p:par>
-                </p:childTnLst>
-              </p:cTn>
-              <p:prevCondLst>
-                <p:cond evt="onPrev" delay="0">
-                  <p:tgtEl>
-                    <p:sldTgt/>
-                  </p:tgtEl>
-                </p:cond>
-              </p:prevCondLst>
-              <p:nextCondLst>
-                <p:cond evt="onNext" delay="0">
-                  <p:tgtEl>
-                    <p:sldTgt/>
-                  </p:tgtEl>
-                </p:cond>
-              </p:nextCondLst>
-            </p:seq>
-          </p:childTnLst>
-        </p:cTn>
-      </p:par>
-    </p:tnLst>
-  </p:timing>
-</p:sld>
-</file>
-
-<file path=ppt/slides/slide17.xml><?xml version="1.0" encoding="utf-8"?>
-<p:sld xmlns:a="http://schemas.openxmlformats.org/drawingml/2006/main" xmlns:r="http://schemas.openxmlformats.org/officeDocument/2006/relationships" xmlns:p="http://schemas.openxmlformats.org/presentationml/2006/main">
-  <p:cSld>
-    <p:spTree>
-      <p:nvGrpSpPr>
-        <p:cNvPr id="1" name=""/>
-        <p:cNvGrpSpPr/>
-        <p:nvPr/>
-      </p:nvGrpSpPr>
-      <p:grpSpPr>
-        <a:xfrm>
-          <a:off x="0" y="0"/>
-          <a:ext cx="0" cy="0"/>
-          <a:chOff x="0" y="0"/>
-          <a:chExt cx="0" cy="0"/>
-        </a:xfrm>
-      </p:grpSpPr>
-      <p:sp>
-        <p:nvSpPr>
-          <p:cNvPr id="7" name="Slide Number Placeholder 6"/>
-          <p:cNvSpPr>
-            <a:spLocks noGrp="1"/>
-          </p:cNvSpPr>
-          <p:nvPr>
-            <p:ph type="sldNum" sz="quarter" idx="12"/>
-          </p:nvPr>
-        </p:nvSpPr>
-        <p:spPr/>
-        <p:txBody>
-          <a:bodyPr/>
-          <a:lstStyle/>
-          <a:p>
-            <a:fld id="{0D558541-60C9-42A2-8392-FF12533A6B7A}" type="slidenum">
-              <a:rPr lang="en-US" smtClean="0"/>
-              <a:pPr/>
-              <a:t>17</a:t>
-            </a:fld>
-            <a:endParaRPr lang="en-US" dirty="0"/>
-          </a:p>
-        </p:txBody>
-      </p:sp>
-      <p:sp>
-        <p:nvSpPr>
-          <p:cNvPr id="2" name="Title 1"/>
-          <p:cNvSpPr>
-            <a:spLocks noGrp="1"/>
-          </p:cNvSpPr>
-          <p:nvPr>
-            <p:ph type="title"/>
-          </p:nvPr>
-        </p:nvSpPr>
-        <p:spPr/>
-        <p:txBody>
-          <a:bodyPr/>
-          <a:lstStyle/>
-          <a:p>
-            <a:r>
-              <a:rPr lang="en-US" dirty="0"/>
-              <a:t>Slide Title 1-Line Maximum</a:t>
-            </a:r>
-            <a:endParaRPr lang="en-US" dirty="0">
-              <a:solidFill>
-                <a:schemeClr val="bg1"/>
-              </a:solidFill>
-            </a:endParaRPr>
-          </a:p>
-        </p:txBody>
-      </p:sp>
-      <p:graphicFrame>
-        <p:nvGraphicFramePr>
-          <p:cNvPr id="11" name="Content Placeholder 4"/>
-          <p:cNvGraphicFramePr>
-            <a:graphicFrameLocks/>
-          </p:cNvGraphicFramePr>
-          <p:nvPr>
-            <p:extLst>
-              <p:ext uri="{D42A27DB-BD31-4B8C-83A1-F6EECF244321}">
-                <p14:modId xmlns:p14="http://schemas.microsoft.com/office/powerpoint/2010/main" val="936422704"/>
-              </p:ext>
-            </p:extLst>
-          </p:nvPr>
-        </p:nvGraphicFramePr>
-        <p:xfrm>
-          <a:off x="1600200" y="1440436"/>
-          <a:ext cx="8279296" cy="975360"/>
-        </p:xfrm>
-        <a:graphic>
-          <a:graphicData uri="http://schemas.openxmlformats.org/drawingml/2006/table">
-            <a:tbl>
-              <a:tblPr>
-                <a:tableStyleId>{5940675A-B579-460E-94D1-54222C63F5DA}</a:tableStyleId>
-              </a:tblPr>
-              <a:tblGrid>
-                <a:gridCol w="8279296">
-                  <a:extLst>
-                    <a:ext uri="{9D8B030D-6E8A-4147-A177-3AD203B41FA5}">
-                      <a16:colId xmlns:a16="http://schemas.microsoft.com/office/drawing/2014/main" xmlns="" val="20000"/>
-                    </a:ext>
-                  </a:extLst>
-                </a:gridCol>
-              </a:tblGrid>
-              <a:tr h="457200">
-                <a:tc>
-                  <a:txBody>
-                    <a:bodyPr/>
-                    <a:lstStyle/>
-                    <a:p>
-                      <a:r>
-                        <a:rPr lang="en-US" sz="3200" dirty="0"/>
-                        <a:t>Question 1 Lorem Ipsum Sit Amet?</a:t>
-                      </a:r>
-                    </a:p>
-                  </a:txBody>
-                  <a:tcPr marL="0" marR="0" marT="0" marB="0">
-                    <a:lnL w="12700" cmpd="sng">
-                      <a:noFill/>
-                    </a:lnL>
-                    <a:lnR w="12700" cmpd="sng">
-                      <a:noFill/>
-                    </a:lnR>
-                    <a:lnT w="12700" cmpd="sng">
-                      <a:noFill/>
-                    </a:lnT>
-                    <a:lnB w="12700" cmpd="sng">
-                      <a:noFill/>
-                    </a:lnB>
-                    <a:lnTlToBr w="12700" cmpd="sng">
-                      <a:noFill/>
-                      <a:prstDash val="solid"/>
-                    </a:lnTlToBr>
-                    <a:lnBlToTr w="12700" cmpd="sng">
-                      <a:noFill/>
-                      <a:prstDash val="solid"/>
-                    </a:lnBlToTr>
-                  </a:tcPr>
-                </a:tc>
-                <a:extLst>
-                  <a:ext uri="{0D108BD9-81ED-4DB2-BD59-A6C34878D82A}">
-                    <a16:rowId xmlns:a16="http://schemas.microsoft.com/office/drawing/2014/main" xmlns="" val="10000"/>
-                  </a:ext>
-                </a:extLst>
-              </a:tr>
-              <a:tr h="370840">
-                <a:tc>
-                  <a:txBody>
-                    <a:bodyPr/>
-                    <a:lstStyle/>
-                    <a:p>
-                      <a:r>
-                        <a:rPr lang="en-US" sz="1600" dirty="0">
-                          <a:solidFill>
-                            <a:schemeClr val="bg1"/>
-                          </a:solidFill>
-                        </a:rPr>
-                        <a:t>Sed aliquam, nunc eget euismod</a:t>
-                      </a:r>
-                      <a:r>
-                        <a:rPr lang="en-US" sz="1600" baseline="0" dirty="0">
-                          <a:solidFill>
-                            <a:schemeClr val="bg1"/>
-                          </a:solidFill>
-                        </a:rPr>
-                        <a:t> ullamcor per, lectus nunc ullamcorper orci, Maecenas vitae nulla consequat libero cursus venenatis.</a:t>
-                      </a:r>
-                      <a:endParaRPr lang="en-US" sz="1600" dirty="0">
-                        <a:solidFill>
-                          <a:schemeClr val="bg1"/>
-                        </a:solidFill>
-                      </a:endParaRPr>
-                    </a:p>
-                  </a:txBody>
-                  <a:tcPr marL="0" marR="0" marT="0" marB="0">
-                    <a:lnL w="12700" cmpd="sng">
-                      <a:noFill/>
-                    </a:lnL>
-                    <a:lnR w="12700" cmpd="sng">
-                      <a:noFill/>
-                    </a:lnR>
-                    <a:lnT w="12700" cmpd="sng">
-                      <a:noFill/>
-                    </a:lnT>
-                    <a:lnB w="12700" cmpd="sng">
-                      <a:noFill/>
-                    </a:lnB>
-                    <a:lnTlToBr w="12700" cmpd="sng">
-                      <a:noFill/>
-                      <a:prstDash val="solid"/>
-                    </a:lnTlToBr>
-                    <a:lnBlToTr w="12700" cmpd="sng">
-                      <a:noFill/>
-                      <a:prstDash val="solid"/>
-                    </a:lnBlToTr>
-                  </a:tcPr>
-                </a:tc>
-                <a:extLst>
-                  <a:ext uri="{0D108BD9-81ED-4DB2-BD59-A6C34878D82A}">
-                    <a16:rowId xmlns:a16="http://schemas.microsoft.com/office/drawing/2014/main" xmlns="" val="10001"/>
-                  </a:ext>
-                </a:extLst>
-              </a:tr>
-            </a:tbl>
-          </a:graphicData>
-        </a:graphic>
-      </p:graphicFrame>
-      <p:graphicFrame>
-        <p:nvGraphicFramePr>
-          <p:cNvPr id="12" name="Content Placeholder 4"/>
-          <p:cNvGraphicFramePr>
-            <a:graphicFrameLocks/>
-          </p:cNvGraphicFramePr>
-          <p:nvPr>
-            <p:extLst>
-              <p:ext uri="{D42A27DB-BD31-4B8C-83A1-F6EECF244321}">
-                <p14:modId xmlns:p14="http://schemas.microsoft.com/office/powerpoint/2010/main" val="1696220912"/>
-              </p:ext>
-            </p:extLst>
-          </p:nvPr>
-        </p:nvGraphicFramePr>
-        <p:xfrm>
-          <a:off x="1600200" y="2602795"/>
-          <a:ext cx="8279296" cy="975360"/>
-        </p:xfrm>
-        <a:graphic>
-          <a:graphicData uri="http://schemas.openxmlformats.org/drawingml/2006/table">
-            <a:tbl>
-              <a:tblPr>
-                <a:tableStyleId>{5940675A-B579-460E-94D1-54222C63F5DA}</a:tableStyleId>
-              </a:tblPr>
-              <a:tblGrid>
-                <a:gridCol w="8279296">
-                  <a:extLst>
-                    <a:ext uri="{9D8B030D-6E8A-4147-A177-3AD203B41FA5}">
-                      <a16:colId xmlns:a16="http://schemas.microsoft.com/office/drawing/2014/main" xmlns="" val="20000"/>
-                    </a:ext>
-                  </a:extLst>
-                </a:gridCol>
-              </a:tblGrid>
-              <a:tr h="457200">
-                <a:tc>
-                  <a:txBody>
-                    <a:bodyPr/>
-                    <a:lstStyle/>
-                    <a:p>
-                      <a:r>
-                        <a:rPr lang="en-US" sz="3200" dirty="0"/>
-                        <a:t>Question 1 Lorem Ipsum Sit Amet?</a:t>
-                      </a:r>
-                    </a:p>
-                  </a:txBody>
-                  <a:tcPr marL="0" marR="0" marT="0" marB="0">
-                    <a:lnL w="12700" cmpd="sng">
-                      <a:noFill/>
-                    </a:lnL>
-                    <a:lnR w="12700" cmpd="sng">
-                      <a:noFill/>
-                    </a:lnR>
-                    <a:lnT w="12700" cmpd="sng">
-                      <a:noFill/>
-                    </a:lnT>
-                    <a:lnB w="12700" cmpd="sng">
-                      <a:noFill/>
-                    </a:lnB>
-                    <a:lnTlToBr w="12700" cmpd="sng">
-                      <a:noFill/>
-                      <a:prstDash val="solid"/>
-                    </a:lnTlToBr>
-                    <a:lnBlToTr w="12700" cmpd="sng">
-                      <a:noFill/>
-                      <a:prstDash val="solid"/>
-                    </a:lnBlToTr>
-                  </a:tcPr>
-                </a:tc>
-                <a:extLst>
-                  <a:ext uri="{0D108BD9-81ED-4DB2-BD59-A6C34878D82A}">
-                    <a16:rowId xmlns:a16="http://schemas.microsoft.com/office/drawing/2014/main" xmlns="" val="10000"/>
-                  </a:ext>
-                </a:extLst>
-              </a:tr>
-              <a:tr h="370840">
-                <a:tc>
-                  <a:txBody>
-                    <a:bodyPr/>
-                    <a:lstStyle/>
-                    <a:p>
-                      <a:r>
-                        <a:rPr lang="en-US" sz="1600" dirty="0">
-                          <a:solidFill>
-                            <a:schemeClr val="bg1"/>
-                          </a:solidFill>
-                        </a:rPr>
-                        <a:t>Sed aliquam, nunc eget euismod</a:t>
-                      </a:r>
-                      <a:r>
-                        <a:rPr lang="en-US" sz="1600" baseline="0" dirty="0">
-                          <a:solidFill>
-                            <a:schemeClr val="bg1"/>
-                          </a:solidFill>
-                        </a:rPr>
-                        <a:t> ullamcor per, lectus nunc ullamcorper orci, Maecenas vitae nulla consequat libero cursus venenatis.</a:t>
-                      </a:r>
-                      <a:endParaRPr lang="en-US" sz="1600" dirty="0">
-                        <a:solidFill>
-                          <a:schemeClr val="bg1"/>
-                        </a:solidFill>
-                      </a:endParaRPr>
-                    </a:p>
-                  </a:txBody>
-                  <a:tcPr marL="0" marR="0" marT="0" marB="0">
-                    <a:lnL w="12700" cmpd="sng">
-                      <a:noFill/>
-                    </a:lnL>
-                    <a:lnR w="12700" cmpd="sng">
-                      <a:noFill/>
-                    </a:lnR>
-                    <a:lnT w="12700" cmpd="sng">
-                      <a:noFill/>
-                    </a:lnT>
-                    <a:lnB w="12700" cmpd="sng">
-                      <a:noFill/>
-                    </a:lnB>
-                    <a:lnTlToBr w="12700" cmpd="sng">
-                      <a:noFill/>
-                      <a:prstDash val="solid"/>
-                    </a:lnTlToBr>
-                    <a:lnBlToTr w="12700" cmpd="sng">
-                      <a:noFill/>
-                      <a:prstDash val="solid"/>
-                    </a:lnBlToTr>
-                  </a:tcPr>
-                </a:tc>
-                <a:extLst>
-                  <a:ext uri="{0D108BD9-81ED-4DB2-BD59-A6C34878D82A}">
-                    <a16:rowId xmlns:a16="http://schemas.microsoft.com/office/drawing/2014/main" xmlns="" val="10001"/>
-                  </a:ext>
-                </a:extLst>
-              </a:tr>
-            </a:tbl>
-          </a:graphicData>
-        </a:graphic>
-      </p:graphicFrame>
-      <p:graphicFrame>
-        <p:nvGraphicFramePr>
-          <p:cNvPr id="13" name="Content Placeholder 4"/>
-          <p:cNvGraphicFramePr>
-            <a:graphicFrameLocks/>
-          </p:cNvGraphicFramePr>
-          <p:nvPr>
-            <p:extLst>
-              <p:ext uri="{D42A27DB-BD31-4B8C-83A1-F6EECF244321}">
-                <p14:modId xmlns:p14="http://schemas.microsoft.com/office/powerpoint/2010/main" val="539454059"/>
-              </p:ext>
-            </p:extLst>
-          </p:nvPr>
-        </p:nvGraphicFramePr>
-        <p:xfrm>
-          <a:off x="1600200" y="3765154"/>
-          <a:ext cx="8279296" cy="975360"/>
-        </p:xfrm>
-        <a:graphic>
-          <a:graphicData uri="http://schemas.openxmlformats.org/drawingml/2006/table">
-            <a:tbl>
-              <a:tblPr>
-                <a:tableStyleId>{5940675A-B579-460E-94D1-54222C63F5DA}</a:tableStyleId>
-              </a:tblPr>
-              <a:tblGrid>
-                <a:gridCol w="8279296">
-                  <a:extLst>
-                    <a:ext uri="{9D8B030D-6E8A-4147-A177-3AD203B41FA5}">
-                      <a16:colId xmlns:a16="http://schemas.microsoft.com/office/drawing/2014/main" xmlns="" val="20000"/>
-                    </a:ext>
-                  </a:extLst>
-                </a:gridCol>
-              </a:tblGrid>
-              <a:tr h="457200">
-                <a:tc>
-                  <a:txBody>
-                    <a:bodyPr/>
-                    <a:lstStyle/>
-                    <a:p>
-                      <a:r>
-                        <a:rPr lang="en-US" sz="3200" dirty="0"/>
-                        <a:t>Question 1 Lorem Ipsum Sit Amet?</a:t>
-                      </a:r>
-                    </a:p>
-                  </a:txBody>
-                  <a:tcPr marL="0" marR="0" marT="0" marB="0">
-                    <a:lnL w="12700" cmpd="sng">
-                      <a:noFill/>
-                    </a:lnL>
-                    <a:lnR w="12700" cmpd="sng">
-                      <a:noFill/>
-                    </a:lnR>
-                    <a:lnT w="12700" cmpd="sng">
-                      <a:noFill/>
-                    </a:lnT>
-                    <a:lnB w="12700" cmpd="sng">
-                      <a:noFill/>
-                    </a:lnB>
-                    <a:lnTlToBr w="12700" cmpd="sng">
-                      <a:noFill/>
-                      <a:prstDash val="solid"/>
-                    </a:lnTlToBr>
-                    <a:lnBlToTr w="12700" cmpd="sng">
-                      <a:noFill/>
-                      <a:prstDash val="solid"/>
-                    </a:lnBlToTr>
-                  </a:tcPr>
-                </a:tc>
-                <a:extLst>
-                  <a:ext uri="{0D108BD9-81ED-4DB2-BD59-A6C34878D82A}">
-                    <a16:rowId xmlns:a16="http://schemas.microsoft.com/office/drawing/2014/main" xmlns="" val="10000"/>
-                  </a:ext>
-                </a:extLst>
-              </a:tr>
-              <a:tr h="370840">
-                <a:tc>
-                  <a:txBody>
-                    <a:bodyPr/>
-                    <a:lstStyle/>
-                    <a:p>
-                      <a:r>
-                        <a:rPr lang="en-US" sz="1600" dirty="0">
-                          <a:solidFill>
-                            <a:schemeClr val="bg1"/>
-                          </a:solidFill>
-                        </a:rPr>
-                        <a:t>Sed aliquam, nunc eget euismod</a:t>
-                      </a:r>
-                      <a:r>
-                        <a:rPr lang="en-US" sz="1600" baseline="0" dirty="0">
-                          <a:solidFill>
-                            <a:schemeClr val="bg1"/>
-                          </a:solidFill>
-                        </a:rPr>
-                        <a:t> ullamcor per, lectus nunc ullamcorper orci, Maecenas vitae nulla consequat libero cursus venenatis.</a:t>
-                      </a:r>
-                      <a:endParaRPr lang="en-US" sz="1600" dirty="0">
-                        <a:solidFill>
-                          <a:schemeClr val="bg1"/>
-                        </a:solidFill>
-                      </a:endParaRPr>
-                    </a:p>
-                  </a:txBody>
-                  <a:tcPr marL="0" marR="0" marT="0" marB="0">
-                    <a:lnL w="12700" cmpd="sng">
-                      <a:noFill/>
-                    </a:lnL>
-                    <a:lnR w="12700" cmpd="sng">
-                      <a:noFill/>
-                    </a:lnR>
-                    <a:lnT w="12700" cmpd="sng">
-                      <a:noFill/>
-                    </a:lnT>
-                    <a:lnB w="12700" cmpd="sng">
-                      <a:noFill/>
-                    </a:lnB>
-                    <a:lnTlToBr w="12700" cmpd="sng">
-                      <a:noFill/>
-                      <a:prstDash val="solid"/>
-                    </a:lnTlToBr>
-                    <a:lnBlToTr w="12700" cmpd="sng">
-                      <a:noFill/>
-                      <a:prstDash val="solid"/>
-                    </a:lnBlToTr>
-                  </a:tcPr>
-                </a:tc>
-                <a:extLst>
-                  <a:ext uri="{0D108BD9-81ED-4DB2-BD59-A6C34878D82A}">
-                    <a16:rowId xmlns:a16="http://schemas.microsoft.com/office/drawing/2014/main" xmlns="" val="10001"/>
-                  </a:ext>
-                </a:extLst>
-              </a:tr>
-            </a:tbl>
-          </a:graphicData>
-        </a:graphic>
-      </p:graphicFrame>
-      <p:graphicFrame>
-        <p:nvGraphicFramePr>
-          <p:cNvPr id="9" name="Content Placeholder 4"/>
-          <p:cNvGraphicFramePr>
-            <a:graphicFrameLocks/>
-          </p:cNvGraphicFramePr>
-          <p:nvPr>
-            <p:extLst>
-              <p:ext uri="{D42A27DB-BD31-4B8C-83A1-F6EECF244321}">
-                <p14:modId xmlns:p14="http://schemas.microsoft.com/office/powerpoint/2010/main" val="2075895626"/>
-              </p:ext>
-            </p:extLst>
-          </p:nvPr>
-        </p:nvGraphicFramePr>
-        <p:xfrm>
-          <a:off x="1600200" y="4927512"/>
-          <a:ext cx="8279296" cy="975360"/>
-        </p:xfrm>
-        <a:graphic>
-          <a:graphicData uri="http://schemas.openxmlformats.org/drawingml/2006/table">
-            <a:tbl>
-              <a:tblPr>
-                <a:tableStyleId>{5940675A-B579-460E-94D1-54222C63F5DA}</a:tableStyleId>
-              </a:tblPr>
-              <a:tblGrid>
-                <a:gridCol w="8279296">
-                  <a:extLst>
-                    <a:ext uri="{9D8B030D-6E8A-4147-A177-3AD203B41FA5}">
-                      <a16:colId xmlns:a16="http://schemas.microsoft.com/office/drawing/2014/main" xmlns="" val="20000"/>
-                    </a:ext>
-                  </a:extLst>
-                </a:gridCol>
-              </a:tblGrid>
-              <a:tr h="457200">
-                <a:tc>
-                  <a:txBody>
-                    <a:bodyPr/>
-                    <a:lstStyle/>
-                    <a:p>
-                      <a:r>
-                        <a:rPr lang="en-US" sz="3200" dirty="0"/>
-                        <a:t>Question 1 Lorem Ipsum Sit Amet?</a:t>
-                      </a:r>
-                    </a:p>
-                  </a:txBody>
-                  <a:tcPr marL="0" marR="0" marT="0" marB="0">
-                    <a:lnL w="12700" cmpd="sng">
-                      <a:noFill/>
-                    </a:lnL>
-                    <a:lnR w="12700" cmpd="sng">
-                      <a:noFill/>
-                    </a:lnR>
-                    <a:lnT w="12700" cmpd="sng">
-                      <a:noFill/>
-                    </a:lnT>
-                    <a:lnB w="12700" cmpd="sng">
-                      <a:noFill/>
-                    </a:lnB>
-                    <a:lnTlToBr w="12700" cmpd="sng">
-                      <a:noFill/>
-                      <a:prstDash val="solid"/>
-                    </a:lnTlToBr>
-                    <a:lnBlToTr w="12700" cmpd="sng">
-                      <a:noFill/>
-                      <a:prstDash val="solid"/>
-                    </a:lnBlToTr>
-                  </a:tcPr>
-                </a:tc>
-                <a:extLst>
-                  <a:ext uri="{0D108BD9-81ED-4DB2-BD59-A6C34878D82A}">
-                    <a16:rowId xmlns:a16="http://schemas.microsoft.com/office/drawing/2014/main" xmlns="" val="10000"/>
-                  </a:ext>
-                </a:extLst>
-              </a:tr>
-              <a:tr h="370840">
-                <a:tc>
-                  <a:txBody>
-                    <a:bodyPr/>
-                    <a:lstStyle/>
-                    <a:p>
-                      <a:r>
-                        <a:rPr lang="en-US" sz="1600" dirty="0">
-                          <a:solidFill>
-                            <a:schemeClr val="bg1"/>
-                          </a:solidFill>
-                        </a:rPr>
-                        <a:t>Sed aliquam, nunc eget euismod</a:t>
-                      </a:r>
-                      <a:r>
-                        <a:rPr lang="en-US" sz="1600" baseline="0" dirty="0">
-                          <a:solidFill>
-                            <a:schemeClr val="bg1"/>
-                          </a:solidFill>
-                        </a:rPr>
-                        <a:t> ullamcor per, lectus nunc ullamcorper orci, Maecenas vitae nulla consequat libero cursus venenatis.</a:t>
-                      </a:r>
-                      <a:endParaRPr lang="en-US" sz="1600" dirty="0">
-                        <a:solidFill>
-                          <a:schemeClr val="bg1"/>
-                        </a:solidFill>
-                      </a:endParaRPr>
-                    </a:p>
-                  </a:txBody>
-                  <a:tcPr marL="0" marR="0" marT="0" marB="0">
-                    <a:lnL w="12700" cmpd="sng">
-                      <a:noFill/>
-                    </a:lnL>
-                    <a:lnR w="12700" cmpd="sng">
-                      <a:noFill/>
-                    </a:lnR>
-                    <a:lnT w="12700" cmpd="sng">
-                      <a:noFill/>
-                    </a:lnT>
-                    <a:lnB w="12700" cmpd="sng">
-                      <a:noFill/>
-                    </a:lnB>
-                    <a:lnTlToBr w="12700" cmpd="sng">
-                      <a:noFill/>
-                      <a:prstDash val="solid"/>
-                    </a:lnTlToBr>
-                    <a:lnBlToTr w="12700" cmpd="sng">
-                      <a:noFill/>
-                      <a:prstDash val="solid"/>
-                    </a:lnBlToTr>
-                  </a:tcPr>
-                </a:tc>
-                <a:extLst>
-                  <a:ext uri="{0D108BD9-81ED-4DB2-BD59-A6C34878D82A}">
-                    <a16:rowId xmlns:a16="http://schemas.microsoft.com/office/drawing/2014/main" xmlns="" val="10001"/>
-                  </a:ext>
-                </a:extLst>
-              </a:tr>
-            </a:tbl>
-          </a:graphicData>
-        </a:graphic>
-      </p:graphicFrame>
-    </p:spTree>
-  </p:cSld>
-  <p:clrMapOvr>
-    <a:masterClrMapping/>
-  </p:clrMapOvr>
-  <p:timing>
-    <p:tnLst>
-      <p:par>
-        <p:cTn id="1" dur="indefinite" restart="never" nodeType="tmRoot">
-          <p:childTnLst>
-            <p:seq concurrent="1" nextAc="seek">
-              <p:cTn id="2" dur="indefinite" nodeType="mainSeq">
-                <p:childTnLst>
-                  <p:par>
-                    <p:cTn id="3" fill="hold">
-                      <p:stCondLst>
-                        <p:cond delay="indefinite"/>
-                        <p:cond evt="onBegin" delay="0">
-                          <p:tn val="2"/>
-                        </p:cond>
-                      </p:stCondLst>
-                      <p:childTnLst>
-                        <p:par>
-                          <p:cTn id="4" fill="hold">
-                            <p:stCondLst>
-                              <p:cond delay="0"/>
-                            </p:stCondLst>
-                            <p:childTnLst>
-                              <p:par>
-                                <p:cTn id="5" presetID="10" presetClass="entr" presetSubtype="0" fill="hold" nodeType="afterEffect">
-                                  <p:stCondLst>
-                                    <p:cond delay="0"/>
-                                  </p:stCondLst>
-                                  <p:childTnLst>
-                                    <p:set>
-                                      <p:cBhvr>
-                                        <p:cTn id="6" dur="1" fill="hold">
-                                          <p:stCondLst>
-                                            <p:cond delay="0"/>
-                                          </p:stCondLst>
-                                        </p:cTn>
-                                        <p:tgtEl>
-                                          <p:spTgt spid="11"/>
-                                        </p:tgtEl>
-                                        <p:attrNameLst>
-                                          <p:attrName>style.visibility</p:attrName>
-                                        </p:attrNameLst>
-                                      </p:cBhvr>
-                                      <p:to>
-                                        <p:strVal val="visible"/>
-                                      </p:to>
-                                    </p:set>
-                                    <p:animEffect transition="in" filter="fade">
-                                      <p:cBhvr>
-                                        <p:cTn id="7" dur="500"/>
-                                        <p:tgtEl>
-                                          <p:spTgt spid="11"/>
-                                        </p:tgtEl>
-                                      </p:cBhvr>
-                                    </p:animEffect>
-                                  </p:childTnLst>
-                                </p:cTn>
-                              </p:par>
-                            </p:childTnLst>
-                          </p:cTn>
-                        </p:par>
-                      </p:childTnLst>
-                    </p:cTn>
-                  </p:par>
-                  <p:par>
-                    <p:cTn id="8" fill="hold">
-                      <p:stCondLst>
-                        <p:cond delay="indefinite"/>
-                      </p:stCondLst>
-                      <p:childTnLst>
-                        <p:par>
-                          <p:cTn id="9" fill="hold">
-                            <p:stCondLst>
-                              <p:cond delay="0"/>
-                            </p:stCondLst>
-                            <p:childTnLst>
-                              <p:par>
-                                <p:cTn id="10" presetID="10" presetClass="entr" presetSubtype="0" fill="hold" nodeType="clickEffect">
-                                  <p:stCondLst>
-                                    <p:cond delay="0"/>
-                                  </p:stCondLst>
-                                  <p:childTnLst>
-                                    <p:set>
-                                      <p:cBhvr>
-                                        <p:cTn id="11" dur="1" fill="hold">
-                                          <p:stCondLst>
-                                            <p:cond delay="0"/>
-                                          </p:stCondLst>
-                                        </p:cTn>
-                                        <p:tgtEl>
-                                          <p:spTgt spid="12"/>
-                                        </p:tgtEl>
-                                        <p:attrNameLst>
-                                          <p:attrName>style.visibility</p:attrName>
-                                        </p:attrNameLst>
-                                      </p:cBhvr>
-                                      <p:to>
-                                        <p:strVal val="visible"/>
-                                      </p:to>
-                                    </p:set>
-                                    <p:animEffect transition="in" filter="fade">
-                                      <p:cBhvr>
-                                        <p:cTn id="12" dur="500"/>
-                                        <p:tgtEl>
-                                          <p:spTgt spid="12"/>
-                                        </p:tgtEl>
-                                      </p:cBhvr>
-                                    </p:animEffect>
-                                  </p:childTnLst>
-                                </p:cTn>
-                              </p:par>
-                            </p:childTnLst>
-                          </p:cTn>
-                        </p:par>
-                      </p:childTnLst>
-                    </p:cTn>
-                  </p:par>
-                  <p:par>
-                    <p:cTn id="13" fill="hold">
-                      <p:stCondLst>
-                        <p:cond delay="indefinite"/>
-                      </p:stCondLst>
-                      <p:childTnLst>
-                        <p:par>
-                          <p:cTn id="14" fill="hold">
-                            <p:stCondLst>
-                              <p:cond delay="0"/>
-                            </p:stCondLst>
-                            <p:childTnLst>
-                              <p:par>
-                                <p:cTn id="15" presetID="10" presetClass="entr" presetSubtype="0" fill="hold" nodeType="clickEffect">
-                                  <p:stCondLst>
-                                    <p:cond delay="0"/>
-                                  </p:stCondLst>
-                                  <p:childTnLst>
-                                    <p:set>
-                                      <p:cBhvr>
-                                        <p:cTn id="16" dur="1" fill="hold">
-                                          <p:stCondLst>
-                                            <p:cond delay="0"/>
-                                          </p:stCondLst>
-                                        </p:cTn>
-                                        <p:tgtEl>
-                                          <p:spTgt spid="13"/>
-                                        </p:tgtEl>
-                                        <p:attrNameLst>
-                                          <p:attrName>style.visibility</p:attrName>
-                                        </p:attrNameLst>
-                                      </p:cBhvr>
-                                      <p:to>
-                                        <p:strVal val="visible"/>
-                                      </p:to>
-                                    </p:set>
-                                    <p:animEffect transition="in" filter="fade">
-                                      <p:cBhvr>
-                                        <p:cTn id="17" dur="500"/>
-                                        <p:tgtEl>
-                                          <p:spTgt spid="13"/>
-                                        </p:tgtEl>
-                                      </p:cBhvr>
-                                    </p:animEffect>
-                                  </p:childTnLst>
-                                </p:cTn>
-                              </p:par>
-                            </p:childTnLst>
-                          </p:cTn>
-                        </p:par>
-                      </p:childTnLst>
-                    </p:cTn>
-                  </p:par>
-                  <p:par>
-                    <p:cTn id="18" fill="hold">
-                      <p:stCondLst>
-                        <p:cond delay="indefinite"/>
-                      </p:stCondLst>
-                      <p:childTnLst>
-                        <p:par>
-                          <p:cTn id="19" fill="hold">
-                            <p:stCondLst>
-                              <p:cond delay="0"/>
-                            </p:stCondLst>
-                            <p:childTnLst>
-                              <p:par>
-                                <p:cTn id="20" presetID="10" presetClass="entr" presetSubtype="0" fill="hold" nodeType="clickEffect">
-                                  <p:stCondLst>
-                                    <p:cond delay="0"/>
-                                  </p:stCondLst>
-                                  <p:childTnLst>
-                                    <p:set>
-                                      <p:cBhvr>
-                                        <p:cTn id="21" dur="1" fill="hold">
-                                          <p:stCondLst>
-                                            <p:cond delay="0"/>
-                                          </p:stCondLst>
-                                        </p:cTn>
-                                        <p:tgtEl>
-                                          <p:spTgt spid="9"/>
-                                        </p:tgtEl>
-                                        <p:attrNameLst>
-                                          <p:attrName>style.visibility</p:attrName>
-                                        </p:attrNameLst>
-                                      </p:cBhvr>
-                                      <p:to>
-                                        <p:strVal val="visible"/>
-                                      </p:to>
-                                    </p:set>
-                                    <p:animEffect transition="in" filter="fade">
-                                      <p:cBhvr>
-                                        <p:cTn id="22" dur="500"/>
-                                        <p:tgtEl>
-                                          <p:spTgt spid="9"/>
-                                        </p:tgtEl>
-                                      </p:cBhvr>
-                                    </p:animEffect>
-                                  </p:childTnLst>
-                                </p:cTn>
-                              </p:par>
-                            </p:childTnLst>
-                          </p:cTn>
-                        </p:par>
-                      </p:childTnLst>
-                    </p:cTn>
-                  </p:par>
-                </p:childTnLst>
-              </p:cTn>
-              <p:prevCondLst>
-                <p:cond evt="onPrev" delay="0">
-                  <p:tgtEl>
-                    <p:sldTgt/>
-                  </p:tgtEl>
-                </p:cond>
-              </p:prevCondLst>
-              <p:nextCondLst>
-                <p:cond evt="onNext" delay="0">
-                  <p:tgtEl>
-                    <p:sldTgt/>
-                  </p:tgtEl>
-                </p:cond>
-              </p:nextCondLst>
-            </p:seq>
-          </p:childTnLst>
-        </p:cTn>
-      </p:par>
-    </p:tnLst>
-  </p:timing>
-</p:sld>
-</file>
-
-<file path=ppt/slides/slide18.xml><?xml version="1.0" encoding="utf-8"?>
+<file path=ppt/slides/slide19.xml><?xml version="1.0" encoding="utf-8"?>
 <p:sld xmlns:a="http://schemas.openxmlformats.org/drawingml/2006/main" xmlns:r="http://schemas.openxmlformats.org/officeDocument/2006/relationships" xmlns:p="http://schemas.openxmlformats.org/presentationml/2006/main">
   <p:cSld>
     <p:spTree>
@@ -37012,7 +37590,7 @@
             <a:spLocks noGrp="1"/>
           </p:cNvSpPr>
           <p:nvPr>
-            <p:ph type="sldNum" sz="quarter" idx="12"/>
+            <p:ph type="sldNum" sz="quarter" idx="10"/>
           </p:nvPr>
         </p:nvSpPr>
         <p:spPr/>
@@ -37023,7 +37601,7 @@
             <a:fld id="{0D558541-60C9-42A2-8392-FF12533A6B7A}" type="slidenum">
               <a:rPr lang="en-US" smtClean="0"/>
               <a:pPr/>
-              <a:t>18</a:t>
+              <a:t>19</a:t>
             </a:fld>
             <a:endParaRPr lang="en-US" dirty="0"/>
           </a:p>
@@ -37031,133 +37609,7 @@
       </p:sp>
       <p:sp>
         <p:nvSpPr>
-          <p:cNvPr id="3" name="Title 2"/>
-          <p:cNvSpPr>
-            <a:spLocks noGrp="1"/>
-          </p:cNvSpPr>
-          <p:nvPr>
-            <p:ph type="title"/>
-          </p:nvPr>
-        </p:nvSpPr>
-        <p:spPr/>
-        <p:txBody>
-          <a:bodyPr/>
-          <a:lstStyle/>
-          <a:p>
-            <a:r>
-              <a:rPr lang="en-US" dirty="0"/>
-              <a:t>One Line Headline Arial 50 pt.</a:t>
-            </a:r>
-          </a:p>
-        </p:txBody>
-      </p:sp>
-      <p:sp>
-        <p:nvSpPr>
-          <p:cNvPr id="5" name="Text Placeholder 2"/>
-          <p:cNvSpPr>
-            <a:spLocks noGrp="1"/>
-          </p:cNvSpPr>
-          <p:nvPr>
-            <p:ph idx="1"/>
-          </p:nvPr>
-        </p:nvSpPr>
-        <p:spPr>
-          <a:xfrm>
-            <a:off x="1698091" y="1828800"/>
-            <a:ext cx="8763336" cy="4723620"/>
-          </a:xfrm>
-          <a:prstGeom prst="rect">
-            <a:avLst/>
-          </a:prstGeom>
-        </p:spPr>
-        <p:txBody>
-          <a:bodyPr vert="horz" lIns="0" tIns="0" rIns="0" bIns="0" rtlCol="0">
-            <a:noAutofit/>
-          </a:bodyPr>
-          <a:lstStyle/>
-          <a:p>
-            <a:r>
-              <a:rPr lang="en-US" dirty="0"/>
-              <a:t>Main Sentence Arial 36 pt. Sed aliquam, nunc eget euismod ullamcor per.</a:t>
-            </a:r>
-          </a:p>
-          <a:p>
-            <a:pPr marL="457200" lvl="1" indent="-457200">
-              <a:buFont typeface="Arial" charset="0"/>
-              <a:buChar char="•"/>
-            </a:pPr>
-            <a:r>
-              <a:rPr lang="en-US" dirty="0"/>
-              <a:t>First Bullet Arial 27 pt. Sed aliquam, nunc eget euismod ullamcor per.</a:t>
-            </a:r>
-          </a:p>
-          <a:p>
-            <a:pPr lvl="2"/>
-            <a:r>
-              <a:rPr lang="en-US" dirty="0"/>
-              <a:t>Second Bullet Arial 27 pt. Sed aliquam, nunc eget euismod ullamcor per.</a:t>
-            </a:r>
-          </a:p>
-          <a:p>
-            <a:pPr lvl="3"/>
-            <a:r>
-              <a:rPr lang="en-US" dirty="0"/>
-              <a:t>Third Bullet 20 pt. Sed aliquam, nunc eget euismod ullamcor per, lectus nunc ullamcorper orci.</a:t>
-            </a:r>
-          </a:p>
-          <a:p>
-            <a:pPr lvl="4"/>
-            <a:r>
-              <a:rPr lang="en-US" dirty="0"/>
-              <a:t>Fourth bullet 16 pt. Sed aliquam, nunc eget euismod ullamcor per, lectus nunc ullamcorper orci, Maecenas vitae nulla consequat libero cursus venenatis.</a:t>
-            </a:r>
-          </a:p>
-          <a:p>
-            <a:pPr lvl="4"/>
-            <a:endParaRPr lang="en-US" dirty="0"/>
-          </a:p>
-        </p:txBody>
-      </p:sp>
-    </p:spTree>
-    <p:extLst>
-      <p:ext uri="{BB962C8B-B14F-4D97-AF65-F5344CB8AC3E}">
-        <p14:creationId xmlns:p14="http://schemas.microsoft.com/office/powerpoint/2010/main" val="1698292980"/>
-      </p:ext>
-    </p:extLst>
-  </p:cSld>
-  <p:clrMapOvr>
-    <a:masterClrMapping/>
-  </p:clrMapOvr>
-  <p:timing>
-    <p:tnLst>
-      <p:par>
-        <p:cTn id="1" dur="indefinite" restart="never" nodeType="tmRoot"/>
-      </p:par>
-    </p:tnLst>
-  </p:timing>
-</p:sld>
-</file>
-
-<file path=ppt/slides/slide19.xml><?xml version="1.0" encoding="utf-8"?>
-<p:sld xmlns:a="http://schemas.openxmlformats.org/drawingml/2006/main" xmlns:r="http://schemas.openxmlformats.org/officeDocument/2006/relationships" xmlns:p="http://schemas.openxmlformats.org/presentationml/2006/main">
-  <p:cSld>
-    <p:spTree>
-      <p:nvGrpSpPr>
-        <p:cNvPr id="1" name=""/>
-        <p:cNvGrpSpPr/>
-        <p:nvPr/>
-      </p:nvGrpSpPr>
-      <p:grpSpPr>
-        <a:xfrm>
-          <a:off x="0" y="0"/>
-          <a:ext cx="0" cy="0"/>
-          <a:chOff x="0" y="0"/>
-          <a:chExt cx="0" cy="0"/>
-        </a:xfrm>
-      </p:grpSpPr>
-      <p:sp>
-        <p:nvSpPr>
-          <p:cNvPr id="5" name="Title 2"/>
+          <p:cNvPr id="4" name="Title 2"/>
           <p:cNvSpPr>
             <a:spLocks noGrp="1"/>
           </p:cNvSpPr>
@@ -37167,8 +37619,8 @@
         </p:nvSpPr>
         <p:spPr>
           <a:xfrm>
-            <a:off x="1698091" y="457200"/>
-            <a:ext cx="4559834" cy="1756433"/>
+            <a:off x="1698091" y="3901661"/>
+            <a:ext cx="8763336" cy="900113"/>
           </a:xfrm>
         </p:spPr>
         <p:txBody>
@@ -37177,314 +37629,15 @@
           <a:p>
             <a:r>
               <a:rPr lang="en-US" dirty="0"/>
-              <a:t>Slide Divider Arial 50 pt.</a:t>
+              <a:t>Thank you</a:t>
             </a:r>
           </a:p>
         </p:txBody>
       </p:sp>
-      <p:sp>
-        <p:nvSpPr>
-          <p:cNvPr id="6" name="Slide Number Placeholder 1"/>
-          <p:cNvSpPr txBox="1">
-            <a:spLocks/>
-          </p:cNvSpPr>
-          <p:nvPr/>
-        </p:nvSpPr>
-        <p:spPr>
-          <a:xfrm>
-            <a:off x="11375658" y="6552420"/>
-            <a:ext cx="645160" cy="183515"/>
-          </a:xfrm>
-          <a:prstGeom prst="rect">
-            <a:avLst/>
-          </a:prstGeom>
-        </p:spPr>
-        <p:txBody>
-          <a:bodyPr/>
-          <a:lstStyle>
-            <a:defPPr>
-              <a:defRPr lang="en-US"/>
-            </a:defPPr>
-            <a:lvl1pPr marL="0" algn="l" defTabSz="914400" rtl="0" eaLnBrk="1" latinLnBrk="0" hangingPunct="1">
-              <a:defRPr sz="1800" kern="1200">
-                <a:solidFill>
-                  <a:schemeClr val="tx1"/>
-                </a:solidFill>
-                <a:latin typeface="+mn-lt"/>
-                <a:ea typeface="+mn-ea"/>
-                <a:cs typeface="+mn-cs"/>
-              </a:defRPr>
-            </a:lvl1pPr>
-            <a:lvl2pPr marL="457200" algn="l" defTabSz="914400" rtl="0" eaLnBrk="1" latinLnBrk="0" hangingPunct="1">
-              <a:defRPr sz="1800" kern="1200">
-                <a:solidFill>
-                  <a:schemeClr val="tx1"/>
-                </a:solidFill>
-                <a:latin typeface="+mn-lt"/>
-                <a:ea typeface="+mn-ea"/>
-                <a:cs typeface="+mn-cs"/>
-              </a:defRPr>
-            </a:lvl2pPr>
-            <a:lvl3pPr marL="914400" algn="l" defTabSz="914400" rtl="0" eaLnBrk="1" latinLnBrk="0" hangingPunct="1">
-              <a:defRPr sz="1800" kern="1200">
-                <a:solidFill>
-                  <a:schemeClr val="tx1"/>
-                </a:solidFill>
-                <a:latin typeface="+mn-lt"/>
-                <a:ea typeface="+mn-ea"/>
-                <a:cs typeface="+mn-cs"/>
-              </a:defRPr>
-            </a:lvl3pPr>
-            <a:lvl4pPr marL="1371600" algn="l" defTabSz="914400" rtl="0" eaLnBrk="1" latinLnBrk="0" hangingPunct="1">
-              <a:defRPr sz="1800" kern="1200">
-                <a:solidFill>
-                  <a:schemeClr val="tx1"/>
-                </a:solidFill>
-                <a:latin typeface="+mn-lt"/>
-                <a:ea typeface="+mn-ea"/>
-                <a:cs typeface="+mn-cs"/>
-              </a:defRPr>
-            </a:lvl4pPr>
-            <a:lvl5pPr marL="1828800" algn="l" defTabSz="914400" rtl="0" eaLnBrk="1" latinLnBrk="0" hangingPunct="1">
-              <a:defRPr sz="1800" kern="1200">
-                <a:solidFill>
-                  <a:schemeClr val="tx1"/>
-                </a:solidFill>
-                <a:latin typeface="+mn-lt"/>
-                <a:ea typeface="+mn-ea"/>
-                <a:cs typeface="+mn-cs"/>
-              </a:defRPr>
-            </a:lvl5pPr>
-            <a:lvl6pPr marL="2286000" algn="l" defTabSz="914400" rtl="0" eaLnBrk="1" latinLnBrk="0" hangingPunct="1">
-              <a:defRPr sz="1800" kern="1200">
-                <a:solidFill>
-                  <a:schemeClr val="tx1"/>
-                </a:solidFill>
-                <a:latin typeface="+mn-lt"/>
-                <a:ea typeface="+mn-ea"/>
-                <a:cs typeface="+mn-cs"/>
-              </a:defRPr>
-            </a:lvl6pPr>
-            <a:lvl7pPr marL="2743200" algn="l" defTabSz="914400" rtl="0" eaLnBrk="1" latinLnBrk="0" hangingPunct="1">
-              <a:defRPr sz="1800" kern="1200">
-                <a:solidFill>
-                  <a:schemeClr val="tx1"/>
-                </a:solidFill>
-                <a:latin typeface="+mn-lt"/>
-                <a:ea typeface="+mn-ea"/>
-                <a:cs typeface="+mn-cs"/>
-              </a:defRPr>
-            </a:lvl7pPr>
-            <a:lvl8pPr marL="3200400" algn="l" defTabSz="914400" rtl="0" eaLnBrk="1" latinLnBrk="0" hangingPunct="1">
-              <a:defRPr sz="1800" kern="1200">
-                <a:solidFill>
-                  <a:schemeClr val="tx1"/>
-                </a:solidFill>
-                <a:latin typeface="+mn-lt"/>
-                <a:ea typeface="+mn-ea"/>
-                <a:cs typeface="+mn-cs"/>
-              </a:defRPr>
-            </a:lvl8pPr>
-            <a:lvl9pPr marL="3657600" algn="l" defTabSz="914400" rtl="0" eaLnBrk="1" latinLnBrk="0" hangingPunct="1">
-              <a:defRPr sz="1800" kern="1200">
-                <a:solidFill>
-                  <a:schemeClr val="tx1"/>
-                </a:solidFill>
-                <a:latin typeface="+mn-lt"/>
-                <a:ea typeface="+mn-ea"/>
-                <a:cs typeface="+mn-cs"/>
-              </a:defRPr>
-            </a:lvl9pPr>
-          </a:lstStyle>
-          <a:p>
-            <a:endParaRPr lang="en-US" dirty="0"/>
-          </a:p>
-        </p:txBody>
-      </p:sp>
-      <p:pic>
-        <p:nvPicPr>
-          <p:cNvPr id="7" name="Infusion_white.pdf"/>
-          <p:cNvPicPr>
-            <a:picLocks noChangeAspect="1"/>
-          </p:cNvPicPr>
-          <p:nvPr/>
-        </p:nvPicPr>
-        <p:blipFill>
-          <a:blip r:embed="rId2" cstate="email">
-            <a:extLst>
-              <a:ext uri="{28A0092B-C50C-407E-A947-70E740481C1C}">
-                <a14:useLocalDpi xmlns:a14="http://schemas.microsoft.com/office/drawing/2010/main"/>
-              </a:ext>
-            </a:extLst>
-          </a:blip>
-          <a:srcRect/>
-          <a:stretch>
-            <a:fillRect/>
-          </a:stretch>
-        </p:blipFill>
-        <p:spPr>
-          <a:xfrm>
-            <a:off x="10472164" y="5392142"/>
-            <a:ext cx="514057" cy="558527"/>
-          </a:xfrm>
-          <a:prstGeom prst="rect">
-            <a:avLst/>
-          </a:prstGeom>
-          <a:ln w="12700" cap="flat">
-            <a:noFill/>
-            <a:miter lim="400000"/>
-          </a:ln>
-          <a:effectLst/>
-        </p:spPr>
-      </p:pic>
-      <p:pic>
-        <p:nvPicPr>
-          <p:cNvPr id="8" name="Infusion_white.pdf"/>
-          <p:cNvPicPr>
-            <a:picLocks noChangeAspect="1"/>
-          </p:cNvPicPr>
-          <p:nvPr/>
-        </p:nvPicPr>
-        <p:blipFill>
-          <a:blip r:embed="rId2" cstate="email">
-            <a:extLst>
-              <a:ext uri="{28A0092B-C50C-407E-A947-70E740481C1C}">
-                <a14:useLocalDpi xmlns:a14="http://schemas.microsoft.com/office/drawing/2010/main"/>
-              </a:ext>
-            </a:extLst>
-          </a:blip>
-          <a:srcRect/>
-          <a:stretch>
-            <a:fillRect/>
-          </a:stretch>
-        </p:blipFill>
-        <p:spPr>
-          <a:xfrm>
-            <a:off x="10289808" y="3088759"/>
-            <a:ext cx="1085850" cy="1179784"/>
-          </a:xfrm>
-          <a:prstGeom prst="rect">
-            <a:avLst/>
-          </a:prstGeom>
-          <a:ln w="12700" cap="flat">
-            <a:noFill/>
-            <a:miter lim="400000"/>
-          </a:ln>
-          <a:effectLst/>
-        </p:spPr>
-      </p:pic>
-      <p:pic>
-        <p:nvPicPr>
-          <p:cNvPr id="9" name="Infusion_white.pdf"/>
-          <p:cNvPicPr>
-            <a:picLocks noChangeAspect="1"/>
-          </p:cNvPicPr>
-          <p:nvPr/>
-        </p:nvPicPr>
-        <p:blipFill>
-          <a:blip r:embed="rId2" cstate="email">
-            <a:extLst>
-              <a:ext uri="{28A0092B-C50C-407E-A947-70E740481C1C}">
-                <a14:useLocalDpi xmlns:a14="http://schemas.microsoft.com/office/drawing/2010/main"/>
-              </a:ext>
-            </a:extLst>
-          </a:blip>
-          <a:srcRect/>
-          <a:stretch>
-            <a:fillRect/>
-          </a:stretch>
-        </p:blipFill>
-        <p:spPr>
-          <a:xfrm>
-            <a:off x="9257479" y="2213633"/>
-            <a:ext cx="630937" cy="685517"/>
-          </a:xfrm>
-          <a:prstGeom prst="rect">
-            <a:avLst/>
-          </a:prstGeom>
-          <a:ln w="12700" cap="flat">
-            <a:noFill/>
-            <a:miter lim="400000"/>
-          </a:ln>
-          <a:effectLst/>
-        </p:spPr>
-      </p:pic>
-      <p:pic>
-        <p:nvPicPr>
-          <p:cNvPr id="10" name="Infusion_white.pdf"/>
-          <p:cNvPicPr>
-            <a:picLocks noChangeAspect="1"/>
-          </p:cNvPicPr>
-          <p:nvPr/>
-        </p:nvPicPr>
-        <p:blipFill>
-          <a:blip r:embed="rId2" cstate="email">
-            <a:extLst>
-              <a:ext uri="{28A0092B-C50C-407E-A947-70E740481C1C}">
-                <a14:useLocalDpi xmlns:a14="http://schemas.microsoft.com/office/drawing/2010/main"/>
-              </a:ext>
-            </a:extLst>
-          </a:blip>
-          <a:srcRect/>
-          <a:stretch>
-            <a:fillRect/>
-          </a:stretch>
-        </p:blipFill>
-        <p:spPr>
-          <a:xfrm>
-            <a:off x="9162902" y="4262938"/>
-            <a:ext cx="820089" cy="891032"/>
-          </a:xfrm>
-          <a:prstGeom prst="rect">
-            <a:avLst/>
-          </a:prstGeom>
-          <a:ln w="12700" cap="flat">
-            <a:noFill/>
-            <a:miter lim="400000"/>
-          </a:ln>
-          <a:effectLst/>
-        </p:spPr>
-      </p:pic>
-      <p:pic>
-        <p:nvPicPr>
-          <p:cNvPr id="11" name="Infusion_white.pdf"/>
-          <p:cNvPicPr>
-            <a:picLocks noChangeAspect="1"/>
-          </p:cNvPicPr>
-          <p:nvPr/>
-        </p:nvPicPr>
-        <p:blipFill>
-          <a:blip r:embed="rId2" cstate="email">
-            <a:extLst>
-              <a:ext uri="{28A0092B-C50C-407E-A947-70E740481C1C}">
-                <a14:useLocalDpi xmlns:a14="http://schemas.microsoft.com/office/drawing/2010/main"/>
-              </a:ext>
-            </a:extLst>
-          </a:blip>
-          <a:srcRect/>
-          <a:stretch>
-            <a:fillRect/>
-          </a:stretch>
-        </p:blipFill>
-        <p:spPr>
-          <a:xfrm>
-            <a:off x="8447421" y="4967599"/>
-            <a:ext cx="514057" cy="558527"/>
-          </a:xfrm>
-          <a:prstGeom prst="rect">
-            <a:avLst/>
-          </a:prstGeom>
-          <a:ln w="12700" cap="flat">
-            <a:noFill/>
-            <a:miter lim="400000"/>
-          </a:ln>
-          <a:effectLst/>
-        </p:spPr>
-      </p:pic>
     </p:spTree>
     <p:extLst>
       <p:ext uri="{BB962C8B-B14F-4D97-AF65-F5344CB8AC3E}">
-        <p14:creationId xmlns:p14="http://schemas.microsoft.com/office/powerpoint/2010/main" val="22332727"/>
+        <p14:creationId xmlns:p14="http://schemas.microsoft.com/office/powerpoint/2010/main" val="723787775"/>
       </p:ext>
     </p:extLst>
   </p:cSld>
@@ -37818,2656 +37971,6 @@
     <p:extLst>
       <p:ext uri="{BB962C8B-B14F-4D97-AF65-F5344CB8AC3E}">
         <p14:creationId xmlns:p14="http://schemas.microsoft.com/office/powerpoint/2010/main" val="2090757584"/>
-      </p:ext>
-    </p:extLst>
-  </p:cSld>
-  <p:clrMapOvr>
-    <a:masterClrMapping/>
-  </p:clrMapOvr>
-  <p:timing>
-    <p:tnLst>
-      <p:par>
-        <p:cTn id="1" dur="indefinite" restart="never" nodeType="tmRoot"/>
-      </p:par>
-    </p:tnLst>
-  </p:timing>
-</p:sld>
-</file>
-
-<file path=ppt/slides/slide20.xml><?xml version="1.0" encoding="utf-8"?>
-<p:sld xmlns:a="http://schemas.openxmlformats.org/drawingml/2006/main" xmlns:r="http://schemas.openxmlformats.org/officeDocument/2006/relationships" xmlns:p="http://schemas.openxmlformats.org/presentationml/2006/main">
-  <p:cSld>
-    <p:spTree>
-      <p:nvGrpSpPr>
-        <p:cNvPr id="1" name=""/>
-        <p:cNvGrpSpPr/>
-        <p:nvPr/>
-      </p:nvGrpSpPr>
-      <p:grpSpPr>
-        <a:xfrm>
-          <a:off x="0" y="0"/>
-          <a:ext cx="0" cy="0"/>
-          <a:chOff x="0" y="0"/>
-          <a:chExt cx="0" cy="0"/>
-        </a:xfrm>
-      </p:grpSpPr>
-      <p:sp>
-        <p:nvSpPr>
-          <p:cNvPr id="2" name="Slide Number Placeholder 1"/>
-          <p:cNvSpPr>
-            <a:spLocks noGrp="1"/>
-          </p:cNvSpPr>
-          <p:nvPr>
-            <p:ph type="sldNum" sz="quarter" idx="10"/>
-          </p:nvPr>
-        </p:nvSpPr>
-        <p:spPr/>
-        <p:txBody>
-          <a:bodyPr/>
-          <a:lstStyle/>
-          <a:p>
-            <a:fld id="{0D558541-60C9-42A2-8392-FF12533A6B7A}" type="slidenum">
-              <a:rPr lang="en-US" smtClean="0"/>
-              <a:pPr/>
-              <a:t>20</a:t>
-            </a:fld>
-            <a:endParaRPr lang="en-US" dirty="0"/>
-          </a:p>
-        </p:txBody>
-      </p:sp>
-      <p:sp>
-        <p:nvSpPr>
-          <p:cNvPr id="4" name="Title 2"/>
-          <p:cNvSpPr>
-            <a:spLocks noGrp="1"/>
-          </p:cNvSpPr>
-          <p:nvPr>
-            <p:ph type="title"/>
-          </p:nvPr>
-        </p:nvSpPr>
-        <p:spPr>
-          <a:xfrm>
-            <a:off x="1698091" y="3901661"/>
-            <a:ext cx="8763336" cy="900113"/>
-          </a:xfrm>
-        </p:spPr>
-        <p:txBody>
-          <a:bodyPr/>
-          <a:lstStyle/>
-          <a:p>
-            <a:r>
-              <a:rPr lang="en-US" dirty="0"/>
-              <a:t>Thank you</a:t>
-            </a:r>
-          </a:p>
-        </p:txBody>
-      </p:sp>
-    </p:spTree>
-    <p:extLst>
-      <p:ext uri="{BB962C8B-B14F-4D97-AF65-F5344CB8AC3E}">
-        <p14:creationId xmlns:p14="http://schemas.microsoft.com/office/powerpoint/2010/main" val="723787775"/>
-      </p:ext>
-    </p:extLst>
-  </p:cSld>
-  <p:clrMapOvr>
-    <a:masterClrMapping/>
-  </p:clrMapOvr>
-  <p:timing>
-    <p:tnLst>
-      <p:par>
-        <p:cTn id="1" dur="indefinite" restart="never" nodeType="tmRoot"/>
-      </p:par>
-    </p:tnLst>
-  </p:timing>
-</p:sld>
-</file>
-
-<file path=ppt/slides/slide21.xml><?xml version="1.0" encoding="utf-8"?>
-<p:sld xmlns:a="http://schemas.openxmlformats.org/drawingml/2006/main" xmlns:r="http://schemas.openxmlformats.org/officeDocument/2006/relationships" xmlns:p="http://schemas.openxmlformats.org/presentationml/2006/main">
-  <p:cSld>
-    <p:spTree>
-      <p:nvGrpSpPr>
-        <p:cNvPr id="1" name=""/>
-        <p:cNvGrpSpPr/>
-        <p:nvPr/>
-      </p:nvGrpSpPr>
-      <p:grpSpPr>
-        <a:xfrm>
-          <a:off x="0" y="0"/>
-          <a:ext cx="0" cy="0"/>
-          <a:chOff x="0" y="0"/>
-          <a:chExt cx="0" cy="0"/>
-        </a:xfrm>
-      </p:grpSpPr>
-      <p:pic>
-        <p:nvPicPr>
-          <p:cNvPr id="37" name="Picture 36"/>
-          <p:cNvPicPr>
-            <a:picLocks noChangeAspect="1"/>
-          </p:cNvPicPr>
-          <p:nvPr/>
-        </p:nvPicPr>
-        <p:blipFill>
-          <a:blip r:embed="rId2">
-            <a:extLst>
-              <a:ext uri="{28A0092B-C50C-407E-A947-70E740481C1C}">
-                <a14:useLocalDpi xmlns:a14="http://schemas.microsoft.com/office/drawing/2010/main"/>
-              </a:ext>
-            </a:extLst>
-          </a:blip>
-          <a:stretch>
-            <a:fillRect/>
-          </a:stretch>
-        </p:blipFill>
-        <p:spPr>
-          <a:xfrm>
-            <a:off x="8667199" y="2793445"/>
-            <a:ext cx="3057312" cy="2736616"/>
-          </a:xfrm>
-          <a:prstGeom prst="rect">
-            <a:avLst/>
-          </a:prstGeom>
-        </p:spPr>
-      </p:pic>
-      <p:pic>
-        <p:nvPicPr>
-          <p:cNvPr id="35" name="Picture 34"/>
-          <p:cNvPicPr>
-            <a:picLocks noChangeAspect="1"/>
-          </p:cNvPicPr>
-          <p:nvPr/>
-        </p:nvPicPr>
-        <p:blipFill rotWithShape="1">
-          <a:blip r:embed="rId3" cstate="hqprint">
-            <a:extLst>
-              <a:ext uri="{28A0092B-C50C-407E-A947-70E740481C1C}">
-                <a14:useLocalDpi xmlns:a14="http://schemas.microsoft.com/office/drawing/2010/main"/>
-              </a:ext>
-            </a:extLst>
-          </a:blip>
-          <a:srcRect/>
-          <a:stretch/>
-        </p:blipFill>
-        <p:spPr>
-          <a:xfrm>
-            <a:off x="6018663" y="2901956"/>
-            <a:ext cx="2747812" cy="2655886"/>
-          </a:xfrm>
-          <a:prstGeom prst="rect">
-            <a:avLst/>
-          </a:prstGeom>
-        </p:spPr>
-      </p:pic>
-      <p:sp>
-        <p:nvSpPr>
-          <p:cNvPr id="2" name="Slide Number Placeholder 1"/>
-          <p:cNvSpPr>
-            <a:spLocks noGrp="1"/>
-          </p:cNvSpPr>
-          <p:nvPr>
-            <p:ph type="sldNum" sz="quarter" idx="12"/>
-          </p:nvPr>
-        </p:nvSpPr>
-        <p:spPr/>
-        <p:txBody>
-          <a:bodyPr/>
-          <a:lstStyle/>
-          <a:p>
-            <a:fld id="{0D558541-60C9-42A2-8392-FF12533A6B7A}" type="slidenum">
-              <a:rPr lang="en-US" smtClean="0"/>
-              <a:pPr/>
-              <a:t>21</a:t>
-            </a:fld>
-            <a:endParaRPr lang="en-US" dirty="0"/>
-          </a:p>
-        </p:txBody>
-      </p:sp>
-      <p:sp>
-        <p:nvSpPr>
-          <p:cNvPr id="3" name="Title 2"/>
-          <p:cNvSpPr>
-            <a:spLocks noGrp="1"/>
-          </p:cNvSpPr>
-          <p:nvPr>
-            <p:ph type="title"/>
-          </p:nvPr>
-        </p:nvSpPr>
-        <p:spPr/>
-        <p:txBody>
-          <a:bodyPr/>
-          <a:lstStyle/>
-          <a:p>
-            <a:r>
-              <a:rPr lang="en-US" dirty="0"/>
-              <a:t>How to Insert an Image</a:t>
-            </a:r>
-          </a:p>
-        </p:txBody>
-      </p:sp>
-      <p:sp>
-        <p:nvSpPr>
-          <p:cNvPr id="4" name="Text Placeholder 3"/>
-          <p:cNvSpPr>
-            <a:spLocks noGrp="1"/>
-          </p:cNvSpPr>
-          <p:nvPr>
-            <p:ph type="body" sz="quarter" idx="14"/>
-          </p:nvPr>
-        </p:nvSpPr>
-        <p:spPr>
-          <a:xfrm>
-            <a:off x="1698091" y="1844675"/>
-            <a:ext cx="4320572" cy="3884614"/>
-          </a:xfrm>
-        </p:spPr>
-        <p:txBody>
-          <a:bodyPr/>
-          <a:lstStyle/>
-          <a:p>
-            <a:r>
-              <a:rPr lang="en-US" sz="1600" b="1" dirty="0">
-                <a:latin typeface="Arial" charset="0"/>
-                <a:ea typeface="Arial" charset="0"/>
-                <a:cs typeface="Arial" charset="0"/>
-              </a:rPr>
-              <a:t>To insert a picture from a file:</a:t>
-            </a:r>
-          </a:p>
-          <a:p>
-            <a:pPr marL="228600" indent="-228600">
-              <a:buFont typeface="+mj-lt"/>
-              <a:buAutoNum type="arabicPeriod"/>
-            </a:pPr>
-            <a:r>
-              <a:rPr lang="en-US" sz="1600" dirty="0">
-                <a:latin typeface="Arial" charset="0"/>
-                <a:ea typeface="Arial" charset="0"/>
-                <a:cs typeface="Arial" charset="0"/>
-              </a:rPr>
-              <a:t>Select the </a:t>
-            </a:r>
-            <a:r>
-              <a:rPr lang="en-US" sz="1600" b="1" dirty="0">
-                <a:solidFill>
-                  <a:schemeClr val="accent1"/>
-                </a:solidFill>
-                <a:latin typeface="Arial" charset="0"/>
-                <a:ea typeface="Arial" charset="0"/>
-                <a:cs typeface="Arial" charset="0"/>
-              </a:rPr>
-              <a:t>Insert tab</a:t>
-            </a:r>
-            <a:r>
-              <a:rPr lang="en-US" sz="1600" dirty="0">
-                <a:latin typeface="Arial" charset="0"/>
-                <a:ea typeface="Arial" charset="0"/>
-                <a:cs typeface="Arial" charset="0"/>
-              </a:rPr>
-              <a:t>, then click the Pictures command in the Images group. </a:t>
-            </a:r>
-          </a:p>
-          <a:p>
-            <a:pPr marL="228600" indent="-228600">
-              <a:buFont typeface="+mj-lt"/>
-              <a:buAutoNum type="arabicPeriod"/>
-            </a:pPr>
-            <a:endParaRPr lang="en-US" sz="1600" dirty="0">
-              <a:latin typeface="Arial" charset="0"/>
-              <a:ea typeface="Arial" charset="0"/>
-              <a:cs typeface="Arial" charset="0"/>
-            </a:endParaRPr>
-          </a:p>
-          <a:p>
-            <a:pPr marL="228600" indent="-228600">
-              <a:buFont typeface="+mj-lt"/>
-              <a:buAutoNum type="arabicPeriod"/>
-            </a:pPr>
-            <a:endParaRPr lang="en-US" sz="1600" dirty="0">
-              <a:latin typeface="Arial" charset="0"/>
-              <a:ea typeface="Arial" charset="0"/>
-              <a:cs typeface="Arial" charset="0"/>
-            </a:endParaRPr>
-          </a:p>
-          <a:p>
-            <a:pPr marL="228600" indent="-228600">
-              <a:buFont typeface="+mj-lt"/>
-              <a:buAutoNum type="arabicPeriod"/>
-            </a:pPr>
-            <a:endParaRPr lang="en-US" sz="1600" dirty="0">
-              <a:latin typeface="Arial" charset="0"/>
-              <a:ea typeface="Arial" charset="0"/>
-              <a:cs typeface="Arial" charset="0"/>
-            </a:endParaRPr>
-          </a:p>
-          <a:p>
-            <a:pPr marL="228600" indent="-228600">
-              <a:buFont typeface="+mj-lt"/>
-              <a:buAutoNum type="arabicPeriod"/>
-            </a:pPr>
-            <a:endParaRPr lang="en-US" sz="1600" dirty="0">
-              <a:latin typeface="Arial" charset="0"/>
-              <a:ea typeface="Arial" charset="0"/>
-              <a:cs typeface="Arial" charset="0"/>
-            </a:endParaRPr>
-          </a:p>
-          <a:p>
-            <a:pPr marL="228600" indent="-228600">
-              <a:buFont typeface="+mj-lt"/>
-              <a:buAutoNum type="arabicPeriod"/>
-            </a:pPr>
-            <a:r>
-              <a:rPr lang="en-US" sz="1600" dirty="0">
-                <a:latin typeface="Arial" charset="0"/>
-                <a:ea typeface="Arial" charset="0"/>
-                <a:cs typeface="Arial" charset="0"/>
-              </a:rPr>
-              <a:t>A dialog box will appear. Locate and select the desired image file, then </a:t>
-            </a:r>
-            <a:r>
-              <a:rPr lang="en-US" sz="1600" b="1" dirty="0">
-                <a:solidFill>
-                  <a:schemeClr val="accent6"/>
-                </a:solidFill>
-                <a:latin typeface="Arial" charset="0"/>
-                <a:ea typeface="Arial" charset="0"/>
-                <a:cs typeface="Arial" charset="0"/>
-              </a:rPr>
-              <a:t>click</a:t>
-            </a:r>
-            <a:r>
-              <a:rPr lang="en-US" sz="1600" dirty="0">
-                <a:latin typeface="Arial" charset="0"/>
-                <a:ea typeface="Arial" charset="0"/>
-                <a:cs typeface="Arial" charset="0"/>
-              </a:rPr>
-              <a:t> </a:t>
-            </a:r>
-            <a:r>
-              <a:rPr lang="en-US" sz="1600" b="1" dirty="0">
-                <a:solidFill>
-                  <a:schemeClr val="accent1"/>
-                </a:solidFill>
-                <a:latin typeface="Arial" charset="0"/>
-                <a:ea typeface="Arial" charset="0"/>
-                <a:cs typeface="Arial" charset="0"/>
-              </a:rPr>
-              <a:t>Insert</a:t>
-            </a:r>
-            <a:r>
-              <a:rPr lang="en-US" sz="1600" dirty="0">
-                <a:latin typeface="Arial" charset="0"/>
-                <a:ea typeface="Arial" charset="0"/>
-                <a:cs typeface="Arial" charset="0"/>
-              </a:rPr>
-              <a:t>.</a:t>
-            </a:r>
-          </a:p>
-          <a:p>
-            <a:pPr marL="228600" indent="-228600">
-              <a:buFont typeface="+mj-lt"/>
-              <a:buAutoNum type="arabicPeriod"/>
-            </a:pPr>
-            <a:r>
-              <a:rPr lang="en-US" sz="1600" dirty="0">
-                <a:latin typeface="Arial" charset="0"/>
-                <a:ea typeface="Arial" charset="0"/>
-                <a:cs typeface="Arial" charset="0"/>
-              </a:rPr>
-              <a:t>The picture will appear on the currently selected slide.</a:t>
-            </a:r>
-          </a:p>
-          <a:p>
-            <a:endParaRPr lang="en-US" sz="1600" dirty="0">
-              <a:latin typeface="Arial" charset="0"/>
-              <a:ea typeface="Arial" charset="0"/>
-              <a:cs typeface="Arial" charset="0"/>
-            </a:endParaRPr>
-          </a:p>
-        </p:txBody>
-      </p:sp>
-      <p:sp>
-        <p:nvSpPr>
-          <p:cNvPr id="62" name="Text Placeholder 3"/>
-          <p:cNvSpPr>
-            <a:spLocks noGrp="1"/>
-          </p:cNvSpPr>
-          <p:nvPr>
-            <p:ph type="body" sz="quarter" idx="15"/>
-          </p:nvPr>
-        </p:nvSpPr>
-        <p:spPr>
-          <a:xfrm>
-            <a:off x="6606189" y="1844675"/>
-            <a:ext cx="4320572" cy="3884614"/>
-          </a:xfrm>
-        </p:spPr>
-        <p:txBody>
-          <a:bodyPr/>
-          <a:lstStyle/>
-          <a:p>
-            <a:r>
-              <a:rPr lang="en-US" sz="1600" b="1" dirty="0">
-                <a:latin typeface="Arial" charset="0"/>
-                <a:ea typeface="Arial" charset="0"/>
-                <a:cs typeface="Arial" charset="0"/>
-              </a:rPr>
-              <a:t>You can also click the Pictures command in a placeholder to insert images.</a:t>
-            </a:r>
-          </a:p>
-          <a:p>
-            <a:r>
-              <a:rPr lang="en-US" sz="1600" dirty="0">
-                <a:latin typeface="Arial" charset="0"/>
-                <a:ea typeface="Arial" charset="0"/>
-                <a:cs typeface="Arial" charset="0"/>
-              </a:rPr>
-              <a:t>Follow the same process after clicking the icon.</a:t>
-            </a:r>
-          </a:p>
-          <a:p>
-            <a:endParaRPr lang="en-US" sz="1600" b="1" dirty="0">
-              <a:latin typeface="Arial" charset="0"/>
-              <a:ea typeface="Arial" charset="0"/>
-              <a:cs typeface="Arial" charset="0"/>
-            </a:endParaRPr>
-          </a:p>
-          <a:p>
-            <a:endParaRPr lang="en-US" sz="1600" b="1" dirty="0">
-              <a:latin typeface="Arial" charset="0"/>
-              <a:ea typeface="Arial" charset="0"/>
-              <a:cs typeface="Arial" charset="0"/>
-            </a:endParaRPr>
-          </a:p>
-          <a:p>
-            <a:endParaRPr lang="en-US" sz="1600" b="1" dirty="0">
-              <a:latin typeface="Arial" charset="0"/>
-              <a:ea typeface="Arial" charset="0"/>
-              <a:cs typeface="Arial" charset="0"/>
-            </a:endParaRPr>
-          </a:p>
-          <a:p>
-            <a:endParaRPr lang="en-US" sz="1600" b="1" dirty="0">
-              <a:latin typeface="Arial" charset="0"/>
-              <a:ea typeface="Arial" charset="0"/>
-              <a:cs typeface="Arial" charset="0"/>
-            </a:endParaRPr>
-          </a:p>
-          <a:p>
-            <a:endParaRPr lang="en-US" sz="1600" b="1" dirty="0">
-              <a:latin typeface="Arial" charset="0"/>
-              <a:ea typeface="Arial" charset="0"/>
-              <a:cs typeface="Arial" charset="0"/>
-            </a:endParaRPr>
-          </a:p>
-          <a:p>
-            <a:endParaRPr lang="en-US" sz="1600" b="1" dirty="0">
-              <a:latin typeface="Arial" charset="0"/>
-              <a:ea typeface="Arial" charset="0"/>
-              <a:cs typeface="Arial" charset="0"/>
-            </a:endParaRPr>
-          </a:p>
-          <a:p>
-            <a:endParaRPr lang="en-US" sz="1600" b="1" dirty="0">
-              <a:latin typeface="Arial" charset="0"/>
-              <a:ea typeface="Arial" charset="0"/>
-              <a:cs typeface="Arial" charset="0"/>
-            </a:endParaRPr>
-          </a:p>
-          <a:p>
-            <a:r>
-              <a:rPr lang="en-US" sz="1600" dirty="0">
-                <a:solidFill>
-                  <a:schemeClr val="accent6"/>
-                </a:solidFill>
-                <a:latin typeface="Arial" charset="0"/>
-                <a:ea typeface="Arial" charset="0"/>
-                <a:cs typeface="Arial" charset="0"/>
-                <a:hlinkClick r:id="rId4"/>
-              </a:rPr>
-              <a:t>For more information:</a:t>
-            </a:r>
-            <a:endParaRPr lang="en-US" sz="1600" dirty="0">
-              <a:solidFill>
-                <a:schemeClr val="accent6"/>
-              </a:solidFill>
-              <a:latin typeface="Arial" charset="0"/>
-              <a:ea typeface="Arial" charset="0"/>
-              <a:cs typeface="Arial" charset="0"/>
-            </a:endParaRPr>
-          </a:p>
-          <a:p>
-            <a:endParaRPr lang="en-US" sz="1600" dirty="0">
-              <a:latin typeface="Arial" charset="0"/>
-              <a:ea typeface="Arial" charset="0"/>
-              <a:cs typeface="Arial" charset="0"/>
-            </a:endParaRPr>
-          </a:p>
-        </p:txBody>
-      </p:sp>
-      <p:pic>
-        <p:nvPicPr>
-          <p:cNvPr id="1075" name="Picture 51" descr="creenshot of PowerPoint 2013"/>
-          <p:cNvPicPr>
-            <a:picLocks noChangeAspect="1" noChangeArrowheads="1"/>
-          </p:cNvPicPr>
-          <p:nvPr/>
-        </p:nvPicPr>
-        <p:blipFill>
-          <a:blip r:embed="rId5">
-            <a:extLst>
-              <a:ext uri="{28A0092B-C50C-407E-A947-70E740481C1C}">
-                <a14:useLocalDpi xmlns:a14="http://schemas.microsoft.com/office/drawing/2010/main"/>
-              </a:ext>
-            </a:extLst>
-          </a:blip>
-          <a:srcRect/>
-          <a:stretch>
-            <a:fillRect/>
-          </a:stretch>
-        </p:blipFill>
-        <p:spPr bwMode="auto">
-          <a:xfrm>
-            <a:off x="1712379" y="2882564"/>
-            <a:ext cx="3957449" cy="1344871"/>
-          </a:xfrm>
-          <a:prstGeom prst="rect">
-            <a:avLst/>
-          </a:prstGeom>
-          <a:noFill/>
-          <a:extLst>
-            <a:ext uri="{909E8E84-426E-40DD-AFC4-6F175D3DCCD1}">
-              <a14:hiddenFill xmlns:a14="http://schemas.microsoft.com/office/drawing/2010/main">
-                <a:solidFill>
-                  <a:srgbClr val="FFFFFF"/>
-                </a:solidFill>
-              </a14:hiddenFill>
-            </a:ext>
-          </a:extLst>
-        </p:spPr>
-      </p:pic>
-      <p:sp>
-        <p:nvSpPr>
-          <p:cNvPr id="36" name="Right Arrow 35"/>
-          <p:cNvSpPr/>
-          <p:nvPr/>
-        </p:nvSpPr>
-        <p:spPr>
-          <a:xfrm rot="18974419">
-            <a:off x="6826532" y="4337285"/>
-            <a:ext cx="710236" cy="351800"/>
-          </a:xfrm>
-          <a:prstGeom prst="rightArrow">
-            <a:avLst/>
-          </a:prstGeom>
-          <a:solidFill>
-            <a:schemeClr val="accent3"/>
-          </a:solidFill>
-          <a:ln>
-            <a:noFill/>
-            <a:prstDash val="dash"/>
-          </a:ln>
-        </p:spPr>
-        <p:txBody>
-          <a:bodyPr wrap="square" lIns="0" rtlCol="0" anchor="ctr">
-            <a:noAutofit/>
-          </a:bodyPr>
-          <a:lstStyle/>
-          <a:p>
-            <a:pPr algn="ctr"/>
-            <a:endParaRPr lang="en-US" dirty="0"/>
-          </a:p>
-        </p:txBody>
-      </p:sp>
-      <p:sp>
-        <p:nvSpPr>
-          <p:cNvPr id="67" name="Right Arrow 66"/>
-          <p:cNvSpPr/>
-          <p:nvPr/>
-        </p:nvSpPr>
-        <p:spPr>
-          <a:xfrm rot="18974419">
-            <a:off x="8690224" y="4736245"/>
-            <a:ext cx="710236" cy="351800"/>
-          </a:xfrm>
-          <a:prstGeom prst="rightArrow">
-            <a:avLst/>
-          </a:prstGeom>
-          <a:solidFill>
-            <a:schemeClr val="accent3"/>
-          </a:solidFill>
-          <a:ln>
-            <a:noFill/>
-            <a:prstDash val="dash"/>
-          </a:ln>
-        </p:spPr>
-        <p:txBody>
-          <a:bodyPr wrap="square" lIns="0" rtlCol="0" anchor="ctr">
-            <a:noAutofit/>
-          </a:bodyPr>
-          <a:lstStyle/>
-          <a:p>
-            <a:pPr algn="ctr"/>
-            <a:endParaRPr lang="en-US" dirty="0"/>
-          </a:p>
-        </p:txBody>
-      </p:sp>
-    </p:spTree>
-    <p:extLst>
-      <p:ext uri="{BB962C8B-B14F-4D97-AF65-F5344CB8AC3E}">
-        <p14:creationId xmlns:p14="http://schemas.microsoft.com/office/powerpoint/2010/main" val="1210441913"/>
-      </p:ext>
-    </p:extLst>
-  </p:cSld>
-  <p:clrMapOvr>
-    <a:masterClrMapping/>
-  </p:clrMapOvr>
-  <p:timing>
-    <p:tnLst>
-      <p:par>
-        <p:cTn id="1" dur="indefinite" restart="never" nodeType="tmRoot"/>
-      </p:par>
-    </p:tnLst>
-  </p:timing>
-</p:sld>
-</file>
-
-<file path=ppt/slides/slide22.xml><?xml version="1.0" encoding="utf-8"?>
-<p:sld xmlns:a="http://schemas.openxmlformats.org/drawingml/2006/main" xmlns:r="http://schemas.openxmlformats.org/officeDocument/2006/relationships" xmlns:p="http://schemas.openxmlformats.org/presentationml/2006/main">
-  <p:cSld>
-    <p:spTree>
-      <p:nvGrpSpPr>
-        <p:cNvPr id="1" name=""/>
-        <p:cNvGrpSpPr/>
-        <p:nvPr/>
-      </p:nvGrpSpPr>
-      <p:grpSpPr>
-        <a:xfrm>
-          <a:off x="0" y="0"/>
-          <a:ext cx="0" cy="0"/>
-          <a:chOff x="0" y="0"/>
-          <a:chExt cx="0" cy="0"/>
-        </a:xfrm>
-      </p:grpSpPr>
-      <p:sp>
-        <p:nvSpPr>
-          <p:cNvPr id="2" name="Slide Number Placeholder 1"/>
-          <p:cNvSpPr>
-            <a:spLocks noGrp="1"/>
-          </p:cNvSpPr>
-          <p:nvPr>
-            <p:ph type="sldNum" sz="quarter" idx="12"/>
-          </p:nvPr>
-        </p:nvSpPr>
-        <p:spPr/>
-        <p:txBody>
-          <a:bodyPr/>
-          <a:lstStyle/>
-          <a:p>
-            <a:fld id="{0D558541-60C9-42A2-8392-FF12533A6B7A}" type="slidenum">
-              <a:rPr lang="en-US" smtClean="0"/>
-              <a:pPr/>
-              <a:t>22</a:t>
-            </a:fld>
-            <a:endParaRPr lang="en-US" dirty="0"/>
-          </a:p>
-        </p:txBody>
-      </p:sp>
-      <p:sp>
-        <p:nvSpPr>
-          <p:cNvPr id="18" name="Title 2"/>
-          <p:cNvSpPr>
-            <a:spLocks noGrp="1"/>
-          </p:cNvSpPr>
-          <p:nvPr>
-            <p:ph type="title"/>
-          </p:nvPr>
-        </p:nvSpPr>
-        <p:spPr/>
-        <p:txBody>
-          <a:bodyPr/>
-          <a:lstStyle/>
-          <a:p>
-            <a:r>
-              <a:rPr lang="en-US" dirty="0"/>
-              <a:t>How to Crop an Image</a:t>
-            </a:r>
-          </a:p>
-        </p:txBody>
-      </p:sp>
-      <p:sp>
-        <p:nvSpPr>
-          <p:cNvPr id="32" name="Text Placeholder 3"/>
-          <p:cNvSpPr>
-            <a:spLocks noGrp="1"/>
-          </p:cNvSpPr>
-          <p:nvPr>
-            <p:ph type="body" sz="quarter" idx="14"/>
-          </p:nvPr>
-        </p:nvSpPr>
-        <p:spPr>
-          <a:xfrm>
-            <a:off x="6583976" y="1678063"/>
-            <a:ext cx="3362797" cy="3307261"/>
-          </a:xfrm>
-        </p:spPr>
-        <p:txBody>
-          <a:bodyPr/>
-          <a:lstStyle/>
-          <a:p>
-            <a:pPr marL="342900" indent="-342900">
-              <a:buFont typeface="+mj-lt"/>
-              <a:buAutoNum type="arabicPeriod" startAt="3"/>
-            </a:pPr>
-            <a:r>
-              <a:rPr lang="en-US" sz="1600" dirty="0"/>
-              <a:t>Cropping handles will appear around the image. </a:t>
-            </a:r>
-            <a:r>
-              <a:rPr lang="en-US" sz="1600" b="1" dirty="0">
-                <a:solidFill>
-                  <a:schemeClr val="accent6"/>
-                </a:solidFill>
-              </a:rPr>
-              <a:t>Click and drag </a:t>
-            </a:r>
-            <a:r>
-              <a:rPr lang="en-US" sz="1600" dirty="0"/>
-              <a:t>one of the handles to crop the image. </a:t>
-            </a:r>
-            <a:r>
-              <a:rPr lang="en-US" sz="1600" i="1" dirty="0"/>
-              <a:t>Make sure the mouse is right over the black cropping handle so you don't accidentally select a resizing handle.</a:t>
-            </a:r>
-          </a:p>
-          <a:p>
-            <a:pPr marL="342900" indent="-342900">
-              <a:buFont typeface="+mj-lt"/>
-              <a:buAutoNum type="arabicPeriod" startAt="3"/>
-            </a:pPr>
-            <a:r>
-              <a:rPr lang="en-US" sz="1600" dirty="0"/>
-              <a:t>Click the </a:t>
-            </a:r>
-            <a:r>
-              <a:rPr lang="en-US" sz="1600" b="1" dirty="0">
-                <a:solidFill>
-                  <a:schemeClr val="accent6"/>
-                </a:solidFill>
-              </a:rPr>
-              <a:t>Crop</a:t>
-            </a:r>
-            <a:r>
-              <a:rPr lang="en-US" sz="1600" dirty="0"/>
-              <a:t> command again. The image will be cropped.</a:t>
-            </a:r>
-          </a:p>
-          <a:p>
-            <a:r>
-              <a:rPr lang="en-US" sz="1600" b="1" dirty="0">
-                <a:latin typeface="Arial" charset="0"/>
-                <a:ea typeface="Arial" charset="0"/>
-                <a:cs typeface="Arial" charset="0"/>
-                <a:hlinkClick r:id="rId2"/>
-              </a:rPr>
-              <a:t>For more information:</a:t>
-            </a:r>
-            <a:endParaRPr lang="en-US" sz="1600" b="1" dirty="0">
-              <a:latin typeface="Arial" charset="0"/>
-              <a:ea typeface="Arial" charset="0"/>
-              <a:cs typeface="Arial" charset="0"/>
-            </a:endParaRPr>
-          </a:p>
-          <a:p>
-            <a:pPr marL="342900" indent="-342900">
-              <a:buFont typeface="+mj-lt"/>
-              <a:buAutoNum type="arabicPeriod" startAt="3"/>
-            </a:pPr>
-            <a:endParaRPr lang="en-US" sz="1600" dirty="0"/>
-          </a:p>
-          <a:p>
-            <a:endParaRPr lang="en-US" sz="1600" dirty="0">
-              <a:latin typeface="Arial" charset="0"/>
-              <a:ea typeface="Arial" charset="0"/>
-              <a:cs typeface="Arial" charset="0"/>
-            </a:endParaRPr>
-          </a:p>
-        </p:txBody>
-      </p:sp>
-      <p:sp>
-        <p:nvSpPr>
-          <p:cNvPr id="19" name="Text Placeholder 3"/>
-          <p:cNvSpPr>
-            <a:spLocks noGrp="1"/>
-          </p:cNvSpPr>
-          <p:nvPr>
-            <p:ph type="body" sz="quarter" idx="15"/>
-          </p:nvPr>
-        </p:nvSpPr>
-        <p:spPr>
-          <a:xfrm>
-            <a:off x="1698090" y="1272157"/>
-            <a:ext cx="4545547" cy="3184525"/>
-          </a:xfrm>
-        </p:spPr>
-        <p:txBody>
-          <a:bodyPr/>
-          <a:lstStyle/>
-          <a:p>
-            <a:r>
-              <a:rPr lang="en-US" sz="1600" b="1" dirty="0">
-                <a:latin typeface="Arial" charset="0"/>
-                <a:ea typeface="Arial" charset="0"/>
-                <a:cs typeface="Arial" charset="0"/>
-              </a:rPr>
-              <a:t>To crop a picture:</a:t>
-            </a:r>
-          </a:p>
-          <a:p>
-            <a:pPr marL="342900" indent="-342900">
-              <a:buFont typeface="+mj-lt"/>
-              <a:buAutoNum type="arabicPeriod"/>
-            </a:pPr>
-            <a:r>
-              <a:rPr lang="en-US" sz="1600" b="1" dirty="0">
-                <a:solidFill>
-                  <a:schemeClr val="accent6"/>
-                </a:solidFill>
-              </a:rPr>
-              <a:t>Select </a:t>
-            </a:r>
-            <a:r>
-              <a:rPr lang="en-US" sz="1600" dirty="0"/>
-              <a:t>the image you want to crop. The </a:t>
-            </a:r>
-            <a:r>
-              <a:rPr lang="en-US" sz="1600" b="1" dirty="0">
-                <a:solidFill>
-                  <a:schemeClr val="accent6"/>
-                </a:solidFill>
-              </a:rPr>
-              <a:t>Format tab </a:t>
-            </a:r>
-            <a:r>
-              <a:rPr lang="en-US" sz="1600" dirty="0"/>
-              <a:t>appears.</a:t>
-            </a:r>
-          </a:p>
-          <a:p>
-            <a:pPr marL="342900" indent="-342900">
-              <a:buFont typeface="+mj-lt"/>
-              <a:buAutoNum type="arabicPeriod"/>
-            </a:pPr>
-            <a:r>
-              <a:rPr lang="en-US" sz="1600" dirty="0"/>
-              <a:t>On the Format tab, click the </a:t>
-            </a:r>
-            <a:r>
-              <a:rPr lang="en-US" sz="1600" b="1" dirty="0">
-                <a:solidFill>
-                  <a:schemeClr val="accent6"/>
-                </a:solidFill>
-              </a:rPr>
-              <a:t>Crop </a:t>
-            </a:r>
-            <a:r>
-              <a:rPr lang="en-US" sz="1600" dirty="0"/>
-              <a:t>command.</a:t>
-            </a:r>
-          </a:p>
-          <a:p>
-            <a:pPr marL="342900" indent="-342900">
-              <a:buFont typeface="+mj-lt"/>
-              <a:buAutoNum type="arabicPeriod"/>
-            </a:pPr>
-            <a:endParaRPr lang="en-US" sz="1600" dirty="0"/>
-          </a:p>
-          <a:p>
-            <a:pPr marL="342900" indent="-342900">
-              <a:buFont typeface="+mj-lt"/>
-              <a:buAutoNum type="arabicPeriod"/>
-            </a:pPr>
-            <a:endParaRPr lang="en-US" sz="1600" dirty="0"/>
-          </a:p>
-          <a:p>
-            <a:pPr marL="342900" indent="-342900">
-              <a:buFont typeface="+mj-lt"/>
-              <a:buAutoNum type="arabicPeriod"/>
-            </a:pPr>
-            <a:endParaRPr lang="en-US" sz="1600" dirty="0"/>
-          </a:p>
-          <a:p>
-            <a:pPr marL="342900" indent="-342900">
-              <a:buFont typeface="+mj-lt"/>
-              <a:buAutoNum type="arabicPeriod"/>
-            </a:pPr>
-            <a:endParaRPr lang="en-US" sz="1600" dirty="0">
-              <a:latin typeface="Arial" charset="0"/>
-              <a:ea typeface="Arial" charset="0"/>
-              <a:cs typeface="Arial" charset="0"/>
-            </a:endParaRPr>
-          </a:p>
-          <a:p>
-            <a:pPr marL="342900" indent="-342900">
-              <a:buFont typeface="+mj-lt"/>
-              <a:buAutoNum type="arabicPeriod"/>
-            </a:pPr>
-            <a:endParaRPr lang="en-US" sz="1600" dirty="0">
-              <a:latin typeface="Arial" charset="0"/>
-              <a:ea typeface="Arial" charset="0"/>
-              <a:cs typeface="Arial" charset="0"/>
-            </a:endParaRPr>
-          </a:p>
-        </p:txBody>
-      </p:sp>
-      <p:sp>
-        <p:nvSpPr>
-          <p:cNvPr id="37" name="Text Placeholder 3"/>
-          <p:cNvSpPr>
-            <a:spLocks noGrp="1"/>
-          </p:cNvSpPr>
-          <p:nvPr>
-            <p:ph type="body" sz="quarter" idx="4294967295"/>
-          </p:nvPr>
-        </p:nvSpPr>
-        <p:spPr>
-          <a:xfrm>
-            <a:off x="7872413" y="1587500"/>
-            <a:ext cx="4319587" cy="3884613"/>
-          </a:xfrm>
-        </p:spPr>
-        <p:txBody>
-          <a:bodyPr/>
-          <a:lstStyle/>
-          <a:p>
-            <a:r>
-              <a:rPr lang="en-US" sz="1600" b="1" dirty="0">
-                <a:latin typeface="Arial" charset="0"/>
-                <a:ea typeface="Arial" charset="0"/>
-                <a:cs typeface="Arial" charset="0"/>
-              </a:rPr>
-              <a:t>You can also click the Pictures command in a placeholder to insert images.</a:t>
-            </a:r>
-          </a:p>
-          <a:p>
-            <a:r>
-              <a:rPr lang="en-US" sz="1600" dirty="0">
-                <a:latin typeface="Arial" charset="0"/>
-                <a:ea typeface="Arial" charset="0"/>
-                <a:cs typeface="Arial" charset="0"/>
-              </a:rPr>
-              <a:t>Follow the same process after clicking the icon.</a:t>
-            </a:r>
-          </a:p>
-          <a:p>
-            <a:endParaRPr lang="en-US" sz="1600" b="1" dirty="0">
-              <a:latin typeface="Arial" charset="0"/>
-              <a:ea typeface="Arial" charset="0"/>
-              <a:cs typeface="Arial" charset="0"/>
-            </a:endParaRPr>
-          </a:p>
-          <a:p>
-            <a:endParaRPr lang="en-US" sz="1600" b="1" dirty="0">
-              <a:latin typeface="Arial" charset="0"/>
-              <a:ea typeface="Arial" charset="0"/>
-              <a:cs typeface="Arial" charset="0"/>
-            </a:endParaRPr>
-          </a:p>
-          <a:p>
-            <a:endParaRPr lang="en-US" sz="1600" b="1" dirty="0">
-              <a:latin typeface="Arial" charset="0"/>
-              <a:ea typeface="Arial" charset="0"/>
-              <a:cs typeface="Arial" charset="0"/>
-            </a:endParaRPr>
-          </a:p>
-          <a:p>
-            <a:endParaRPr lang="en-US" sz="1600" b="1" dirty="0">
-              <a:latin typeface="Arial" charset="0"/>
-              <a:ea typeface="Arial" charset="0"/>
-              <a:cs typeface="Arial" charset="0"/>
-            </a:endParaRPr>
-          </a:p>
-          <a:p>
-            <a:endParaRPr lang="en-US" sz="1600" b="1" dirty="0">
-              <a:latin typeface="Arial" charset="0"/>
-              <a:ea typeface="Arial" charset="0"/>
-              <a:cs typeface="Arial" charset="0"/>
-            </a:endParaRPr>
-          </a:p>
-          <a:p>
-            <a:endParaRPr lang="en-US" sz="1600" b="1" dirty="0">
-              <a:latin typeface="Arial" charset="0"/>
-              <a:ea typeface="Arial" charset="0"/>
-              <a:cs typeface="Arial" charset="0"/>
-            </a:endParaRPr>
-          </a:p>
-          <a:p>
-            <a:endParaRPr lang="en-US" sz="1600" b="1" dirty="0">
-              <a:latin typeface="Arial" charset="0"/>
-              <a:ea typeface="Arial" charset="0"/>
-              <a:cs typeface="Arial" charset="0"/>
-            </a:endParaRPr>
-          </a:p>
-          <a:p>
-            <a:r>
-              <a:rPr lang="en-US" sz="1600" dirty="0">
-                <a:solidFill>
-                  <a:schemeClr val="accent6"/>
-                </a:solidFill>
-                <a:latin typeface="Arial" charset="0"/>
-                <a:ea typeface="Arial" charset="0"/>
-                <a:cs typeface="Arial" charset="0"/>
-                <a:hlinkClick r:id="rId3"/>
-              </a:rPr>
-              <a:t>For more information:</a:t>
-            </a:r>
-            <a:endParaRPr lang="en-US" sz="1600" dirty="0">
-              <a:solidFill>
-                <a:schemeClr val="accent6"/>
-              </a:solidFill>
-              <a:latin typeface="Arial" charset="0"/>
-              <a:ea typeface="Arial" charset="0"/>
-              <a:cs typeface="Arial" charset="0"/>
-            </a:endParaRPr>
-          </a:p>
-          <a:p>
-            <a:endParaRPr lang="en-US" sz="1600" dirty="0">
-              <a:latin typeface="Arial" charset="0"/>
-              <a:ea typeface="Arial" charset="0"/>
-              <a:cs typeface="Arial" charset="0"/>
-            </a:endParaRPr>
-          </a:p>
-        </p:txBody>
-      </p:sp>
-      <p:pic>
-        <p:nvPicPr>
-          <p:cNvPr id="20" name="Picture Placeholder 18"/>
-          <p:cNvPicPr>
-            <a:picLocks noChangeAspect="1"/>
-          </p:cNvPicPr>
-          <p:nvPr/>
-        </p:nvPicPr>
-        <p:blipFill rotWithShape="1">
-          <a:blip r:embed="rId4" cstate="hqprint">
-            <a:extLst>
-              <a:ext uri="{28A0092B-C50C-407E-A947-70E740481C1C}">
-                <a14:useLocalDpi xmlns:a14="http://schemas.microsoft.com/office/drawing/2010/main"/>
-              </a:ext>
-            </a:extLst>
-          </a:blip>
-          <a:srcRect/>
-          <a:stretch/>
-        </p:blipFill>
-        <p:spPr>
-          <a:xfrm>
-            <a:off x="10248729" y="3332770"/>
-            <a:ext cx="1147294" cy="1147294"/>
-          </a:xfrm>
-          <a:custGeom>
-            <a:avLst/>
-            <a:gdLst>
-              <a:gd name="connsiteX0" fmla="*/ 0 w 3321050"/>
-              <a:gd name="connsiteY0" fmla="*/ 553255 h 3319463"/>
-              <a:gd name="connsiteX1" fmla="*/ 553255 w 3321050"/>
-              <a:gd name="connsiteY1" fmla="*/ 0 h 3319463"/>
-              <a:gd name="connsiteX2" fmla="*/ 2767795 w 3321050"/>
-              <a:gd name="connsiteY2" fmla="*/ 0 h 3319463"/>
-              <a:gd name="connsiteX3" fmla="*/ 3321050 w 3321050"/>
-              <a:gd name="connsiteY3" fmla="*/ 553255 h 3319463"/>
-              <a:gd name="connsiteX4" fmla="*/ 3321050 w 3321050"/>
-              <a:gd name="connsiteY4" fmla="*/ 2766208 h 3319463"/>
-              <a:gd name="connsiteX5" fmla="*/ 2767795 w 3321050"/>
-              <a:gd name="connsiteY5" fmla="*/ 3319463 h 3319463"/>
-              <a:gd name="connsiteX6" fmla="*/ 553255 w 3321050"/>
-              <a:gd name="connsiteY6" fmla="*/ 3319463 h 3319463"/>
-              <a:gd name="connsiteX7" fmla="*/ 0 w 3321050"/>
-              <a:gd name="connsiteY7" fmla="*/ 2766208 h 3319463"/>
-              <a:gd name="connsiteX8" fmla="*/ 0 w 3321050"/>
-              <a:gd name="connsiteY8" fmla="*/ 553255 h 3319463"/>
-              <a:gd name="connsiteX0" fmla="*/ 0 w 3321050"/>
-              <a:gd name="connsiteY0" fmla="*/ 553255 h 3319463"/>
-              <a:gd name="connsiteX1" fmla="*/ 553255 w 3321050"/>
-              <a:gd name="connsiteY1" fmla="*/ 0 h 3319463"/>
-              <a:gd name="connsiteX2" fmla="*/ 2767795 w 3321050"/>
-              <a:gd name="connsiteY2" fmla="*/ 0 h 3319463"/>
-              <a:gd name="connsiteX3" fmla="*/ 3321050 w 3321050"/>
-              <a:gd name="connsiteY3" fmla="*/ 553255 h 3319463"/>
-              <a:gd name="connsiteX4" fmla="*/ 3321050 w 3321050"/>
-              <a:gd name="connsiteY4" fmla="*/ 2766208 h 3319463"/>
-              <a:gd name="connsiteX5" fmla="*/ 2767795 w 3321050"/>
-              <a:gd name="connsiteY5" fmla="*/ 3319463 h 3319463"/>
-              <a:gd name="connsiteX6" fmla="*/ 553255 w 3321050"/>
-              <a:gd name="connsiteY6" fmla="*/ 3319463 h 3319463"/>
-              <a:gd name="connsiteX7" fmla="*/ 0 w 3321050"/>
-              <a:gd name="connsiteY7" fmla="*/ 2766208 h 3319463"/>
-              <a:gd name="connsiteX8" fmla="*/ 0 w 3321050"/>
-              <a:gd name="connsiteY8" fmla="*/ 553255 h 3319463"/>
-              <a:gd name="connsiteX0" fmla="*/ 0 w 3321050"/>
-              <a:gd name="connsiteY0" fmla="*/ 553255 h 3319463"/>
-              <a:gd name="connsiteX1" fmla="*/ 553255 w 3321050"/>
-              <a:gd name="connsiteY1" fmla="*/ 0 h 3319463"/>
-              <a:gd name="connsiteX2" fmla="*/ 2767795 w 3321050"/>
-              <a:gd name="connsiteY2" fmla="*/ 0 h 3319463"/>
-              <a:gd name="connsiteX3" fmla="*/ 3321050 w 3321050"/>
-              <a:gd name="connsiteY3" fmla="*/ 553255 h 3319463"/>
-              <a:gd name="connsiteX4" fmla="*/ 3321050 w 3321050"/>
-              <a:gd name="connsiteY4" fmla="*/ 2766208 h 3319463"/>
-              <a:gd name="connsiteX5" fmla="*/ 2767795 w 3321050"/>
-              <a:gd name="connsiteY5" fmla="*/ 3319463 h 3319463"/>
-              <a:gd name="connsiteX6" fmla="*/ 553255 w 3321050"/>
-              <a:gd name="connsiteY6" fmla="*/ 3319463 h 3319463"/>
-              <a:gd name="connsiteX7" fmla="*/ 0 w 3321050"/>
-              <a:gd name="connsiteY7" fmla="*/ 2766208 h 3319463"/>
-              <a:gd name="connsiteX8" fmla="*/ 0 w 3321050"/>
-              <a:gd name="connsiteY8" fmla="*/ 553255 h 3319463"/>
-              <a:gd name="connsiteX0" fmla="*/ 1992 w 3323042"/>
-              <a:gd name="connsiteY0" fmla="*/ 553255 h 3319463"/>
-              <a:gd name="connsiteX1" fmla="*/ 555247 w 3323042"/>
-              <a:gd name="connsiteY1" fmla="*/ 0 h 3319463"/>
-              <a:gd name="connsiteX2" fmla="*/ 2769787 w 3323042"/>
-              <a:gd name="connsiteY2" fmla="*/ 0 h 3319463"/>
-              <a:gd name="connsiteX3" fmla="*/ 3323042 w 3323042"/>
-              <a:gd name="connsiteY3" fmla="*/ 553255 h 3319463"/>
-              <a:gd name="connsiteX4" fmla="*/ 3323042 w 3323042"/>
-              <a:gd name="connsiteY4" fmla="*/ 2766208 h 3319463"/>
-              <a:gd name="connsiteX5" fmla="*/ 2769787 w 3323042"/>
-              <a:gd name="connsiteY5" fmla="*/ 3319463 h 3319463"/>
-              <a:gd name="connsiteX6" fmla="*/ 555247 w 3323042"/>
-              <a:gd name="connsiteY6" fmla="*/ 3319463 h 3319463"/>
-              <a:gd name="connsiteX7" fmla="*/ 1992 w 3323042"/>
-              <a:gd name="connsiteY7" fmla="*/ 2766208 h 3319463"/>
-              <a:gd name="connsiteX8" fmla="*/ 1992 w 3323042"/>
-              <a:gd name="connsiteY8" fmla="*/ 553255 h 3319463"/>
-              <a:gd name="connsiteX0" fmla="*/ 1992 w 3323042"/>
-              <a:gd name="connsiteY0" fmla="*/ 553255 h 3319463"/>
-              <a:gd name="connsiteX1" fmla="*/ 555247 w 3323042"/>
-              <a:gd name="connsiteY1" fmla="*/ 0 h 3319463"/>
-              <a:gd name="connsiteX2" fmla="*/ 2769787 w 3323042"/>
-              <a:gd name="connsiteY2" fmla="*/ 0 h 3319463"/>
-              <a:gd name="connsiteX3" fmla="*/ 3323042 w 3323042"/>
-              <a:gd name="connsiteY3" fmla="*/ 553255 h 3319463"/>
-              <a:gd name="connsiteX4" fmla="*/ 3323042 w 3323042"/>
-              <a:gd name="connsiteY4" fmla="*/ 2766208 h 3319463"/>
-              <a:gd name="connsiteX5" fmla="*/ 2769787 w 3323042"/>
-              <a:gd name="connsiteY5" fmla="*/ 3319463 h 3319463"/>
-              <a:gd name="connsiteX6" fmla="*/ 555247 w 3323042"/>
-              <a:gd name="connsiteY6" fmla="*/ 3319463 h 3319463"/>
-              <a:gd name="connsiteX7" fmla="*/ 1992 w 3323042"/>
-              <a:gd name="connsiteY7" fmla="*/ 2766208 h 3319463"/>
-              <a:gd name="connsiteX8" fmla="*/ 1992 w 3323042"/>
-              <a:gd name="connsiteY8" fmla="*/ 553255 h 3319463"/>
-              <a:gd name="connsiteX0" fmla="*/ 1992 w 3323042"/>
-              <a:gd name="connsiteY0" fmla="*/ 553255 h 3319463"/>
-              <a:gd name="connsiteX1" fmla="*/ 555247 w 3323042"/>
-              <a:gd name="connsiteY1" fmla="*/ 0 h 3319463"/>
-              <a:gd name="connsiteX2" fmla="*/ 2769787 w 3323042"/>
-              <a:gd name="connsiteY2" fmla="*/ 0 h 3319463"/>
-              <a:gd name="connsiteX3" fmla="*/ 3323042 w 3323042"/>
-              <a:gd name="connsiteY3" fmla="*/ 553255 h 3319463"/>
-              <a:gd name="connsiteX4" fmla="*/ 3323042 w 3323042"/>
-              <a:gd name="connsiteY4" fmla="*/ 2766208 h 3319463"/>
-              <a:gd name="connsiteX5" fmla="*/ 2769787 w 3323042"/>
-              <a:gd name="connsiteY5" fmla="*/ 3319463 h 3319463"/>
-              <a:gd name="connsiteX6" fmla="*/ 555247 w 3323042"/>
-              <a:gd name="connsiteY6" fmla="*/ 3319463 h 3319463"/>
-              <a:gd name="connsiteX7" fmla="*/ 1992 w 3323042"/>
-              <a:gd name="connsiteY7" fmla="*/ 2766208 h 3319463"/>
-              <a:gd name="connsiteX8" fmla="*/ 1992 w 3323042"/>
-              <a:gd name="connsiteY8" fmla="*/ 553255 h 3319463"/>
-              <a:gd name="connsiteX0" fmla="*/ 939 w 3321989"/>
-              <a:gd name="connsiteY0" fmla="*/ 553255 h 3319463"/>
-              <a:gd name="connsiteX1" fmla="*/ 13605 w 3321989"/>
-              <a:gd name="connsiteY1" fmla="*/ 5751 h 3319463"/>
-              <a:gd name="connsiteX2" fmla="*/ 2768734 w 3321989"/>
-              <a:gd name="connsiteY2" fmla="*/ 0 h 3319463"/>
-              <a:gd name="connsiteX3" fmla="*/ 3321989 w 3321989"/>
-              <a:gd name="connsiteY3" fmla="*/ 553255 h 3319463"/>
-              <a:gd name="connsiteX4" fmla="*/ 3321989 w 3321989"/>
-              <a:gd name="connsiteY4" fmla="*/ 2766208 h 3319463"/>
-              <a:gd name="connsiteX5" fmla="*/ 2768734 w 3321989"/>
-              <a:gd name="connsiteY5" fmla="*/ 3319463 h 3319463"/>
-              <a:gd name="connsiteX6" fmla="*/ 554194 w 3321989"/>
-              <a:gd name="connsiteY6" fmla="*/ 3319463 h 3319463"/>
-              <a:gd name="connsiteX7" fmla="*/ 939 w 3321989"/>
-              <a:gd name="connsiteY7" fmla="*/ 2766208 h 3319463"/>
-              <a:gd name="connsiteX8" fmla="*/ 939 w 3321989"/>
-              <a:gd name="connsiteY8" fmla="*/ 553255 h 3319463"/>
-              <a:gd name="connsiteX0" fmla="*/ 939 w 3321989"/>
-              <a:gd name="connsiteY0" fmla="*/ 553402 h 3319610"/>
-              <a:gd name="connsiteX1" fmla="*/ 13605 w 3321989"/>
-              <a:gd name="connsiteY1" fmla="*/ 5898 h 3319610"/>
-              <a:gd name="connsiteX2" fmla="*/ 2768734 w 3321989"/>
-              <a:gd name="connsiteY2" fmla="*/ 147 h 3319610"/>
-              <a:gd name="connsiteX3" fmla="*/ 3321989 w 3321989"/>
-              <a:gd name="connsiteY3" fmla="*/ 553402 h 3319610"/>
-              <a:gd name="connsiteX4" fmla="*/ 3321989 w 3321989"/>
-              <a:gd name="connsiteY4" fmla="*/ 2766355 h 3319610"/>
-              <a:gd name="connsiteX5" fmla="*/ 2768734 w 3321989"/>
-              <a:gd name="connsiteY5" fmla="*/ 3319610 h 3319610"/>
-              <a:gd name="connsiteX6" fmla="*/ 554194 w 3321989"/>
-              <a:gd name="connsiteY6" fmla="*/ 3319610 h 3319610"/>
-              <a:gd name="connsiteX7" fmla="*/ 939 w 3321989"/>
-              <a:gd name="connsiteY7" fmla="*/ 2766355 h 3319610"/>
-              <a:gd name="connsiteX8" fmla="*/ 939 w 3321989"/>
-              <a:gd name="connsiteY8" fmla="*/ 553402 h 3319610"/>
-              <a:gd name="connsiteX0" fmla="*/ 13605 w 3321989"/>
-              <a:gd name="connsiteY0" fmla="*/ 5898 h 3319610"/>
-              <a:gd name="connsiteX1" fmla="*/ 2768734 w 3321989"/>
-              <a:gd name="connsiteY1" fmla="*/ 147 h 3319610"/>
-              <a:gd name="connsiteX2" fmla="*/ 3321989 w 3321989"/>
-              <a:gd name="connsiteY2" fmla="*/ 553402 h 3319610"/>
-              <a:gd name="connsiteX3" fmla="*/ 3321989 w 3321989"/>
-              <a:gd name="connsiteY3" fmla="*/ 2766355 h 3319610"/>
-              <a:gd name="connsiteX4" fmla="*/ 2768734 w 3321989"/>
-              <a:gd name="connsiteY4" fmla="*/ 3319610 h 3319610"/>
-              <a:gd name="connsiteX5" fmla="*/ 554194 w 3321989"/>
-              <a:gd name="connsiteY5" fmla="*/ 3319610 h 3319610"/>
-              <a:gd name="connsiteX6" fmla="*/ 939 w 3321989"/>
-              <a:gd name="connsiteY6" fmla="*/ 2766355 h 3319610"/>
-              <a:gd name="connsiteX7" fmla="*/ 939 w 3321989"/>
-              <a:gd name="connsiteY7" fmla="*/ 553402 h 3319610"/>
-              <a:gd name="connsiteX8" fmla="*/ 105045 w 3321989"/>
-              <a:gd name="connsiteY8" fmla="*/ 97338 h 3319610"/>
-              <a:gd name="connsiteX0" fmla="*/ 13605 w 3321989"/>
-              <a:gd name="connsiteY0" fmla="*/ 5898 h 3319610"/>
-              <a:gd name="connsiteX1" fmla="*/ 2768734 w 3321989"/>
-              <a:gd name="connsiteY1" fmla="*/ 147 h 3319610"/>
-              <a:gd name="connsiteX2" fmla="*/ 3321989 w 3321989"/>
-              <a:gd name="connsiteY2" fmla="*/ 553402 h 3319610"/>
-              <a:gd name="connsiteX3" fmla="*/ 3321989 w 3321989"/>
-              <a:gd name="connsiteY3" fmla="*/ 2766355 h 3319610"/>
-              <a:gd name="connsiteX4" fmla="*/ 2768734 w 3321989"/>
-              <a:gd name="connsiteY4" fmla="*/ 3319610 h 3319610"/>
-              <a:gd name="connsiteX5" fmla="*/ 554194 w 3321989"/>
-              <a:gd name="connsiteY5" fmla="*/ 3319610 h 3319610"/>
-              <a:gd name="connsiteX6" fmla="*/ 939 w 3321989"/>
-              <a:gd name="connsiteY6" fmla="*/ 2766355 h 3319610"/>
-              <a:gd name="connsiteX7" fmla="*/ 939 w 3321989"/>
-              <a:gd name="connsiteY7" fmla="*/ 553402 h 3319610"/>
-              <a:gd name="connsiteX0" fmla="*/ 13605 w 3321989"/>
-              <a:gd name="connsiteY0" fmla="*/ 5898 h 3319610"/>
-              <a:gd name="connsiteX1" fmla="*/ 2768734 w 3321989"/>
-              <a:gd name="connsiteY1" fmla="*/ 147 h 3319610"/>
-              <a:gd name="connsiteX2" fmla="*/ 3321989 w 3321989"/>
-              <a:gd name="connsiteY2" fmla="*/ 553402 h 3319610"/>
-              <a:gd name="connsiteX3" fmla="*/ 3321989 w 3321989"/>
-              <a:gd name="connsiteY3" fmla="*/ 2766355 h 3319610"/>
-              <a:gd name="connsiteX4" fmla="*/ 2768734 w 3321989"/>
-              <a:gd name="connsiteY4" fmla="*/ 3319610 h 3319610"/>
-              <a:gd name="connsiteX5" fmla="*/ 554194 w 3321989"/>
-              <a:gd name="connsiteY5" fmla="*/ 3319610 h 3319610"/>
-              <a:gd name="connsiteX6" fmla="*/ 939 w 3321989"/>
-              <a:gd name="connsiteY6" fmla="*/ 2766355 h 3319610"/>
-              <a:gd name="connsiteX7" fmla="*/ 939 w 3321989"/>
-              <a:gd name="connsiteY7" fmla="*/ 553402 h 3319610"/>
-              <a:gd name="connsiteX0" fmla="*/ 12666 w 3321050"/>
-              <a:gd name="connsiteY0" fmla="*/ 5898 h 3319610"/>
-              <a:gd name="connsiteX1" fmla="*/ 2767795 w 3321050"/>
-              <a:gd name="connsiteY1" fmla="*/ 147 h 3319610"/>
-              <a:gd name="connsiteX2" fmla="*/ 3321050 w 3321050"/>
-              <a:gd name="connsiteY2" fmla="*/ 553402 h 3319610"/>
-              <a:gd name="connsiteX3" fmla="*/ 3321050 w 3321050"/>
-              <a:gd name="connsiteY3" fmla="*/ 2766355 h 3319610"/>
-              <a:gd name="connsiteX4" fmla="*/ 2767795 w 3321050"/>
-              <a:gd name="connsiteY4" fmla="*/ 3319610 h 3319610"/>
-              <a:gd name="connsiteX5" fmla="*/ 553255 w 3321050"/>
-              <a:gd name="connsiteY5" fmla="*/ 3319610 h 3319610"/>
-              <a:gd name="connsiteX6" fmla="*/ 0 w 3321050"/>
-              <a:gd name="connsiteY6" fmla="*/ 2766355 h 3319610"/>
-              <a:gd name="connsiteX7" fmla="*/ 9903 w 3321050"/>
-              <a:gd name="connsiteY7" fmla="*/ 104455 h 3319610"/>
-              <a:gd name="connsiteX0" fmla="*/ 12666 w 3321050"/>
-              <a:gd name="connsiteY0" fmla="*/ 7088 h 3320800"/>
-              <a:gd name="connsiteX1" fmla="*/ 2767795 w 3321050"/>
-              <a:gd name="connsiteY1" fmla="*/ 1337 h 3320800"/>
-              <a:gd name="connsiteX2" fmla="*/ 3321050 w 3321050"/>
-              <a:gd name="connsiteY2" fmla="*/ 554592 h 3320800"/>
-              <a:gd name="connsiteX3" fmla="*/ 3321050 w 3321050"/>
-              <a:gd name="connsiteY3" fmla="*/ 2767545 h 3320800"/>
-              <a:gd name="connsiteX4" fmla="*/ 2767795 w 3321050"/>
-              <a:gd name="connsiteY4" fmla="*/ 3320800 h 3320800"/>
-              <a:gd name="connsiteX5" fmla="*/ 553255 w 3321050"/>
-              <a:gd name="connsiteY5" fmla="*/ 3320800 h 3320800"/>
-              <a:gd name="connsiteX6" fmla="*/ 0 w 3321050"/>
-              <a:gd name="connsiteY6" fmla="*/ 2767545 h 3320800"/>
-              <a:gd name="connsiteX7" fmla="*/ 13204 w 3321050"/>
-              <a:gd name="connsiteY7" fmla="*/ 10 h 3320800"/>
-            </a:gdLst>
-            <a:ahLst/>
-            <a:cxnLst>
-              <a:cxn ang="0">
-                <a:pos x="connsiteX0" y="connsiteY0"/>
-              </a:cxn>
-              <a:cxn ang="0">
-                <a:pos x="connsiteX1" y="connsiteY1"/>
-              </a:cxn>
-              <a:cxn ang="0">
-                <a:pos x="connsiteX2" y="connsiteY2"/>
-              </a:cxn>
-              <a:cxn ang="0">
-                <a:pos x="connsiteX3" y="connsiteY3"/>
-              </a:cxn>
-              <a:cxn ang="0">
-                <a:pos x="connsiteX4" y="connsiteY4"/>
-              </a:cxn>
-              <a:cxn ang="0">
-                <a:pos x="connsiteX5" y="connsiteY5"/>
-              </a:cxn>
-              <a:cxn ang="0">
-                <a:pos x="connsiteX6" y="connsiteY6"/>
-              </a:cxn>
-              <a:cxn ang="0">
-                <a:pos x="connsiteX7" y="connsiteY7"/>
-              </a:cxn>
-            </a:cxnLst>
-            <a:rect l="l" t="t" r="r" b="b"/>
-            <a:pathLst>
-              <a:path w="3321050" h="3320800">
-                <a:moveTo>
-                  <a:pt x="12666" y="7088"/>
-                </a:moveTo>
-                <a:cubicBezTo>
-                  <a:pt x="16888" y="-2885"/>
-                  <a:pt x="1849419" y="3254"/>
-                  <a:pt x="2767795" y="1337"/>
-                </a:cubicBezTo>
-                <a:cubicBezTo>
-                  <a:pt x="3073349" y="1337"/>
-                  <a:pt x="3321050" y="249038"/>
-                  <a:pt x="3321050" y="554592"/>
-                </a:cubicBezTo>
-                <a:lnTo>
-                  <a:pt x="3321050" y="2767545"/>
-                </a:lnTo>
-                <a:cubicBezTo>
-                  <a:pt x="3321050" y="3073099"/>
-                  <a:pt x="3073349" y="3320800"/>
-                  <a:pt x="2767795" y="3320800"/>
-                </a:cubicBezTo>
-                <a:lnTo>
-                  <a:pt x="553255" y="3320800"/>
-                </a:lnTo>
-                <a:cubicBezTo>
-                  <a:pt x="247701" y="3320800"/>
-                  <a:pt x="0" y="3073099"/>
-                  <a:pt x="0" y="2767545"/>
-                </a:cubicBezTo>
-                <a:cubicBezTo>
-                  <a:pt x="0" y="2029894"/>
-                  <a:pt x="11093" y="-5367"/>
-                  <a:pt x="13204" y="10"/>
-                </a:cubicBezTo>
-              </a:path>
-            </a:pathLst>
-          </a:custGeom>
-          <a:ln w="635">
-            <a:solidFill>
-              <a:schemeClr val="tx2"/>
-            </a:solidFill>
-          </a:ln>
-        </p:spPr>
-      </p:pic>
-      <p:pic>
-        <p:nvPicPr>
-          <p:cNvPr id="25" name="Picture 24"/>
-          <p:cNvPicPr>
-            <a:picLocks noChangeAspect="1"/>
-          </p:cNvPicPr>
-          <p:nvPr/>
-        </p:nvPicPr>
-        <p:blipFill>
-          <a:blip r:embed="rId5">
-            <a:extLst>
-              <a:ext uri="{28A0092B-C50C-407E-A947-70E740481C1C}">
-                <a14:useLocalDpi xmlns:a14="http://schemas.microsoft.com/office/drawing/2010/main"/>
-              </a:ext>
-            </a:extLst>
-          </a:blip>
-          <a:stretch>
-            <a:fillRect/>
-          </a:stretch>
-        </p:blipFill>
-        <p:spPr>
-          <a:xfrm>
-            <a:off x="10014727" y="1648236"/>
-            <a:ext cx="1615298" cy="1593272"/>
-          </a:xfrm>
-          <a:prstGeom prst="rect">
-            <a:avLst/>
-          </a:prstGeom>
-        </p:spPr>
-      </p:pic>
-      <p:pic>
-        <p:nvPicPr>
-          <p:cNvPr id="31" name="Picture 30"/>
-          <p:cNvPicPr>
-            <a:picLocks noChangeAspect="1"/>
-          </p:cNvPicPr>
-          <p:nvPr/>
-        </p:nvPicPr>
-        <p:blipFill rotWithShape="1">
-          <a:blip r:embed="rId6" cstate="hqprint">
-            <a:extLst>
-              <a:ext uri="{28A0092B-C50C-407E-A947-70E740481C1C}">
-                <a14:useLocalDpi xmlns:a14="http://schemas.microsoft.com/office/drawing/2010/main"/>
-              </a:ext>
-            </a:extLst>
-          </a:blip>
-          <a:srcRect/>
-          <a:stretch/>
-        </p:blipFill>
-        <p:spPr>
-          <a:xfrm>
-            <a:off x="1647561" y="2864419"/>
-            <a:ext cx="4596076" cy="1530611"/>
-          </a:xfrm>
-          <a:prstGeom prst="rect">
-            <a:avLst/>
-          </a:prstGeom>
-        </p:spPr>
-      </p:pic>
-      <p:pic>
-        <p:nvPicPr>
-          <p:cNvPr id="33" name="Picture 32"/>
-          <p:cNvPicPr>
-            <a:picLocks noChangeAspect="1"/>
-          </p:cNvPicPr>
-          <p:nvPr/>
-        </p:nvPicPr>
-        <p:blipFill>
-          <a:blip r:embed="rId7">
-            <a:extLst>
-              <a:ext uri="{28A0092B-C50C-407E-A947-70E740481C1C}">
-                <a14:useLocalDpi xmlns:a14="http://schemas.microsoft.com/office/drawing/2010/main"/>
-              </a:ext>
-            </a:extLst>
-          </a:blip>
-          <a:stretch>
-            <a:fillRect/>
-          </a:stretch>
-        </p:blipFill>
-        <p:spPr>
-          <a:xfrm>
-            <a:off x="18663949" y="2536270"/>
-            <a:ext cx="3057312" cy="2736616"/>
-          </a:xfrm>
-          <a:prstGeom prst="rect">
-            <a:avLst/>
-          </a:prstGeom>
-        </p:spPr>
-      </p:pic>
-      <p:pic>
-        <p:nvPicPr>
-          <p:cNvPr id="34" name="Picture 33"/>
-          <p:cNvPicPr>
-            <a:picLocks noChangeAspect="1"/>
-          </p:cNvPicPr>
-          <p:nvPr/>
-        </p:nvPicPr>
-        <p:blipFill rotWithShape="1">
-          <a:blip r:embed="rId8" cstate="hqprint">
-            <a:extLst>
-              <a:ext uri="{28A0092B-C50C-407E-A947-70E740481C1C}">
-                <a14:useLocalDpi xmlns:a14="http://schemas.microsoft.com/office/drawing/2010/main"/>
-              </a:ext>
-            </a:extLst>
-          </a:blip>
-          <a:srcRect/>
-          <a:stretch/>
-        </p:blipFill>
-        <p:spPr>
-          <a:xfrm>
-            <a:off x="16015413" y="2644781"/>
-            <a:ext cx="2747812" cy="2655886"/>
-          </a:xfrm>
-          <a:prstGeom prst="rect">
-            <a:avLst/>
-          </a:prstGeom>
-        </p:spPr>
-      </p:pic>
-      <p:sp>
-        <p:nvSpPr>
-          <p:cNvPr id="38" name="Right Arrow 37"/>
-          <p:cNvSpPr/>
-          <p:nvPr/>
-        </p:nvSpPr>
-        <p:spPr>
-          <a:xfrm rot="18974419">
-            <a:off x="16823282" y="4080110"/>
-            <a:ext cx="710236" cy="351800"/>
-          </a:xfrm>
-          <a:prstGeom prst="rightArrow">
-            <a:avLst/>
-          </a:prstGeom>
-          <a:solidFill>
-            <a:schemeClr val="accent3"/>
-          </a:solidFill>
-          <a:ln>
-            <a:noFill/>
-            <a:prstDash val="dash"/>
-          </a:ln>
-        </p:spPr>
-        <p:txBody>
-          <a:bodyPr wrap="square" lIns="0" rtlCol="0" anchor="ctr">
-            <a:noAutofit/>
-          </a:bodyPr>
-          <a:lstStyle/>
-          <a:p>
-            <a:pPr algn="ctr"/>
-            <a:endParaRPr lang="en-US" dirty="0"/>
-          </a:p>
-        </p:txBody>
-      </p:sp>
-      <p:sp>
-        <p:nvSpPr>
-          <p:cNvPr id="39" name="Right Arrow 38"/>
-          <p:cNvSpPr/>
-          <p:nvPr/>
-        </p:nvSpPr>
-        <p:spPr>
-          <a:xfrm rot="18974419">
-            <a:off x="18686973" y="4445134"/>
-            <a:ext cx="710236" cy="351800"/>
-          </a:xfrm>
-          <a:prstGeom prst="rightArrow">
-            <a:avLst/>
-          </a:prstGeom>
-          <a:solidFill>
-            <a:schemeClr val="accent3"/>
-          </a:solidFill>
-          <a:ln>
-            <a:noFill/>
-            <a:prstDash val="dash"/>
-          </a:ln>
-        </p:spPr>
-        <p:txBody>
-          <a:bodyPr wrap="square" lIns="0" rtlCol="0" anchor="ctr">
-            <a:noAutofit/>
-          </a:bodyPr>
-          <a:lstStyle/>
-          <a:p>
-            <a:pPr algn="ctr"/>
-            <a:endParaRPr lang="en-US" dirty="0"/>
-          </a:p>
-        </p:txBody>
-      </p:sp>
-      <p:sp>
-        <p:nvSpPr>
-          <p:cNvPr id="46" name="Rounded Rectangle 45"/>
-          <p:cNvSpPr/>
-          <p:nvPr/>
-        </p:nvSpPr>
-        <p:spPr>
-          <a:xfrm>
-            <a:off x="1521253" y="4803498"/>
-            <a:ext cx="9874769" cy="1651808"/>
-          </a:xfrm>
-          <a:prstGeom prst="roundRect">
-            <a:avLst/>
-          </a:prstGeom>
-          <a:solidFill>
-            <a:schemeClr val="accent3"/>
-          </a:solidFill>
-          <a:ln>
-            <a:noFill/>
-            <a:prstDash val="dash"/>
-          </a:ln>
-        </p:spPr>
-        <p:txBody>
-          <a:bodyPr wrap="square" lIns="0" rtlCol="0" anchor="ctr">
-            <a:noAutofit/>
-          </a:bodyPr>
-          <a:lstStyle/>
-          <a:p>
-            <a:pPr marL="360000"/>
-            <a:r>
-              <a:rPr lang="en-US" sz="2000" dirty="0">
-                <a:solidFill>
-                  <a:schemeClr val="bg2"/>
-                </a:solidFill>
-                <a:latin typeface="Arial" charset="0"/>
-                <a:ea typeface="Arial" charset="0"/>
-                <a:cs typeface="Arial" charset="0"/>
-              </a:rPr>
-              <a:t>TIP: Be consistent with size </a:t>
-            </a:r>
-          </a:p>
-          <a:p>
-            <a:pPr marL="360000"/>
-            <a:r>
-              <a:rPr lang="en-US" sz="2000" dirty="0">
-                <a:solidFill>
-                  <a:schemeClr val="bg2"/>
-                </a:solidFill>
-                <a:latin typeface="Arial" charset="0"/>
-                <a:ea typeface="Arial" charset="0"/>
-                <a:cs typeface="Arial" charset="0"/>
-              </a:rPr>
-              <a:t>And position of faces when</a:t>
-            </a:r>
-          </a:p>
-          <a:p>
-            <a:pPr marL="360000"/>
-            <a:r>
-              <a:rPr lang="en-US" sz="2000" dirty="0">
-                <a:solidFill>
-                  <a:schemeClr val="bg2"/>
-                </a:solidFill>
-                <a:latin typeface="Arial" charset="0"/>
-                <a:ea typeface="Arial" charset="0"/>
-                <a:cs typeface="Arial" charset="0"/>
-              </a:rPr>
-              <a:t>Using multiple headshots.</a:t>
-            </a:r>
-            <a:endParaRPr lang="en-US" sz="2000" dirty="0"/>
-          </a:p>
-        </p:txBody>
-      </p:sp>
-      <p:pic>
-        <p:nvPicPr>
-          <p:cNvPr id="27" name="Picture Placeholder 18"/>
-          <p:cNvPicPr>
-            <a:picLocks noChangeAspect="1"/>
-          </p:cNvPicPr>
-          <p:nvPr/>
-        </p:nvPicPr>
-        <p:blipFill rotWithShape="1">
-          <a:blip r:embed="rId9" cstate="hqprint">
-            <a:extLst>
-              <a:ext uri="{28A0092B-C50C-407E-A947-70E740481C1C}">
-                <a14:useLocalDpi xmlns:a14="http://schemas.microsoft.com/office/drawing/2010/main"/>
-              </a:ext>
-            </a:extLst>
-          </a:blip>
-          <a:srcRect/>
-          <a:stretch/>
-        </p:blipFill>
-        <p:spPr>
-          <a:xfrm>
-            <a:off x="5652357" y="4941774"/>
-            <a:ext cx="1337964" cy="1337964"/>
-          </a:xfrm>
-          <a:custGeom>
-            <a:avLst/>
-            <a:gdLst>
-              <a:gd name="connsiteX0" fmla="*/ 0 w 3321050"/>
-              <a:gd name="connsiteY0" fmla="*/ 553255 h 3319463"/>
-              <a:gd name="connsiteX1" fmla="*/ 553255 w 3321050"/>
-              <a:gd name="connsiteY1" fmla="*/ 0 h 3319463"/>
-              <a:gd name="connsiteX2" fmla="*/ 2767795 w 3321050"/>
-              <a:gd name="connsiteY2" fmla="*/ 0 h 3319463"/>
-              <a:gd name="connsiteX3" fmla="*/ 3321050 w 3321050"/>
-              <a:gd name="connsiteY3" fmla="*/ 553255 h 3319463"/>
-              <a:gd name="connsiteX4" fmla="*/ 3321050 w 3321050"/>
-              <a:gd name="connsiteY4" fmla="*/ 2766208 h 3319463"/>
-              <a:gd name="connsiteX5" fmla="*/ 2767795 w 3321050"/>
-              <a:gd name="connsiteY5" fmla="*/ 3319463 h 3319463"/>
-              <a:gd name="connsiteX6" fmla="*/ 553255 w 3321050"/>
-              <a:gd name="connsiteY6" fmla="*/ 3319463 h 3319463"/>
-              <a:gd name="connsiteX7" fmla="*/ 0 w 3321050"/>
-              <a:gd name="connsiteY7" fmla="*/ 2766208 h 3319463"/>
-              <a:gd name="connsiteX8" fmla="*/ 0 w 3321050"/>
-              <a:gd name="connsiteY8" fmla="*/ 553255 h 3319463"/>
-              <a:gd name="connsiteX0" fmla="*/ 0 w 3321050"/>
-              <a:gd name="connsiteY0" fmla="*/ 553255 h 3319463"/>
-              <a:gd name="connsiteX1" fmla="*/ 553255 w 3321050"/>
-              <a:gd name="connsiteY1" fmla="*/ 0 h 3319463"/>
-              <a:gd name="connsiteX2" fmla="*/ 2767795 w 3321050"/>
-              <a:gd name="connsiteY2" fmla="*/ 0 h 3319463"/>
-              <a:gd name="connsiteX3" fmla="*/ 3321050 w 3321050"/>
-              <a:gd name="connsiteY3" fmla="*/ 553255 h 3319463"/>
-              <a:gd name="connsiteX4" fmla="*/ 3321050 w 3321050"/>
-              <a:gd name="connsiteY4" fmla="*/ 2766208 h 3319463"/>
-              <a:gd name="connsiteX5" fmla="*/ 2767795 w 3321050"/>
-              <a:gd name="connsiteY5" fmla="*/ 3319463 h 3319463"/>
-              <a:gd name="connsiteX6" fmla="*/ 553255 w 3321050"/>
-              <a:gd name="connsiteY6" fmla="*/ 3319463 h 3319463"/>
-              <a:gd name="connsiteX7" fmla="*/ 0 w 3321050"/>
-              <a:gd name="connsiteY7" fmla="*/ 2766208 h 3319463"/>
-              <a:gd name="connsiteX8" fmla="*/ 0 w 3321050"/>
-              <a:gd name="connsiteY8" fmla="*/ 553255 h 3319463"/>
-              <a:gd name="connsiteX0" fmla="*/ 0 w 3321050"/>
-              <a:gd name="connsiteY0" fmla="*/ 553255 h 3319463"/>
-              <a:gd name="connsiteX1" fmla="*/ 553255 w 3321050"/>
-              <a:gd name="connsiteY1" fmla="*/ 0 h 3319463"/>
-              <a:gd name="connsiteX2" fmla="*/ 2767795 w 3321050"/>
-              <a:gd name="connsiteY2" fmla="*/ 0 h 3319463"/>
-              <a:gd name="connsiteX3" fmla="*/ 3321050 w 3321050"/>
-              <a:gd name="connsiteY3" fmla="*/ 553255 h 3319463"/>
-              <a:gd name="connsiteX4" fmla="*/ 3321050 w 3321050"/>
-              <a:gd name="connsiteY4" fmla="*/ 2766208 h 3319463"/>
-              <a:gd name="connsiteX5" fmla="*/ 2767795 w 3321050"/>
-              <a:gd name="connsiteY5" fmla="*/ 3319463 h 3319463"/>
-              <a:gd name="connsiteX6" fmla="*/ 553255 w 3321050"/>
-              <a:gd name="connsiteY6" fmla="*/ 3319463 h 3319463"/>
-              <a:gd name="connsiteX7" fmla="*/ 0 w 3321050"/>
-              <a:gd name="connsiteY7" fmla="*/ 2766208 h 3319463"/>
-              <a:gd name="connsiteX8" fmla="*/ 0 w 3321050"/>
-              <a:gd name="connsiteY8" fmla="*/ 553255 h 3319463"/>
-              <a:gd name="connsiteX0" fmla="*/ 1992 w 3323042"/>
-              <a:gd name="connsiteY0" fmla="*/ 553255 h 3319463"/>
-              <a:gd name="connsiteX1" fmla="*/ 555247 w 3323042"/>
-              <a:gd name="connsiteY1" fmla="*/ 0 h 3319463"/>
-              <a:gd name="connsiteX2" fmla="*/ 2769787 w 3323042"/>
-              <a:gd name="connsiteY2" fmla="*/ 0 h 3319463"/>
-              <a:gd name="connsiteX3" fmla="*/ 3323042 w 3323042"/>
-              <a:gd name="connsiteY3" fmla="*/ 553255 h 3319463"/>
-              <a:gd name="connsiteX4" fmla="*/ 3323042 w 3323042"/>
-              <a:gd name="connsiteY4" fmla="*/ 2766208 h 3319463"/>
-              <a:gd name="connsiteX5" fmla="*/ 2769787 w 3323042"/>
-              <a:gd name="connsiteY5" fmla="*/ 3319463 h 3319463"/>
-              <a:gd name="connsiteX6" fmla="*/ 555247 w 3323042"/>
-              <a:gd name="connsiteY6" fmla="*/ 3319463 h 3319463"/>
-              <a:gd name="connsiteX7" fmla="*/ 1992 w 3323042"/>
-              <a:gd name="connsiteY7" fmla="*/ 2766208 h 3319463"/>
-              <a:gd name="connsiteX8" fmla="*/ 1992 w 3323042"/>
-              <a:gd name="connsiteY8" fmla="*/ 553255 h 3319463"/>
-              <a:gd name="connsiteX0" fmla="*/ 1992 w 3323042"/>
-              <a:gd name="connsiteY0" fmla="*/ 553255 h 3319463"/>
-              <a:gd name="connsiteX1" fmla="*/ 555247 w 3323042"/>
-              <a:gd name="connsiteY1" fmla="*/ 0 h 3319463"/>
-              <a:gd name="connsiteX2" fmla="*/ 2769787 w 3323042"/>
-              <a:gd name="connsiteY2" fmla="*/ 0 h 3319463"/>
-              <a:gd name="connsiteX3" fmla="*/ 3323042 w 3323042"/>
-              <a:gd name="connsiteY3" fmla="*/ 553255 h 3319463"/>
-              <a:gd name="connsiteX4" fmla="*/ 3323042 w 3323042"/>
-              <a:gd name="connsiteY4" fmla="*/ 2766208 h 3319463"/>
-              <a:gd name="connsiteX5" fmla="*/ 2769787 w 3323042"/>
-              <a:gd name="connsiteY5" fmla="*/ 3319463 h 3319463"/>
-              <a:gd name="connsiteX6" fmla="*/ 555247 w 3323042"/>
-              <a:gd name="connsiteY6" fmla="*/ 3319463 h 3319463"/>
-              <a:gd name="connsiteX7" fmla="*/ 1992 w 3323042"/>
-              <a:gd name="connsiteY7" fmla="*/ 2766208 h 3319463"/>
-              <a:gd name="connsiteX8" fmla="*/ 1992 w 3323042"/>
-              <a:gd name="connsiteY8" fmla="*/ 553255 h 3319463"/>
-              <a:gd name="connsiteX0" fmla="*/ 1992 w 3323042"/>
-              <a:gd name="connsiteY0" fmla="*/ 553255 h 3319463"/>
-              <a:gd name="connsiteX1" fmla="*/ 555247 w 3323042"/>
-              <a:gd name="connsiteY1" fmla="*/ 0 h 3319463"/>
-              <a:gd name="connsiteX2" fmla="*/ 2769787 w 3323042"/>
-              <a:gd name="connsiteY2" fmla="*/ 0 h 3319463"/>
-              <a:gd name="connsiteX3" fmla="*/ 3323042 w 3323042"/>
-              <a:gd name="connsiteY3" fmla="*/ 553255 h 3319463"/>
-              <a:gd name="connsiteX4" fmla="*/ 3323042 w 3323042"/>
-              <a:gd name="connsiteY4" fmla="*/ 2766208 h 3319463"/>
-              <a:gd name="connsiteX5" fmla="*/ 2769787 w 3323042"/>
-              <a:gd name="connsiteY5" fmla="*/ 3319463 h 3319463"/>
-              <a:gd name="connsiteX6" fmla="*/ 555247 w 3323042"/>
-              <a:gd name="connsiteY6" fmla="*/ 3319463 h 3319463"/>
-              <a:gd name="connsiteX7" fmla="*/ 1992 w 3323042"/>
-              <a:gd name="connsiteY7" fmla="*/ 2766208 h 3319463"/>
-              <a:gd name="connsiteX8" fmla="*/ 1992 w 3323042"/>
-              <a:gd name="connsiteY8" fmla="*/ 553255 h 3319463"/>
-              <a:gd name="connsiteX0" fmla="*/ 939 w 3321989"/>
-              <a:gd name="connsiteY0" fmla="*/ 553255 h 3319463"/>
-              <a:gd name="connsiteX1" fmla="*/ 13605 w 3321989"/>
-              <a:gd name="connsiteY1" fmla="*/ 5751 h 3319463"/>
-              <a:gd name="connsiteX2" fmla="*/ 2768734 w 3321989"/>
-              <a:gd name="connsiteY2" fmla="*/ 0 h 3319463"/>
-              <a:gd name="connsiteX3" fmla="*/ 3321989 w 3321989"/>
-              <a:gd name="connsiteY3" fmla="*/ 553255 h 3319463"/>
-              <a:gd name="connsiteX4" fmla="*/ 3321989 w 3321989"/>
-              <a:gd name="connsiteY4" fmla="*/ 2766208 h 3319463"/>
-              <a:gd name="connsiteX5" fmla="*/ 2768734 w 3321989"/>
-              <a:gd name="connsiteY5" fmla="*/ 3319463 h 3319463"/>
-              <a:gd name="connsiteX6" fmla="*/ 554194 w 3321989"/>
-              <a:gd name="connsiteY6" fmla="*/ 3319463 h 3319463"/>
-              <a:gd name="connsiteX7" fmla="*/ 939 w 3321989"/>
-              <a:gd name="connsiteY7" fmla="*/ 2766208 h 3319463"/>
-              <a:gd name="connsiteX8" fmla="*/ 939 w 3321989"/>
-              <a:gd name="connsiteY8" fmla="*/ 553255 h 3319463"/>
-              <a:gd name="connsiteX0" fmla="*/ 939 w 3321989"/>
-              <a:gd name="connsiteY0" fmla="*/ 553402 h 3319610"/>
-              <a:gd name="connsiteX1" fmla="*/ 13605 w 3321989"/>
-              <a:gd name="connsiteY1" fmla="*/ 5898 h 3319610"/>
-              <a:gd name="connsiteX2" fmla="*/ 2768734 w 3321989"/>
-              <a:gd name="connsiteY2" fmla="*/ 147 h 3319610"/>
-              <a:gd name="connsiteX3" fmla="*/ 3321989 w 3321989"/>
-              <a:gd name="connsiteY3" fmla="*/ 553402 h 3319610"/>
-              <a:gd name="connsiteX4" fmla="*/ 3321989 w 3321989"/>
-              <a:gd name="connsiteY4" fmla="*/ 2766355 h 3319610"/>
-              <a:gd name="connsiteX5" fmla="*/ 2768734 w 3321989"/>
-              <a:gd name="connsiteY5" fmla="*/ 3319610 h 3319610"/>
-              <a:gd name="connsiteX6" fmla="*/ 554194 w 3321989"/>
-              <a:gd name="connsiteY6" fmla="*/ 3319610 h 3319610"/>
-              <a:gd name="connsiteX7" fmla="*/ 939 w 3321989"/>
-              <a:gd name="connsiteY7" fmla="*/ 2766355 h 3319610"/>
-              <a:gd name="connsiteX8" fmla="*/ 939 w 3321989"/>
-              <a:gd name="connsiteY8" fmla="*/ 553402 h 3319610"/>
-              <a:gd name="connsiteX0" fmla="*/ 13605 w 3321989"/>
-              <a:gd name="connsiteY0" fmla="*/ 5898 h 3319610"/>
-              <a:gd name="connsiteX1" fmla="*/ 2768734 w 3321989"/>
-              <a:gd name="connsiteY1" fmla="*/ 147 h 3319610"/>
-              <a:gd name="connsiteX2" fmla="*/ 3321989 w 3321989"/>
-              <a:gd name="connsiteY2" fmla="*/ 553402 h 3319610"/>
-              <a:gd name="connsiteX3" fmla="*/ 3321989 w 3321989"/>
-              <a:gd name="connsiteY3" fmla="*/ 2766355 h 3319610"/>
-              <a:gd name="connsiteX4" fmla="*/ 2768734 w 3321989"/>
-              <a:gd name="connsiteY4" fmla="*/ 3319610 h 3319610"/>
-              <a:gd name="connsiteX5" fmla="*/ 554194 w 3321989"/>
-              <a:gd name="connsiteY5" fmla="*/ 3319610 h 3319610"/>
-              <a:gd name="connsiteX6" fmla="*/ 939 w 3321989"/>
-              <a:gd name="connsiteY6" fmla="*/ 2766355 h 3319610"/>
-              <a:gd name="connsiteX7" fmla="*/ 939 w 3321989"/>
-              <a:gd name="connsiteY7" fmla="*/ 553402 h 3319610"/>
-              <a:gd name="connsiteX8" fmla="*/ 105045 w 3321989"/>
-              <a:gd name="connsiteY8" fmla="*/ 97338 h 3319610"/>
-              <a:gd name="connsiteX0" fmla="*/ 13605 w 3321989"/>
-              <a:gd name="connsiteY0" fmla="*/ 5898 h 3319610"/>
-              <a:gd name="connsiteX1" fmla="*/ 2768734 w 3321989"/>
-              <a:gd name="connsiteY1" fmla="*/ 147 h 3319610"/>
-              <a:gd name="connsiteX2" fmla="*/ 3321989 w 3321989"/>
-              <a:gd name="connsiteY2" fmla="*/ 553402 h 3319610"/>
-              <a:gd name="connsiteX3" fmla="*/ 3321989 w 3321989"/>
-              <a:gd name="connsiteY3" fmla="*/ 2766355 h 3319610"/>
-              <a:gd name="connsiteX4" fmla="*/ 2768734 w 3321989"/>
-              <a:gd name="connsiteY4" fmla="*/ 3319610 h 3319610"/>
-              <a:gd name="connsiteX5" fmla="*/ 554194 w 3321989"/>
-              <a:gd name="connsiteY5" fmla="*/ 3319610 h 3319610"/>
-              <a:gd name="connsiteX6" fmla="*/ 939 w 3321989"/>
-              <a:gd name="connsiteY6" fmla="*/ 2766355 h 3319610"/>
-              <a:gd name="connsiteX7" fmla="*/ 939 w 3321989"/>
-              <a:gd name="connsiteY7" fmla="*/ 553402 h 3319610"/>
-              <a:gd name="connsiteX0" fmla="*/ 13605 w 3321989"/>
-              <a:gd name="connsiteY0" fmla="*/ 5898 h 3319610"/>
-              <a:gd name="connsiteX1" fmla="*/ 2768734 w 3321989"/>
-              <a:gd name="connsiteY1" fmla="*/ 147 h 3319610"/>
-              <a:gd name="connsiteX2" fmla="*/ 3321989 w 3321989"/>
-              <a:gd name="connsiteY2" fmla="*/ 553402 h 3319610"/>
-              <a:gd name="connsiteX3" fmla="*/ 3321989 w 3321989"/>
-              <a:gd name="connsiteY3" fmla="*/ 2766355 h 3319610"/>
-              <a:gd name="connsiteX4" fmla="*/ 2768734 w 3321989"/>
-              <a:gd name="connsiteY4" fmla="*/ 3319610 h 3319610"/>
-              <a:gd name="connsiteX5" fmla="*/ 554194 w 3321989"/>
-              <a:gd name="connsiteY5" fmla="*/ 3319610 h 3319610"/>
-              <a:gd name="connsiteX6" fmla="*/ 939 w 3321989"/>
-              <a:gd name="connsiteY6" fmla="*/ 2766355 h 3319610"/>
-              <a:gd name="connsiteX7" fmla="*/ 939 w 3321989"/>
-              <a:gd name="connsiteY7" fmla="*/ 553402 h 3319610"/>
-              <a:gd name="connsiteX0" fmla="*/ 12666 w 3321050"/>
-              <a:gd name="connsiteY0" fmla="*/ 5898 h 3319610"/>
-              <a:gd name="connsiteX1" fmla="*/ 2767795 w 3321050"/>
-              <a:gd name="connsiteY1" fmla="*/ 147 h 3319610"/>
-              <a:gd name="connsiteX2" fmla="*/ 3321050 w 3321050"/>
-              <a:gd name="connsiteY2" fmla="*/ 553402 h 3319610"/>
-              <a:gd name="connsiteX3" fmla="*/ 3321050 w 3321050"/>
-              <a:gd name="connsiteY3" fmla="*/ 2766355 h 3319610"/>
-              <a:gd name="connsiteX4" fmla="*/ 2767795 w 3321050"/>
-              <a:gd name="connsiteY4" fmla="*/ 3319610 h 3319610"/>
-              <a:gd name="connsiteX5" fmla="*/ 553255 w 3321050"/>
-              <a:gd name="connsiteY5" fmla="*/ 3319610 h 3319610"/>
-              <a:gd name="connsiteX6" fmla="*/ 0 w 3321050"/>
-              <a:gd name="connsiteY6" fmla="*/ 2766355 h 3319610"/>
-              <a:gd name="connsiteX7" fmla="*/ 9903 w 3321050"/>
-              <a:gd name="connsiteY7" fmla="*/ 104455 h 3319610"/>
-              <a:gd name="connsiteX0" fmla="*/ 12666 w 3321050"/>
-              <a:gd name="connsiteY0" fmla="*/ 7088 h 3320800"/>
-              <a:gd name="connsiteX1" fmla="*/ 2767795 w 3321050"/>
-              <a:gd name="connsiteY1" fmla="*/ 1337 h 3320800"/>
-              <a:gd name="connsiteX2" fmla="*/ 3321050 w 3321050"/>
-              <a:gd name="connsiteY2" fmla="*/ 554592 h 3320800"/>
-              <a:gd name="connsiteX3" fmla="*/ 3321050 w 3321050"/>
-              <a:gd name="connsiteY3" fmla="*/ 2767545 h 3320800"/>
-              <a:gd name="connsiteX4" fmla="*/ 2767795 w 3321050"/>
-              <a:gd name="connsiteY4" fmla="*/ 3320800 h 3320800"/>
-              <a:gd name="connsiteX5" fmla="*/ 553255 w 3321050"/>
-              <a:gd name="connsiteY5" fmla="*/ 3320800 h 3320800"/>
-              <a:gd name="connsiteX6" fmla="*/ 0 w 3321050"/>
-              <a:gd name="connsiteY6" fmla="*/ 2767545 h 3320800"/>
-              <a:gd name="connsiteX7" fmla="*/ 13204 w 3321050"/>
-              <a:gd name="connsiteY7" fmla="*/ 10 h 3320800"/>
-            </a:gdLst>
-            <a:ahLst/>
-            <a:cxnLst>
-              <a:cxn ang="0">
-                <a:pos x="connsiteX0" y="connsiteY0"/>
-              </a:cxn>
-              <a:cxn ang="0">
-                <a:pos x="connsiteX1" y="connsiteY1"/>
-              </a:cxn>
-              <a:cxn ang="0">
-                <a:pos x="connsiteX2" y="connsiteY2"/>
-              </a:cxn>
-              <a:cxn ang="0">
-                <a:pos x="connsiteX3" y="connsiteY3"/>
-              </a:cxn>
-              <a:cxn ang="0">
-                <a:pos x="connsiteX4" y="connsiteY4"/>
-              </a:cxn>
-              <a:cxn ang="0">
-                <a:pos x="connsiteX5" y="connsiteY5"/>
-              </a:cxn>
-              <a:cxn ang="0">
-                <a:pos x="connsiteX6" y="connsiteY6"/>
-              </a:cxn>
-              <a:cxn ang="0">
-                <a:pos x="connsiteX7" y="connsiteY7"/>
-              </a:cxn>
-            </a:cxnLst>
-            <a:rect l="l" t="t" r="r" b="b"/>
-            <a:pathLst>
-              <a:path w="3321050" h="3320800">
-                <a:moveTo>
-                  <a:pt x="12666" y="7088"/>
-                </a:moveTo>
-                <a:cubicBezTo>
-                  <a:pt x="16888" y="-2885"/>
-                  <a:pt x="1849419" y="3254"/>
-                  <a:pt x="2767795" y="1337"/>
-                </a:cubicBezTo>
-                <a:cubicBezTo>
-                  <a:pt x="3073349" y="1337"/>
-                  <a:pt x="3321050" y="249038"/>
-                  <a:pt x="3321050" y="554592"/>
-                </a:cubicBezTo>
-                <a:lnTo>
-                  <a:pt x="3321050" y="2767545"/>
-                </a:lnTo>
-                <a:cubicBezTo>
-                  <a:pt x="3321050" y="3073099"/>
-                  <a:pt x="3073349" y="3320800"/>
-                  <a:pt x="2767795" y="3320800"/>
-                </a:cubicBezTo>
-                <a:lnTo>
-                  <a:pt x="553255" y="3320800"/>
-                </a:lnTo>
-                <a:cubicBezTo>
-                  <a:pt x="247701" y="3320800"/>
-                  <a:pt x="0" y="3073099"/>
-                  <a:pt x="0" y="2767545"/>
-                </a:cubicBezTo>
-                <a:cubicBezTo>
-                  <a:pt x="0" y="2029894"/>
-                  <a:pt x="11093" y="-5367"/>
-                  <a:pt x="13204" y="10"/>
-                </a:cubicBezTo>
-              </a:path>
-            </a:pathLst>
-          </a:custGeom>
-        </p:spPr>
-      </p:pic>
-      <p:pic>
-        <p:nvPicPr>
-          <p:cNvPr id="28" name="Picture Placeholder 19"/>
-          <p:cNvPicPr>
-            <a:picLocks noChangeAspect="1"/>
-          </p:cNvPicPr>
-          <p:nvPr/>
-        </p:nvPicPr>
-        <p:blipFill rotWithShape="1">
-          <a:blip r:embed="rId10" cstate="hqprint">
-            <a:extLst>
-              <a:ext uri="{28A0092B-C50C-407E-A947-70E740481C1C}">
-                <a14:useLocalDpi xmlns:a14="http://schemas.microsoft.com/office/drawing/2010/main"/>
-              </a:ext>
-            </a:extLst>
-          </a:blip>
-          <a:srcRect/>
-          <a:stretch/>
-        </p:blipFill>
-        <p:spPr>
-          <a:xfrm>
-            <a:off x="7635243" y="4941774"/>
-            <a:ext cx="1337964" cy="1337964"/>
-          </a:xfrm>
-          <a:custGeom>
-            <a:avLst/>
-            <a:gdLst>
-              <a:gd name="connsiteX0" fmla="*/ 0 w 3321050"/>
-              <a:gd name="connsiteY0" fmla="*/ 553255 h 3319463"/>
-              <a:gd name="connsiteX1" fmla="*/ 553255 w 3321050"/>
-              <a:gd name="connsiteY1" fmla="*/ 0 h 3319463"/>
-              <a:gd name="connsiteX2" fmla="*/ 2767795 w 3321050"/>
-              <a:gd name="connsiteY2" fmla="*/ 0 h 3319463"/>
-              <a:gd name="connsiteX3" fmla="*/ 3321050 w 3321050"/>
-              <a:gd name="connsiteY3" fmla="*/ 553255 h 3319463"/>
-              <a:gd name="connsiteX4" fmla="*/ 3321050 w 3321050"/>
-              <a:gd name="connsiteY4" fmla="*/ 2766208 h 3319463"/>
-              <a:gd name="connsiteX5" fmla="*/ 2767795 w 3321050"/>
-              <a:gd name="connsiteY5" fmla="*/ 3319463 h 3319463"/>
-              <a:gd name="connsiteX6" fmla="*/ 553255 w 3321050"/>
-              <a:gd name="connsiteY6" fmla="*/ 3319463 h 3319463"/>
-              <a:gd name="connsiteX7" fmla="*/ 0 w 3321050"/>
-              <a:gd name="connsiteY7" fmla="*/ 2766208 h 3319463"/>
-              <a:gd name="connsiteX8" fmla="*/ 0 w 3321050"/>
-              <a:gd name="connsiteY8" fmla="*/ 553255 h 3319463"/>
-              <a:gd name="connsiteX0" fmla="*/ 0 w 3321050"/>
-              <a:gd name="connsiteY0" fmla="*/ 553255 h 3319463"/>
-              <a:gd name="connsiteX1" fmla="*/ 553255 w 3321050"/>
-              <a:gd name="connsiteY1" fmla="*/ 0 h 3319463"/>
-              <a:gd name="connsiteX2" fmla="*/ 2767795 w 3321050"/>
-              <a:gd name="connsiteY2" fmla="*/ 0 h 3319463"/>
-              <a:gd name="connsiteX3" fmla="*/ 3321050 w 3321050"/>
-              <a:gd name="connsiteY3" fmla="*/ 553255 h 3319463"/>
-              <a:gd name="connsiteX4" fmla="*/ 3321050 w 3321050"/>
-              <a:gd name="connsiteY4" fmla="*/ 2766208 h 3319463"/>
-              <a:gd name="connsiteX5" fmla="*/ 2767795 w 3321050"/>
-              <a:gd name="connsiteY5" fmla="*/ 3319463 h 3319463"/>
-              <a:gd name="connsiteX6" fmla="*/ 553255 w 3321050"/>
-              <a:gd name="connsiteY6" fmla="*/ 3319463 h 3319463"/>
-              <a:gd name="connsiteX7" fmla="*/ 0 w 3321050"/>
-              <a:gd name="connsiteY7" fmla="*/ 2766208 h 3319463"/>
-              <a:gd name="connsiteX8" fmla="*/ 0 w 3321050"/>
-              <a:gd name="connsiteY8" fmla="*/ 553255 h 3319463"/>
-              <a:gd name="connsiteX0" fmla="*/ 0 w 3321050"/>
-              <a:gd name="connsiteY0" fmla="*/ 553255 h 3319463"/>
-              <a:gd name="connsiteX1" fmla="*/ 553255 w 3321050"/>
-              <a:gd name="connsiteY1" fmla="*/ 0 h 3319463"/>
-              <a:gd name="connsiteX2" fmla="*/ 2767795 w 3321050"/>
-              <a:gd name="connsiteY2" fmla="*/ 0 h 3319463"/>
-              <a:gd name="connsiteX3" fmla="*/ 3321050 w 3321050"/>
-              <a:gd name="connsiteY3" fmla="*/ 553255 h 3319463"/>
-              <a:gd name="connsiteX4" fmla="*/ 3321050 w 3321050"/>
-              <a:gd name="connsiteY4" fmla="*/ 2766208 h 3319463"/>
-              <a:gd name="connsiteX5" fmla="*/ 2767795 w 3321050"/>
-              <a:gd name="connsiteY5" fmla="*/ 3319463 h 3319463"/>
-              <a:gd name="connsiteX6" fmla="*/ 553255 w 3321050"/>
-              <a:gd name="connsiteY6" fmla="*/ 3319463 h 3319463"/>
-              <a:gd name="connsiteX7" fmla="*/ 0 w 3321050"/>
-              <a:gd name="connsiteY7" fmla="*/ 2766208 h 3319463"/>
-              <a:gd name="connsiteX8" fmla="*/ 0 w 3321050"/>
-              <a:gd name="connsiteY8" fmla="*/ 553255 h 3319463"/>
-              <a:gd name="connsiteX0" fmla="*/ 1992 w 3323042"/>
-              <a:gd name="connsiteY0" fmla="*/ 553255 h 3319463"/>
-              <a:gd name="connsiteX1" fmla="*/ 555247 w 3323042"/>
-              <a:gd name="connsiteY1" fmla="*/ 0 h 3319463"/>
-              <a:gd name="connsiteX2" fmla="*/ 2769787 w 3323042"/>
-              <a:gd name="connsiteY2" fmla="*/ 0 h 3319463"/>
-              <a:gd name="connsiteX3" fmla="*/ 3323042 w 3323042"/>
-              <a:gd name="connsiteY3" fmla="*/ 553255 h 3319463"/>
-              <a:gd name="connsiteX4" fmla="*/ 3323042 w 3323042"/>
-              <a:gd name="connsiteY4" fmla="*/ 2766208 h 3319463"/>
-              <a:gd name="connsiteX5" fmla="*/ 2769787 w 3323042"/>
-              <a:gd name="connsiteY5" fmla="*/ 3319463 h 3319463"/>
-              <a:gd name="connsiteX6" fmla="*/ 555247 w 3323042"/>
-              <a:gd name="connsiteY6" fmla="*/ 3319463 h 3319463"/>
-              <a:gd name="connsiteX7" fmla="*/ 1992 w 3323042"/>
-              <a:gd name="connsiteY7" fmla="*/ 2766208 h 3319463"/>
-              <a:gd name="connsiteX8" fmla="*/ 1992 w 3323042"/>
-              <a:gd name="connsiteY8" fmla="*/ 553255 h 3319463"/>
-              <a:gd name="connsiteX0" fmla="*/ 1992 w 3323042"/>
-              <a:gd name="connsiteY0" fmla="*/ 553255 h 3319463"/>
-              <a:gd name="connsiteX1" fmla="*/ 555247 w 3323042"/>
-              <a:gd name="connsiteY1" fmla="*/ 0 h 3319463"/>
-              <a:gd name="connsiteX2" fmla="*/ 2769787 w 3323042"/>
-              <a:gd name="connsiteY2" fmla="*/ 0 h 3319463"/>
-              <a:gd name="connsiteX3" fmla="*/ 3323042 w 3323042"/>
-              <a:gd name="connsiteY3" fmla="*/ 553255 h 3319463"/>
-              <a:gd name="connsiteX4" fmla="*/ 3323042 w 3323042"/>
-              <a:gd name="connsiteY4" fmla="*/ 2766208 h 3319463"/>
-              <a:gd name="connsiteX5" fmla="*/ 2769787 w 3323042"/>
-              <a:gd name="connsiteY5" fmla="*/ 3319463 h 3319463"/>
-              <a:gd name="connsiteX6" fmla="*/ 555247 w 3323042"/>
-              <a:gd name="connsiteY6" fmla="*/ 3319463 h 3319463"/>
-              <a:gd name="connsiteX7" fmla="*/ 1992 w 3323042"/>
-              <a:gd name="connsiteY7" fmla="*/ 2766208 h 3319463"/>
-              <a:gd name="connsiteX8" fmla="*/ 1992 w 3323042"/>
-              <a:gd name="connsiteY8" fmla="*/ 553255 h 3319463"/>
-              <a:gd name="connsiteX0" fmla="*/ 1992 w 3323042"/>
-              <a:gd name="connsiteY0" fmla="*/ 553255 h 3319463"/>
-              <a:gd name="connsiteX1" fmla="*/ 555247 w 3323042"/>
-              <a:gd name="connsiteY1" fmla="*/ 0 h 3319463"/>
-              <a:gd name="connsiteX2" fmla="*/ 2769787 w 3323042"/>
-              <a:gd name="connsiteY2" fmla="*/ 0 h 3319463"/>
-              <a:gd name="connsiteX3" fmla="*/ 3323042 w 3323042"/>
-              <a:gd name="connsiteY3" fmla="*/ 553255 h 3319463"/>
-              <a:gd name="connsiteX4" fmla="*/ 3323042 w 3323042"/>
-              <a:gd name="connsiteY4" fmla="*/ 2766208 h 3319463"/>
-              <a:gd name="connsiteX5" fmla="*/ 2769787 w 3323042"/>
-              <a:gd name="connsiteY5" fmla="*/ 3319463 h 3319463"/>
-              <a:gd name="connsiteX6" fmla="*/ 555247 w 3323042"/>
-              <a:gd name="connsiteY6" fmla="*/ 3319463 h 3319463"/>
-              <a:gd name="connsiteX7" fmla="*/ 1992 w 3323042"/>
-              <a:gd name="connsiteY7" fmla="*/ 2766208 h 3319463"/>
-              <a:gd name="connsiteX8" fmla="*/ 1992 w 3323042"/>
-              <a:gd name="connsiteY8" fmla="*/ 553255 h 3319463"/>
-              <a:gd name="connsiteX0" fmla="*/ 939 w 3321989"/>
-              <a:gd name="connsiteY0" fmla="*/ 553255 h 3319463"/>
-              <a:gd name="connsiteX1" fmla="*/ 13605 w 3321989"/>
-              <a:gd name="connsiteY1" fmla="*/ 5751 h 3319463"/>
-              <a:gd name="connsiteX2" fmla="*/ 2768734 w 3321989"/>
-              <a:gd name="connsiteY2" fmla="*/ 0 h 3319463"/>
-              <a:gd name="connsiteX3" fmla="*/ 3321989 w 3321989"/>
-              <a:gd name="connsiteY3" fmla="*/ 553255 h 3319463"/>
-              <a:gd name="connsiteX4" fmla="*/ 3321989 w 3321989"/>
-              <a:gd name="connsiteY4" fmla="*/ 2766208 h 3319463"/>
-              <a:gd name="connsiteX5" fmla="*/ 2768734 w 3321989"/>
-              <a:gd name="connsiteY5" fmla="*/ 3319463 h 3319463"/>
-              <a:gd name="connsiteX6" fmla="*/ 554194 w 3321989"/>
-              <a:gd name="connsiteY6" fmla="*/ 3319463 h 3319463"/>
-              <a:gd name="connsiteX7" fmla="*/ 939 w 3321989"/>
-              <a:gd name="connsiteY7" fmla="*/ 2766208 h 3319463"/>
-              <a:gd name="connsiteX8" fmla="*/ 939 w 3321989"/>
-              <a:gd name="connsiteY8" fmla="*/ 553255 h 3319463"/>
-              <a:gd name="connsiteX0" fmla="*/ 939 w 3321989"/>
-              <a:gd name="connsiteY0" fmla="*/ 553402 h 3319610"/>
-              <a:gd name="connsiteX1" fmla="*/ 13605 w 3321989"/>
-              <a:gd name="connsiteY1" fmla="*/ 5898 h 3319610"/>
-              <a:gd name="connsiteX2" fmla="*/ 2768734 w 3321989"/>
-              <a:gd name="connsiteY2" fmla="*/ 147 h 3319610"/>
-              <a:gd name="connsiteX3" fmla="*/ 3321989 w 3321989"/>
-              <a:gd name="connsiteY3" fmla="*/ 553402 h 3319610"/>
-              <a:gd name="connsiteX4" fmla="*/ 3321989 w 3321989"/>
-              <a:gd name="connsiteY4" fmla="*/ 2766355 h 3319610"/>
-              <a:gd name="connsiteX5" fmla="*/ 2768734 w 3321989"/>
-              <a:gd name="connsiteY5" fmla="*/ 3319610 h 3319610"/>
-              <a:gd name="connsiteX6" fmla="*/ 554194 w 3321989"/>
-              <a:gd name="connsiteY6" fmla="*/ 3319610 h 3319610"/>
-              <a:gd name="connsiteX7" fmla="*/ 939 w 3321989"/>
-              <a:gd name="connsiteY7" fmla="*/ 2766355 h 3319610"/>
-              <a:gd name="connsiteX8" fmla="*/ 939 w 3321989"/>
-              <a:gd name="connsiteY8" fmla="*/ 553402 h 3319610"/>
-              <a:gd name="connsiteX0" fmla="*/ 13605 w 3321989"/>
-              <a:gd name="connsiteY0" fmla="*/ 5898 h 3319610"/>
-              <a:gd name="connsiteX1" fmla="*/ 2768734 w 3321989"/>
-              <a:gd name="connsiteY1" fmla="*/ 147 h 3319610"/>
-              <a:gd name="connsiteX2" fmla="*/ 3321989 w 3321989"/>
-              <a:gd name="connsiteY2" fmla="*/ 553402 h 3319610"/>
-              <a:gd name="connsiteX3" fmla="*/ 3321989 w 3321989"/>
-              <a:gd name="connsiteY3" fmla="*/ 2766355 h 3319610"/>
-              <a:gd name="connsiteX4" fmla="*/ 2768734 w 3321989"/>
-              <a:gd name="connsiteY4" fmla="*/ 3319610 h 3319610"/>
-              <a:gd name="connsiteX5" fmla="*/ 554194 w 3321989"/>
-              <a:gd name="connsiteY5" fmla="*/ 3319610 h 3319610"/>
-              <a:gd name="connsiteX6" fmla="*/ 939 w 3321989"/>
-              <a:gd name="connsiteY6" fmla="*/ 2766355 h 3319610"/>
-              <a:gd name="connsiteX7" fmla="*/ 939 w 3321989"/>
-              <a:gd name="connsiteY7" fmla="*/ 553402 h 3319610"/>
-              <a:gd name="connsiteX8" fmla="*/ 105045 w 3321989"/>
-              <a:gd name="connsiteY8" fmla="*/ 97338 h 3319610"/>
-              <a:gd name="connsiteX0" fmla="*/ 13605 w 3321989"/>
-              <a:gd name="connsiteY0" fmla="*/ 5898 h 3319610"/>
-              <a:gd name="connsiteX1" fmla="*/ 2768734 w 3321989"/>
-              <a:gd name="connsiteY1" fmla="*/ 147 h 3319610"/>
-              <a:gd name="connsiteX2" fmla="*/ 3321989 w 3321989"/>
-              <a:gd name="connsiteY2" fmla="*/ 553402 h 3319610"/>
-              <a:gd name="connsiteX3" fmla="*/ 3321989 w 3321989"/>
-              <a:gd name="connsiteY3" fmla="*/ 2766355 h 3319610"/>
-              <a:gd name="connsiteX4" fmla="*/ 2768734 w 3321989"/>
-              <a:gd name="connsiteY4" fmla="*/ 3319610 h 3319610"/>
-              <a:gd name="connsiteX5" fmla="*/ 554194 w 3321989"/>
-              <a:gd name="connsiteY5" fmla="*/ 3319610 h 3319610"/>
-              <a:gd name="connsiteX6" fmla="*/ 939 w 3321989"/>
-              <a:gd name="connsiteY6" fmla="*/ 2766355 h 3319610"/>
-              <a:gd name="connsiteX7" fmla="*/ 939 w 3321989"/>
-              <a:gd name="connsiteY7" fmla="*/ 553402 h 3319610"/>
-              <a:gd name="connsiteX0" fmla="*/ 13605 w 3321989"/>
-              <a:gd name="connsiteY0" fmla="*/ 5898 h 3319610"/>
-              <a:gd name="connsiteX1" fmla="*/ 2768734 w 3321989"/>
-              <a:gd name="connsiteY1" fmla="*/ 147 h 3319610"/>
-              <a:gd name="connsiteX2" fmla="*/ 3321989 w 3321989"/>
-              <a:gd name="connsiteY2" fmla="*/ 553402 h 3319610"/>
-              <a:gd name="connsiteX3" fmla="*/ 3321989 w 3321989"/>
-              <a:gd name="connsiteY3" fmla="*/ 2766355 h 3319610"/>
-              <a:gd name="connsiteX4" fmla="*/ 2768734 w 3321989"/>
-              <a:gd name="connsiteY4" fmla="*/ 3319610 h 3319610"/>
-              <a:gd name="connsiteX5" fmla="*/ 554194 w 3321989"/>
-              <a:gd name="connsiteY5" fmla="*/ 3319610 h 3319610"/>
-              <a:gd name="connsiteX6" fmla="*/ 939 w 3321989"/>
-              <a:gd name="connsiteY6" fmla="*/ 2766355 h 3319610"/>
-              <a:gd name="connsiteX7" fmla="*/ 939 w 3321989"/>
-              <a:gd name="connsiteY7" fmla="*/ 553402 h 3319610"/>
-              <a:gd name="connsiteX0" fmla="*/ 12666 w 3321050"/>
-              <a:gd name="connsiteY0" fmla="*/ 5898 h 3319610"/>
-              <a:gd name="connsiteX1" fmla="*/ 2767795 w 3321050"/>
-              <a:gd name="connsiteY1" fmla="*/ 147 h 3319610"/>
-              <a:gd name="connsiteX2" fmla="*/ 3321050 w 3321050"/>
-              <a:gd name="connsiteY2" fmla="*/ 553402 h 3319610"/>
-              <a:gd name="connsiteX3" fmla="*/ 3321050 w 3321050"/>
-              <a:gd name="connsiteY3" fmla="*/ 2766355 h 3319610"/>
-              <a:gd name="connsiteX4" fmla="*/ 2767795 w 3321050"/>
-              <a:gd name="connsiteY4" fmla="*/ 3319610 h 3319610"/>
-              <a:gd name="connsiteX5" fmla="*/ 553255 w 3321050"/>
-              <a:gd name="connsiteY5" fmla="*/ 3319610 h 3319610"/>
-              <a:gd name="connsiteX6" fmla="*/ 0 w 3321050"/>
-              <a:gd name="connsiteY6" fmla="*/ 2766355 h 3319610"/>
-              <a:gd name="connsiteX7" fmla="*/ 9903 w 3321050"/>
-              <a:gd name="connsiteY7" fmla="*/ 104455 h 3319610"/>
-              <a:gd name="connsiteX0" fmla="*/ 12666 w 3321050"/>
-              <a:gd name="connsiteY0" fmla="*/ 7088 h 3320800"/>
-              <a:gd name="connsiteX1" fmla="*/ 2767795 w 3321050"/>
-              <a:gd name="connsiteY1" fmla="*/ 1337 h 3320800"/>
-              <a:gd name="connsiteX2" fmla="*/ 3321050 w 3321050"/>
-              <a:gd name="connsiteY2" fmla="*/ 554592 h 3320800"/>
-              <a:gd name="connsiteX3" fmla="*/ 3321050 w 3321050"/>
-              <a:gd name="connsiteY3" fmla="*/ 2767545 h 3320800"/>
-              <a:gd name="connsiteX4" fmla="*/ 2767795 w 3321050"/>
-              <a:gd name="connsiteY4" fmla="*/ 3320800 h 3320800"/>
-              <a:gd name="connsiteX5" fmla="*/ 553255 w 3321050"/>
-              <a:gd name="connsiteY5" fmla="*/ 3320800 h 3320800"/>
-              <a:gd name="connsiteX6" fmla="*/ 0 w 3321050"/>
-              <a:gd name="connsiteY6" fmla="*/ 2767545 h 3320800"/>
-              <a:gd name="connsiteX7" fmla="*/ 13204 w 3321050"/>
-              <a:gd name="connsiteY7" fmla="*/ 10 h 3320800"/>
-            </a:gdLst>
-            <a:ahLst/>
-            <a:cxnLst>
-              <a:cxn ang="0">
-                <a:pos x="connsiteX0" y="connsiteY0"/>
-              </a:cxn>
-              <a:cxn ang="0">
-                <a:pos x="connsiteX1" y="connsiteY1"/>
-              </a:cxn>
-              <a:cxn ang="0">
-                <a:pos x="connsiteX2" y="connsiteY2"/>
-              </a:cxn>
-              <a:cxn ang="0">
-                <a:pos x="connsiteX3" y="connsiteY3"/>
-              </a:cxn>
-              <a:cxn ang="0">
-                <a:pos x="connsiteX4" y="connsiteY4"/>
-              </a:cxn>
-              <a:cxn ang="0">
-                <a:pos x="connsiteX5" y="connsiteY5"/>
-              </a:cxn>
-              <a:cxn ang="0">
-                <a:pos x="connsiteX6" y="connsiteY6"/>
-              </a:cxn>
-              <a:cxn ang="0">
-                <a:pos x="connsiteX7" y="connsiteY7"/>
-              </a:cxn>
-            </a:cxnLst>
-            <a:rect l="l" t="t" r="r" b="b"/>
-            <a:pathLst>
-              <a:path w="3321050" h="3320800">
-                <a:moveTo>
-                  <a:pt x="12666" y="7088"/>
-                </a:moveTo>
-                <a:cubicBezTo>
-                  <a:pt x="16888" y="-2885"/>
-                  <a:pt x="1849419" y="3254"/>
-                  <a:pt x="2767795" y="1337"/>
-                </a:cubicBezTo>
-                <a:cubicBezTo>
-                  <a:pt x="3073349" y="1337"/>
-                  <a:pt x="3321050" y="249038"/>
-                  <a:pt x="3321050" y="554592"/>
-                </a:cubicBezTo>
-                <a:lnTo>
-                  <a:pt x="3321050" y="2767545"/>
-                </a:lnTo>
-                <a:cubicBezTo>
-                  <a:pt x="3321050" y="3073099"/>
-                  <a:pt x="3073349" y="3320800"/>
-                  <a:pt x="2767795" y="3320800"/>
-                </a:cubicBezTo>
-                <a:lnTo>
-                  <a:pt x="553255" y="3320800"/>
-                </a:lnTo>
-                <a:cubicBezTo>
-                  <a:pt x="247701" y="3320800"/>
-                  <a:pt x="0" y="3073099"/>
-                  <a:pt x="0" y="2767545"/>
-                </a:cubicBezTo>
-                <a:cubicBezTo>
-                  <a:pt x="0" y="2029894"/>
-                  <a:pt x="11093" y="-5367"/>
-                  <a:pt x="13204" y="10"/>
-                </a:cubicBezTo>
-              </a:path>
-            </a:pathLst>
-          </a:custGeom>
-        </p:spPr>
-      </p:pic>
-      <p:pic>
-        <p:nvPicPr>
-          <p:cNvPr id="29" name="Picture Placeholder 20"/>
-          <p:cNvPicPr>
-            <a:picLocks noChangeAspect="1"/>
-          </p:cNvPicPr>
-          <p:nvPr/>
-        </p:nvPicPr>
-        <p:blipFill rotWithShape="1">
-          <a:blip r:embed="rId11" cstate="hqprint">
-            <a:extLst>
-              <a:ext uri="{28A0092B-C50C-407E-A947-70E740481C1C}">
-                <a14:useLocalDpi xmlns:a14="http://schemas.microsoft.com/office/drawing/2010/main"/>
-              </a:ext>
-            </a:extLst>
-          </a:blip>
-          <a:srcRect/>
-          <a:stretch/>
-        </p:blipFill>
-        <p:spPr>
-          <a:xfrm>
-            <a:off x="9618130" y="4941774"/>
-            <a:ext cx="1337964" cy="1337964"/>
-          </a:xfrm>
-          <a:custGeom>
-            <a:avLst/>
-            <a:gdLst>
-              <a:gd name="connsiteX0" fmla="*/ 0 w 3321050"/>
-              <a:gd name="connsiteY0" fmla="*/ 553255 h 3319463"/>
-              <a:gd name="connsiteX1" fmla="*/ 553255 w 3321050"/>
-              <a:gd name="connsiteY1" fmla="*/ 0 h 3319463"/>
-              <a:gd name="connsiteX2" fmla="*/ 2767795 w 3321050"/>
-              <a:gd name="connsiteY2" fmla="*/ 0 h 3319463"/>
-              <a:gd name="connsiteX3" fmla="*/ 3321050 w 3321050"/>
-              <a:gd name="connsiteY3" fmla="*/ 553255 h 3319463"/>
-              <a:gd name="connsiteX4" fmla="*/ 3321050 w 3321050"/>
-              <a:gd name="connsiteY4" fmla="*/ 2766208 h 3319463"/>
-              <a:gd name="connsiteX5" fmla="*/ 2767795 w 3321050"/>
-              <a:gd name="connsiteY5" fmla="*/ 3319463 h 3319463"/>
-              <a:gd name="connsiteX6" fmla="*/ 553255 w 3321050"/>
-              <a:gd name="connsiteY6" fmla="*/ 3319463 h 3319463"/>
-              <a:gd name="connsiteX7" fmla="*/ 0 w 3321050"/>
-              <a:gd name="connsiteY7" fmla="*/ 2766208 h 3319463"/>
-              <a:gd name="connsiteX8" fmla="*/ 0 w 3321050"/>
-              <a:gd name="connsiteY8" fmla="*/ 553255 h 3319463"/>
-              <a:gd name="connsiteX0" fmla="*/ 0 w 3321050"/>
-              <a:gd name="connsiteY0" fmla="*/ 553255 h 3319463"/>
-              <a:gd name="connsiteX1" fmla="*/ 553255 w 3321050"/>
-              <a:gd name="connsiteY1" fmla="*/ 0 h 3319463"/>
-              <a:gd name="connsiteX2" fmla="*/ 2767795 w 3321050"/>
-              <a:gd name="connsiteY2" fmla="*/ 0 h 3319463"/>
-              <a:gd name="connsiteX3" fmla="*/ 3321050 w 3321050"/>
-              <a:gd name="connsiteY3" fmla="*/ 553255 h 3319463"/>
-              <a:gd name="connsiteX4" fmla="*/ 3321050 w 3321050"/>
-              <a:gd name="connsiteY4" fmla="*/ 2766208 h 3319463"/>
-              <a:gd name="connsiteX5" fmla="*/ 2767795 w 3321050"/>
-              <a:gd name="connsiteY5" fmla="*/ 3319463 h 3319463"/>
-              <a:gd name="connsiteX6" fmla="*/ 553255 w 3321050"/>
-              <a:gd name="connsiteY6" fmla="*/ 3319463 h 3319463"/>
-              <a:gd name="connsiteX7" fmla="*/ 0 w 3321050"/>
-              <a:gd name="connsiteY7" fmla="*/ 2766208 h 3319463"/>
-              <a:gd name="connsiteX8" fmla="*/ 0 w 3321050"/>
-              <a:gd name="connsiteY8" fmla="*/ 553255 h 3319463"/>
-              <a:gd name="connsiteX0" fmla="*/ 0 w 3321050"/>
-              <a:gd name="connsiteY0" fmla="*/ 553255 h 3319463"/>
-              <a:gd name="connsiteX1" fmla="*/ 553255 w 3321050"/>
-              <a:gd name="connsiteY1" fmla="*/ 0 h 3319463"/>
-              <a:gd name="connsiteX2" fmla="*/ 2767795 w 3321050"/>
-              <a:gd name="connsiteY2" fmla="*/ 0 h 3319463"/>
-              <a:gd name="connsiteX3" fmla="*/ 3321050 w 3321050"/>
-              <a:gd name="connsiteY3" fmla="*/ 553255 h 3319463"/>
-              <a:gd name="connsiteX4" fmla="*/ 3321050 w 3321050"/>
-              <a:gd name="connsiteY4" fmla="*/ 2766208 h 3319463"/>
-              <a:gd name="connsiteX5" fmla="*/ 2767795 w 3321050"/>
-              <a:gd name="connsiteY5" fmla="*/ 3319463 h 3319463"/>
-              <a:gd name="connsiteX6" fmla="*/ 553255 w 3321050"/>
-              <a:gd name="connsiteY6" fmla="*/ 3319463 h 3319463"/>
-              <a:gd name="connsiteX7" fmla="*/ 0 w 3321050"/>
-              <a:gd name="connsiteY7" fmla="*/ 2766208 h 3319463"/>
-              <a:gd name="connsiteX8" fmla="*/ 0 w 3321050"/>
-              <a:gd name="connsiteY8" fmla="*/ 553255 h 3319463"/>
-              <a:gd name="connsiteX0" fmla="*/ 1992 w 3323042"/>
-              <a:gd name="connsiteY0" fmla="*/ 553255 h 3319463"/>
-              <a:gd name="connsiteX1" fmla="*/ 555247 w 3323042"/>
-              <a:gd name="connsiteY1" fmla="*/ 0 h 3319463"/>
-              <a:gd name="connsiteX2" fmla="*/ 2769787 w 3323042"/>
-              <a:gd name="connsiteY2" fmla="*/ 0 h 3319463"/>
-              <a:gd name="connsiteX3" fmla="*/ 3323042 w 3323042"/>
-              <a:gd name="connsiteY3" fmla="*/ 553255 h 3319463"/>
-              <a:gd name="connsiteX4" fmla="*/ 3323042 w 3323042"/>
-              <a:gd name="connsiteY4" fmla="*/ 2766208 h 3319463"/>
-              <a:gd name="connsiteX5" fmla="*/ 2769787 w 3323042"/>
-              <a:gd name="connsiteY5" fmla="*/ 3319463 h 3319463"/>
-              <a:gd name="connsiteX6" fmla="*/ 555247 w 3323042"/>
-              <a:gd name="connsiteY6" fmla="*/ 3319463 h 3319463"/>
-              <a:gd name="connsiteX7" fmla="*/ 1992 w 3323042"/>
-              <a:gd name="connsiteY7" fmla="*/ 2766208 h 3319463"/>
-              <a:gd name="connsiteX8" fmla="*/ 1992 w 3323042"/>
-              <a:gd name="connsiteY8" fmla="*/ 553255 h 3319463"/>
-              <a:gd name="connsiteX0" fmla="*/ 1992 w 3323042"/>
-              <a:gd name="connsiteY0" fmla="*/ 553255 h 3319463"/>
-              <a:gd name="connsiteX1" fmla="*/ 555247 w 3323042"/>
-              <a:gd name="connsiteY1" fmla="*/ 0 h 3319463"/>
-              <a:gd name="connsiteX2" fmla="*/ 2769787 w 3323042"/>
-              <a:gd name="connsiteY2" fmla="*/ 0 h 3319463"/>
-              <a:gd name="connsiteX3" fmla="*/ 3323042 w 3323042"/>
-              <a:gd name="connsiteY3" fmla="*/ 553255 h 3319463"/>
-              <a:gd name="connsiteX4" fmla="*/ 3323042 w 3323042"/>
-              <a:gd name="connsiteY4" fmla="*/ 2766208 h 3319463"/>
-              <a:gd name="connsiteX5" fmla="*/ 2769787 w 3323042"/>
-              <a:gd name="connsiteY5" fmla="*/ 3319463 h 3319463"/>
-              <a:gd name="connsiteX6" fmla="*/ 555247 w 3323042"/>
-              <a:gd name="connsiteY6" fmla="*/ 3319463 h 3319463"/>
-              <a:gd name="connsiteX7" fmla="*/ 1992 w 3323042"/>
-              <a:gd name="connsiteY7" fmla="*/ 2766208 h 3319463"/>
-              <a:gd name="connsiteX8" fmla="*/ 1992 w 3323042"/>
-              <a:gd name="connsiteY8" fmla="*/ 553255 h 3319463"/>
-              <a:gd name="connsiteX0" fmla="*/ 1992 w 3323042"/>
-              <a:gd name="connsiteY0" fmla="*/ 553255 h 3319463"/>
-              <a:gd name="connsiteX1" fmla="*/ 555247 w 3323042"/>
-              <a:gd name="connsiteY1" fmla="*/ 0 h 3319463"/>
-              <a:gd name="connsiteX2" fmla="*/ 2769787 w 3323042"/>
-              <a:gd name="connsiteY2" fmla="*/ 0 h 3319463"/>
-              <a:gd name="connsiteX3" fmla="*/ 3323042 w 3323042"/>
-              <a:gd name="connsiteY3" fmla="*/ 553255 h 3319463"/>
-              <a:gd name="connsiteX4" fmla="*/ 3323042 w 3323042"/>
-              <a:gd name="connsiteY4" fmla="*/ 2766208 h 3319463"/>
-              <a:gd name="connsiteX5" fmla="*/ 2769787 w 3323042"/>
-              <a:gd name="connsiteY5" fmla="*/ 3319463 h 3319463"/>
-              <a:gd name="connsiteX6" fmla="*/ 555247 w 3323042"/>
-              <a:gd name="connsiteY6" fmla="*/ 3319463 h 3319463"/>
-              <a:gd name="connsiteX7" fmla="*/ 1992 w 3323042"/>
-              <a:gd name="connsiteY7" fmla="*/ 2766208 h 3319463"/>
-              <a:gd name="connsiteX8" fmla="*/ 1992 w 3323042"/>
-              <a:gd name="connsiteY8" fmla="*/ 553255 h 3319463"/>
-              <a:gd name="connsiteX0" fmla="*/ 939 w 3321989"/>
-              <a:gd name="connsiteY0" fmla="*/ 553255 h 3319463"/>
-              <a:gd name="connsiteX1" fmla="*/ 13605 w 3321989"/>
-              <a:gd name="connsiteY1" fmla="*/ 5751 h 3319463"/>
-              <a:gd name="connsiteX2" fmla="*/ 2768734 w 3321989"/>
-              <a:gd name="connsiteY2" fmla="*/ 0 h 3319463"/>
-              <a:gd name="connsiteX3" fmla="*/ 3321989 w 3321989"/>
-              <a:gd name="connsiteY3" fmla="*/ 553255 h 3319463"/>
-              <a:gd name="connsiteX4" fmla="*/ 3321989 w 3321989"/>
-              <a:gd name="connsiteY4" fmla="*/ 2766208 h 3319463"/>
-              <a:gd name="connsiteX5" fmla="*/ 2768734 w 3321989"/>
-              <a:gd name="connsiteY5" fmla="*/ 3319463 h 3319463"/>
-              <a:gd name="connsiteX6" fmla="*/ 554194 w 3321989"/>
-              <a:gd name="connsiteY6" fmla="*/ 3319463 h 3319463"/>
-              <a:gd name="connsiteX7" fmla="*/ 939 w 3321989"/>
-              <a:gd name="connsiteY7" fmla="*/ 2766208 h 3319463"/>
-              <a:gd name="connsiteX8" fmla="*/ 939 w 3321989"/>
-              <a:gd name="connsiteY8" fmla="*/ 553255 h 3319463"/>
-              <a:gd name="connsiteX0" fmla="*/ 939 w 3321989"/>
-              <a:gd name="connsiteY0" fmla="*/ 553402 h 3319610"/>
-              <a:gd name="connsiteX1" fmla="*/ 13605 w 3321989"/>
-              <a:gd name="connsiteY1" fmla="*/ 5898 h 3319610"/>
-              <a:gd name="connsiteX2" fmla="*/ 2768734 w 3321989"/>
-              <a:gd name="connsiteY2" fmla="*/ 147 h 3319610"/>
-              <a:gd name="connsiteX3" fmla="*/ 3321989 w 3321989"/>
-              <a:gd name="connsiteY3" fmla="*/ 553402 h 3319610"/>
-              <a:gd name="connsiteX4" fmla="*/ 3321989 w 3321989"/>
-              <a:gd name="connsiteY4" fmla="*/ 2766355 h 3319610"/>
-              <a:gd name="connsiteX5" fmla="*/ 2768734 w 3321989"/>
-              <a:gd name="connsiteY5" fmla="*/ 3319610 h 3319610"/>
-              <a:gd name="connsiteX6" fmla="*/ 554194 w 3321989"/>
-              <a:gd name="connsiteY6" fmla="*/ 3319610 h 3319610"/>
-              <a:gd name="connsiteX7" fmla="*/ 939 w 3321989"/>
-              <a:gd name="connsiteY7" fmla="*/ 2766355 h 3319610"/>
-              <a:gd name="connsiteX8" fmla="*/ 939 w 3321989"/>
-              <a:gd name="connsiteY8" fmla="*/ 553402 h 3319610"/>
-              <a:gd name="connsiteX0" fmla="*/ 13605 w 3321989"/>
-              <a:gd name="connsiteY0" fmla="*/ 5898 h 3319610"/>
-              <a:gd name="connsiteX1" fmla="*/ 2768734 w 3321989"/>
-              <a:gd name="connsiteY1" fmla="*/ 147 h 3319610"/>
-              <a:gd name="connsiteX2" fmla="*/ 3321989 w 3321989"/>
-              <a:gd name="connsiteY2" fmla="*/ 553402 h 3319610"/>
-              <a:gd name="connsiteX3" fmla="*/ 3321989 w 3321989"/>
-              <a:gd name="connsiteY3" fmla="*/ 2766355 h 3319610"/>
-              <a:gd name="connsiteX4" fmla="*/ 2768734 w 3321989"/>
-              <a:gd name="connsiteY4" fmla="*/ 3319610 h 3319610"/>
-              <a:gd name="connsiteX5" fmla="*/ 554194 w 3321989"/>
-              <a:gd name="connsiteY5" fmla="*/ 3319610 h 3319610"/>
-              <a:gd name="connsiteX6" fmla="*/ 939 w 3321989"/>
-              <a:gd name="connsiteY6" fmla="*/ 2766355 h 3319610"/>
-              <a:gd name="connsiteX7" fmla="*/ 939 w 3321989"/>
-              <a:gd name="connsiteY7" fmla="*/ 553402 h 3319610"/>
-              <a:gd name="connsiteX8" fmla="*/ 105045 w 3321989"/>
-              <a:gd name="connsiteY8" fmla="*/ 97338 h 3319610"/>
-              <a:gd name="connsiteX0" fmla="*/ 13605 w 3321989"/>
-              <a:gd name="connsiteY0" fmla="*/ 5898 h 3319610"/>
-              <a:gd name="connsiteX1" fmla="*/ 2768734 w 3321989"/>
-              <a:gd name="connsiteY1" fmla="*/ 147 h 3319610"/>
-              <a:gd name="connsiteX2" fmla="*/ 3321989 w 3321989"/>
-              <a:gd name="connsiteY2" fmla="*/ 553402 h 3319610"/>
-              <a:gd name="connsiteX3" fmla="*/ 3321989 w 3321989"/>
-              <a:gd name="connsiteY3" fmla="*/ 2766355 h 3319610"/>
-              <a:gd name="connsiteX4" fmla="*/ 2768734 w 3321989"/>
-              <a:gd name="connsiteY4" fmla="*/ 3319610 h 3319610"/>
-              <a:gd name="connsiteX5" fmla="*/ 554194 w 3321989"/>
-              <a:gd name="connsiteY5" fmla="*/ 3319610 h 3319610"/>
-              <a:gd name="connsiteX6" fmla="*/ 939 w 3321989"/>
-              <a:gd name="connsiteY6" fmla="*/ 2766355 h 3319610"/>
-              <a:gd name="connsiteX7" fmla="*/ 939 w 3321989"/>
-              <a:gd name="connsiteY7" fmla="*/ 553402 h 3319610"/>
-              <a:gd name="connsiteX0" fmla="*/ 13605 w 3321989"/>
-              <a:gd name="connsiteY0" fmla="*/ 5898 h 3319610"/>
-              <a:gd name="connsiteX1" fmla="*/ 2768734 w 3321989"/>
-              <a:gd name="connsiteY1" fmla="*/ 147 h 3319610"/>
-              <a:gd name="connsiteX2" fmla="*/ 3321989 w 3321989"/>
-              <a:gd name="connsiteY2" fmla="*/ 553402 h 3319610"/>
-              <a:gd name="connsiteX3" fmla="*/ 3321989 w 3321989"/>
-              <a:gd name="connsiteY3" fmla="*/ 2766355 h 3319610"/>
-              <a:gd name="connsiteX4" fmla="*/ 2768734 w 3321989"/>
-              <a:gd name="connsiteY4" fmla="*/ 3319610 h 3319610"/>
-              <a:gd name="connsiteX5" fmla="*/ 554194 w 3321989"/>
-              <a:gd name="connsiteY5" fmla="*/ 3319610 h 3319610"/>
-              <a:gd name="connsiteX6" fmla="*/ 939 w 3321989"/>
-              <a:gd name="connsiteY6" fmla="*/ 2766355 h 3319610"/>
-              <a:gd name="connsiteX7" fmla="*/ 939 w 3321989"/>
-              <a:gd name="connsiteY7" fmla="*/ 553402 h 3319610"/>
-              <a:gd name="connsiteX0" fmla="*/ 12666 w 3321050"/>
-              <a:gd name="connsiteY0" fmla="*/ 5898 h 3319610"/>
-              <a:gd name="connsiteX1" fmla="*/ 2767795 w 3321050"/>
-              <a:gd name="connsiteY1" fmla="*/ 147 h 3319610"/>
-              <a:gd name="connsiteX2" fmla="*/ 3321050 w 3321050"/>
-              <a:gd name="connsiteY2" fmla="*/ 553402 h 3319610"/>
-              <a:gd name="connsiteX3" fmla="*/ 3321050 w 3321050"/>
-              <a:gd name="connsiteY3" fmla="*/ 2766355 h 3319610"/>
-              <a:gd name="connsiteX4" fmla="*/ 2767795 w 3321050"/>
-              <a:gd name="connsiteY4" fmla="*/ 3319610 h 3319610"/>
-              <a:gd name="connsiteX5" fmla="*/ 553255 w 3321050"/>
-              <a:gd name="connsiteY5" fmla="*/ 3319610 h 3319610"/>
-              <a:gd name="connsiteX6" fmla="*/ 0 w 3321050"/>
-              <a:gd name="connsiteY6" fmla="*/ 2766355 h 3319610"/>
-              <a:gd name="connsiteX7" fmla="*/ 9903 w 3321050"/>
-              <a:gd name="connsiteY7" fmla="*/ 104455 h 3319610"/>
-              <a:gd name="connsiteX0" fmla="*/ 12666 w 3321050"/>
-              <a:gd name="connsiteY0" fmla="*/ 7088 h 3320800"/>
-              <a:gd name="connsiteX1" fmla="*/ 2767795 w 3321050"/>
-              <a:gd name="connsiteY1" fmla="*/ 1337 h 3320800"/>
-              <a:gd name="connsiteX2" fmla="*/ 3321050 w 3321050"/>
-              <a:gd name="connsiteY2" fmla="*/ 554592 h 3320800"/>
-              <a:gd name="connsiteX3" fmla="*/ 3321050 w 3321050"/>
-              <a:gd name="connsiteY3" fmla="*/ 2767545 h 3320800"/>
-              <a:gd name="connsiteX4" fmla="*/ 2767795 w 3321050"/>
-              <a:gd name="connsiteY4" fmla="*/ 3320800 h 3320800"/>
-              <a:gd name="connsiteX5" fmla="*/ 553255 w 3321050"/>
-              <a:gd name="connsiteY5" fmla="*/ 3320800 h 3320800"/>
-              <a:gd name="connsiteX6" fmla="*/ 0 w 3321050"/>
-              <a:gd name="connsiteY6" fmla="*/ 2767545 h 3320800"/>
-              <a:gd name="connsiteX7" fmla="*/ 13204 w 3321050"/>
-              <a:gd name="connsiteY7" fmla="*/ 10 h 3320800"/>
-            </a:gdLst>
-            <a:ahLst/>
-            <a:cxnLst>
-              <a:cxn ang="0">
-                <a:pos x="connsiteX0" y="connsiteY0"/>
-              </a:cxn>
-              <a:cxn ang="0">
-                <a:pos x="connsiteX1" y="connsiteY1"/>
-              </a:cxn>
-              <a:cxn ang="0">
-                <a:pos x="connsiteX2" y="connsiteY2"/>
-              </a:cxn>
-              <a:cxn ang="0">
-                <a:pos x="connsiteX3" y="connsiteY3"/>
-              </a:cxn>
-              <a:cxn ang="0">
-                <a:pos x="connsiteX4" y="connsiteY4"/>
-              </a:cxn>
-              <a:cxn ang="0">
-                <a:pos x="connsiteX5" y="connsiteY5"/>
-              </a:cxn>
-              <a:cxn ang="0">
-                <a:pos x="connsiteX6" y="connsiteY6"/>
-              </a:cxn>
-              <a:cxn ang="0">
-                <a:pos x="connsiteX7" y="connsiteY7"/>
-              </a:cxn>
-            </a:cxnLst>
-            <a:rect l="l" t="t" r="r" b="b"/>
-            <a:pathLst>
-              <a:path w="3321050" h="3320800">
-                <a:moveTo>
-                  <a:pt x="12666" y="7088"/>
-                </a:moveTo>
-                <a:cubicBezTo>
-                  <a:pt x="16888" y="-2885"/>
-                  <a:pt x="1849419" y="3254"/>
-                  <a:pt x="2767795" y="1337"/>
-                </a:cubicBezTo>
-                <a:cubicBezTo>
-                  <a:pt x="3073349" y="1337"/>
-                  <a:pt x="3321050" y="249038"/>
-                  <a:pt x="3321050" y="554592"/>
-                </a:cubicBezTo>
-                <a:lnTo>
-                  <a:pt x="3321050" y="2767545"/>
-                </a:lnTo>
-                <a:cubicBezTo>
-                  <a:pt x="3321050" y="3073099"/>
-                  <a:pt x="3073349" y="3320800"/>
-                  <a:pt x="2767795" y="3320800"/>
-                </a:cubicBezTo>
-                <a:lnTo>
-                  <a:pt x="553255" y="3320800"/>
-                </a:lnTo>
-                <a:cubicBezTo>
-                  <a:pt x="247701" y="3320800"/>
-                  <a:pt x="0" y="3073099"/>
-                  <a:pt x="0" y="2767545"/>
-                </a:cubicBezTo>
-                <a:cubicBezTo>
-                  <a:pt x="0" y="2029894"/>
-                  <a:pt x="11093" y="-5367"/>
-                  <a:pt x="13204" y="10"/>
-                </a:cubicBezTo>
-              </a:path>
-            </a:pathLst>
-          </a:custGeom>
-        </p:spPr>
-      </p:pic>
-      <p:sp>
-        <p:nvSpPr>
-          <p:cNvPr id="48" name="Right Arrow 47"/>
-          <p:cNvSpPr/>
-          <p:nvPr/>
-        </p:nvSpPr>
-        <p:spPr>
-          <a:xfrm rot="7469433">
-            <a:off x="11207505" y="1310619"/>
-            <a:ext cx="710236" cy="351800"/>
-          </a:xfrm>
-          <a:prstGeom prst="rightArrow">
-            <a:avLst/>
-          </a:prstGeom>
-          <a:solidFill>
-            <a:schemeClr val="accent3"/>
-          </a:solidFill>
-          <a:ln>
-            <a:noFill/>
-            <a:prstDash val="dash"/>
-          </a:ln>
-        </p:spPr>
-        <p:txBody>
-          <a:bodyPr wrap="square" lIns="0" rtlCol="0" anchor="ctr">
-            <a:noAutofit/>
-          </a:bodyPr>
-          <a:lstStyle/>
-          <a:p>
-            <a:pPr algn="ctr"/>
-            <a:endParaRPr lang="en-US" dirty="0"/>
-          </a:p>
-        </p:txBody>
-      </p:sp>
-    </p:spTree>
-    <p:extLst>
-      <p:ext uri="{BB962C8B-B14F-4D97-AF65-F5344CB8AC3E}">
-        <p14:creationId xmlns:p14="http://schemas.microsoft.com/office/powerpoint/2010/main" val="429652591"/>
       </p:ext>
     </p:extLst>
   </p:cSld>
@@ -42192,7 +39695,7 @@
               <a:t>JavaScript </a:t>
             </a:r>
             <a:r>
-              <a:rPr lang="pl-PL" dirty="0" err="1" smtClean="0"/>
+              <a:rPr lang="en-US" dirty="0" smtClean="0"/>
               <a:t>basis</a:t>
             </a:r>
             <a:endParaRPr lang="en-US" dirty="0"/>
